--- a/presentation/Présentation1.pptx
+++ b/presentation/Présentation1.pptx
@@ -11,8 +11,8 @@
     <p:handoutMasterId r:id="rId5"/>
   </p:handoutMasterIdLst>
   <p:sldIdLst>
-    <p:sldId id="256" r:id="rId2"/>
-    <p:sldId id="257" r:id="rId3"/>
+    <p:sldId id="259" r:id="rId2"/>
+    <p:sldId id="260" r:id="rId3"/>
   </p:sldIdLst>
   <p:sldSz cx="12192000" cy="6858000"/>
   <p:notesSz cx="6858000" cy="9144000"/>
@@ -111,7 +111,806 @@
       </a:defRPr>
     </a:lvl9pPr>
   </p:defaultTextStyle>
+  <p:extLst>
+    <p:ext uri="{521415D9-36F7-43E2-AB2F-B90AF26B5E84}">
+      <p14:sectionLst xmlns:p14="http://schemas.microsoft.com/office/powerpoint/2010/main">
+        <p14:section name="Introduction" id="{721F06F6-6EC9-494F-A6A2-4357964A6C19}">
+          <p14:sldIdLst>
+            <p14:sldId id="259"/>
+          </p14:sldIdLst>
+        </p14:section>
+        <p14:section name="Première partie" id="{4AA07A40-5265-4799-BF88-168218E6357D}">
+          <p14:sldIdLst>
+            <p14:sldId id="260"/>
+          </p14:sldIdLst>
+        </p14:section>
+      </p14:sectionLst>
+    </p:ext>
+    <p:ext uri="{EFAFB233-063F-42B5-8137-9DF3F51BA10A}">
+      <p15:sldGuideLst xmlns:p15="http://schemas.microsoft.com/office/powerpoint/2012/main"/>
+    </p:ext>
+    <p:ext uri="{2D200454-40CA-4A62-9FC3-DE9A4176ACB9}">
+      <p15:notesGuideLst xmlns:p15="http://schemas.microsoft.com/office/powerpoint/2012/main"/>
+    </p:ext>
+  </p:extLst>
 </p:presentation>
+</file>
+
+<file path=ppt/revisionInfo.xml><?xml version="1.0" encoding="utf-8"?>
+<p1510:revInfo xmlns:a="http://schemas.openxmlformats.org/drawingml/2006/main" xmlns:r="http://schemas.openxmlformats.org/officeDocument/2006/relationships" xmlns:p1510="http://schemas.microsoft.com/office/powerpoint/2015/10/main">
+  <p1510:revLst>
+    <p1510:client id="{DB6A8ECF-B9FA-4FA8-839B-D9B55B3C70EB}" v="22" dt="2021-06-23T11:41:13.525"/>
+  </p1510:revLst>
+</p1510:revInfo>
+</file>
+
+<file path=ppt/changesInfos/changesInfo1.xml><?xml version="1.0" encoding="utf-8"?>
+<pc:chgInfo xmlns:a="http://schemas.openxmlformats.org/drawingml/2006/main" xmlns:r="http://schemas.openxmlformats.org/officeDocument/2006/relationships" xmlns:ac="http://schemas.microsoft.com/office/drawing/2013/main/command" xmlns:pc="http://schemas.microsoft.com/office/powerpoint/2013/main/command">
+  <pc:docChgLst>
+    <pc:chgData name="Hugo DEMENEZ" userId="167f3b24-aa49-4d1b-b001-4f9180dfa13d" providerId="ADAL" clId="{DB6A8ECF-B9FA-4FA8-839B-D9B55B3C70EB}"/>
+    <pc:docChg chg="undo custSel addSld delSld modSld modMainMaster addSection modSection">
+      <pc:chgData name="Hugo DEMENEZ" userId="167f3b24-aa49-4d1b-b001-4f9180dfa13d" providerId="ADAL" clId="{DB6A8ECF-B9FA-4FA8-839B-D9B55B3C70EB}" dt="2021-06-23T11:42:52.544" v="159" actId="17846"/>
+      <pc:docMkLst>
+        <pc:docMk/>
+      </pc:docMkLst>
+      <pc:sldChg chg="addSp delSp modSp del mod modClrScheme chgLayout">
+        <pc:chgData name="Hugo DEMENEZ" userId="167f3b24-aa49-4d1b-b001-4f9180dfa13d" providerId="ADAL" clId="{DB6A8ECF-B9FA-4FA8-839B-D9B55B3C70EB}" dt="2021-06-23T11:34:28.350" v="56" actId="47"/>
+        <pc:sldMkLst>
+          <pc:docMk/>
+          <pc:sldMk cId="3808120713" sldId="256"/>
+        </pc:sldMkLst>
+        <pc:spChg chg="del">
+          <ac:chgData name="Hugo DEMENEZ" userId="167f3b24-aa49-4d1b-b001-4f9180dfa13d" providerId="ADAL" clId="{DB6A8ECF-B9FA-4FA8-839B-D9B55B3C70EB}" dt="2021-06-23T11:34:14.769" v="52" actId="700"/>
+          <ac:spMkLst>
+            <pc:docMk/>
+            <pc:sldMk cId="3808120713" sldId="256"/>
+            <ac:spMk id="2" creationId="{0AC49710-8884-4C2A-A993-79564E0B3434}"/>
+          </ac:spMkLst>
+        </pc:spChg>
+        <pc:spChg chg="del">
+          <ac:chgData name="Hugo DEMENEZ" userId="167f3b24-aa49-4d1b-b001-4f9180dfa13d" providerId="ADAL" clId="{DB6A8ECF-B9FA-4FA8-839B-D9B55B3C70EB}" dt="2021-06-23T11:34:14.769" v="52" actId="700"/>
+          <ac:spMkLst>
+            <pc:docMk/>
+            <pc:sldMk cId="3808120713" sldId="256"/>
+            <ac:spMk id="3" creationId="{0137D63B-8455-4521-B425-2C78231D83B3}"/>
+          </ac:spMkLst>
+        </pc:spChg>
+        <pc:spChg chg="add del mod ord">
+          <ac:chgData name="Hugo DEMENEZ" userId="167f3b24-aa49-4d1b-b001-4f9180dfa13d" providerId="ADAL" clId="{DB6A8ECF-B9FA-4FA8-839B-D9B55B3C70EB}" dt="2021-06-23T11:34:16.955" v="53" actId="700"/>
+          <ac:spMkLst>
+            <pc:docMk/>
+            <pc:sldMk cId="3808120713" sldId="256"/>
+            <ac:spMk id="4" creationId="{A127B87F-DD46-486F-AB8C-360D0C620584}"/>
+          </ac:spMkLst>
+        </pc:spChg>
+        <pc:spChg chg="add del mod ord">
+          <ac:chgData name="Hugo DEMENEZ" userId="167f3b24-aa49-4d1b-b001-4f9180dfa13d" providerId="ADAL" clId="{DB6A8ECF-B9FA-4FA8-839B-D9B55B3C70EB}" dt="2021-06-23T11:34:16.955" v="53" actId="700"/>
+          <ac:spMkLst>
+            <pc:docMk/>
+            <pc:sldMk cId="3808120713" sldId="256"/>
+            <ac:spMk id="5" creationId="{419A97D1-E5CD-4C1A-9521-D6E04F8EC825}"/>
+          </ac:spMkLst>
+        </pc:spChg>
+        <pc:spChg chg="mod ord">
+          <ac:chgData name="Hugo DEMENEZ" userId="167f3b24-aa49-4d1b-b001-4f9180dfa13d" providerId="ADAL" clId="{DB6A8ECF-B9FA-4FA8-839B-D9B55B3C70EB}" dt="2021-06-23T11:34:18.486" v="54" actId="700"/>
+          <ac:spMkLst>
+            <pc:docMk/>
+            <pc:sldMk cId="3808120713" sldId="256"/>
+            <ac:spMk id="6" creationId="{E7A0F088-494F-4099-9EBB-F480D6A43E26}"/>
+          </ac:spMkLst>
+        </pc:spChg>
+        <pc:spChg chg="mod ord">
+          <ac:chgData name="Hugo DEMENEZ" userId="167f3b24-aa49-4d1b-b001-4f9180dfa13d" providerId="ADAL" clId="{DB6A8ECF-B9FA-4FA8-839B-D9B55B3C70EB}" dt="2021-06-23T11:34:18.486" v="54" actId="700"/>
+          <ac:spMkLst>
+            <pc:docMk/>
+            <pc:sldMk cId="3808120713" sldId="256"/>
+            <ac:spMk id="7" creationId="{FD937429-E13C-45D8-898D-A726521CCC43}"/>
+          </ac:spMkLst>
+        </pc:spChg>
+        <pc:spChg chg="add del mod ord">
+          <ac:chgData name="Hugo DEMENEZ" userId="167f3b24-aa49-4d1b-b001-4f9180dfa13d" providerId="ADAL" clId="{DB6A8ECF-B9FA-4FA8-839B-D9B55B3C70EB}" dt="2021-06-23T11:34:18.486" v="54" actId="700"/>
+          <ac:spMkLst>
+            <pc:docMk/>
+            <pc:sldMk cId="3808120713" sldId="256"/>
+            <ac:spMk id="8" creationId="{300F3BE4-ABAA-4EE5-A1DF-A4D47509ADA4}"/>
+          </ac:spMkLst>
+        </pc:spChg>
+        <pc:spChg chg="add del mod ord">
+          <ac:chgData name="Hugo DEMENEZ" userId="167f3b24-aa49-4d1b-b001-4f9180dfa13d" providerId="ADAL" clId="{DB6A8ECF-B9FA-4FA8-839B-D9B55B3C70EB}" dt="2021-06-23T11:34:18.486" v="54" actId="700"/>
+          <ac:spMkLst>
+            <pc:docMk/>
+            <pc:sldMk cId="3808120713" sldId="256"/>
+            <ac:spMk id="9" creationId="{E28A7749-71EE-4A0F-93E3-355618F8781B}"/>
+          </ac:spMkLst>
+        </pc:spChg>
+        <pc:spChg chg="add mod ord">
+          <ac:chgData name="Hugo DEMENEZ" userId="167f3b24-aa49-4d1b-b001-4f9180dfa13d" providerId="ADAL" clId="{DB6A8ECF-B9FA-4FA8-839B-D9B55B3C70EB}" dt="2021-06-23T11:34:18.486" v="54" actId="700"/>
+          <ac:spMkLst>
+            <pc:docMk/>
+            <pc:sldMk cId="3808120713" sldId="256"/>
+            <ac:spMk id="10" creationId="{1E844D9D-97DD-4A6E-BD28-964201F0AF9E}"/>
+          </ac:spMkLst>
+        </pc:spChg>
+        <pc:spChg chg="add mod ord">
+          <ac:chgData name="Hugo DEMENEZ" userId="167f3b24-aa49-4d1b-b001-4f9180dfa13d" providerId="ADAL" clId="{DB6A8ECF-B9FA-4FA8-839B-D9B55B3C70EB}" dt="2021-06-23T11:34:18.486" v="54" actId="700"/>
+          <ac:spMkLst>
+            <pc:docMk/>
+            <pc:sldMk cId="3808120713" sldId="256"/>
+            <ac:spMk id="11" creationId="{18E86241-ADFD-41D4-8CB8-4BCD5214284F}"/>
+          </ac:spMkLst>
+        </pc:spChg>
+      </pc:sldChg>
+      <pc:sldChg chg="del">
+        <pc:chgData name="Hugo DEMENEZ" userId="167f3b24-aa49-4d1b-b001-4f9180dfa13d" providerId="ADAL" clId="{DB6A8ECF-B9FA-4FA8-839B-D9B55B3C70EB}" dt="2021-06-23T11:34:29.143" v="58" actId="47"/>
+        <pc:sldMkLst>
+          <pc:docMk/>
+          <pc:sldMk cId="3283699238" sldId="257"/>
+        </pc:sldMkLst>
+      </pc:sldChg>
+      <pc:sldChg chg="addSp delSp new del">
+        <pc:chgData name="Hugo DEMENEZ" userId="167f3b24-aa49-4d1b-b001-4f9180dfa13d" providerId="ADAL" clId="{DB6A8ECF-B9FA-4FA8-839B-D9B55B3C70EB}" dt="2021-06-23T11:34:28.624" v="57" actId="47"/>
+        <pc:sldMkLst>
+          <pc:docMk/>
+          <pc:sldMk cId="2390795875" sldId="258"/>
+        </pc:sldMkLst>
+        <pc:picChg chg="add del">
+          <ac:chgData name="Hugo DEMENEZ" userId="167f3b24-aa49-4d1b-b001-4f9180dfa13d" providerId="ADAL" clId="{DB6A8ECF-B9FA-4FA8-839B-D9B55B3C70EB}" dt="2021-06-23T11:30:10.293" v="2" actId="478"/>
+          <ac:picMkLst>
+            <pc:docMk/>
+            <pc:sldMk cId="2390795875" sldId="258"/>
+            <ac:picMk id="1026" creationId="{0785226C-0967-4739-9B5A-59779D904733}"/>
+          </ac:picMkLst>
+        </pc:picChg>
+      </pc:sldChg>
+      <pc:sldChg chg="addSp delSp modSp new mod">
+        <pc:chgData name="Hugo DEMENEZ" userId="167f3b24-aa49-4d1b-b001-4f9180dfa13d" providerId="ADAL" clId="{DB6A8ECF-B9FA-4FA8-839B-D9B55B3C70EB}" dt="2021-06-23T11:40:55.741" v="149" actId="21"/>
+        <pc:sldMkLst>
+          <pc:docMk/>
+          <pc:sldMk cId="1841864826" sldId="259"/>
+        </pc:sldMkLst>
+        <pc:spChg chg="add mod">
+          <ac:chgData name="Hugo DEMENEZ" userId="167f3b24-aa49-4d1b-b001-4f9180dfa13d" providerId="ADAL" clId="{DB6A8ECF-B9FA-4FA8-839B-D9B55B3C70EB}" dt="2021-06-23T11:40:45.411" v="147" actId="164"/>
+          <ac:spMkLst>
+            <pc:docMk/>
+            <pc:sldMk cId="1841864826" sldId="259"/>
+            <ac:spMk id="6" creationId="{ECB9B133-C54F-4840-8BA1-1C3CA47722B6}"/>
+          </ac:spMkLst>
+        </pc:spChg>
+        <pc:spChg chg="add mod">
+          <ac:chgData name="Hugo DEMENEZ" userId="167f3b24-aa49-4d1b-b001-4f9180dfa13d" providerId="ADAL" clId="{DB6A8ECF-B9FA-4FA8-839B-D9B55B3C70EB}" dt="2021-06-23T11:40:45.411" v="147" actId="164"/>
+          <ac:spMkLst>
+            <pc:docMk/>
+            <pc:sldMk cId="1841864826" sldId="259"/>
+            <ac:spMk id="9" creationId="{AE54C766-320E-4906-980F-5E47E1F4BAF1}"/>
+          </ac:spMkLst>
+        </pc:spChg>
+        <pc:spChg chg="add mod">
+          <ac:chgData name="Hugo DEMENEZ" userId="167f3b24-aa49-4d1b-b001-4f9180dfa13d" providerId="ADAL" clId="{DB6A8ECF-B9FA-4FA8-839B-D9B55B3C70EB}" dt="2021-06-23T11:40:45.411" v="147" actId="164"/>
+          <ac:spMkLst>
+            <pc:docMk/>
+            <pc:sldMk cId="1841864826" sldId="259"/>
+            <ac:spMk id="12" creationId="{0BC40EE1-AF69-48B6-A1CB-286814F37DDA}"/>
+          </ac:spMkLst>
+        </pc:spChg>
+        <pc:spChg chg="add mod">
+          <ac:chgData name="Hugo DEMENEZ" userId="167f3b24-aa49-4d1b-b001-4f9180dfa13d" providerId="ADAL" clId="{DB6A8ECF-B9FA-4FA8-839B-D9B55B3C70EB}" dt="2021-06-23T11:40:45.411" v="147" actId="164"/>
+          <ac:spMkLst>
+            <pc:docMk/>
+            <pc:sldMk cId="1841864826" sldId="259"/>
+            <ac:spMk id="19" creationId="{B6FAD356-836F-43F7-BD03-51DC87C2A94F}"/>
+          </ac:spMkLst>
+        </pc:spChg>
+        <pc:grpChg chg="add del mod">
+          <ac:chgData name="Hugo DEMENEZ" userId="167f3b24-aa49-4d1b-b001-4f9180dfa13d" providerId="ADAL" clId="{DB6A8ECF-B9FA-4FA8-839B-D9B55B3C70EB}" dt="2021-06-23T11:40:55.741" v="149" actId="21"/>
+          <ac:grpSpMkLst>
+            <pc:docMk/>
+            <pc:sldMk cId="1841864826" sldId="259"/>
+            <ac:grpSpMk id="24" creationId="{058558A5-E4E4-4D28-90B7-53D3F89303A6}"/>
+          </ac:grpSpMkLst>
+        </pc:grpChg>
+        <pc:cxnChg chg="add del mod">
+          <ac:chgData name="Hugo DEMENEZ" userId="167f3b24-aa49-4d1b-b001-4f9180dfa13d" providerId="ADAL" clId="{DB6A8ECF-B9FA-4FA8-839B-D9B55B3C70EB}" dt="2021-06-23T11:36:48.915" v="71" actId="11529"/>
+          <ac:cxnSpMkLst>
+            <pc:docMk/>
+            <pc:sldMk cId="1841864826" sldId="259"/>
+            <ac:cxnSpMk id="8" creationId="{3C5DE30F-5A46-4BD2-895B-50BCCD375B49}"/>
+          </ac:cxnSpMkLst>
+        </pc:cxnChg>
+        <pc:cxnChg chg="add mod">
+          <ac:chgData name="Hugo DEMENEZ" userId="167f3b24-aa49-4d1b-b001-4f9180dfa13d" providerId="ADAL" clId="{DB6A8ECF-B9FA-4FA8-839B-D9B55B3C70EB}" dt="2021-06-23T11:40:55.741" v="149" actId="21"/>
+          <ac:cxnSpMkLst>
+            <pc:docMk/>
+            <pc:sldMk cId="1841864826" sldId="259"/>
+            <ac:cxnSpMk id="11" creationId="{08A4DE18-1D65-4717-B581-18861337222E}"/>
+          </ac:cxnSpMkLst>
+        </pc:cxnChg>
+        <pc:cxnChg chg="add mod">
+          <ac:chgData name="Hugo DEMENEZ" userId="167f3b24-aa49-4d1b-b001-4f9180dfa13d" providerId="ADAL" clId="{DB6A8ECF-B9FA-4FA8-839B-D9B55B3C70EB}" dt="2021-06-23T11:40:55.741" v="149" actId="21"/>
+          <ac:cxnSpMkLst>
+            <pc:docMk/>
+            <pc:sldMk cId="1841864826" sldId="259"/>
+            <ac:cxnSpMk id="13" creationId="{749C20C8-7777-4705-98EF-9B82D1D74892}"/>
+          </ac:cxnSpMkLst>
+        </pc:cxnChg>
+        <pc:cxnChg chg="add mod">
+          <ac:chgData name="Hugo DEMENEZ" userId="167f3b24-aa49-4d1b-b001-4f9180dfa13d" providerId="ADAL" clId="{DB6A8ECF-B9FA-4FA8-839B-D9B55B3C70EB}" dt="2021-06-23T11:40:55.741" v="149" actId="21"/>
+          <ac:cxnSpMkLst>
+            <pc:docMk/>
+            <pc:sldMk cId="1841864826" sldId="259"/>
+            <ac:cxnSpMk id="20" creationId="{D06F2670-D309-4CA6-9856-2EA3ADA7C1EE}"/>
+          </ac:cxnSpMkLst>
+        </pc:cxnChg>
+      </pc:sldChg>
+      <pc:sldChg chg="new">
+        <pc:chgData name="Hugo DEMENEZ" userId="167f3b24-aa49-4d1b-b001-4f9180dfa13d" providerId="ADAL" clId="{DB6A8ECF-B9FA-4FA8-839B-D9B55B3C70EB}" dt="2021-06-23T11:41:38.238" v="155" actId="680"/>
+        <pc:sldMkLst>
+          <pc:docMk/>
+          <pc:sldMk cId="1379568114" sldId="260"/>
+        </pc:sldMkLst>
+      </pc:sldChg>
+      <pc:sldMasterChg chg="addSp delSp modSp mod modSldLayout">
+        <pc:chgData name="Hugo DEMENEZ" userId="167f3b24-aa49-4d1b-b001-4f9180dfa13d" providerId="ADAL" clId="{DB6A8ECF-B9FA-4FA8-839B-D9B55B3C70EB}" dt="2021-06-23T11:41:13.525" v="154"/>
+        <pc:sldMasterMkLst>
+          <pc:docMk/>
+          <pc:sldMasterMk cId="1039608128" sldId="2147483648"/>
+        </pc:sldMasterMkLst>
+        <pc:spChg chg="mod">
+          <ac:chgData name="Hugo DEMENEZ" userId="167f3b24-aa49-4d1b-b001-4f9180dfa13d" providerId="ADAL" clId="{DB6A8ECF-B9FA-4FA8-839B-D9B55B3C70EB}" dt="2021-06-23T11:41:11.748" v="153" actId="14100"/>
+          <ac:spMkLst>
+            <pc:docMk/>
+            <pc:sldMasterMk cId="1039608128" sldId="2147483648"/>
+            <ac:spMk id="2" creationId="{FB3E52CC-48DA-44C3-88E5-9314CB368629}"/>
+          </ac:spMkLst>
+        </pc:spChg>
+        <pc:spChg chg="del">
+          <ac:chgData name="Hugo DEMENEZ" userId="167f3b24-aa49-4d1b-b001-4f9180dfa13d" providerId="ADAL" clId="{DB6A8ECF-B9FA-4FA8-839B-D9B55B3C70EB}" dt="2021-06-23T11:33:50.910" v="46" actId="478"/>
+          <ac:spMkLst>
+            <pc:docMk/>
+            <pc:sldMasterMk cId="1039608128" sldId="2147483648"/>
+            <ac:spMk id="4" creationId="{3CF60A45-434E-4E1E-9A40-647F86D4909D}"/>
+          </ac:spMkLst>
+        </pc:spChg>
+        <pc:spChg chg="mod">
+          <ac:chgData name="Hugo DEMENEZ" userId="167f3b24-aa49-4d1b-b001-4f9180dfa13d" providerId="ADAL" clId="{DB6A8ECF-B9FA-4FA8-839B-D9B55B3C70EB}" dt="2021-06-23T11:31:52.542" v="17" actId="20577"/>
+          <ac:spMkLst>
+            <pc:docMk/>
+            <pc:sldMasterMk cId="1039608128" sldId="2147483648"/>
+            <ac:spMk id="5" creationId="{003F51C4-9187-44AE-9060-4498E8B32737}"/>
+          </ac:spMkLst>
+        </pc:spChg>
+        <pc:spChg chg="add del mod">
+          <ac:chgData name="Hugo DEMENEZ" userId="167f3b24-aa49-4d1b-b001-4f9180dfa13d" providerId="ADAL" clId="{DB6A8ECF-B9FA-4FA8-839B-D9B55B3C70EB}" dt="2021-06-23T11:36:21.051" v="67" actId="478"/>
+          <ac:spMkLst>
+            <pc:docMk/>
+            <pc:sldMasterMk cId="1039608128" sldId="2147483648"/>
+            <ac:spMk id="8" creationId="{3263A285-D97A-4281-A985-789BE771F96B}"/>
+          </ac:spMkLst>
+        </pc:spChg>
+        <pc:spChg chg="mod">
+          <ac:chgData name="Hugo DEMENEZ" userId="167f3b24-aa49-4d1b-b001-4f9180dfa13d" providerId="ADAL" clId="{DB6A8ECF-B9FA-4FA8-839B-D9B55B3C70EB}" dt="2021-06-23T11:41:13.525" v="154"/>
+          <ac:spMkLst>
+            <pc:docMk/>
+            <pc:sldMasterMk cId="1039608128" sldId="2147483648"/>
+            <ac:spMk id="10" creationId="{05104B38-979D-4CA7-963B-118AE58AF840}"/>
+          </ac:spMkLst>
+        </pc:spChg>
+        <pc:spChg chg="mod">
+          <ac:chgData name="Hugo DEMENEZ" userId="167f3b24-aa49-4d1b-b001-4f9180dfa13d" providerId="ADAL" clId="{DB6A8ECF-B9FA-4FA8-839B-D9B55B3C70EB}" dt="2021-06-23T11:41:13.525" v="154"/>
+          <ac:spMkLst>
+            <pc:docMk/>
+            <pc:sldMasterMk cId="1039608128" sldId="2147483648"/>
+            <ac:spMk id="11" creationId="{2ABBCDDF-5533-4EE7-8244-6B7BB8011259}"/>
+          </ac:spMkLst>
+        </pc:spChg>
+        <pc:spChg chg="mod">
+          <ac:chgData name="Hugo DEMENEZ" userId="167f3b24-aa49-4d1b-b001-4f9180dfa13d" providerId="ADAL" clId="{DB6A8ECF-B9FA-4FA8-839B-D9B55B3C70EB}" dt="2021-06-23T11:41:13.525" v="154"/>
+          <ac:spMkLst>
+            <pc:docMk/>
+            <pc:sldMasterMk cId="1039608128" sldId="2147483648"/>
+            <ac:spMk id="13" creationId="{80F54A84-0C75-464A-AC82-A8E917E7C313}"/>
+          </ac:spMkLst>
+        </pc:spChg>
+        <pc:spChg chg="mod">
+          <ac:chgData name="Hugo DEMENEZ" userId="167f3b24-aa49-4d1b-b001-4f9180dfa13d" providerId="ADAL" clId="{DB6A8ECF-B9FA-4FA8-839B-D9B55B3C70EB}" dt="2021-06-23T11:41:13.525" v="154"/>
+          <ac:spMkLst>
+            <pc:docMk/>
+            <pc:sldMasterMk cId="1039608128" sldId="2147483648"/>
+            <ac:spMk id="15" creationId="{B9373C20-186C-45BA-BA3E-5E412DB64D28}"/>
+          </ac:spMkLst>
+        </pc:spChg>
+        <pc:grpChg chg="add mod">
+          <ac:chgData name="Hugo DEMENEZ" userId="167f3b24-aa49-4d1b-b001-4f9180dfa13d" providerId="ADAL" clId="{DB6A8ECF-B9FA-4FA8-839B-D9B55B3C70EB}" dt="2021-06-23T11:41:13.525" v="154"/>
+          <ac:grpSpMkLst>
+            <pc:docMk/>
+            <pc:sldMasterMk cId="1039608128" sldId="2147483648"/>
+            <ac:grpSpMk id="9" creationId="{3D00BE95-D509-48FB-AED1-3A73734CE197}"/>
+          </ac:grpSpMkLst>
+        </pc:grpChg>
+        <pc:cxnChg chg="mod">
+          <ac:chgData name="Hugo DEMENEZ" userId="167f3b24-aa49-4d1b-b001-4f9180dfa13d" providerId="ADAL" clId="{DB6A8ECF-B9FA-4FA8-839B-D9B55B3C70EB}" dt="2021-06-23T11:41:13.525" v="154"/>
+          <ac:cxnSpMkLst>
+            <pc:docMk/>
+            <pc:sldMasterMk cId="1039608128" sldId="2147483648"/>
+            <ac:cxnSpMk id="12" creationId="{2A356A1E-72F3-4A7F-A8A8-B113BB7ECBDB}"/>
+          </ac:cxnSpMkLst>
+        </pc:cxnChg>
+        <pc:cxnChg chg="mod">
+          <ac:chgData name="Hugo DEMENEZ" userId="167f3b24-aa49-4d1b-b001-4f9180dfa13d" providerId="ADAL" clId="{DB6A8ECF-B9FA-4FA8-839B-D9B55B3C70EB}" dt="2021-06-23T11:41:13.525" v="154"/>
+          <ac:cxnSpMkLst>
+            <pc:docMk/>
+            <pc:sldMasterMk cId="1039608128" sldId="2147483648"/>
+            <ac:cxnSpMk id="14" creationId="{B545FD13-20B8-4E0A-BD35-E5CC903604B9}"/>
+          </ac:cxnSpMkLst>
+        </pc:cxnChg>
+        <pc:cxnChg chg="mod">
+          <ac:chgData name="Hugo DEMENEZ" userId="167f3b24-aa49-4d1b-b001-4f9180dfa13d" providerId="ADAL" clId="{DB6A8ECF-B9FA-4FA8-839B-D9B55B3C70EB}" dt="2021-06-23T11:41:13.525" v="154"/>
+          <ac:cxnSpMkLst>
+            <pc:docMk/>
+            <pc:sldMasterMk cId="1039608128" sldId="2147483648"/>
+            <ac:cxnSpMk id="16" creationId="{D044EABE-995E-4C22-8F4A-FAB8320C318C}"/>
+          </ac:cxnSpMkLst>
+        </pc:cxnChg>
+        <pc:sldLayoutChg chg="addSp delSp modSp mod">
+          <pc:chgData name="Hugo DEMENEZ" userId="167f3b24-aa49-4d1b-b001-4f9180dfa13d" providerId="ADAL" clId="{DB6A8ECF-B9FA-4FA8-839B-D9B55B3C70EB}" dt="2021-06-23T11:33:53.138" v="47" actId="478"/>
+          <pc:sldLayoutMkLst>
+            <pc:docMk/>
+            <pc:sldMasterMk cId="1039608128" sldId="2147483648"/>
+            <pc:sldLayoutMk cId="3835352208" sldId="2147483649"/>
+          </pc:sldLayoutMkLst>
+          <pc:spChg chg="del">
+            <ac:chgData name="Hugo DEMENEZ" userId="167f3b24-aa49-4d1b-b001-4f9180dfa13d" providerId="ADAL" clId="{DB6A8ECF-B9FA-4FA8-839B-D9B55B3C70EB}" dt="2021-06-23T11:33:53.138" v="47" actId="478"/>
+            <ac:spMkLst>
+              <pc:docMk/>
+              <pc:sldMasterMk cId="1039608128" sldId="2147483648"/>
+              <pc:sldLayoutMk cId="3835352208" sldId="2147483649"/>
+              <ac:spMk id="4" creationId="{AA26186E-E995-4213-B9DB-45759E6238AB}"/>
+            </ac:spMkLst>
+          </pc:spChg>
+          <pc:spChg chg="del">
+            <ac:chgData name="Hugo DEMENEZ" userId="167f3b24-aa49-4d1b-b001-4f9180dfa13d" providerId="ADAL" clId="{DB6A8ECF-B9FA-4FA8-839B-D9B55B3C70EB}" dt="2021-06-23T11:32:51.396" v="20" actId="478"/>
+            <ac:spMkLst>
+              <pc:docMk/>
+              <pc:sldMasterMk cId="1039608128" sldId="2147483648"/>
+              <pc:sldLayoutMk cId="3835352208" sldId="2147483649"/>
+              <ac:spMk id="5" creationId="{1540C100-62BD-44FF-B57D-73D7DA294B11}"/>
+            </ac:spMkLst>
+          </pc:spChg>
+          <pc:spChg chg="add mod">
+            <ac:chgData name="Hugo DEMENEZ" userId="167f3b24-aa49-4d1b-b001-4f9180dfa13d" providerId="ADAL" clId="{DB6A8ECF-B9FA-4FA8-839B-D9B55B3C70EB}" dt="2021-06-23T11:32:54.773" v="21"/>
+            <ac:spMkLst>
+              <pc:docMk/>
+              <pc:sldMasterMk cId="1039608128" sldId="2147483648"/>
+              <pc:sldLayoutMk cId="3835352208" sldId="2147483649"/>
+              <ac:spMk id="7" creationId="{4CC72462-E67F-4216-8A53-B0F4120C6E27}"/>
+            </ac:spMkLst>
+          </pc:spChg>
+        </pc:sldLayoutChg>
+        <pc:sldLayoutChg chg="addSp delSp modSp mod">
+          <pc:chgData name="Hugo DEMENEZ" userId="167f3b24-aa49-4d1b-b001-4f9180dfa13d" providerId="ADAL" clId="{DB6A8ECF-B9FA-4FA8-839B-D9B55B3C70EB}" dt="2021-06-23T11:41:07.814" v="152"/>
+          <pc:sldLayoutMkLst>
+            <pc:docMk/>
+            <pc:sldMasterMk cId="1039608128" sldId="2147483648"/>
+            <pc:sldLayoutMk cId="1523239298" sldId="2147483650"/>
+          </pc:sldLayoutMkLst>
+          <pc:spChg chg="mod">
+            <ac:chgData name="Hugo DEMENEZ" userId="167f3b24-aa49-4d1b-b001-4f9180dfa13d" providerId="ADAL" clId="{DB6A8ECF-B9FA-4FA8-839B-D9B55B3C70EB}" dt="2021-06-23T11:41:05.060" v="150" actId="14100"/>
+            <ac:spMkLst>
+              <pc:docMk/>
+              <pc:sldMasterMk cId="1039608128" sldId="2147483648"/>
+              <pc:sldLayoutMk cId="1523239298" sldId="2147483650"/>
+              <ac:spMk id="2" creationId="{84415567-6E50-4157-994B-A2B8A0A5A7BD}"/>
+            </ac:spMkLst>
+          </pc:spChg>
+          <pc:spChg chg="del">
+            <ac:chgData name="Hugo DEMENEZ" userId="167f3b24-aa49-4d1b-b001-4f9180dfa13d" providerId="ADAL" clId="{DB6A8ECF-B9FA-4FA8-839B-D9B55B3C70EB}" dt="2021-06-23T11:33:54.827" v="48" actId="478"/>
+            <ac:spMkLst>
+              <pc:docMk/>
+              <pc:sldMasterMk cId="1039608128" sldId="2147483648"/>
+              <pc:sldLayoutMk cId="1523239298" sldId="2147483650"/>
+              <ac:spMk id="4" creationId="{BC4B16FC-53CD-480F-8BA2-E806F48BA97E}"/>
+            </ac:spMkLst>
+          </pc:spChg>
+          <pc:spChg chg="mod">
+            <ac:chgData name="Hugo DEMENEZ" userId="167f3b24-aa49-4d1b-b001-4f9180dfa13d" providerId="ADAL" clId="{DB6A8ECF-B9FA-4FA8-839B-D9B55B3C70EB}" dt="2021-06-23T11:31:25.538" v="11" actId="20577"/>
+            <ac:spMkLst>
+              <pc:docMk/>
+              <pc:sldMasterMk cId="1039608128" sldId="2147483648"/>
+              <pc:sldLayoutMk cId="1523239298" sldId="2147483650"/>
+              <ac:spMk id="5" creationId="{8924A547-5EA1-4B9A-959D-6CF3724D424C}"/>
+            </ac:spMkLst>
+          </pc:spChg>
+          <pc:spChg chg="mod">
+            <ac:chgData name="Hugo DEMENEZ" userId="167f3b24-aa49-4d1b-b001-4f9180dfa13d" providerId="ADAL" clId="{DB6A8ECF-B9FA-4FA8-839B-D9B55B3C70EB}" dt="2021-06-23T11:41:05.406" v="151"/>
+            <ac:spMkLst>
+              <pc:docMk/>
+              <pc:sldMasterMk cId="1039608128" sldId="2147483648"/>
+              <pc:sldLayoutMk cId="1523239298" sldId="2147483650"/>
+              <ac:spMk id="8" creationId="{703400BF-6BE9-4711-9283-99D81C857DDC}"/>
+            </ac:spMkLst>
+          </pc:spChg>
+          <pc:spChg chg="mod">
+            <ac:chgData name="Hugo DEMENEZ" userId="167f3b24-aa49-4d1b-b001-4f9180dfa13d" providerId="ADAL" clId="{DB6A8ECF-B9FA-4FA8-839B-D9B55B3C70EB}" dt="2021-06-23T11:41:05.406" v="151"/>
+            <ac:spMkLst>
+              <pc:docMk/>
+              <pc:sldMasterMk cId="1039608128" sldId="2147483648"/>
+              <pc:sldLayoutMk cId="1523239298" sldId="2147483650"/>
+              <ac:spMk id="9" creationId="{8EA3262B-E368-4CA8-96F5-C1012EEEF86E}"/>
+            </ac:spMkLst>
+          </pc:spChg>
+          <pc:spChg chg="mod">
+            <ac:chgData name="Hugo DEMENEZ" userId="167f3b24-aa49-4d1b-b001-4f9180dfa13d" providerId="ADAL" clId="{DB6A8ECF-B9FA-4FA8-839B-D9B55B3C70EB}" dt="2021-06-23T11:41:05.406" v="151"/>
+            <ac:spMkLst>
+              <pc:docMk/>
+              <pc:sldMasterMk cId="1039608128" sldId="2147483648"/>
+              <pc:sldLayoutMk cId="1523239298" sldId="2147483650"/>
+              <ac:spMk id="11" creationId="{EFFA7C47-B415-4AB2-9DFC-F98BE532FE1D}"/>
+            </ac:spMkLst>
+          </pc:spChg>
+          <pc:spChg chg="mod">
+            <ac:chgData name="Hugo DEMENEZ" userId="167f3b24-aa49-4d1b-b001-4f9180dfa13d" providerId="ADAL" clId="{DB6A8ECF-B9FA-4FA8-839B-D9B55B3C70EB}" dt="2021-06-23T11:41:05.406" v="151"/>
+            <ac:spMkLst>
+              <pc:docMk/>
+              <pc:sldMasterMk cId="1039608128" sldId="2147483648"/>
+              <pc:sldLayoutMk cId="1523239298" sldId="2147483650"/>
+              <ac:spMk id="13" creationId="{C5CD0031-7BED-4808-8CD5-E8ACAF26BC36}"/>
+            </ac:spMkLst>
+          </pc:spChg>
+          <pc:grpChg chg="add del mod">
+            <ac:chgData name="Hugo DEMENEZ" userId="167f3b24-aa49-4d1b-b001-4f9180dfa13d" providerId="ADAL" clId="{DB6A8ECF-B9FA-4FA8-839B-D9B55B3C70EB}" dt="2021-06-23T11:41:07.814" v="152"/>
+            <ac:grpSpMkLst>
+              <pc:docMk/>
+              <pc:sldMasterMk cId="1039608128" sldId="2147483648"/>
+              <pc:sldLayoutMk cId="1523239298" sldId="2147483650"/>
+              <ac:grpSpMk id="7" creationId="{20FB52B2-01BE-4C30-B027-FA1997717BD1}"/>
+            </ac:grpSpMkLst>
+          </pc:grpChg>
+          <pc:cxnChg chg="mod">
+            <ac:chgData name="Hugo DEMENEZ" userId="167f3b24-aa49-4d1b-b001-4f9180dfa13d" providerId="ADAL" clId="{DB6A8ECF-B9FA-4FA8-839B-D9B55B3C70EB}" dt="2021-06-23T11:41:05.406" v="151"/>
+            <ac:cxnSpMkLst>
+              <pc:docMk/>
+              <pc:sldMasterMk cId="1039608128" sldId="2147483648"/>
+              <pc:sldLayoutMk cId="1523239298" sldId="2147483650"/>
+              <ac:cxnSpMk id="10" creationId="{284E7774-0DB3-45BF-A121-E135A3C80259}"/>
+            </ac:cxnSpMkLst>
+          </pc:cxnChg>
+          <pc:cxnChg chg="mod">
+            <ac:chgData name="Hugo DEMENEZ" userId="167f3b24-aa49-4d1b-b001-4f9180dfa13d" providerId="ADAL" clId="{DB6A8ECF-B9FA-4FA8-839B-D9B55B3C70EB}" dt="2021-06-23T11:41:05.406" v="151"/>
+            <ac:cxnSpMkLst>
+              <pc:docMk/>
+              <pc:sldMasterMk cId="1039608128" sldId="2147483648"/>
+              <pc:sldLayoutMk cId="1523239298" sldId="2147483650"/>
+              <ac:cxnSpMk id="12" creationId="{9FBC23F6-70CE-45E1-99D4-0CE6CAAFF46B}"/>
+            </ac:cxnSpMkLst>
+          </pc:cxnChg>
+          <pc:cxnChg chg="mod">
+            <ac:chgData name="Hugo DEMENEZ" userId="167f3b24-aa49-4d1b-b001-4f9180dfa13d" providerId="ADAL" clId="{DB6A8ECF-B9FA-4FA8-839B-D9B55B3C70EB}" dt="2021-06-23T11:41:05.406" v="151"/>
+            <ac:cxnSpMkLst>
+              <pc:docMk/>
+              <pc:sldMasterMk cId="1039608128" sldId="2147483648"/>
+              <pc:sldLayoutMk cId="1523239298" sldId="2147483650"/>
+              <ac:cxnSpMk id="14" creationId="{D36D668F-F492-4F3E-9F18-D1AFF82A0989}"/>
+            </ac:cxnSpMkLst>
+          </pc:cxnChg>
+        </pc:sldLayoutChg>
+        <pc:sldLayoutChg chg="addSp delSp modSp mod">
+          <pc:chgData name="Hugo DEMENEZ" userId="167f3b24-aa49-4d1b-b001-4f9180dfa13d" providerId="ADAL" clId="{DB6A8ECF-B9FA-4FA8-839B-D9B55B3C70EB}" dt="2021-06-23T11:33:56.123" v="49" actId="478"/>
+          <pc:sldLayoutMkLst>
+            <pc:docMk/>
+            <pc:sldMasterMk cId="1039608128" sldId="2147483648"/>
+            <pc:sldLayoutMk cId="2359533501" sldId="2147483651"/>
+          </pc:sldLayoutMkLst>
+          <pc:spChg chg="del">
+            <ac:chgData name="Hugo DEMENEZ" userId="167f3b24-aa49-4d1b-b001-4f9180dfa13d" providerId="ADAL" clId="{DB6A8ECF-B9FA-4FA8-839B-D9B55B3C70EB}" dt="2021-06-23T11:33:56.123" v="49" actId="478"/>
+            <ac:spMkLst>
+              <pc:docMk/>
+              <pc:sldMasterMk cId="1039608128" sldId="2147483648"/>
+              <pc:sldLayoutMk cId="2359533501" sldId="2147483651"/>
+              <ac:spMk id="4" creationId="{9AB9B9C3-E9AA-4844-B13F-465EBD6E2B3E}"/>
+            </ac:spMkLst>
+          </pc:spChg>
+          <pc:spChg chg="del">
+            <ac:chgData name="Hugo DEMENEZ" userId="167f3b24-aa49-4d1b-b001-4f9180dfa13d" providerId="ADAL" clId="{DB6A8ECF-B9FA-4FA8-839B-D9B55B3C70EB}" dt="2021-06-23T11:32:59.713" v="22" actId="478"/>
+            <ac:spMkLst>
+              <pc:docMk/>
+              <pc:sldMasterMk cId="1039608128" sldId="2147483648"/>
+              <pc:sldLayoutMk cId="2359533501" sldId="2147483651"/>
+              <ac:spMk id="5" creationId="{63C744EB-343B-47B3-A6DA-36733D2404B7}"/>
+            </ac:spMkLst>
+          </pc:spChg>
+          <pc:spChg chg="add mod">
+            <ac:chgData name="Hugo DEMENEZ" userId="167f3b24-aa49-4d1b-b001-4f9180dfa13d" providerId="ADAL" clId="{DB6A8ECF-B9FA-4FA8-839B-D9B55B3C70EB}" dt="2021-06-23T11:33:00.082" v="23"/>
+            <ac:spMkLst>
+              <pc:docMk/>
+              <pc:sldMasterMk cId="1039608128" sldId="2147483648"/>
+              <pc:sldLayoutMk cId="2359533501" sldId="2147483651"/>
+              <ac:spMk id="7" creationId="{ED255B64-9343-42BA-A21D-19EC478847F3}"/>
+            </ac:spMkLst>
+          </pc:spChg>
+        </pc:sldLayoutChg>
+        <pc:sldLayoutChg chg="addSp delSp modSp mod">
+          <pc:chgData name="Hugo DEMENEZ" userId="167f3b24-aa49-4d1b-b001-4f9180dfa13d" providerId="ADAL" clId="{DB6A8ECF-B9FA-4FA8-839B-D9B55B3C70EB}" dt="2021-06-23T11:33:57.470" v="50" actId="478"/>
+          <pc:sldLayoutMkLst>
+            <pc:docMk/>
+            <pc:sldMasterMk cId="1039608128" sldId="2147483648"/>
+            <pc:sldLayoutMk cId="1988406153" sldId="2147483652"/>
+          </pc:sldLayoutMkLst>
+          <pc:spChg chg="del">
+            <ac:chgData name="Hugo DEMENEZ" userId="167f3b24-aa49-4d1b-b001-4f9180dfa13d" providerId="ADAL" clId="{DB6A8ECF-B9FA-4FA8-839B-D9B55B3C70EB}" dt="2021-06-23T11:33:57.470" v="50" actId="478"/>
+            <ac:spMkLst>
+              <pc:docMk/>
+              <pc:sldMasterMk cId="1039608128" sldId="2147483648"/>
+              <pc:sldLayoutMk cId="1988406153" sldId="2147483652"/>
+              <ac:spMk id="5" creationId="{84D1A56E-BBF2-498B-8EBF-90D8368850D6}"/>
+            </ac:spMkLst>
+          </pc:spChg>
+          <pc:spChg chg="del">
+            <ac:chgData name="Hugo DEMENEZ" userId="167f3b24-aa49-4d1b-b001-4f9180dfa13d" providerId="ADAL" clId="{DB6A8ECF-B9FA-4FA8-839B-D9B55B3C70EB}" dt="2021-06-23T11:33:02.933" v="24" actId="478"/>
+            <ac:spMkLst>
+              <pc:docMk/>
+              <pc:sldMasterMk cId="1039608128" sldId="2147483648"/>
+              <pc:sldLayoutMk cId="1988406153" sldId="2147483652"/>
+              <ac:spMk id="6" creationId="{55969DFD-A9FB-44FE-8884-C3E98386E834}"/>
+            </ac:spMkLst>
+          </pc:spChg>
+          <pc:spChg chg="add mod">
+            <ac:chgData name="Hugo DEMENEZ" userId="167f3b24-aa49-4d1b-b001-4f9180dfa13d" providerId="ADAL" clId="{DB6A8ECF-B9FA-4FA8-839B-D9B55B3C70EB}" dt="2021-06-23T11:33:03.165" v="25"/>
+            <ac:spMkLst>
+              <pc:docMk/>
+              <pc:sldMasterMk cId="1039608128" sldId="2147483648"/>
+              <pc:sldLayoutMk cId="1988406153" sldId="2147483652"/>
+              <ac:spMk id="8" creationId="{246FAF24-874A-4FC6-990D-5E024307ABBC}"/>
+            </ac:spMkLst>
+          </pc:spChg>
+        </pc:sldLayoutChg>
+        <pc:sldLayoutChg chg="addSp delSp modSp mod">
+          <pc:chgData name="Hugo DEMENEZ" userId="167f3b24-aa49-4d1b-b001-4f9180dfa13d" providerId="ADAL" clId="{DB6A8ECF-B9FA-4FA8-839B-D9B55B3C70EB}" dt="2021-06-23T11:33:59.737" v="51" actId="478"/>
+          <pc:sldLayoutMkLst>
+            <pc:docMk/>
+            <pc:sldMasterMk cId="1039608128" sldId="2147483648"/>
+            <pc:sldLayoutMk cId="436969485" sldId="2147483653"/>
+          </pc:sldLayoutMkLst>
+          <pc:spChg chg="del">
+            <ac:chgData name="Hugo DEMENEZ" userId="167f3b24-aa49-4d1b-b001-4f9180dfa13d" providerId="ADAL" clId="{DB6A8ECF-B9FA-4FA8-839B-D9B55B3C70EB}" dt="2021-06-23T11:33:59.737" v="51" actId="478"/>
+            <ac:spMkLst>
+              <pc:docMk/>
+              <pc:sldMasterMk cId="1039608128" sldId="2147483648"/>
+              <pc:sldLayoutMk cId="436969485" sldId="2147483653"/>
+              <ac:spMk id="7" creationId="{E4E2907E-F5B4-4E11-8A1E-3663F23D8992}"/>
+            </ac:spMkLst>
+          </pc:spChg>
+          <pc:spChg chg="del">
+            <ac:chgData name="Hugo DEMENEZ" userId="167f3b24-aa49-4d1b-b001-4f9180dfa13d" providerId="ADAL" clId="{DB6A8ECF-B9FA-4FA8-839B-D9B55B3C70EB}" dt="2021-06-23T11:33:06.040" v="26" actId="478"/>
+            <ac:spMkLst>
+              <pc:docMk/>
+              <pc:sldMasterMk cId="1039608128" sldId="2147483648"/>
+              <pc:sldLayoutMk cId="436969485" sldId="2147483653"/>
+              <ac:spMk id="8" creationId="{D8D4452B-7628-4154-850D-98F422B52299}"/>
+            </ac:spMkLst>
+          </pc:spChg>
+          <pc:spChg chg="add mod">
+            <ac:chgData name="Hugo DEMENEZ" userId="167f3b24-aa49-4d1b-b001-4f9180dfa13d" providerId="ADAL" clId="{DB6A8ECF-B9FA-4FA8-839B-D9B55B3C70EB}" dt="2021-06-23T11:33:06.726" v="27"/>
+            <ac:spMkLst>
+              <pc:docMk/>
+              <pc:sldMasterMk cId="1039608128" sldId="2147483648"/>
+              <pc:sldLayoutMk cId="436969485" sldId="2147483653"/>
+              <ac:spMk id="10" creationId="{4C322685-9D31-4194-875B-7D14DB59A4E1}"/>
+            </ac:spMkLst>
+          </pc:spChg>
+        </pc:sldLayoutChg>
+        <pc:sldLayoutChg chg="addSp delSp modSp mod">
+          <pc:chgData name="Hugo DEMENEZ" userId="167f3b24-aa49-4d1b-b001-4f9180dfa13d" providerId="ADAL" clId="{DB6A8ECF-B9FA-4FA8-839B-D9B55B3C70EB}" dt="2021-06-23T11:33:44.374" v="45" actId="478"/>
+          <pc:sldLayoutMkLst>
+            <pc:docMk/>
+            <pc:sldMasterMk cId="1039608128" sldId="2147483648"/>
+            <pc:sldLayoutMk cId="702507338" sldId="2147483654"/>
+          </pc:sldLayoutMkLst>
+          <pc:spChg chg="del">
+            <ac:chgData name="Hugo DEMENEZ" userId="167f3b24-aa49-4d1b-b001-4f9180dfa13d" providerId="ADAL" clId="{DB6A8ECF-B9FA-4FA8-839B-D9B55B3C70EB}" dt="2021-06-23T11:33:44.374" v="45" actId="478"/>
+            <ac:spMkLst>
+              <pc:docMk/>
+              <pc:sldMasterMk cId="1039608128" sldId="2147483648"/>
+              <pc:sldLayoutMk cId="702507338" sldId="2147483654"/>
+              <ac:spMk id="3" creationId="{1394FD96-7C04-457C-95BC-72CCAB9B97E2}"/>
+            </ac:spMkLst>
+          </pc:spChg>
+          <pc:spChg chg="del">
+            <ac:chgData name="Hugo DEMENEZ" userId="167f3b24-aa49-4d1b-b001-4f9180dfa13d" providerId="ADAL" clId="{DB6A8ECF-B9FA-4FA8-839B-D9B55B3C70EB}" dt="2021-06-23T11:33:09.376" v="28" actId="478"/>
+            <ac:spMkLst>
+              <pc:docMk/>
+              <pc:sldMasterMk cId="1039608128" sldId="2147483648"/>
+              <pc:sldLayoutMk cId="702507338" sldId="2147483654"/>
+              <ac:spMk id="4" creationId="{31CAF8D6-6F1F-48F8-B2CE-0FB314F049E6}"/>
+            </ac:spMkLst>
+          </pc:spChg>
+          <pc:spChg chg="add mod">
+            <ac:chgData name="Hugo DEMENEZ" userId="167f3b24-aa49-4d1b-b001-4f9180dfa13d" providerId="ADAL" clId="{DB6A8ECF-B9FA-4FA8-839B-D9B55B3C70EB}" dt="2021-06-23T11:33:10.099" v="29"/>
+            <ac:spMkLst>
+              <pc:docMk/>
+              <pc:sldMasterMk cId="1039608128" sldId="2147483648"/>
+              <pc:sldLayoutMk cId="702507338" sldId="2147483654"/>
+              <ac:spMk id="6" creationId="{4C4B1963-710C-4211-8B18-C5EE55E31C65}"/>
+            </ac:spMkLst>
+          </pc:spChg>
+        </pc:sldLayoutChg>
+        <pc:sldLayoutChg chg="addSp delSp modSp mod">
+          <pc:chgData name="Hugo DEMENEZ" userId="167f3b24-aa49-4d1b-b001-4f9180dfa13d" providerId="ADAL" clId="{DB6A8ECF-B9FA-4FA8-839B-D9B55B3C70EB}" dt="2021-06-23T11:33:42.038" v="44" actId="478"/>
+          <pc:sldLayoutMkLst>
+            <pc:docMk/>
+            <pc:sldMasterMk cId="1039608128" sldId="2147483648"/>
+            <pc:sldLayoutMk cId="1460100503" sldId="2147483655"/>
+          </pc:sldLayoutMkLst>
+          <pc:spChg chg="del">
+            <ac:chgData name="Hugo DEMENEZ" userId="167f3b24-aa49-4d1b-b001-4f9180dfa13d" providerId="ADAL" clId="{DB6A8ECF-B9FA-4FA8-839B-D9B55B3C70EB}" dt="2021-06-23T11:33:42.038" v="44" actId="478"/>
+            <ac:spMkLst>
+              <pc:docMk/>
+              <pc:sldMasterMk cId="1039608128" sldId="2147483648"/>
+              <pc:sldLayoutMk cId="1460100503" sldId="2147483655"/>
+              <ac:spMk id="2" creationId="{9C00A495-B6CE-4219-B1BB-1235910CA5FD}"/>
+            </ac:spMkLst>
+          </pc:spChg>
+          <pc:spChg chg="del">
+            <ac:chgData name="Hugo DEMENEZ" userId="167f3b24-aa49-4d1b-b001-4f9180dfa13d" providerId="ADAL" clId="{DB6A8ECF-B9FA-4FA8-839B-D9B55B3C70EB}" dt="2021-06-23T11:33:12.013" v="30" actId="478"/>
+            <ac:spMkLst>
+              <pc:docMk/>
+              <pc:sldMasterMk cId="1039608128" sldId="2147483648"/>
+              <pc:sldLayoutMk cId="1460100503" sldId="2147483655"/>
+              <ac:spMk id="3" creationId="{98FD121A-5125-4CFE-B300-DE2CF7C85AAE}"/>
+            </ac:spMkLst>
+          </pc:spChg>
+          <pc:spChg chg="add mod">
+            <ac:chgData name="Hugo DEMENEZ" userId="167f3b24-aa49-4d1b-b001-4f9180dfa13d" providerId="ADAL" clId="{DB6A8ECF-B9FA-4FA8-839B-D9B55B3C70EB}" dt="2021-06-23T11:33:12.804" v="31"/>
+            <ac:spMkLst>
+              <pc:docMk/>
+              <pc:sldMasterMk cId="1039608128" sldId="2147483648"/>
+              <pc:sldLayoutMk cId="1460100503" sldId="2147483655"/>
+              <ac:spMk id="5" creationId="{FF1155E8-85DA-4A3A-BAFB-12E91DA1F01D}"/>
+            </ac:spMkLst>
+          </pc:spChg>
+        </pc:sldLayoutChg>
+        <pc:sldLayoutChg chg="addSp delSp modSp mod">
+          <pc:chgData name="Hugo DEMENEZ" userId="167f3b24-aa49-4d1b-b001-4f9180dfa13d" providerId="ADAL" clId="{DB6A8ECF-B9FA-4FA8-839B-D9B55B3C70EB}" dt="2021-06-23T11:33:39.078" v="43" actId="478"/>
+          <pc:sldLayoutMkLst>
+            <pc:docMk/>
+            <pc:sldMasterMk cId="1039608128" sldId="2147483648"/>
+            <pc:sldLayoutMk cId="689312746" sldId="2147483656"/>
+          </pc:sldLayoutMkLst>
+          <pc:spChg chg="del">
+            <ac:chgData name="Hugo DEMENEZ" userId="167f3b24-aa49-4d1b-b001-4f9180dfa13d" providerId="ADAL" clId="{DB6A8ECF-B9FA-4FA8-839B-D9B55B3C70EB}" dt="2021-06-23T11:33:39.078" v="43" actId="478"/>
+            <ac:spMkLst>
+              <pc:docMk/>
+              <pc:sldMasterMk cId="1039608128" sldId="2147483648"/>
+              <pc:sldLayoutMk cId="689312746" sldId="2147483656"/>
+              <ac:spMk id="5" creationId="{E6F2F45D-B179-40AD-9855-50FEAC523946}"/>
+            </ac:spMkLst>
+          </pc:spChg>
+          <pc:spChg chg="del">
+            <ac:chgData name="Hugo DEMENEZ" userId="167f3b24-aa49-4d1b-b001-4f9180dfa13d" providerId="ADAL" clId="{DB6A8ECF-B9FA-4FA8-839B-D9B55B3C70EB}" dt="2021-06-23T11:33:15.343" v="32" actId="478"/>
+            <ac:spMkLst>
+              <pc:docMk/>
+              <pc:sldMasterMk cId="1039608128" sldId="2147483648"/>
+              <pc:sldLayoutMk cId="689312746" sldId="2147483656"/>
+              <ac:spMk id="6" creationId="{D9345345-8210-4912-A719-95AE5F84F32F}"/>
+            </ac:spMkLst>
+          </pc:spChg>
+          <pc:spChg chg="add mod">
+            <ac:chgData name="Hugo DEMENEZ" userId="167f3b24-aa49-4d1b-b001-4f9180dfa13d" providerId="ADAL" clId="{DB6A8ECF-B9FA-4FA8-839B-D9B55B3C70EB}" dt="2021-06-23T11:33:16.073" v="33"/>
+            <ac:spMkLst>
+              <pc:docMk/>
+              <pc:sldMasterMk cId="1039608128" sldId="2147483648"/>
+              <pc:sldLayoutMk cId="689312746" sldId="2147483656"/>
+              <ac:spMk id="8" creationId="{84E050D1-BBAF-45AD-81DF-39BB85419916}"/>
+            </ac:spMkLst>
+          </pc:spChg>
+        </pc:sldLayoutChg>
+        <pc:sldLayoutChg chg="addSp delSp modSp mod">
+          <pc:chgData name="Hugo DEMENEZ" userId="167f3b24-aa49-4d1b-b001-4f9180dfa13d" providerId="ADAL" clId="{DB6A8ECF-B9FA-4FA8-839B-D9B55B3C70EB}" dt="2021-06-23T11:33:35.703" v="42" actId="478"/>
+          <pc:sldLayoutMkLst>
+            <pc:docMk/>
+            <pc:sldMasterMk cId="1039608128" sldId="2147483648"/>
+            <pc:sldLayoutMk cId="4051348629" sldId="2147483657"/>
+          </pc:sldLayoutMkLst>
+          <pc:spChg chg="del">
+            <ac:chgData name="Hugo DEMENEZ" userId="167f3b24-aa49-4d1b-b001-4f9180dfa13d" providerId="ADAL" clId="{DB6A8ECF-B9FA-4FA8-839B-D9B55B3C70EB}" dt="2021-06-23T11:33:35.703" v="42" actId="478"/>
+            <ac:spMkLst>
+              <pc:docMk/>
+              <pc:sldMasterMk cId="1039608128" sldId="2147483648"/>
+              <pc:sldLayoutMk cId="4051348629" sldId="2147483657"/>
+              <ac:spMk id="5" creationId="{78E3CF3F-F790-4CA0-BD4F-28C2A5718B32}"/>
+            </ac:spMkLst>
+          </pc:spChg>
+          <pc:spChg chg="del">
+            <ac:chgData name="Hugo DEMENEZ" userId="167f3b24-aa49-4d1b-b001-4f9180dfa13d" providerId="ADAL" clId="{DB6A8ECF-B9FA-4FA8-839B-D9B55B3C70EB}" dt="2021-06-23T11:33:18.109" v="34" actId="478"/>
+            <ac:spMkLst>
+              <pc:docMk/>
+              <pc:sldMasterMk cId="1039608128" sldId="2147483648"/>
+              <pc:sldLayoutMk cId="4051348629" sldId="2147483657"/>
+              <ac:spMk id="6" creationId="{9F4DDD1D-071A-4D3A-8D95-5A38D6A3205E}"/>
+            </ac:spMkLst>
+          </pc:spChg>
+          <pc:spChg chg="add mod">
+            <ac:chgData name="Hugo DEMENEZ" userId="167f3b24-aa49-4d1b-b001-4f9180dfa13d" providerId="ADAL" clId="{DB6A8ECF-B9FA-4FA8-839B-D9B55B3C70EB}" dt="2021-06-23T11:33:18.819" v="35"/>
+            <ac:spMkLst>
+              <pc:docMk/>
+              <pc:sldMasterMk cId="1039608128" sldId="2147483648"/>
+              <pc:sldLayoutMk cId="4051348629" sldId="2147483657"/>
+              <ac:spMk id="8" creationId="{882DA949-306D-4A83-A7E6-41780F23A09A}"/>
+            </ac:spMkLst>
+          </pc:spChg>
+        </pc:sldLayoutChg>
+        <pc:sldLayoutChg chg="addSp delSp modSp mod">
+          <pc:chgData name="Hugo DEMENEZ" userId="167f3b24-aa49-4d1b-b001-4f9180dfa13d" providerId="ADAL" clId="{DB6A8ECF-B9FA-4FA8-839B-D9B55B3C70EB}" dt="2021-06-23T11:33:33.429" v="41" actId="478"/>
+          <pc:sldLayoutMkLst>
+            <pc:docMk/>
+            <pc:sldMasterMk cId="1039608128" sldId="2147483648"/>
+            <pc:sldLayoutMk cId="3262409696" sldId="2147483658"/>
+          </pc:sldLayoutMkLst>
+          <pc:spChg chg="del">
+            <ac:chgData name="Hugo DEMENEZ" userId="167f3b24-aa49-4d1b-b001-4f9180dfa13d" providerId="ADAL" clId="{DB6A8ECF-B9FA-4FA8-839B-D9B55B3C70EB}" dt="2021-06-23T11:33:33.429" v="41" actId="478"/>
+            <ac:spMkLst>
+              <pc:docMk/>
+              <pc:sldMasterMk cId="1039608128" sldId="2147483648"/>
+              <pc:sldLayoutMk cId="3262409696" sldId="2147483658"/>
+              <ac:spMk id="4" creationId="{81D64D70-FD29-493A-8336-A1E83FA982BF}"/>
+            </ac:spMkLst>
+          </pc:spChg>
+          <pc:spChg chg="del">
+            <ac:chgData name="Hugo DEMENEZ" userId="167f3b24-aa49-4d1b-b001-4f9180dfa13d" providerId="ADAL" clId="{DB6A8ECF-B9FA-4FA8-839B-D9B55B3C70EB}" dt="2021-06-23T11:33:21.698" v="36" actId="478"/>
+            <ac:spMkLst>
+              <pc:docMk/>
+              <pc:sldMasterMk cId="1039608128" sldId="2147483648"/>
+              <pc:sldLayoutMk cId="3262409696" sldId="2147483658"/>
+              <ac:spMk id="5" creationId="{813550A5-7147-471B-9350-11D71834BF4A}"/>
+            </ac:spMkLst>
+          </pc:spChg>
+          <pc:spChg chg="add mod">
+            <ac:chgData name="Hugo DEMENEZ" userId="167f3b24-aa49-4d1b-b001-4f9180dfa13d" providerId="ADAL" clId="{DB6A8ECF-B9FA-4FA8-839B-D9B55B3C70EB}" dt="2021-06-23T11:33:22.489" v="37"/>
+            <ac:spMkLst>
+              <pc:docMk/>
+              <pc:sldMasterMk cId="1039608128" sldId="2147483648"/>
+              <pc:sldLayoutMk cId="3262409696" sldId="2147483658"/>
+              <ac:spMk id="7" creationId="{2BDB4774-053E-4E42-9DBA-AA884EBC0015}"/>
+            </ac:spMkLst>
+          </pc:spChg>
+        </pc:sldLayoutChg>
+        <pc:sldLayoutChg chg="addSp delSp modSp mod">
+          <pc:chgData name="Hugo DEMENEZ" userId="167f3b24-aa49-4d1b-b001-4f9180dfa13d" providerId="ADAL" clId="{DB6A8ECF-B9FA-4FA8-839B-D9B55B3C70EB}" dt="2021-06-23T11:33:30.274" v="40" actId="478"/>
+          <pc:sldLayoutMkLst>
+            <pc:docMk/>
+            <pc:sldMasterMk cId="1039608128" sldId="2147483648"/>
+            <pc:sldLayoutMk cId="4280657137" sldId="2147483659"/>
+          </pc:sldLayoutMkLst>
+          <pc:spChg chg="del">
+            <ac:chgData name="Hugo DEMENEZ" userId="167f3b24-aa49-4d1b-b001-4f9180dfa13d" providerId="ADAL" clId="{DB6A8ECF-B9FA-4FA8-839B-D9B55B3C70EB}" dt="2021-06-23T11:33:30.274" v="40" actId="478"/>
+            <ac:spMkLst>
+              <pc:docMk/>
+              <pc:sldMasterMk cId="1039608128" sldId="2147483648"/>
+              <pc:sldLayoutMk cId="4280657137" sldId="2147483659"/>
+              <ac:spMk id="4" creationId="{F34E488E-DC31-42C5-9FC9-6DE7FFC28966}"/>
+            </ac:spMkLst>
+          </pc:spChg>
+          <pc:spChg chg="del">
+            <ac:chgData name="Hugo DEMENEZ" userId="167f3b24-aa49-4d1b-b001-4f9180dfa13d" providerId="ADAL" clId="{DB6A8ECF-B9FA-4FA8-839B-D9B55B3C70EB}" dt="2021-06-23T11:33:24.778" v="38" actId="478"/>
+            <ac:spMkLst>
+              <pc:docMk/>
+              <pc:sldMasterMk cId="1039608128" sldId="2147483648"/>
+              <pc:sldLayoutMk cId="4280657137" sldId="2147483659"/>
+              <ac:spMk id="5" creationId="{D0CAB967-5BE5-4BA5-941B-FE3D1499E0C3}"/>
+            </ac:spMkLst>
+          </pc:spChg>
+          <pc:spChg chg="add mod">
+            <ac:chgData name="Hugo DEMENEZ" userId="167f3b24-aa49-4d1b-b001-4f9180dfa13d" providerId="ADAL" clId="{DB6A8ECF-B9FA-4FA8-839B-D9B55B3C70EB}" dt="2021-06-23T11:33:25.827" v="39"/>
+            <ac:spMkLst>
+              <pc:docMk/>
+              <pc:sldMasterMk cId="1039608128" sldId="2147483648"/>
+              <pc:sldLayoutMk cId="4280657137" sldId="2147483659"/>
+              <ac:spMk id="7" creationId="{9869D894-1C76-4F87-A059-CCBC975B687F}"/>
+            </ac:spMkLst>
+          </pc:spChg>
+        </pc:sldLayoutChg>
+      </pc:sldMasterChg>
+    </pc:docChg>
+  </pc:docChgLst>
+</pc:chgInfo>
 </file>
 
 <file path=ppt/handoutMasters/handoutMaster1.xml><?xml version="1.0" encoding="utf-8"?>
@@ -208,7 +1007,7 @@
           <a:p>
             <a:fld id="{3AB182E2-C940-4C35-A7DD-F6EBC87620C4}" type="datetimeFigureOut">
               <a:rPr lang="fr-FR" smtClean="0"/>
-              <a:t>16/06/2021</a:t>
+              <a:t>23/06/2021</a:t>
             </a:fld>
             <a:endParaRPr lang="fr-FR"/>
           </a:p>
@@ -385,7 +1184,7 @@
           <a:p>
             <a:fld id="{DB8CDD98-001E-424E-9FA0-BF5531BB92B0}" type="datetimeFigureOut">
               <a:rPr lang="fr-FR" smtClean="0"/>
-              <a:t>16/06/2021</a:t>
+              <a:t>23/06/2021</a:t>
             </a:fld>
             <a:endParaRPr lang="fr-FR"/>
           </a:p>
@@ -778,18 +1577,18 @@
       </p:sp>
       <p:sp>
         <p:nvSpPr>
-          <p:cNvPr id="4" name="Espace réservé de la date 3">
-            <a:extLst>
-              <a:ext uri="{FF2B5EF4-FFF2-40B4-BE49-F238E27FC236}">
-                <a16:creationId xmlns:a16="http://schemas.microsoft.com/office/drawing/2014/main" id="{AA26186E-E995-4213-B9DB-45759E6238AB}"/>
-              </a:ext>
-            </a:extLst>
-          </p:cNvPr>
-          <p:cNvSpPr>
-            <a:spLocks noGrp="1"/>
-          </p:cNvSpPr>
-          <p:nvPr>
-            <p:ph type="dt" sz="half" idx="10"/>
+          <p:cNvPr id="6" name="Espace réservé du numéro de diapositive 5">
+            <a:extLst>
+              <a:ext uri="{FF2B5EF4-FFF2-40B4-BE49-F238E27FC236}">
+                <a16:creationId xmlns:a16="http://schemas.microsoft.com/office/drawing/2014/main" id="{9B991C6D-E813-4B8A-84D3-82A2390A04F2}"/>
+              </a:ext>
+            </a:extLst>
+          </p:cNvPr>
+          <p:cNvSpPr>
+            <a:spLocks noGrp="1"/>
+          </p:cNvSpPr>
+          <p:nvPr>
+            <p:ph type="sldNum" sz="quarter" idx="12"/>
           </p:nvPr>
         </p:nvSpPr>
         <p:spPr/>
@@ -797,36 +1596,44 @@
           <a:bodyPr/>
           <a:lstStyle/>
           <a:p>
-            <a:fld id="{CA6C4BD6-653F-4CAA-959D-3E9194C5B221}" type="datetime1">
+            <a:fld id="{4663F8E7-E950-430D-880A-090F6311A6B2}" type="slidenum">
               <a:rPr lang="fr-FR" smtClean="0"/>
-              <a:t>16/06/2021</a:t>
+              <a:t>‹N°›</a:t>
             </a:fld>
-            <a:endParaRPr lang="fr-FR" dirty="0"/>
-          </a:p>
-        </p:txBody>
-      </p:sp>
-      <p:sp>
-        <p:nvSpPr>
-          <p:cNvPr id="5" name="Espace réservé du pied de page 4">
-            <a:extLst>
-              <a:ext uri="{FF2B5EF4-FFF2-40B4-BE49-F238E27FC236}">
-                <a16:creationId xmlns:a16="http://schemas.microsoft.com/office/drawing/2014/main" id="{1540C100-62BD-44FF-B57D-73D7DA294B11}"/>
-              </a:ext>
-            </a:extLst>
-          </p:cNvPr>
-          <p:cNvSpPr>
-            <a:spLocks noGrp="1"/>
-          </p:cNvSpPr>
-          <p:nvPr>
-            <p:ph type="ftr" sz="quarter" idx="11"/>
-          </p:nvPr>
-        </p:nvSpPr>
-        <p:spPr/>
-        <p:txBody>
-          <a:bodyPr/>
+            <a:endParaRPr lang="fr-FR"/>
+          </a:p>
+        </p:txBody>
+      </p:sp>
+      <p:sp>
+        <p:nvSpPr>
+          <p:cNvPr id="7" name="Espace réservé du pied de page 4">
+            <a:extLst>
+              <a:ext uri="{FF2B5EF4-FFF2-40B4-BE49-F238E27FC236}">
+                <a16:creationId xmlns:a16="http://schemas.microsoft.com/office/drawing/2014/main" id="{4CC72462-E67F-4216-8A53-B0F4120C6E27}"/>
+              </a:ext>
+            </a:extLst>
+          </p:cNvPr>
+          <p:cNvSpPr>
+            <a:spLocks noGrp="1"/>
+          </p:cNvSpPr>
+          <p:nvPr>
+            <p:ph type="ftr" sz="quarter" idx="3"/>
+          </p:nvPr>
+        </p:nvSpPr>
+        <p:spPr>
+          <a:xfrm>
+            <a:off x="3581400" y="6356350"/>
+            <a:ext cx="5029200" cy="365125"/>
+          </a:xfrm>
+          <a:prstGeom prst="rect">
+            <a:avLst/>
+          </a:prstGeom>
+        </p:spPr>
+        <p:txBody>
+          <a:bodyPr vert="horz" lIns="91440" tIns="45720" rIns="91440" bIns="45720" rtlCol="0" anchor="ctr"/>
           <a:lstStyle>
-            <a:lvl1pPr>
-              <a:defRPr>
+            <a:lvl1pPr algn="ctr">
+              <a:defRPr sz="800">
                 <a:solidFill>
                   <a:schemeClr val="bg1"/>
                 </a:solidFill>
@@ -837,39 +1644,14 @@
           </a:lstStyle>
           <a:p>
             <a:r>
-              <a:rPr lang="fr-FR"/>
-              <a:t>Hugo Demenez | Brieuc Da1ndoy | Guillaume Gulli Mohamed Amine Bennouna</a:t>
+              <a:rPr lang="fr-FR" dirty="0"/>
+              <a:t>Hugo Demenez &amp; Brieuc Da1ndoy &amp; Guillaume Gulli &amp; Mohamed Amine </a:t>
+            </a:r>
+            <a:r>
+              <a:rPr lang="fr-FR" dirty="0" err="1"/>
+              <a:t>Bennouna</a:t>
             </a:r>
             <a:endParaRPr lang="fr-FR" dirty="0"/>
-          </a:p>
-        </p:txBody>
-      </p:sp>
-      <p:sp>
-        <p:nvSpPr>
-          <p:cNvPr id="6" name="Espace réservé du numéro de diapositive 5">
-            <a:extLst>
-              <a:ext uri="{FF2B5EF4-FFF2-40B4-BE49-F238E27FC236}">
-                <a16:creationId xmlns:a16="http://schemas.microsoft.com/office/drawing/2014/main" id="{9B991C6D-E813-4B8A-84D3-82A2390A04F2}"/>
-              </a:ext>
-            </a:extLst>
-          </p:cNvPr>
-          <p:cNvSpPr>
-            <a:spLocks noGrp="1"/>
-          </p:cNvSpPr>
-          <p:nvPr>
-            <p:ph type="sldNum" sz="quarter" idx="12"/>
-          </p:nvPr>
-        </p:nvSpPr>
-        <p:spPr/>
-        <p:txBody>
-          <a:bodyPr/>
-          <a:lstStyle/>
-          <a:p>
-            <a:fld id="{4663F8E7-E950-430D-880A-090F6311A6B2}" type="slidenum">
-              <a:rPr lang="fr-FR" smtClean="0"/>
-              <a:t>‹N°›</a:t>
-            </a:fld>
-            <a:endParaRPr lang="fr-FR"/>
           </a:p>
         </p:txBody>
       </p:sp>
@@ -990,63 +1772,6 @@
       </p:sp>
       <p:sp>
         <p:nvSpPr>
-          <p:cNvPr id="4" name="Espace réservé de la date 3">
-            <a:extLst>
-              <a:ext uri="{FF2B5EF4-FFF2-40B4-BE49-F238E27FC236}">
-                <a16:creationId xmlns:a16="http://schemas.microsoft.com/office/drawing/2014/main" id="{81D64D70-FD29-493A-8336-A1E83FA982BF}"/>
-              </a:ext>
-            </a:extLst>
-          </p:cNvPr>
-          <p:cNvSpPr>
-            <a:spLocks noGrp="1"/>
-          </p:cNvSpPr>
-          <p:nvPr>
-            <p:ph type="dt" sz="half" idx="10"/>
-          </p:nvPr>
-        </p:nvSpPr>
-        <p:spPr/>
-        <p:txBody>
-          <a:bodyPr/>
-          <a:lstStyle/>
-          <a:p>
-            <a:fld id="{0799D491-5A5C-4A69-95E9-864C278B5989}" type="datetime1">
-              <a:rPr lang="fr-FR" smtClean="0"/>
-              <a:t>16/06/2021</a:t>
-            </a:fld>
-            <a:endParaRPr lang="fr-FR"/>
-          </a:p>
-        </p:txBody>
-      </p:sp>
-      <p:sp>
-        <p:nvSpPr>
-          <p:cNvPr id="5" name="Espace réservé du pied de page 4">
-            <a:extLst>
-              <a:ext uri="{FF2B5EF4-FFF2-40B4-BE49-F238E27FC236}">
-                <a16:creationId xmlns:a16="http://schemas.microsoft.com/office/drawing/2014/main" id="{813550A5-7147-471B-9350-11D71834BF4A}"/>
-              </a:ext>
-            </a:extLst>
-          </p:cNvPr>
-          <p:cNvSpPr>
-            <a:spLocks noGrp="1"/>
-          </p:cNvSpPr>
-          <p:nvPr>
-            <p:ph type="ftr" sz="quarter" idx="11"/>
-          </p:nvPr>
-        </p:nvSpPr>
-        <p:spPr/>
-        <p:txBody>
-          <a:bodyPr/>
-          <a:lstStyle/>
-          <a:p>
-            <a:r>
-              <a:rPr lang="fr-FR"/>
-              <a:t>Hugo Demenez | Brieuc Da1ndoy | Guillaume Gulli Mohamed Amine Bennouna</a:t>
-            </a:r>
-          </a:p>
-        </p:txBody>
-      </p:sp>
-      <p:sp>
-        <p:nvSpPr>
           <p:cNvPr id="6" name="Espace réservé du numéro de diapositive 5">
             <a:extLst>
               <a:ext uri="{FF2B5EF4-FFF2-40B4-BE49-F238E27FC236}">
@@ -1071,6 +1796,57 @@
               <a:t>‹N°›</a:t>
             </a:fld>
             <a:endParaRPr lang="fr-FR"/>
+          </a:p>
+        </p:txBody>
+      </p:sp>
+      <p:sp>
+        <p:nvSpPr>
+          <p:cNvPr id="7" name="Espace réservé du pied de page 4">
+            <a:extLst>
+              <a:ext uri="{FF2B5EF4-FFF2-40B4-BE49-F238E27FC236}">
+                <a16:creationId xmlns:a16="http://schemas.microsoft.com/office/drawing/2014/main" id="{2BDB4774-053E-4E42-9DBA-AA884EBC0015}"/>
+              </a:ext>
+            </a:extLst>
+          </p:cNvPr>
+          <p:cNvSpPr>
+            <a:spLocks noGrp="1"/>
+          </p:cNvSpPr>
+          <p:nvPr>
+            <p:ph type="ftr" sz="quarter" idx="3"/>
+          </p:nvPr>
+        </p:nvSpPr>
+        <p:spPr>
+          <a:xfrm>
+            <a:off x="3581400" y="6356350"/>
+            <a:ext cx="5029200" cy="365125"/>
+          </a:xfrm>
+          <a:prstGeom prst="rect">
+            <a:avLst/>
+          </a:prstGeom>
+        </p:spPr>
+        <p:txBody>
+          <a:bodyPr vert="horz" lIns="91440" tIns="45720" rIns="91440" bIns="45720" rtlCol="0" anchor="ctr"/>
+          <a:lstStyle>
+            <a:lvl1pPr algn="ctr">
+              <a:defRPr sz="800">
+                <a:solidFill>
+                  <a:schemeClr val="bg1"/>
+                </a:solidFill>
+                <a:latin typeface="Poppins" panose="00000500000000000000" pitchFamily="2" charset="0"/>
+                <a:cs typeface="Poppins" panose="00000500000000000000" pitchFamily="2" charset="0"/>
+              </a:defRPr>
+            </a:lvl1pPr>
+          </a:lstStyle>
+          <a:p>
+            <a:r>
+              <a:rPr lang="fr-FR" dirty="0"/>
+              <a:t>Hugo Demenez &amp; Brieuc Da1ndoy &amp; Guillaume Gulli &amp; Mohamed Amine </a:t>
+            </a:r>
+            <a:r>
+              <a:rPr lang="fr-FR" dirty="0" err="1"/>
+              <a:t>Bennouna</a:t>
+            </a:r>
+            <a:endParaRPr lang="fr-FR" dirty="0"/>
           </a:p>
         </p:txBody>
       </p:sp>
@@ -1201,63 +1977,6 @@
       </p:sp>
       <p:sp>
         <p:nvSpPr>
-          <p:cNvPr id="4" name="Espace réservé de la date 3">
-            <a:extLst>
-              <a:ext uri="{FF2B5EF4-FFF2-40B4-BE49-F238E27FC236}">
-                <a16:creationId xmlns:a16="http://schemas.microsoft.com/office/drawing/2014/main" id="{F34E488E-DC31-42C5-9FC9-6DE7FFC28966}"/>
-              </a:ext>
-            </a:extLst>
-          </p:cNvPr>
-          <p:cNvSpPr>
-            <a:spLocks noGrp="1"/>
-          </p:cNvSpPr>
-          <p:nvPr>
-            <p:ph type="dt" sz="half" idx="10"/>
-          </p:nvPr>
-        </p:nvSpPr>
-        <p:spPr/>
-        <p:txBody>
-          <a:bodyPr/>
-          <a:lstStyle/>
-          <a:p>
-            <a:fld id="{4CC4689E-88ED-40BB-95D8-DAAEF33D4002}" type="datetime1">
-              <a:rPr lang="fr-FR" smtClean="0"/>
-              <a:t>16/06/2021</a:t>
-            </a:fld>
-            <a:endParaRPr lang="fr-FR"/>
-          </a:p>
-        </p:txBody>
-      </p:sp>
-      <p:sp>
-        <p:nvSpPr>
-          <p:cNvPr id="5" name="Espace réservé du pied de page 4">
-            <a:extLst>
-              <a:ext uri="{FF2B5EF4-FFF2-40B4-BE49-F238E27FC236}">
-                <a16:creationId xmlns:a16="http://schemas.microsoft.com/office/drawing/2014/main" id="{D0CAB967-5BE5-4BA5-941B-FE3D1499E0C3}"/>
-              </a:ext>
-            </a:extLst>
-          </p:cNvPr>
-          <p:cNvSpPr>
-            <a:spLocks noGrp="1"/>
-          </p:cNvSpPr>
-          <p:nvPr>
-            <p:ph type="ftr" sz="quarter" idx="11"/>
-          </p:nvPr>
-        </p:nvSpPr>
-        <p:spPr/>
-        <p:txBody>
-          <a:bodyPr/>
-          <a:lstStyle/>
-          <a:p>
-            <a:r>
-              <a:rPr lang="fr-FR"/>
-              <a:t>Hugo Demenez | Brieuc Da1ndoy | Guillaume Gulli Mohamed Amine Bennouna</a:t>
-            </a:r>
-          </a:p>
-        </p:txBody>
-      </p:sp>
-      <p:sp>
-        <p:nvSpPr>
           <p:cNvPr id="6" name="Espace réservé du numéro de diapositive 5">
             <a:extLst>
               <a:ext uri="{FF2B5EF4-FFF2-40B4-BE49-F238E27FC236}">
@@ -1282,6 +2001,57 @@
               <a:t>‹N°›</a:t>
             </a:fld>
             <a:endParaRPr lang="fr-FR"/>
+          </a:p>
+        </p:txBody>
+      </p:sp>
+      <p:sp>
+        <p:nvSpPr>
+          <p:cNvPr id="7" name="Espace réservé du pied de page 4">
+            <a:extLst>
+              <a:ext uri="{FF2B5EF4-FFF2-40B4-BE49-F238E27FC236}">
+                <a16:creationId xmlns:a16="http://schemas.microsoft.com/office/drawing/2014/main" id="{9869D894-1C76-4F87-A059-CCBC975B687F}"/>
+              </a:ext>
+            </a:extLst>
+          </p:cNvPr>
+          <p:cNvSpPr>
+            <a:spLocks noGrp="1"/>
+          </p:cNvSpPr>
+          <p:nvPr>
+            <p:ph type="ftr" sz="quarter" idx="3"/>
+          </p:nvPr>
+        </p:nvSpPr>
+        <p:spPr>
+          <a:xfrm>
+            <a:off x="3581400" y="6356350"/>
+            <a:ext cx="5029200" cy="365125"/>
+          </a:xfrm>
+          <a:prstGeom prst="rect">
+            <a:avLst/>
+          </a:prstGeom>
+        </p:spPr>
+        <p:txBody>
+          <a:bodyPr vert="horz" lIns="91440" tIns="45720" rIns="91440" bIns="45720" rtlCol="0" anchor="ctr"/>
+          <a:lstStyle>
+            <a:lvl1pPr algn="ctr">
+              <a:defRPr sz="800">
+                <a:solidFill>
+                  <a:schemeClr val="bg1"/>
+                </a:solidFill>
+                <a:latin typeface="Poppins" panose="00000500000000000000" pitchFamily="2" charset="0"/>
+                <a:cs typeface="Poppins" panose="00000500000000000000" pitchFamily="2" charset="0"/>
+              </a:defRPr>
+            </a:lvl1pPr>
+          </a:lstStyle>
+          <a:p>
+            <a:r>
+              <a:rPr lang="fr-FR" dirty="0"/>
+              <a:t>Hugo Demenez &amp; Brieuc Da1ndoy &amp; Guillaume Gulli &amp; Mohamed Amine </a:t>
+            </a:r>
+            <a:r>
+              <a:rPr lang="fr-FR" dirty="0" err="1"/>
+              <a:t>Bennouna</a:t>
+            </a:r>
+            <a:endParaRPr lang="fr-FR" dirty="0"/>
           </a:p>
         </p:txBody>
       </p:sp>
@@ -1331,7 +2101,12 @@
             <p:ph type="title"/>
           </p:nvPr>
         </p:nvSpPr>
-        <p:spPr/>
+        <p:spPr>
+          <a:xfrm>
+            <a:off x="838200" y="589085"/>
+            <a:ext cx="10515600" cy="1101603"/>
+          </a:xfrm>
+        </p:spPr>
         <p:txBody>
           <a:bodyPr/>
           <a:lstStyle/>
@@ -1402,18 +2177,18 @@
       </p:sp>
       <p:sp>
         <p:nvSpPr>
-          <p:cNvPr id="4" name="Espace réservé de la date 3">
-            <a:extLst>
-              <a:ext uri="{FF2B5EF4-FFF2-40B4-BE49-F238E27FC236}">
-                <a16:creationId xmlns:a16="http://schemas.microsoft.com/office/drawing/2014/main" id="{BC4B16FC-53CD-480F-8BA2-E806F48BA97E}"/>
-              </a:ext>
-            </a:extLst>
-          </p:cNvPr>
-          <p:cNvSpPr>
-            <a:spLocks noGrp="1"/>
-          </p:cNvSpPr>
-          <p:nvPr>
-            <p:ph type="dt" sz="half" idx="10"/>
+          <p:cNvPr id="5" name="Espace réservé du pied de page 4">
+            <a:extLst>
+              <a:ext uri="{FF2B5EF4-FFF2-40B4-BE49-F238E27FC236}">
+                <a16:creationId xmlns:a16="http://schemas.microsoft.com/office/drawing/2014/main" id="{8924A547-5EA1-4B9A-959D-6CF3724D424C}"/>
+              </a:ext>
+            </a:extLst>
+          </p:cNvPr>
+          <p:cNvSpPr>
+            <a:spLocks noGrp="1"/>
+          </p:cNvSpPr>
+          <p:nvPr>
+            <p:ph type="ftr" sz="quarter" idx="11"/>
           </p:nvPr>
         </p:nvSpPr>
         <p:spPr/>
@@ -1421,39 +2196,15 @@
           <a:bodyPr/>
           <a:lstStyle/>
           <a:p>
-            <a:fld id="{690B4959-B8B2-4CBE-9F30-CD8008520590}" type="datetime1">
-              <a:rPr lang="fr-FR" smtClean="0"/>
-              <a:t>16/06/2021</a:t>
-            </a:fld>
-            <a:endParaRPr lang="fr-FR"/>
-          </a:p>
-        </p:txBody>
-      </p:sp>
-      <p:sp>
-        <p:nvSpPr>
-          <p:cNvPr id="5" name="Espace réservé du pied de page 4">
-            <a:extLst>
-              <a:ext uri="{FF2B5EF4-FFF2-40B4-BE49-F238E27FC236}">
-                <a16:creationId xmlns:a16="http://schemas.microsoft.com/office/drawing/2014/main" id="{8924A547-5EA1-4B9A-959D-6CF3724D424C}"/>
-              </a:ext>
-            </a:extLst>
-          </p:cNvPr>
-          <p:cNvSpPr>
-            <a:spLocks noGrp="1"/>
-          </p:cNvSpPr>
-          <p:nvPr>
-            <p:ph type="ftr" sz="quarter" idx="11"/>
-          </p:nvPr>
-        </p:nvSpPr>
-        <p:spPr/>
-        <p:txBody>
-          <a:bodyPr/>
-          <a:lstStyle/>
-          <a:p>
-            <a:r>
-              <a:rPr lang="fr-FR"/>
-              <a:t>Hugo Demenez | Brieuc Da1ndoy | Guillaume Gulli Mohamed Amine Bennouna</a:t>
-            </a:r>
+            <a:r>
+              <a:rPr lang="fr-FR" dirty="0"/>
+              <a:t>Hugo Demenez &amp; Brieuc Da1ndoy &amp; Guillaume Gulli &amp; Mohamed Amine </a:t>
+            </a:r>
+            <a:r>
+              <a:rPr lang="fr-FR" dirty="0" err="1"/>
+              <a:t>Bennouna</a:t>
+            </a:r>
+            <a:endParaRPr lang="fr-FR" dirty="0"/>
           </a:p>
         </p:txBody>
       </p:sp>
@@ -1680,63 +2431,6 @@
       </p:sp>
       <p:sp>
         <p:nvSpPr>
-          <p:cNvPr id="4" name="Espace réservé de la date 3">
-            <a:extLst>
-              <a:ext uri="{FF2B5EF4-FFF2-40B4-BE49-F238E27FC236}">
-                <a16:creationId xmlns:a16="http://schemas.microsoft.com/office/drawing/2014/main" id="{9AB9B9C3-E9AA-4844-B13F-465EBD6E2B3E}"/>
-              </a:ext>
-            </a:extLst>
-          </p:cNvPr>
-          <p:cNvSpPr>
-            <a:spLocks noGrp="1"/>
-          </p:cNvSpPr>
-          <p:nvPr>
-            <p:ph type="dt" sz="half" idx="10"/>
-          </p:nvPr>
-        </p:nvSpPr>
-        <p:spPr/>
-        <p:txBody>
-          <a:bodyPr/>
-          <a:lstStyle/>
-          <a:p>
-            <a:fld id="{D0319422-3FA0-424C-B939-7E6F1706F980}" type="datetime1">
-              <a:rPr lang="fr-FR" smtClean="0"/>
-              <a:t>16/06/2021</a:t>
-            </a:fld>
-            <a:endParaRPr lang="fr-FR"/>
-          </a:p>
-        </p:txBody>
-      </p:sp>
-      <p:sp>
-        <p:nvSpPr>
-          <p:cNvPr id="5" name="Espace réservé du pied de page 4">
-            <a:extLst>
-              <a:ext uri="{FF2B5EF4-FFF2-40B4-BE49-F238E27FC236}">
-                <a16:creationId xmlns:a16="http://schemas.microsoft.com/office/drawing/2014/main" id="{63C744EB-343B-47B3-A6DA-36733D2404B7}"/>
-              </a:ext>
-            </a:extLst>
-          </p:cNvPr>
-          <p:cNvSpPr>
-            <a:spLocks noGrp="1"/>
-          </p:cNvSpPr>
-          <p:nvPr>
-            <p:ph type="ftr" sz="quarter" idx="11"/>
-          </p:nvPr>
-        </p:nvSpPr>
-        <p:spPr/>
-        <p:txBody>
-          <a:bodyPr/>
-          <a:lstStyle/>
-          <a:p>
-            <a:r>
-              <a:rPr lang="fr-FR"/>
-              <a:t>Hugo Demenez | Brieuc Da1ndoy | Guillaume Gulli Mohamed Amine Bennouna</a:t>
-            </a:r>
-          </a:p>
-        </p:txBody>
-      </p:sp>
-      <p:sp>
-        <p:nvSpPr>
           <p:cNvPr id="6" name="Espace réservé du numéro de diapositive 5">
             <a:extLst>
               <a:ext uri="{FF2B5EF4-FFF2-40B4-BE49-F238E27FC236}">
@@ -1761,6 +2455,57 @@
               <a:t>‹N°›</a:t>
             </a:fld>
             <a:endParaRPr lang="fr-FR"/>
+          </a:p>
+        </p:txBody>
+      </p:sp>
+      <p:sp>
+        <p:nvSpPr>
+          <p:cNvPr id="7" name="Espace réservé du pied de page 4">
+            <a:extLst>
+              <a:ext uri="{FF2B5EF4-FFF2-40B4-BE49-F238E27FC236}">
+                <a16:creationId xmlns:a16="http://schemas.microsoft.com/office/drawing/2014/main" id="{ED255B64-9343-42BA-A21D-19EC478847F3}"/>
+              </a:ext>
+            </a:extLst>
+          </p:cNvPr>
+          <p:cNvSpPr>
+            <a:spLocks noGrp="1"/>
+          </p:cNvSpPr>
+          <p:nvPr>
+            <p:ph type="ftr" sz="quarter" idx="3"/>
+          </p:nvPr>
+        </p:nvSpPr>
+        <p:spPr>
+          <a:xfrm>
+            <a:off x="3581400" y="6356350"/>
+            <a:ext cx="5029200" cy="365125"/>
+          </a:xfrm>
+          <a:prstGeom prst="rect">
+            <a:avLst/>
+          </a:prstGeom>
+        </p:spPr>
+        <p:txBody>
+          <a:bodyPr vert="horz" lIns="91440" tIns="45720" rIns="91440" bIns="45720" rtlCol="0" anchor="ctr"/>
+          <a:lstStyle>
+            <a:lvl1pPr algn="ctr">
+              <a:defRPr sz="800">
+                <a:solidFill>
+                  <a:schemeClr val="bg1"/>
+                </a:solidFill>
+                <a:latin typeface="Poppins" panose="00000500000000000000" pitchFamily="2" charset="0"/>
+                <a:cs typeface="Poppins" panose="00000500000000000000" pitchFamily="2" charset="0"/>
+              </a:defRPr>
+            </a:lvl1pPr>
+          </a:lstStyle>
+          <a:p>
+            <a:r>
+              <a:rPr lang="fr-FR" dirty="0"/>
+              <a:t>Hugo Demenez &amp; Brieuc Da1ndoy &amp; Guillaume Gulli &amp; Mohamed Amine </a:t>
+            </a:r>
+            <a:r>
+              <a:rPr lang="fr-FR" dirty="0" err="1"/>
+              <a:t>Bennouna</a:t>
+            </a:r>
+            <a:endParaRPr lang="fr-FR" dirty="0"/>
           </a:p>
         </p:txBody>
       </p:sp>
@@ -1948,63 +2693,6 @@
       </p:sp>
       <p:sp>
         <p:nvSpPr>
-          <p:cNvPr id="5" name="Espace réservé de la date 4">
-            <a:extLst>
-              <a:ext uri="{FF2B5EF4-FFF2-40B4-BE49-F238E27FC236}">
-                <a16:creationId xmlns:a16="http://schemas.microsoft.com/office/drawing/2014/main" id="{84D1A56E-BBF2-498B-8EBF-90D8368850D6}"/>
-              </a:ext>
-            </a:extLst>
-          </p:cNvPr>
-          <p:cNvSpPr>
-            <a:spLocks noGrp="1"/>
-          </p:cNvSpPr>
-          <p:nvPr>
-            <p:ph type="dt" sz="half" idx="10"/>
-          </p:nvPr>
-        </p:nvSpPr>
-        <p:spPr/>
-        <p:txBody>
-          <a:bodyPr/>
-          <a:lstStyle/>
-          <a:p>
-            <a:fld id="{632B38E1-DE76-4B88-9BA9-57258577B255}" type="datetime1">
-              <a:rPr lang="fr-FR" smtClean="0"/>
-              <a:t>16/06/2021</a:t>
-            </a:fld>
-            <a:endParaRPr lang="fr-FR"/>
-          </a:p>
-        </p:txBody>
-      </p:sp>
-      <p:sp>
-        <p:nvSpPr>
-          <p:cNvPr id="6" name="Espace réservé du pied de page 5">
-            <a:extLst>
-              <a:ext uri="{FF2B5EF4-FFF2-40B4-BE49-F238E27FC236}">
-                <a16:creationId xmlns:a16="http://schemas.microsoft.com/office/drawing/2014/main" id="{55969DFD-A9FB-44FE-8884-C3E98386E834}"/>
-              </a:ext>
-            </a:extLst>
-          </p:cNvPr>
-          <p:cNvSpPr>
-            <a:spLocks noGrp="1"/>
-          </p:cNvSpPr>
-          <p:nvPr>
-            <p:ph type="ftr" sz="quarter" idx="11"/>
-          </p:nvPr>
-        </p:nvSpPr>
-        <p:spPr/>
-        <p:txBody>
-          <a:bodyPr/>
-          <a:lstStyle/>
-          <a:p>
-            <a:r>
-              <a:rPr lang="fr-FR"/>
-              <a:t>Hugo Demenez | Brieuc Da1ndoy | Guillaume Gulli Mohamed Amine Bennouna</a:t>
-            </a:r>
-          </a:p>
-        </p:txBody>
-      </p:sp>
-      <p:sp>
-        <p:nvSpPr>
           <p:cNvPr id="7" name="Espace réservé du numéro de diapositive 6">
             <a:extLst>
               <a:ext uri="{FF2B5EF4-FFF2-40B4-BE49-F238E27FC236}">
@@ -2029,6 +2717,57 @@
               <a:t>‹N°›</a:t>
             </a:fld>
             <a:endParaRPr lang="fr-FR"/>
+          </a:p>
+        </p:txBody>
+      </p:sp>
+      <p:sp>
+        <p:nvSpPr>
+          <p:cNvPr id="8" name="Espace réservé du pied de page 4">
+            <a:extLst>
+              <a:ext uri="{FF2B5EF4-FFF2-40B4-BE49-F238E27FC236}">
+                <a16:creationId xmlns:a16="http://schemas.microsoft.com/office/drawing/2014/main" id="{246FAF24-874A-4FC6-990D-5E024307ABBC}"/>
+              </a:ext>
+            </a:extLst>
+          </p:cNvPr>
+          <p:cNvSpPr>
+            <a:spLocks noGrp="1"/>
+          </p:cNvSpPr>
+          <p:nvPr>
+            <p:ph type="ftr" sz="quarter" idx="3"/>
+          </p:nvPr>
+        </p:nvSpPr>
+        <p:spPr>
+          <a:xfrm>
+            <a:off x="3581400" y="6356350"/>
+            <a:ext cx="5029200" cy="365125"/>
+          </a:xfrm>
+          <a:prstGeom prst="rect">
+            <a:avLst/>
+          </a:prstGeom>
+        </p:spPr>
+        <p:txBody>
+          <a:bodyPr vert="horz" lIns="91440" tIns="45720" rIns="91440" bIns="45720" rtlCol="0" anchor="ctr"/>
+          <a:lstStyle>
+            <a:lvl1pPr algn="ctr">
+              <a:defRPr sz="800">
+                <a:solidFill>
+                  <a:schemeClr val="bg1"/>
+                </a:solidFill>
+                <a:latin typeface="Poppins" panose="00000500000000000000" pitchFamily="2" charset="0"/>
+                <a:cs typeface="Poppins" panose="00000500000000000000" pitchFamily="2" charset="0"/>
+              </a:defRPr>
+            </a:lvl1pPr>
+          </a:lstStyle>
+          <a:p>
+            <a:r>
+              <a:rPr lang="fr-FR" dirty="0"/>
+              <a:t>Hugo Demenez &amp; Brieuc Da1ndoy &amp; Guillaume Gulli &amp; Mohamed Amine </a:t>
+            </a:r>
+            <a:r>
+              <a:rPr lang="fr-FR" dirty="0" err="1"/>
+              <a:t>Bennouna</a:t>
+            </a:r>
+            <a:endParaRPr lang="fr-FR" dirty="0"/>
           </a:p>
         </p:txBody>
       </p:sp>
@@ -2363,63 +3102,6 @@
       </p:sp>
       <p:sp>
         <p:nvSpPr>
-          <p:cNvPr id="7" name="Espace réservé de la date 6">
-            <a:extLst>
-              <a:ext uri="{FF2B5EF4-FFF2-40B4-BE49-F238E27FC236}">
-                <a16:creationId xmlns:a16="http://schemas.microsoft.com/office/drawing/2014/main" id="{E4E2907E-F5B4-4E11-8A1E-3663F23D8992}"/>
-              </a:ext>
-            </a:extLst>
-          </p:cNvPr>
-          <p:cNvSpPr>
-            <a:spLocks noGrp="1"/>
-          </p:cNvSpPr>
-          <p:nvPr>
-            <p:ph type="dt" sz="half" idx="10"/>
-          </p:nvPr>
-        </p:nvSpPr>
-        <p:spPr/>
-        <p:txBody>
-          <a:bodyPr/>
-          <a:lstStyle/>
-          <a:p>
-            <a:fld id="{33C92764-4762-425E-87B1-9ED2FC8E06C0}" type="datetime1">
-              <a:rPr lang="fr-FR" smtClean="0"/>
-              <a:t>16/06/2021</a:t>
-            </a:fld>
-            <a:endParaRPr lang="fr-FR"/>
-          </a:p>
-        </p:txBody>
-      </p:sp>
-      <p:sp>
-        <p:nvSpPr>
-          <p:cNvPr id="8" name="Espace réservé du pied de page 7">
-            <a:extLst>
-              <a:ext uri="{FF2B5EF4-FFF2-40B4-BE49-F238E27FC236}">
-                <a16:creationId xmlns:a16="http://schemas.microsoft.com/office/drawing/2014/main" id="{D8D4452B-7628-4154-850D-98F422B52299}"/>
-              </a:ext>
-            </a:extLst>
-          </p:cNvPr>
-          <p:cNvSpPr>
-            <a:spLocks noGrp="1"/>
-          </p:cNvSpPr>
-          <p:nvPr>
-            <p:ph type="ftr" sz="quarter" idx="11"/>
-          </p:nvPr>
-        </p:nvSpPr>
-        <p:spPr/>
-        <p:txBody>
-          <a:bodyPr/>
-          <a:lstStyle/>
-          <a:p>
-            <a:r>
-              <a:rPr lang="fr-FR"/>
-              <a:t>Hugo Demenez | Brieuc Da1ndoy | Guillaume Gulli Mohamed Amine Bennouna</a:t>
-            </a:r>
-          </a:p>
-        </p:txBody>
-      </p:sp>
-      <p:sp>
-        <p:nvSpPr>
           <p:cNvPr id="9" name="Espace réservé du numéro de diapositive 8">
             <a:extLst>
               <a:ext uri="{FF2B5EF4-FFF2-40B4-BE49-F238E27FC236}">
@@ -2444,6 +3126,57 @@
               <a:t>‹N°›</a:t>
             </a:fld>
             <a:endParaRPr lang="fr-FR"/>
+          </a:p>
+        </p:txBody>
+      </p:sp>
+      <p:sp>
+        <p:nvSpPr>
+          <p:cNvPr id="10" name="Espace réservé du pied de page 4">
+            <a:extLst>
+              <a:ext uri="{FF2B5EF4-FFF2-40B4-BE49-F238E27FC236}">
+                <a16:creationId xmlns:a16="http://schemas.microsoft.com/office/drawing/2014/main" id="{4C322685-9D31-4194-875B-7D14DB59A4E1}"/>
+              </a:ext>
+            </a:extLst>
+          </p:cNvPr>
+          <p:cNvSpPr>
+            <a:spLocks noGrp="1"/>
+          </p:cNvSpPr>
+          <p:nvPr>
+            <p:ph type="ftr" sz="quarter" idx="13"/>
+          </p:nvPr>
+        </p:nvSpPr>
+        <p:spPr>
+          <a:xfrm>
+            <a:off x="3581400" y="6356350"/>
+            <a:ext cx="5029200" cy="365125"/>
+          </a:xfrm>
+          <a:prstGeom prst="rect">
+            <a:avLst/>
+          </a:prstGeom>
+        </p:spPr>
+        <p:txBody>
+          <a:bodyPr vert="horz" lIns="91440" tIns="45720" rIns="91440" bIns="45720" rtlCol="0" anchor="ctr"/>
+          <a:lstStyle>
+            <a:lvl1pPr algn="ctr">
+              <a:defRPr sz="800">
+                <a:solidFill>
+                  <a:schemeClr val="bg1"/>
+                </a:solidFill>
+                <a:latin typeface="Poppins" panose="00000500000000000000" pitchFamily="2" charset="0"/>
+                <a:cs typeface="Poppins" panose="00000500000000000000" pitchFamily="2" charset="0"/>
+              </a:defRPr>
+            </a:lvl1pPr>
+          </a:lstStyle>
+          <a:p>
+            <a:r>
+              <a:rPr lang="fr-FR" dirty="0"/>
+              <a:t>Hugo Demenez &amp; Brieuc Da1ndoy &amp; Guillaume Gulli &amp; Mohamed Amine </a:t>
+            </a:r>
+            <a:r>
+              <a:rPr lang="fr-FR" dirty="0" err="1"/>
+              <a:t>Bennouna</a:t>
+            </a:r>
+            <a:endParaRPr lang="fr-FR" dirty="0"/>
           </a:p>
         </p:txBody>
       </p:sp>
@@ -2507,63 +3240,6 @@
       </p:sp>
       <p:sp>
         <p:nvSpPr>
-          <p:cNvPr id="3" name="Espace réservé de la date 2">
-            <a:extLst>
-              <a:ext uri="{FF2B5EF4-FFF2-40B4-BE49-F238E27FC236}">
-                <a16:creationId xmlns:a16="http://schemas.microsoft.com/office/drawing/2014/main" id="{1394FD96-7C04-457C-95BC-72CCAB9B97E2}"/>
-              </a:ext>
-            </a:extLst>
-          </p:cNvPr>
-          <p:cNvSpPr>
-            <a:spLocks noGrp="1"/>
-          </p:cNvSpPr>
-          <p:nvPr>
-            <p:ph type="dt" sz="half" idx="10"/>
-          </p:nvPr>
-        </p:nvSpPr>
-        <p:spPr/>
-        <p:txBody>
-          <a:bodyPr/>
-          <a:lstStyle/>
-          <a:p>
-            <a:fld id="{D36189FA-BEFF-4A2C-9DBC-FFCF77CDCF30}" type="datetime1">
-              <a:rPr lang="fr-FR" smtClean="0"/>
-              <a:t>16/06/2021</a:t>
-            </a:fld>
-            <a:endParaRPr lang="fr-FR"/>
-          </a:p>
-        </p:txBody>
-      </p:sp>
-      <p:sp>
-        <p:nvSpPr>
-          <p:cNvPr id="4" name="Espace réservé du pied de page 3">
-            <a:extLst>
-              <a:ext uri="{FF2B5EF4-FFF2-40B4-BE49-F238E27FC236}">
-                <a16:creationId xmlns:a16="http://schemas.microsoft.com/office/drawing/2014/main" id="{31CAF8D6-6F1F-48F8-B2CE-0FB314F049E6}"/>
-              </a:ext>
-            </a:extLst>
-          </p:cNvPr>
-          <p:cNvSpPr>
-            <a:spLocks noGrp="1"/>
-          </p:cNvSpPr>
-          <p:nvPr>
-            <p:ph type="ftr" sz="quarter" idx="11"/>
-          </p:nvPr>
-        </p:nvSpPr>
-        <p:spPr/>
-        <p:txBody>
-          <a:bodyPr/>
-          <a:lstStyle/>
-          <a:p>
-            <a:r>
-              <a:rPr lang="fr-FR"/>
-              <a:t>Hugo Demenez | Brieuc Da1ndoy | Guillaume Gulli Mohamed Amine Bennouna</a:t>
-            </a:r>
-          </a:p>
-        </p:txBody>
-      </p:sp>
-      <p:sp>
-        <p:nvSpPr>
           <p:cNvPr id="5" name="Espace réservé du numéro de diapositive 4">
             <a:extLst>
               <a:ext uri="{FF2B5EF4-FFF2-40B4-BE49-F238E27FC236}">
@@ -2588,6 +3264,57 @@
               <a:t>‹N°›</a:t>
             </a:fld>
             <a:endParaRPr lang="fr-FR"/>
+          </a:p>
+        </p:txBody>
+      </p:sp>
+      <p:sp>
+        <p:nvSpPr>
+          <p:cNvPr id="6" name="Espace réservé du pied de page 4">
+            <a:extLst>
+              <a:ext uri="{FF2B5EF4-FFF2-40B4-BE49-F238E27FC236}">
+                <a16:creationId xmlns:a16="http://schemas.microsoft.com/office/drawing/2014/main" id="{4C4B1963-710C-4211-8B18-C5EE55E31C65}"/>
+              </a:ext>
+            </a:extLst>
+          </p:cNvPr>
+          <p:cNvSpPr>
+            <a:spLocks noGrp="1"/>
+          </p:cNvSpPr>
+          <p:nvPr>
+            <p:ph type="ftr" sz="quarter" idx="3"/>
+          </p:nvPr>
+        </p:nvSpPr>
+        <p:spPr>
+          <a:xfrm>
+            <a:off x="3581400" y="6356350"/>
+            <a:ext cx="5029200" cy="365125"/>
+          </a:xfrm>
+          <a:prstGeom prst="rect">
+            <a:avLst/>
+          </a:prstGeom>
+        </p:spPr>
+        <p:txBody>
+          <a:bodyPr vert="horz" lIns="91440" tIns="45720" rIns="91440" bIns="45720" rtlCol="0" anchor="ctr"/>
+          <a:lstStyle>
+            <a:lvl1pPr algn="ctr">
+              <a:defRPr sz="800">
+                <a:solidFill>
+                  <a:schemeClr val="bg1"/>
+                </a:solidFill>
+                <a:latin typeface="Poppins" panose="00000500000000000000" pitchFamily="2" charset="0"/>
+                <a:cs typeface="Poppins" panose="00000500000000000000" pitchFamily="2" charset="0"/>
+              </a:defRPr>
+            </a:lvl1pPr>
+          </a:lstStyle>
+          <a:p>
+            <a:r>
+              <a:rPr lang="fr-FR" dirty="0"/>
+              <a:t>Hugo Demenez &amp; Brieuc Da1ndoy &amp; Guillaume Gulli &amp; Mohamed Amine </a:t>
+            </a:r>
+            <a:r>
+              <a:rPr lang="fr-FR" dirty="0" err="1"/>
+              <a:t>Bennouna</a:t>
+            </a:r>
+            <a:endParaRPr lang="fr-FR" dirty="0"/>
           </a:p>
         </p:txBody>
       </p:sp>
@@ -2623,63 +3350,6 @@
       </p:grpSpPr>
       <p:sp>
         <p:nvSpPr>
-          <p:cNvPr id="2" name="Espace réservé de la date 1">
-            <a:extLst>
-              <a:ext uri="{FF2B5EF4-FFF2-40B4-BE49-F238E27FC236}">
-                <a16:creationId xmlns:a16="http://schemas.microsoft.com/office/drawing/2014/main" id="{9C00A495-B6CE-4219-B1BB-1235910CA5FD}"/>
-              </a:ext>
-            </a:extLst>
-          </p:cNvPr>
-          <p:cNvSpPr>
-            <a:spLocks noGrp="1"/>
-          </p:cNvSpPr>
-          <p:nvPr>
-            <p:ph type="dt" sz="half" idx="10"/>
-          </p:nvPr>
-        </p:nvSpPr>
-        <p:spPr/>
-        <p:txBody>
-          <a:bodyPr/>
-          <a:lstStyle/>
-          <a:p>
-            <a:fld id="{DC542486-6CB2-48C0-BBE5-8D00AE050A57}" type="datetime1">
-              <a:rPr lang="fr-FR" smtClean="0"/>
-              <a:t>16/06/2021</a:t>
-            </a:fld>
-            <a:endParaRPr lang="fr-FR"/>
-          </a:p>
-        </p:txBody>
-      </p:sp>
-      <p:sp>
-        <p:nvSpPr>
-          <p:cNvPr id="3" name="Espace réservé du pied de page 2">
-            <a:extLst>
-              <a:ext uri="{FF2B5EF4-FFF2-40B4-BE49-F238E27FC236}">
-                <a16:creationId xmlns:a16="http://schemas.microsoft.com/office/drawing/2014/main" id="{98FD121A-5125-4CFE-B300-DE2CF7C85AAE}"/>
-              </a:ext>
-            </a:extLst>
-          </p:cNvPr>
-          <p:cNvSpPr>
-            <a:spLocks noGrp="1"/>
-          </p:cNvSpPr>
-          <p:nvPr>
-            <p:ph type="ftr" sz="quarter" idx="11"/>
-          </p:nvPr>
-        </p:nvSpPr>
-        <p:spPr/>
-        <p:txBody>
-          <a:bodyPr/>
-          <a:lstStyle/>
-          <a:p>
-            <a:r>
-              <a:rPr lang="fr-FR"/>
-              <a:t>Hugo Demenez | Brieuc Da1ndoy | Guillaume Gulli Mohamed Amine Bennouna</a:t>
-            </a:r>
-          </a:p>
-        </p:txBody>
-      </p:sp>
-      <p:sp>
-        <p:nvSpPr>
           <p:cNvPr id="4" name="Espace réservé du numéro de diapositive 3">
             <a:extLst>
               <a:ext uri="{FF2B5EF4-FFF2-40B4-BE49-F238E27FC236}">
@@ -2704,6 +3374,57 @@
               <a:t>‹N°›</a:t>
             </a:fld>
             <a:endParaRPr lang="fr-FR"/>
+          </a:p>
+        </p:txBody>
+      </p:sp>
+      <p:sp>
+        <p:nvSpPr>
+          <p:cNvPr id="5" name="Espace réservé du pied de page 4">
+            <a:extLst>
+              <a:ext uri="{FF2B5EF4-FFF2-40B4-BE49-F238E27FC236}">
+                <a16:creationId xmlns:a16="http://schemas.microsoft.com/office/drawing/2014/main" id="{FF1155E8-85DA-4A3A-BAFB-12E91DA1F01D}"/>
+              </a:ext>
+            </a:extLst>
+          </p:cNvPr>
+          <p:cNvSpPr>
+            <a:spLocks noGrp="1"/>
+          </p:cNvSpPr>
+          <p:nvPr>
+            <p:ph type="ftr" sz="quarter" idx="3"/>
+          </p:nvPr>
+        </p:nvSpPr>
+        <p:spPr>
+          <a:xfrm>
+            <a:off x="3581400" y="6356350"/>
+            <a:ext cx="5029200" cy="365125"/>
+          </a:xfrm>
+          <a:prstGeom prst="rect">
+            <a:avLst/>
+          </a:prstGeom>
+        </p:spPr>
+        <p:txBody>
+          <a:bodyPr vert="horz" lIns="91440" tIns="45720" rIns="91440" bIns="45720" rtlCol="0" anchor="ctr"/>
+          <a:lstStyle>
+            <a:lvl1pPr algn="ctr">
+              <a:defRPr sz="800">
+                <a:solidFill>
+                  <a:schemeClr val="bg1"/>
+                </a:solidFill>
+                <a:latin typeface="Poppins" panose="00000500000000000000" pitchFamily="2" charset="0"/>
+                <a:cs typeface="Poppins" panose="00000500000000000000" pitchFamily="2" charset="0"/>
+              </a:defRPr>
+            </a:lvl1pPr>
+          </a:lstStyle>
+          <a:p>
+            <a:r>
+              <a:rPr lang="fr-FR" dirty="0"/>
+              <a:t>Hugo Demenez &amp; Brieuc Da1ndoy &amp; Guillaume Gulli &amp; Mohamed Amine </a:t>
+            </a:r>
+            <a:r>
+              <a:rPr lang="fr-FR" dirty="0" err="1"/>
+              <a:t>Bennouna</a:t>
+            </a:r>
+            <a:endParaRPr lang="fr-FR" dirty="0"/>
           </a:p>
         </p:txBody>
       </p:sp>
@@ -2937,63 +3658,6 @@
       </p:sp>
       <p:sp>
         <p:nvSpPr>
-          <p:cNvPr id="5" name="Espace réservé de la date 4">
-            <a:extLst>
-              <a:ext uri="{FF2B5EF4-FFF2-40B4-BE49-F238E27FC236}">
-                <a16:creationId xmlns:a16="http://schemas.microsoft.com/office/drawing/2014/main" id="{E6F2F45D-B179-40AD-9855-50FEAC523946}"/>
-              </a:ext>
-            </a:extLst>
-          </p:cNvPr>
-          <p:cNvSpPr>
-            <a:spLocks noGrp="1"/>
-          </p:cNvSpPr>
-          <p:nvPr>
-            <p:ph type="dt" sz="half" idx="10"/>
-          </p:nvPr>
-        </p:nvSpPr>
-        <p:spPr/>
-        <p:txBody>
-          <a:bodyPr/>
-          <a:lstStyle/>
-          <a:p>
-            <a:fld id="{26D72BDA-28EA-4381-80E4-5B0E72D8178D}" type="datetime1">
-              <a:rPr lang="fr-FR" smtClean="0"/>
-              <a:t>16/06/2021</a:t>
-            </a:fld>
-            <a:endParaRPr lang="fr-FR"/>
-          </a:p>
-        </p:txBody>
-      </p:sp>
-      <p:sp>
-        <p:nvSpPr>
-          <p:cNvPr id="6" name="Espace réservé du pied de page 5">
-            <a:extLst>
-              <a:ext uri="{FF2B5EF4-FFF2-40B4-BE49-F238E27FC236}">
-                <a16:creationId xmlns:a16="http://schemas.microsoft.com/office/drawing/2014/main" id="{D9345345-8210-4912-A719-95AE5F84F32F}"/>
-              </a:ext>
-            </a:extLst>
-          </p:cNvPr>
-          <p:cNvSpPr>
-            <a:spLocks noGrp="1"/>
-          </p:cNvSpPr>
-          <p:nvPr>
-            <p:ph type="ftr" sz="quarter" idx="11"/>
-          </p:nvPr>
-        </p:nvSpPr>
-        <p:spPr/>
-        <p:txBody>
-          <a:bodyPr/>
-          <a:lstStyle/>
-          <a:p>
-            <a:r>
-              <a:rPr lang="fr-FR"/>
-              <a:t>Hugo Demenez | Brieuc Da1ndoy | Guillaume Gulli Mohamed Amine Bennouna</a:t>
-            </a:r>
-          </a:p>
-        </p:txBody>
-      </p:sp>
-      <p:sp>
-        <p:nvSpPr>
           <p:cNvPr id="7" name="Espace réservé du numéro de diapositive 6">
             <a:extLst>
               <a:ext uri="{FF2B5EF4-FFF2-40B4-BE49-F238E27FC236}">
@@ -3018,6 +3682,57 @@
               <a:t>‹N°›</a:t>
             </a:fld>
             <a:endParaRPr lang="fr-FR"/>
+          </a:p>
+        </p:txBody>
+      </p:sp>
+      <p:sp>
+        <p:nvSpPr>
+          <p:cNvPr id="8" name="Espace réservé du pied de page 4">
+            <a:extLst>
+              <a:ext uri="{FF2B5EF4-FFF2-40B4-BE49-F238E27FC236}">
+                <a16:creationId xmlns:a16="http://schemas.microsoft.com/office/drawing/2014/main" id="{84E050D1-BBAF-45AD-81DF-39BB85419916}"/>
+              </a:ext>
+            </a:extLst>
+          </p:cNvPr>
+          <p:cNvSpPr>
+            <a:spLocks noGrp="1"/>
+          </p:cNvSpPr>
+          <p:nvPr>
+            <p:ph type="ftr" sz="quarter" idx="3"/>
+          </p:nvPr>
+        </p:nvSpPr>
+        <p:spPr>
+          <a:xfrm>
+            <a:off x="3581400" y="6356350"/>
+            <a:ext cx="5029200" cy="365125"/>
+          </a:xfrm>
+          <a:prstGeom prst="rect">
+            <a:avLst/>
+          </a:prstGeom>
+        </p:spPr>
+        <p:txBody>
+          <a:bodyPr vert="horz" lIns="91440" tIns="45720" rIns="91440" bIns="45720" rtlCol="0" anchor="ctr"/>
+          <a:lstStyle>
+            <a:lvl1pPr algn="ctr">
+              <a:defRPr sz="800">
+                <a:solidFill>
+                  <a:schemeClr val="bg1"/>
+                </a:solidFill>
+                <a:latin typeface="Poppins" panose="00000500000000000000" pitchFamily="2" charset="0"/>
+                <a:cs typeface="Poppins" panose="00000500000000000000" pitchFamily="2" charset="0"/>
+              </a:defRPr>
+            </a:lvl1pPr>
+          </a:lstStyle>
+          <a:p>
+            <a:r>
+              <a:rPr lang="fr-FR" dirty="0"/>
+              <a:t>Hugo Demenez &amp; Brieuc Da1ndoy &amp; Guillaume Gulli &amp; Mohamed Amine </a:t>
+            </a:r>
+            <a:r>
+              <a:rPr lang="fr-FR" dirty="0" err="1"/>
+              <a:t>Bennouna</a:t>
+            </a:r>
+            <a:endParaRPr lang="fr-FR" dirty="0"/>
           </a:p>
         </p:txBody>
       </p:sp>
@@ -3228,63 +3943,6 @@
       </p:sp>
       <p:sp>
         <p:nvSpPr>
-          <p:cNvPr id="5" name="Espace réservé de la date 4">
-            <a:extLst>
-              <a:ext uri="{FF2B5EF4-FFF2-40B4-BE49-F238E27FC236}">
-                <a16:creationId xmlns:a16="http://schemas.microsoft.com/office/drawing/2014/main" id="{78E3CF3F-F790-4CA0-BD4F-28C2A5718B32}"/>
-              </a:ext>
-            </a:extLst>
-          </p:cNvPr>
-          <p:cNvSpPr>
-            <a:spLocks noGrp="1"/>
-          </p:cNvSpPr>
-          <p:nvPr>
-            <p:ph type="dt" sz="half" idx="10"/>
-          </p:nvPr>
-        </p:nvSpPr>
-        <p:spPr/>
-        <p:txBody>
-          <a:bodyPr/>
-          <a:lstStyle/>
-          <a:p>
-            <a:fld id="{327E042A-1F70-467D-93DF-0D840C4D374F}" type="datetime1">
-              <a:rPr lang="fr-FR" smtClean="0"/>
-              <a:t>16/06/2021</a:t>
-            </a:fld>
-            <a:endParaRPr lang="fr-FR"/>
-          </a:p>
-        </p:txBody>
-      </p:sp>
-      <p:sp>
-        <p:nvSpPr>
-          <p:cNvPr id="6" name="Espace réservé du pied de page 5">
-            <a:extLst>
-              <a:ext uri="{FF2B5EF4-FFF2-40B4-BE49-F238E27FC236}">
-                <a16:creationId xmlns:a16="http://schemas.microsoft.com/office/drawing/2014/main" id="{9F4DDD1D-071A-4D3A-8D95-5A38D6A3205E}"/>
-              </a:ext>
-            </a:extLst>
-          </p:cNvPr>
-          <p:cNvSpPr>
-            <a:spLocks noGrp="1"/>
-          </p:cNvSpPr>
-          <p:nvPr>
-            <p:ph type="ftr" sz="quarter" idx="11"/>
-          </p:nvPr>
-        </p:nvSpPr>
-        <p:spPr/>
-        <p:txBody>
-          <a:bodyPr/>
-          <a:lstStyle/>
-          <a:p>
-            <a:r>
-              <a:rPr lang="fr-FR"/>
-              <a:t>Hugo Demenez | Brieuc Da1ndoy | Guillaume Gulli Mohamed Amine Bennouna</a:t>
-            </a:r>
-          </a:p>
-        </p:txBody>
-      </p:sp>
-      <p:sp>
-        <p:nvSpPr>
           <p:cNvPr id="7" name="Espace réservé du numéro de diapositive 6">
             <a:extLst>
               <a:ext uri="{FF2B5EF4-FFF2-40B4-BE49-F238E27FC236}">
@@ -3309,6 +3967,57 @@
               <a:t>‹N°›</a:t>
             </a:fld>
             <a:endParaRPr lang="fr-FR"/>
+          </a:p>
+        </p:txBody>
+      </p:sp>
+      <p:sp>
+        <p:nvSpPr>
+          <p:cNvPr id="8" name="Espace réservé du pied de page 4">
+            <a:extLst>
+              <a:ext uri="{FF2B5EF4-FFF2-40B4-BE49-F238E27FC236}">
+                <a16:creationId xmlns:a16="http://schemas.microsoft.com/office/drawing/2014/main" id="{882DA949-306D-4A83-A7E6-41780F23A09A}"/>
+              </a:ext>
+            </a:extLst>
+          </p:cNvPr>
+          <p:cNvSpPr>
+            <a:spLocks noGrp="1"/>
+          </p:cNvSpPr>
+          <p:nvPr>
+            <p:ph type="ftr" sz="quarter" idx="3"/>
+          </p:nvPr>
+        </p:nvSpPr>
+        <p:spPr>
+          <a:xfrm>
+            <a:off x="3581400" y="6356350"/>
+            <a:ext cx="5029200" cy="365125"/>
+          </a:xfrm>
+          <a:prstGeom prst="rect">
+            <a:avLst/>
+          </a:prstGeom>
+        </p:spPr>
+        <p:txBody>
+          <a:bodyPr vert="horz" lIns="91440" tIns="45720" rIns="91440" bIns="45720" rtlCol="0" anchor="ctr"/>
+          <a:lstStyle>
+            <a:lvl1pPr algn="ctr">
+              <a:defRPr sz="800">
+                <a:solidFill>
+                  <a:schemeClr val="bg1"/>
+                </a:solidFill>
+                <a:latin typeface="Poppins" panose="00000500000000000000" pitchFamily="2" charset="0"/>
+                <a:cs typeface="Poppins" panose="00000500000000000000" pitchFamily="2" charset="0"/>
+              </a:defRPr>
+            </a:lvl1pPr>
+          </a:lstStyle>
+          <a:p>
+            <a:r>
+              <a:rPr lang="fr-FR" dirty="0"/>
+              <a:t>Hugo Demenez &amp; Brieuc Da1ndoy &amp; Guillaume Gulli &amp; Mohamed Amine </a:t>
+            </a:r>
+            <a:r>
+              <a:rPr lang="fr-FR" dirty="0" err="1"/>
+              <a:t>Bennouna</a:t>
+            </a:r>
+            <a:endParaRPr lang="fr-FR" dirty="0"/>
           </a:p>
         </p:txBody>
       </p:sp>
@@ -3374,8 +4083,8 @@
         </p:nvSpPr>
         <p:spPr>
           <a:xfrm>
-            <a:off x="838200" y="365125"/>
-            <a:ext cx="10515600" cy="1325563"/>
+            <a:off x="838200" y="562708"/>
+            <a:ext cx="10515600" cy="1127980"/>
           </a:xfrm>
           <a:prstGeom prst="rect">
             <a:avLst/>
@@ -3463,24 +4172,24 @@
       </p:sp>
       <p:sp>
         <p:nvSpPr>
-          <p:cNvPr id="4" name="Espace réservé de la date 3">
-            <a:extLst>
-              <a:ext uri="{FF2B5EF4-FFF2-40B4-BE49-F238E27FC236}">
-                <a16:creationId xmlns:a16="http://schemas.microsoft.com/office/drawing/2014/main" id="{3CF60A45-434E-4E1E-9A40-647F86D4909D}"/>
-              </a:ext>
-            </a:extLst>
-          </p:cNvPr>
-          <p:cNvSpPr>
-            <a:spLocks noGrp="1"/>
-          </p:cNvSpPr>
-          <p:nvPr>
-            <p:ph type="dt" sz="half" idx="2"/>
+          <p:cNvPr id="5" name="Espace réservé du pied de page 4">
+            <a:extLst>
+              <a:ext uri="{FF2B5EF4-FFF2-40B4-BE49-F238E27FC236}">
+                <a16:creationId xmlns:a16="http://schemas.microsoft.com/office/drawing/2014/main" id="{003F51C4-9187-44AE-9060-4498E8B32737}"/>
+              </a:ext>
+            </a:extLst>
+          </p:cNvPr>
+          <p:cNvSpPr>
+            <a:spLocks noGrp="1"/>
+          </p:cNvSpPr>
+          <p:nvPr>
+            <p:ph type="ftr" sz="quarter" idx="3"/>
           </p:nvPr>
         </p:nvSpPr>
         <p:spPr>
           <a:xfrm>
-            <a:off x="838200" y="6356350"/>
-            <a:ext cx="2743200" cy="365125"/>
+            <a:off x="3581400" y="6356350"/>
+            <a:ext cx="5029200" cy="365125"/>
           </a:xfrm>
           <a:prstGeom prst="rect">
             <a:avLst/>
@@ -3489,55 +4198,8 @@
         <p:txBody>
           <a:bodyPr vert="horz" lIns="91440" tIns="45720" rIns="91440" bIns="45720" rtlCol="0" anchor="ctr"/>
           <a:lstStyle>
-            <a:lvl1pPr algn="l">
-              <a:defRPr sz="1200">
-                <a:solidFill>
-                  <a:schemeClr val="tx1">
-                    <a:tint val="75000"/>
-                  </a:schemeClr>
-                </a:solidFill>
-              </a:defRPr>
-            </a:lvl1pPr>
-          </a:lstStyle>
-          <a:p>
-            <a:fld id="{DB291904-A126-4419-B499-83ACFB14615B}" type="datetime1">
-              <a:rPr lang="fr-FR" smtClean="0"/>
-              <a:t>16/06/2021</a:t>
-            </a:fld>
-            <a:endParaRPr lang="fr-FR"/>
-          </a:p>
-        </p:txBody>
-      </p:sp>
-      <p:sp>
-        <p:nvSpPr>
-          <p:cNvPr id="5" name="Espace réservé du pied de page 4">
-            <a:extLst>
-              <a:ext uri="{FF2B5EF4-FFF2-40B4-BE49-F238E27FC236}">
-                <a16:creationId xmlns:a16="http://schemas.microsoft.com/office/drawing/2014/main" id="{003F51C4-9187-44AE-9060-4498E8B32737}"/>
-              </a:ext>
-            </a:extLst>
-          </p:cNvPr>
-          <p:cNvSpPr>
-            <a:spLocks noGrp="1"/>
-          </p:cNvSpPr>
-          <p:nvPr>
-            <p:ph type="ftr" sz="quarter" idx="3"/>
-          </p:nvPr>
-        </p:nvSpPr>
-        <p:spPr>
-          <a:xfrm>
-            <a:off x="4038600" y="6356350"/>
-            <a:ext cx="4114800" cy="365125"/>
-          </a:xfrm>
-          <a:prstGeom prst="rect">
-            <a:avLst/>
-          </a:prstGeom>
-        </p:spPr>
-        <p:txBody>
-          <a:bodyPr vert="horz" lIns="91440" tIns="45720" rIns="91440" bIns="45720" rtlCol="0" anchor="ctr"/>
-          <a:lstStyle>
             <a:lvl1pPr algn="ctr">
-              <a:defRPr sz="1200">
+              <a:defRPr sz="800">
                 <a:solidFill>
                   <a:schemeClr val="bg1"/>
                 </a:solidFill>
@@ -3548,8 +4210,12 @@
           </a:lstStyle>
           <a:p>
             <a:r>
-              <a:rPr lang="fr-FR"/>
-              <a:t>Hugo Demenez | Brieuc Da1ndoy | Guillaume Gulli Mohamed Amine Bennouna</a:t>
+              <a:rPr lang="fr-FR" dirty="0"/>
+              <a:t>Hugo Demenez &amp; Brieuc Da1ndoy &amp; Guillaume Gulli &amp; Mohamed Amine </a:t>
+            </a:r>
+            <a:r>
+              <a:rPr lang="fr-FR" dirty="0" err="1"/>
+              <a:t>Bennouna</a:t>
             </a:r>
             <a:endParaRPr lang="fr-FR" dirty="0"/>
           </a:p>
@@ -3637,6 +4303,399 @@
           </a:prstGeom>
         </p:spPr>
       </p:pic>
+      <p:grpSp>
+        <p:nvGrpSpPr>
+          <p:cNvPr id="9" name="Groupe 8">
+            <a:extLst>
+              <a:ext uri="{FF2B5EF4-FFF2-40B4-BE49-F238E27FC236}">
+                <a16:creationId xmlns:a16="http://schemas.microsoft.com/office/drawing/2014/main" id="{3D00BE95-D509-48FB-AED1-3A73734CE197}"/>
+              </a:ext>
+            </a:extLst>
+          </p:cNvPr>
+          <p:cNvGrpSpPr/>
+          <p:nvPr userDrawn="1"/>
+        </p:nvGrpSpPr>
+        <p:grpSpPr>
+          <a:xfrm>
+            <a:off x="4297767" y="92868"/>
+            <a:ext cx="3329155" cy="365127"/>
+            <a:chOff x="54241" y="-2"/>
+            <a:chExt cx="3329155" cy="365127"/>
+          </a:xfrm>
+        </p:grpSpPr>
+        <p:sp>
+          <p:nvSpPr>
+            <p:cNvPr id="10" name="Ellipse 9">
+              <a:extLst>
+                <a:ext uri="{FF2B5EF4-FFF2-40B4-BE49-F238E27FC236}">
+                  <a16:creationId xmlns:a16="http://schemas.microsoft.com/office/drawing/2014/main" id="{05104B38-979D-4CA7-963B-118AE58AF840}"/>
+                </a:ext>
+              </a:extLst>
+            </p:cNvPr>
+            <p:cNvSpPr/>
+            <p:nvPr/>
+          </p:nvSpPr>
+          <p:spPr>
+            <a:xfrm>
+              <a:off x="1745673" y="0"/>
+              <a:ext cx="365125" cy="365125"/>
+            </a:xfrm>
+            <a:prstGeom prst="ellipse">
+              <a:avLst/>
+            </a:prstGeom>
+            <a:solidFill>
+              <a:schemeClr val="bg1"/>
+            </a:solidFill>
+            <a:ln>
+              <a:noFill/>
+            </a:ln>
+          </p:spPr>
+          <p:style>
+            <a:lnRef idx="2">
+              <a:schemeClr val="accent1">
+                <a:shade val="50000"/>
+              </a:schemeClr>
+            </a:lnRef>
+            <a:fillRef idx="1">
+              <a:schemeClr val="accent1"/>
+            </a:fillRef>
+            <a:effectRef idx="0">
+              <a:schemeClr val="accent1"/>
+            </a:effectRef>
+            <a:fontRef idx="minor">
+              <a:schemeClr val="lt1"/>
+            </a:fontRef>
+          </p:style>
+          <p:txBody>
+            <a:bodyPr rtlCol="0" anchor="ctr"/>
+            <a:lstStyle/>
+            <a:p>
+              <a:pPr algn="ctr"/>
+              <a:r>
+                <a:rPr lang="fr-FR" dirty="0">
+                  <a:solidFill>
+                    <a:schemeClr val="accent1"/>
+                  </a:solidFill>
+                </a:rPr>
+                <a:t>1</a:t>
+              </a:r>
+            </a:p>
+          </p:txBody>
+        </p:sp>
+        <p:sp>
+          <p:nvSpPr>
+            <p:cNvPr id="11" name="Ellipse 10">
+              <a:extLst>
+                <a:ext uri="{FF2B5EF4-FFF2-40B4-BE49-F238E27FC236}">
+                  <a16:creationId xmlns:a16="http://schemas.microsoft.com/office/drawing/2014/main" id="{2ABBCDDF-5533-4EE7-8244-6B7BB8011259}"/>
+                </a:ext>
+              </a:extLst>
+            </p:cNvPr>
+            <p:cNvSpPr/>
+            <p:nvPr/>
+          </p:nvSpPr>
+          <p:spPr>
+            <a:xfrm>
+              <a:off x="2341956" y="0"/>
+              <a:ext cx="365125" cy="365125"/>
+            </a:xfrm>
+            <a:prstGeom prst="ellipse">
+              <a:avLst/>
+            </a:prstGeom>
+            <a:solidFill>
+              <a:schemeClr val="bg1"/>
+            </a:solidFill>
+            <a:ln>
+              <a:noFill/>
+            </a:ln>
+          </p:spPr>
+          <p:style>
+            <a:lnRef idx="2">
+              <a:schemeClr val="accent1">
+                <a:shade val="50000"/>
+              </a:schemeClr>
+            </a:lnRef>
+            <a:fillRef idx="1">
+              <a:schemeClr val="accent1"/>
+            </a:fillRef>
+            <a:effectRef idx="0">
+              <a:schemeClr val="accent1"/>
+            </a:effectRef>
+            <a:fontRef idx="minor">
+              <a:schemeClr val="lt1"/>
+            </a:fontRef>
+          </p:style>
+          <p:txBody>
+            <a:bodyPr rtlCol="0" anchor="ctr"/>
+            <a:lstStyle/>
+            <a:p>
+              <a:pPr algn="ctr"/>
+              <a:r>
+                <a:rPr lang="fr-FR" dirty="0">
+                  <a:solidFill>
+                    <a:schemeClr val="accent1"/>
+                  </a:solidFill>
+                </a:rPr>
+                <a:t>2</a:t>
+              </a:r>
+            </a:p>
+          </p:txBody>
+        </p:sp>
+        <p:cxnSp>
+          <p:nvCxnSpPr>
+            <p:cNvPr id="12" name="Connecteur droit 11">
+              <a:extLst>
+                <a:ext uri="{FF2B5EF4-FFF2-40B4-BE49-F238E27FC236}">
+                  <a16:creationId xmlns:a16="http://schemas.microsoft.com/office/drawing/2014/main" id="{2A356A1E-72F3-4A7F-A8A8-B113BB7ECBDB}"/>
+                </a:ext>
+              </a:extLst>
+            </p:cNvPr>
+            <p:cNvCxnSpPr>
+              <a:stCxn id="10" idx="6"/>
+              <a:endCxn id="11" idx="2"/>
+            </p:cNvCxnSpPr>
+            <p:nvPr/>
+          </p:nvCxnSpPr>
+          <p:spPr>
+            <a:xfrm>
+              <a:off x="2110798" y="182563"/>
+              <a:ext cx="231158" cy="0"/>
+            </a:xfrm>
+            <a:prstGeom prst="line">
+              <a:avLst/>
+            </a:prstGeom>
+            <a:ln w="19050">
+              <a:solidFill>
+                <a:schemeClr val="bg1"/>
+              </a:solidFill>
+            </a:ln>
+          </p:spPr>
+          <p:style>
+            <a:lnRef idx="1">
+              <a:schemeClr val="accent1"/>
+            </a:lnRef>
+            <a:fillRef idx="0">
+              <a:schemeClr val="accent1"/>
+            </a:fillRef>
+            <a:effectRef idx="0">
+              <a:schemeClr val="accent1"/>
+            </a:effectRef>
+            <a:fontRef idx="minor">
+              <a:schemeClr val="tx1"/>
+            </a:fontRef>
+          </p:style>
+        </p:cxnSp>
+        <p:sp>
+          <p:nvSpPr>
+            <p:cNvPr id="13" name="Ellipse 12">
+              <a:extLst>
+                <a:ext uri="{FF2B5EF4-FFF2-40B4-BE49-F238E27FC236}">
+                  <a16:creationId xmlns:a16="http://schemas.microsoft.com/office/drawing/2014/main" id="{80F54A84-0C75-464A-AC82-A8E917E7C313}"/>
+                </a:ext>
+              </a:extLst>
+            </p:cNvPr>
+            <p:cNvSpPr/>
+            <p:nvPr/>
+          </p:nvSpPr>
+          <p:spPr>
+            <a:xfrm>
+              <a:off x="3018271" y="-1"/>
+              <a:ext cx="365125" cy="365125"/>
+            </a:xfrm>
+            <a:prstGeom prst="ellipse">
+              <a:avLst/>
+            </a:prstGeom>
+            <a:solidFill>
+              <a:schemeClr val="bg1"/>
+            </a:solidFill>
+            <a:ln>
+              <a:noFill/>
+            </a:ln>
+          </p:spPr>
+          <p:style>
+            <a:lnRef idx="2">
+              <a:schemeClr val="accent1">
+                <a:shade val="50000"/>
+              </a:schemeClr>
+            </a:lnRef>
+            <a:fillRef idx="1">
+              <a:schemeClr val="accent1"/>
+            </a:fillRef>
+            <a:effectRef idx="0">
+              <a:schemeClr val="accent1"/>
+            </a:effectRef>
+            <a:fontRef idx="minor">
+              <a:schemeClr val="lt1"/>
+            </a:fontRef>
+          </p:style>
+          <p:txBody>
+            <a:bodyPr rtlCol="0" anchor="ctr"/>
+            <a:lstStyle/>
+            <a:p>
+              <a:pPr algn="ctr"/>
+              <a:r>
+                <a:rPr lang="fr-FR" dirty="0">
+                  <a:solidFill>
+                    <a:schemeClr val="accent1"/>
+                  </a:solidFill>
+                </a:rPr>
+                <a:t>3</a:t>
+              </a:r>
+            </a:p>
+          </p:txBody>
+        </p:sp>
+        <p:cxnSp>
+          <p:nvCxnSpPr>
+            <p:cNvPr id="14" name="Connecteur droit 13">
+              <a:extLst>
+                <a:ext uri="{FF2B5EF4-FFF2-40B4-BE49-F238E27FC236}">
+                  <a16:creationId xmlns:a16="http://schemas.microsoft.com/office/drawing/2014/main" id="{B545FD13-20B8-4E0A-BD35-E5CC903604B9}"/>
+                </a:ext>
+              </a:extLst>
+            </p:cNvPr>
+            <p:cNvCxnSpPr>
+              <a:cxnSpLocks/>
+              <a:stCxn id="11" idx="6"/>
+              <a:endCxn id="13" idx="2"/>
+            </p:cNvCxnSpPr>
+            <p:nvPr/>
+          </p:nvCxnSpPr>
+          <p:spPr>
+            <a:xfrm flipV="1">
+              <a:off x="2707081" y="182562"/>
+              <a:ext cx="311190" cy="1"/>
+            </a:xfrm>
+            <a:prstGeom prst="line">
+              <a:avLst/>
+            </a:prstGeom>
+            <a:ln w="19050">
+              <a:solidFill>
+                <a:schemeClr val="bg1"/>
+              </a:solidFill>
+            </a:ln>
+          </p:spPr>
+          <p:style>
+            <a:lnRef idx="1">
+              <a:schemeClr val="accent1"/>
+            </a:lnRef>
+            <a:fillRef idx="0">
+              <a:schemeClr val="accent1"/>
+            </a:fillRef>
+            <a:effectRef idx="0">
+              <a:schemeClr val="accent1"/>
+            </a:effectRef>
+            <a:fontRef idx="minor">
+              <a:schemeClr val="tx1"/>
+            </a:fontRef>
+          </p:style>
+        </p:cxnSp>
+        <p:sp>
+          <p:nvSpPr>
+            <p:cNvPr id="15" name="Rectangle : coins arrondis 14">
+              <a:extLst>
+                <a:ext uri="{FF2B5EF4-FFF2-40B4-BE49-F238E27FC236}">
+                  <a16:creationId xmlns:a16="http://schemas.microsoft.com/office/drawing/2014/main" id="{B9373C20-186C-45BA-BA3E-5E412DB64D28}"/>
+                </a:ext>
+              </a:extLst>
+            </p:cNvPr>
+            <p:cNvSpPr/>
+            <p:nvPr/>
+          </p:nvSpPr>
+          <p:spPr>
+            <a:xfrm>
+              <a:off x="54241" y="-2"/>
+              <a:ext cx="1535837" cy="365125"/>
+            </a:xfrm>
+            <a:prstGeom prst="roundRect">
+              <a:avLst>
+                <a:gd name="adj" fmla="val 50000"/>
+              </a:avLst>
+            </a:prstGeom>
+            <a:solidFill>
+              <a:schemeClr val="accent1"/>
+            </a:solidFill>
+            <a:ln>
+              <a:noFill/>
+            </a:ln>
+          </p:spPr>
+          <p:style>
+            <a:lnRef idx="2">
+              <a:schemeClr val="accent1">
+                <a:shade val="50000"/>
+              </a:schemeClr>
+            </a:lnRef>
+            <a:fillRef idx="1">
+              <a:schemeClr val="accent1"/>
+            </a:fillRef>
+            <a:effectRef idx="0">
+              <a:schemeClr val="accent1"/>
+            </a:effectRef>
+            <a:fontRef idx="minor">
+              <a:schemeClr val="lt1"/>
+            </a:fontRef>
+          </p:style>
+          <p:txBody>
+            <a:bodyPr rtlCol="0" anchor="ctr"/>
+            <a:lstStyle/>
+            <a:p>
+              <a:pPr algn="ctr"/>
+              <a:r>
+                <a:rPr lang="fr-FR" dirty="0">
+                  <a:solidFill>
+                    <a:schemeClr val="bg1"/>
+                  </a:solidFill>
+                </a:rPr>
+                <a:t>Introduction</a:t>
+              </a:r>
+            </a:p>
+          </p:txBody>
+        </p:sp>
+        <p:cxnSp>
+          <p:nvCxnSpPr>
+            <p:cNvPr id="16" name="Connecteur droit 15">
+              <a:extLst>
+                <a:ext uri="{FF2B5EF4-FFF2-40B4-BE49-F238E27FC236}">
+                  <a16:creationId xmlns:a16="http://schemas.microsoft.com/office/drawing/2014/main" id="{D044EABE-995E-4C22-8F4A-FAB8320C318C}"/>
+                </a:ext>
+              </a:extLst>
+            </p:cNvPr>
+            <p:cNvCxnSpPr>
+              <a:cxnSpLocks/>
+              <a:stCxn id="15" idx="3"/>
+              <a:endCxn id="10" idx="2"/>
+            </p:cNvCxnSpPr>
+            <p:nvPr/>
+          </p:nvCxnSpPr>
+          <p:spPr>
+            <a:xfrm>
+              <a:off x="1590078" y="182561"/>
+              <a:ext cx="155595" cy="2"/>
+            </a:xfrm>
+            <a:prstGeom prst="line">
+              <a:avLst/>
+            </a:prstGeom>
+            <a:ln w="19050">
+              <a:solidFill>
+                <a:schemeClr val="bg1"/>
+              </a:solidFill>
+            </a:ln>
+          </p:spPr>
+          <p:style>
+            <a:lnRef idx="1">
+              <a:schemeClr val="accent1"/>
+            </a:lnRef>
+            <a:fillRef idx="0">
+              <a:schemeClr val="accent1"/>
+            </a:fillRef>
+            <a:effectRef idx="0">
+              <a:schemeClr val="accent1"/>
+            </a:effectRef>
+            <a:fontRef idx="minor">
+              <a:schemeClr val="tx1"/>
+            </a:fontRef>
+          </p:style>
+        </p:cxnSp>
+      </p:grpSp>
     </p:spTree>
     <p:extLst>
       <p:ext uri="{BB962C8B-B14F-4D97-AF65-F5344CB8AC3E}">
@@ -3945,20 +5004,6 @@
 <file path=ppt/slides/slide1.xml><?xml version="1.0" encoding="utf-8"?>
 <p:sld xmlns:a="http://schemas.openxmlformats.org/drawingml/2006/main" xmlns:r="http://schemas.openxmlformats.org/officeDocument/2006/relationships" xmlns:p="http://schemas.openxmlformats.org/presentationml/2006/main">
   <p:cSld>
-    <p:bg>
-      <p:bgPr>
-        <a:blipFill dpi="0" rotWithShape="1">
-          <a:blip r:embed="rId2">
-            <a:lum/>
-          </a:blip>
-          <a:srcRect/>
-          <a:stretch>
-            <a:fillRect t="-3000" b="-3000"/>
-          </a:stretch>
-        </a:blipFill>
-        <a:effectLst/>
-      </p:bgPr>
-    </p:bg>
     <p:spTree>
       <p:nvGrpSpPr>
         <p:cNvPr id="1" name=""/>
@@ -3978,15 +5023,15 @@
           <p:cNvPr id="2" name="Titre 1">
             <a:extLst>
               <a:ext uri="{FF2B5EF4-FFF2-40B4-BE49-F238E27FC236}">
-                <a16:creationId xmlns:a16="http://schemas.microsoft.com/office/drawing/2014/main" id="{0AC49710-8884-4C2A-A993-79564E0B3434}"/>
-              </a:ext>
-            </a:extLst>
-          </p:cNvPr>
-          <p:cNvSpPr>
-            <a:spLocks noGrp="1"/>
-          </p:cNvSpPr>
-          <p:nvPr>
-            <p:ph type="ctrTitle"/>
+                <a16:creationId xmlns:a16="http://schemas.microsoft.com/office/drawing/2014/main" id="{C57B7E1C-C3F5-4725-9F3E-E49C4C6A091D}"/>
+              </a:ext>
+            </a:extLst>
+          </p:cNvPr>
+          <p:cNvSpPr>
+            <a:spLocks noGrp="1"/>
+          </p:cNvSpPr>
+          <p:nvPr>
+            <p:ph type="title"/>
           </p:nvPr>
         </p:nvSpPr>
         <p:spPr/>
@@ -4000,18 +5045,18 @@
       </p:sp>
       <p:sp>
         <p:nvSpPr>
-          <p:cNvPr id="3" name="Sous-titre 2">
-            <a:extLst>
-              <a:ext uri="{FF2B5EF4-FFF2-40B4-BE49-F238E27FC236}">
-                <a16:creationId xmlns:a16="http://schemas.microsoft.com/office/drawing/2014/main" id="{0137D63B-8455-4521-B425-2C78231D83B3}"/>
-              </a:ext>
-            </a:extLst>
-          </p:cNvPr>
-          <p:cNvSpPr>
-            <a:spLocks noGrp="1"/>
-          </p:cNvSpPr>
-          <p:nvPr>
-            <p:ph type="subTitle" idx="1"/>
+          <p:cNvPr id="3" name="Espace réservé du contenu 2">
+            <a:extLst>
+              <a:ext uri="{FF2B5EF4-FFF2-40B4-BE49-F238E27FC236}">
+                <a16:creationId xmlns:a16="http://schemas.microsoft.com/office/drawing/2014/main" id="{2BEF494F-48EF-41E5-A109-85CCFCF06744}"/>
+              </a:ext>
+            </a:extLst>
+          </p:cNvPr>
+          <p:cNvSpPr>
+            <a:spLocks noGrp="1"/>
+          </p:cNvSpPr>
+          <p:nvPr>
+            <p:ph idx="1"/>
           </p:nvPr>
         </p:nvSpPr>
         <p:spPr/>
@@ -4025,10 +5070,10 @@
       </p:sp>
       <p:sp>
         <p:nvSpPr>
-          <p:cNvPr id="6" name="Espace réservé du pied de page 5">
-            <a:extLst>
-              <a:ext uri="{FF2B5EF4-FFF2-40B4-BE49-F238E27FC236}">
-                <a16:creationId xmlns:a16="http://schemas.microsoft.com/office/drawing/2014/main" id="{E7A0F088-494F-4099-9EBB-F480D6A43E26}"/>
+          <p:cNvPr id="4" name="Espace réservé du pied de page 3">
+            <a:extLst>
+              <a:ext uri="{FF2B5EF4-FFF2-40B4-BE49-F238E27FC236}">
+                <a16:creationId xmlns:a16="http://schemas.microsoft.com/office/drawing/2014/main" id="{641AC214-18DF-4624-8523-87245B9348E2}"/>
               </a:ext>
             </a:extLst>
           </p:cNvPr>
@@ -4046,7 +5091,7 @@
           <a:p>
             <a:r>
               <a:rPr lang="fr-FR"/>
-              <a:t>Hugo Demenez | Brieuc Da1ndoy | Guillaume Gulli Mohamed Amine Bennouna</a:t>
+              <a:t>Hugo Demenez &amp; Brieuc Da1ndoy &amp; Guillaume Gulli &amp; Mohamed Amine Bennouna</a:t>
             </a:r>
             <a:endParaRPr lang="fr-FR" dirty="0"/>
           </a:p>
@@ -4054,10 +5099,10 @@
       </p:sp>
       <p:sp>
         <p:nvSpPr>
-          <p:cNvPr id="7" name="Espace réservé du numéro de diapositive 6">
-            <a:extLst>
-              <a:ext uri="{FF2B5EF4-FFF2-40B4-BE49-F238E27FC236}">
-                <a16:creationId xmlns:a16="http://schemas.microsoft.com/office/drawing/2014/main" id="{FD937429-E13C-45D8-898D-A726521CCC43}"/>
+          <p:cNvPr id="5" name="Espace réservé du numéro de diapositive 4">
+            <a:extLst>
+              <a:ext uri="{FF2B5EF4-FFF2-40B4-BE49-F238E27FC236}">
+                <a16:creationId xmlns:a16="http://schemas.microsoft.com/office/drawing/2014/main" id="{498BAE91-90EB-414F-9F3F-4C9F1EA4B1B5}"/>
               </a:ext>
             </a:extLst>
           </p:cNvPr>
@@ -4084,7 +5129,7 @@
     </p:spTree>
     <p:extLst>
       <p:ext uri="{BB962C8B-B14F-4D97-AF65-F5344CB8AC3E}">
-        <p14:creationId xmlns:p14="http://schemas.microsoft.com/office/powerpoint/2010/main" val="3808120713"/>
+        <p14:creationId xmlns:p14="http://schemas.microsoft.com/office/powerpoint/2010/main" val="1841864826"/>
       </p:ext>
     </p:extLst>
   </p:cSld>
@@ -4116,7 +5161,7 @@
           <p:cNvPr id="2" name="Titre 1">
             <a:extLst>
               <a:ext uri="{FF2B5EF4-FFF2-40B4-BE49-F238E27FC236}">
-                <a16:creationId xmlns:a16="http://schemas.microsoft.com/office/drawing/2014/main" id="{E50D6F62-6513-48B6-A9BB-9582C418F624}"/>
+                <a16:creationId xmlns:a16="http://schemas.microsoft.com/office/drawing/2014/main" id="{DF869EE7-C142-4987-89E5-CB0F63FF2CD0}"/>
               </a:ext>
             </a:extLst>
           </p:cNvPr>
@@ -4141,7 +5186,7 @@
           <p:cNvPr id="3" name="Espace réservé du contenu 2">
             <a:extLst>
               <a:ext uri="{FF2B5EF4-FFF2-40B4-BE49-F238E27FC236}">
-                <a16:creationId xmlns:a16="http://schemas.microsoft.com/office/drawing/2014/main" id="{6EAB0FF1-AB21-4D49-A70E-626606C4A2A0}"/>
+                <a16:creationId xmlns:a16="http://schemas.microsoft.com/office/drawing/2014/main" id="{284F65AD-876C-4B39-A2AC-2474F5B68FBD}"/>
               </a:ext>
             </a:extLst>
           </p:cNvPr>
@@ -4166,7 +5211,7 @@
           <p:cNvPr id="4" name="Espace réservé du pied de page 3">
             <a:extLst>
               <a:ext uri="{FF2B5EF4-FFF2-40B4-BE49-F238E27FC236}">
-                <a16:creationId xmlns:a16="http://schemas.microsoft.com/office/drawing/2014/main" id="{BC1DB652-16D9-400C-97BA-7D0665E50273}"/>
+                <a16:creationId xmlns:a16="http://schemas.microsoft.com/office/drawing/2014/main" id="{4CFCDA8B-54EE-4C55-80EF-0DA312F66AFD}"/>
               </a:ext>
             </a:extLst>
           </p:cNvPr>
@@ -4184,8 +5229,9 @@
           <a:p>
             <a:r>
               <a:rPr lang="fr-FR"/>
-              <a:t>Hugo Demenez | Brieuc Da1ndoy | Guillaume Gulli Mohamed Amine Bennouna</a:t>
-            </a:r>
+              <a:t>Hugo Demenez &amp; Brieuc Da1ndoy &amp; Guillaume Gulli &amp; Mohamed Amine Bennouna</a:t>
+            </a:r>
+            <a:endParaRPr lang="fr-FR" dirty="0"/>
           </a:p>
         </p:txBody>
       </p:sp>
@@ -4194,7 +5240,7 @@
           <p:cNvPr id="5" name="Espace réservé du numéro de diapositive 4">
             <a:extLst>
               <a:ext uri="{FF2B5EF4-FFF2-40B4-BE49-F238E27FC236}">
-                <a16:creationId xmlns:a16="http://schemas.microsoft.com/office/drawing/2014/main" id="{0DAF2C4B-1217-47DD-A68F-0ED87083955D}"/>
+                <a16:creationId xmlns:a16="http://schemas.microsoft.com/office/drawing/2014/main" id="{61D873D3-864F-4963-B112-8CBAAC969FBD}"/>
               </a:ext>
             </a:extLst>
           </p:cNvPr>
@@ -4221,7 +5267,7 @@
     </p:spTree>
     <p:extLst>
       <p:ext uri="{BB962C8B-B14F-4D97-AF65-F5344CB8AC3E}">
-        <p14:creationId xmlns:p14="http://schemas.microsoft.com/office/powerpoint/2010/main" val="3283699238"/>
+        <p14:creationId xmlns:p14="http://schemas.microsoft.com/office/powerpoint/2010/main" val="1379568114"/>
       </p:ext>
     </p:extLst>
   </p:cSld>
@@ -4234,7 +5280,7 @@
 <file path=ppt/theme/theme1.xml><?xml version="1.0" encoding="utf-8"?>
 <a:theme xmlns:a="http://schemas.openxmlformats.org/drawingml/2006/main" name="Thème Office">
   <a:themeElements>
-    <a:clrScheme name="Office">
+    <a:clrScheme name="Personnalisé 2">
       <a:dk1>
         <a:sysClr val="windowText" lastClr="000000"/>
       </a:dk1>
@@ -4248,28 +5294,28 @@
         <a:srgbClr val="E7E6E6"/>
       </a:lt2>
       <a:accent1>
-        <a:srgbClr val="4472C4"/>
+        <a:srgbClr val="4AA8FF"/>
       </a:accent1>
       <a:accent2>
-        <a:srgbClr val="ED7D31"/>
+        <a:srgbClr val="EC9AC2"/>
       </a:accent2>
       <a:accent3>
         <a:srgbClr val="A5A5A5"/>
       </a:accent3>
       <a:accent4>
-        <a:srgbClr val="FFC000"/>
+        <a:srgbClr val="FDD3BA"/>
       </a:accent4>
       <a:accent5>
         <a:srgbClr val="5B9BD5"/>
       </a:accent5>
       <a:accent6>
-        <a:srgbClr val="70AD47"/>
+        <a:srgbClr val="995CFF"/>
       </a:accent6>
       <a:hlink>
         <a:srgbClr val="0563C1"/>
       </a:hlink>
       <a:folHlink>
-        <a:srgbClr val="954F72"/>
+        <a:srgbClr val="7E30DC"/>
       </a:folHlink>
     </a:clrScheme>
     <a:fontScheme name="Office">

--- a/presentation/Présentation1.pptx
+++ b/presentation/Présentation1.pptx
@@ -5,14 +5,17 @@
     <p:sldMasterId id="2147483648" r:id="rId1"/>
   </p:sldMasterIdLst>
   <p:notesMasterIdLst>
-    <p:notesMasterId r:id="rId4"/>
+    <p:notesMasterId r:id="rId7"/>
   </p:notesMasterIdLst>
   <p:handoutMasterIdLst>
-    <p:handoutMasterId r:id="rId5"/>
+    <p:handoutMasterId r:id="rId8"/>
   </p:handoutMasterIdLst>
   <p:sldIdLst>
     <p:sldId id="259" r:id="rId2"/>
     <p:sldId id="260" r:id="rId3"/>
+    <p:sldId id="261" r:id="rId4"/>
+    <p:sldId id="262" r:id="rId5"/>
+    <p:sldId id="263" r:id="rId6"/>
   </p:sldIdLst>
   <p:sldSz cx="12192000" cy="6858000"/>
   <p:notesSz cx="6858000" cy="9144000"/>
@@ -122,6 +125,9 @@
         <p14:section name="Première partie" id="{4AA07A40-5265-4799-BF88-168218E6357D}">
           <p14:sldIdLst>
             <p14:sldId id="260"/>
+            <p14:sldId id="261"/>
+            <p14:sldId id="262"/>
+            <p14:sldId id="263"/>
           </p14:sldIdLst>
         </p14:section>
       </p14:sectionLst>
@@ -139,7 +145,7 @@
 <file path=ppt/revisionInfo.xml><?xml version="1.0" encoding="utf-8"?>
 <p1510:revInfo xmlns:a="http://schemas.openxmlformats.org/drawingml/2006/main" xmlns:r="http://schemas.openxmlformats.org/officeDocument/2006/relationships" xmlns:p1510="http://schemas.microsoft.com/office/powerpoint/2015/10/main">
   <p1510:revLst>
-    <p1510:client id="{DB6A8ECF-B9FA-4FA8-839B-D9B55B3C70EB}" v="22" dt="2021-06-23T11:41:13.525"/>
+    <p1510:client id="{DB6A8ECF-B9FA-4FA8-839B-D9B55B3C70EB}" v="24" dt="2021-06-23T13:20:34.655"/>
   </p1510:revLst>
 </p1510:revInfo>
 </file>
@@ -149,7 +155,7 @@
   <pc:docChgLst>
     <pc:chgData name="Hugo DEMENEZ" userId="167f3b24-aa49-4d1b-b001-4f9180dfa13d" providerId="ADAL" clId="{DB6A8ECF-B9FA-4FA8-839B-D9B55B3C70EB}"/>
     <pc:docChg chg="undo custSel addSld delSld modSld modMainMaster addSection modSection">
-      <pc:chgData name="Hugo DEMENEZ" userId="167f3b24-aa49-4d1b-b001-4f9180dfa13d" providerId="ADAL" clId="{DB6A8ECF-B9FA-4FA8-839B-D9B55B3C70EB}" dt="2021-06-23T11:42:52.544" v="159" actId="17846"/>
+      <pc:chgData name="Hugo DEMENEZ" userId="167f3b24-aa49-4d1b-b001-4f9180dfa13d" providerId="ADAL" clId="{DB6A8ECF-B9FA-4FA8-839B-D9B55B3C70EB}" dt="2021-06-23T13:23:23.704" v="353" actId="478"/>
       <pc:docMkLst>
         <pc:docMk/>
       </pc:docMkLst>
@@ -263,7 +269,7 @@
         </pc:picChg>
       </pc:sldChg>
       <pc:sldChg chg="addSp delSp modSp new mod">
-        <pc:chgData name="Hugo DEMENEZ" userId="167f3b24-aa49-4d1b-b001-4f9180dfa13d" providerId="ADAL" clId="{DB6A8ECF-B9FA-4FA8-839B-D9B55B3C70EB}" dt="2021-06-23T11:40:55.741" v="149" actId="21"/>
+        <pc:chgData name="Hugo DEMENEZ" userId="167f3b24-aa49-4d1b-b001-4f9180dfa13d" providerId="ADAL" clId="{DB6A8ECF-B9FA-4FA8-839B-D9B55B3C70EB}" dt="2021-06-23T13:23:23.704" v="353" actId="478"/>
         <pc:sldMkLst>
           <pc:docMk/>
           <pc:sldMk cId="1841864826" sldId="259"/>
@@ -308,6 +314,22 @@
             <ac:grpSpMk id="24" creationId="{058558A5-E4E4-4D28-90B7-53D3F89303A6}"/>
           </ac:grpSpMkLst>
         </pc:grpChg>
+        <pc:graphicFrameChg chg="add del modGraphic">
+          <ac:chgData name="Hugo DEMENEZ" userId="167f3b24-aa49-4d1b-b001-4f9180dfa13d" providerId="ADAL" clId="{DB6A8ECF-B9FA-4FA8-839B-D9B55B3C70EB}" dt="2021-06-23T13:23:23.704" v="353" actId="478"/>
+          <ac:graphicFrameMkLst>
+            <pc:docMk/>
+            <pc:sldMk cId="1841864826" sldId="259"/>
+            <ac:graphicFrameMk id="7" creationId="{B8E5B1B0-5AC9-4540-A3C5-357426A8DC82}"/>
+          </ac:graphicFrameMkLst>
+        </pc:graphicFrameChg>
+        <pc:graphicFrameChg chg="add del modGraphic">
+          <ac:chgData name="Hugo DEMENEZ" userId="167f3b24-aa49-4d1b-b001-4f9180dfa13d" providerId="ADAL" clId="{DB6A8ECF-B9FA-4FA8-839B-D9B55B3C70EB}" dt="2021-06-23T13:23:21.974" v="352" actId="478"/>
+          <ac:graphicFrameMkLst>
+            <pc:docMk/>
+            <pc:sldMk cId="1841864826" sldId="259"/>
+            <ac:graphicFrameMk id="9" creationId="{93F28242-C62B-4431-9E90-20B553372F00}"/>
+          </ac:graphicFrameMkLst>
+        </pc:graphicFrameChg>
         <pc:cxnChg chg="add del mod">
           <ac:chgData name="Hugo DEMENEZ" userId="167f3b24-aa49-4d1b-b001-4f9180dfa13d" providerId="ADAL" clId="{DB6A8ECF-B9FA-4FA8-839B-D9B55B3C70EB}" dt="2021-06-23T11:36:48.915" v="71" actId="11529"/>
           <ac:cxnSpMkLst>
@@ -348,8 +370,29 @@
           <pc:sldMk cId="1379568114" sldId="260"/>
         </pc:sldMkLst>
       </pc:sldChg>
+      <pc:sldChg chg="new">
+        <pc:chgData name="Hugo DEMENEZ" userId="167f3b24-aa49-4d1b-b001-4f9180dfa13d" providerId="ADAL" clId="{DB6A8ECF-B9FA-4FA8-839B-D9B55B3C70EB}" dt="2021-06-23T13:21:08.772" v="348" actId="680"/>
+        <pc:sldMkLst>
+          <pc:docMk/>
+          <pc:sldMk cId="3028807577" sldId="261"/>
+        </pc:sldMkLst>
+      </pc:sldChg>
+      <pc:sldChg chg="new">
+        <pc:chgData name="Hugo DEMENEZ" userId="167f3b24-aa49-4d1b-b001-4f9180dfa13d" providerId="ADAL" clId="{DB6A8ECF-B9FA-4FA8-839B-D9B55B3C70EB}" dt="2021-06-23T13:21:09.577" v="349" actId="680"/>
+        <pc:sldMkLst>
+          <pc:docMk/>
+          <pc:sldMk cId="3726656491" sldId="262"/>
+        </pc:sldMkLst>
+      </pc:sldChg>
+      <pc:sldChg chg="new">
+        <pc:chgData name="Hugo DEMENEZ" userId="167f3b24-aa49-4d1b-b001-4f9180dfa13d" providerId="ADAL" clId="{DB6A8ECF-B9FA-4FA8-839B-D9B55B3C70EB}" dt="2021-06-23T13:21:10.940" v="350" actId="680"/>
+        <pc:sldMkLst>
+          <pc:docMk/>
+          <pc:sldMk cId="2307786320" sldId="263"/>
+        </pc:sldMkLst>
+      </pc:sldChg>
       <pc:sldMasterChg chg="addSp delSp modSp mod modSldLayout">
-        <pc:chgData name="Hugo DEMENEZ" userId="167f3b24-aa49-4d1b-b001-4f9180dfa13d" providerId="ADAL" clId="{DB6A8ECF-B9FA-4FA8-839B-D9B55B3C70EB}" dt="2021-06-23T11:41:13.525" v="154"/>
+        <pc:chgData name="Hugo DEMENEZ" userId="167f3b24-aa49-4d1b-b001-4f9180dfa13d" providerId="ADAL" clId="{DB6A8ECF-B9FA-4FA8-839B-D9B55B3C70EB}" dt="2021-06-23T13:20:52.835" v="347" actId="207"/>
         <pc:sldMasterMkLst>
           <pc:docMk/>
           <pc:sldMasterMk cId="1039608128" sldId="2147483648"/>
@@ -418,8 +461,16 @@
             <ac:spMk id="15" creationId="{B9373C20-186C-45BA-BA3E-5E412DB64D28}"/>
           </ac:spMkLst>
         </pc:spChg>
+        <pc:spChg chg="add mod ord">
+          <ac:chgData name="Hugo DEMENEZ" userId="167f3b24-aa49-4d1b-b001-4f9180dfa13d" providerId="ADAL" clId="{DB6A8ECF-B9FA-4FA8-839B-D9B55B3C70EB}" dt="2021-06-23T13:20:52.835" v="347" actId="207"/>
+          <ac:spMkLst>
+            <pc:docMk/>
+            <pc:sldMasterMk cId="1039608128" sldId="2147483648"/>
+            <ac:spMk id="17" creationId="{68B68FC8-6345-4890-951A-1B36C279AFD5}"/>
+          </ac:spMkLst>
+        </pc:spChg>
         <pc:grpChg chg="add mod">
-          <ac:chgData name="Hugo DEMENEZ" userId="167f3b24-aa49-4d1b-b001-4f9180dfa13d" providerId="ADAL" clId="{DB6A8ECF-B9FA-4FA8-839B-D9B55B3C70EB}" dt="2021-06-23T11:41:13.525" v="154"/>
+          <ac:chgData name="Hugo DEMENEZ" userId="167f3b24-aa49-4d1b-b001-4f9180dfa13d" providerId="ADAL" clId="{DB6A8ECF-B9FA-4FA8-839B-D9B55B3C70EB}" dt="2021-06-23T13:20:19.095" v="290" actId="1076"/>
           <ac:grpSpMkLst>
             <pc:docMk/>
             <pc:sldMasterMk cId="1039608128" sldId="2147483648"/>
@@ -486,7 +537,7 @@
           </pc:spChg>
         </pc:sldLayoutChg>
         <pc:sldLayoutChg chg="addSp delSp modSp mod">
-          <pc:chgData name="Hugo DEMENEZ" userId="167f3b24-aa49-4d1b-b001-4f9180dfa13d" providerId="ADAL" clId="{DB6A8ECF-B9FA-4FA8-839B-D9B55B3C70EB}" dt="2021-06-23T11:41:07.814" v="152"/>
+          <pc:chgData name="Hugo DEMENEZ" userId="167f3b24-aa49-4d1b-b001-4f9180dfa13d" providerId="ADAL" clId="{DB6A8ECF-B9FA-4FA8-839B-D9B55B3C70EB}" dt="2021-06-23T13:16:55.527" v="167" actId="21"/>
           <pc:sldLayoutMkLst>
             <pc:docMk/>
             <pc:sldMasterMk cId="1039608128" sldId="2147483648"/>
@@ -499,6 +550,15 @@
               <pc:sldMasterMk cId="1039608128" sldId="2147483648"/>
               <pc:sldLayoutMk cId="1523239298" sldId="2147483650"/>
               <ac:spMk id="2" creationId="{84415567-6E50-4157-994B-A2B8A0A5A7BD}"/>
+            </ac:spMkLst>
+          </pc:spChg>
+          <pc:spChg chg="add del mod ord">
+            <ac:chgData name="Hugo DEMENEZ" userId="167f3b24-aa49-4d1b-b001-4f9180dfa13d" providerId="ADAL" clId="{DB6A8ECF-B9FA-4FA8-839B-D9B55B3C70EB}" dt="2021-06-23T13:16:55.527" v="167" actId="21"/>
+            <ac:spMkLst>
+              <pc:docMk/>
+              <pc:sldMasterMk cId="1039608128" sldId="2147483648"/>
+              <pc:sldLayoutMk cId="1523239298" sldId="2147483650"/>
+              <ac:spMk id="4" creationId="{11BA7632-CBAA-4B3D-9A06-C290906ED647}"/>
             </ac:spMkLst>
           </pc:spChg>
           <pc:spChg chg="del">
@@ -1451,6 +1511,90 @@
 </p:notesMaster>
 </file>
 
+<file path=ppt/notesSlides/notesSlide1.xml><?xml version="1.0" encoding="utf-8"?>
+<p:notes xmlns:a="http://schemas.openxmlformats.org/drawingml/2006/main" xmlns:r="http://schemas.openxmlformats.org/officeDocument/2006/relationships" xmlns:p="http://schemas.openxmlformats.org/presentationml/2006/main">
+  <p:cSld>
+    <p:spTree>
+      <p:nvGrpSpPr>
+        <p:cNvPr id="1" name=""/>
+        <p:cNvGrpSpPr/>
+        <p:nvPr/>
+      </p:nvGrpSpPr>
+      <p:grpSpPr>
+        <a:xfrm>
+          <a:off x="0" y="0"/>
+          <a:ext cx="0" cy="0"/>
+          <a:chOff x="0" y="0"/>
+          <a:chExt cx="0" cy="0"/>
+        </a:xfrm>
+      </p:grpSpPr>
+      <p:sp>
+        <p:nvSpPr>
+          <p:cNvPr id="2" name="Espace réservé de l'image des diapositives 1"/>
+          <p:cNvSpPr>
+            <a:spLocks noGrp="1" noRot="1" noChangeAspect="1"/>
+          </p:cNvSpPr>
+          <p:nvPr>
+            <p:ph type="sldImg"/>
+          </p:nvPr>
+        </p:nvSpPr>
+        <p:spPr/>
+      </p:sp>
+      <p:sp>
+        <p:nvSpPr>
+          <p:cNvPr id="3" name="Espace réservé des notes 2"/>
+          <p:cNvSpPr>
+            <a:spLocks noGrp="1"/>
+          </p:cNvSpPr>
+          <p:nvPr>
+            <p:ph type="body" idx="1"/>
+          </p:nvPr>
+        </p:nvSpPr>
+        <p:spPr/>
+        <p:txBody>
+          <a:bodyPr/>
+          <a:lstStyle/>
+          <a:p>
+            <a:endParaRPr lang="fr-FR"/>
+          </a:p>
+        </p:txBody>
+      </p:sp>
+      <p:sp>
+        <p:nvSpPr>
+          <p:cNvPr id="4" name="Espace réservé du numéro de diapositive 3"/>
+          <p:cNvSpPr>
+            <a:spLocks noGrp="1"/>
+          </p:cNvSpPr>
+          <p:nvPr>
+            <p:ph type="sldNum" sz="quarter" idx="5"/>
+          </p:nvPr>
+        </p:nvSpPr>
+        <p:spPr/>
+        <p:txBody>
+          <a:bodyPr/>
+          <a:lstStyle/>
+          <a:p>
+            <a:fld id="{629199E9-ECEC-4B25-AB7C-EC3678CC99B6}" type="slidenum">
+              <a:rPr lang="fr-FR" smtClean="0"/>
+              <a:t>5</a:t>
+            </a:fld>
+            <a:endParaRPr lang="fr-FR"/>
+          </a:p>
+        </p:txBody>
+      </p:sp>
+    </p:spTree>
+    <p:extLst>
+      <p:ext uri="{BB962C8B-B14F-4D97-AF65-F5344CB8AC3E}">
+        <p14:creationId xmlns:p14="http://schemas.microsoft.com/office/powerpoint/2010/main" val="2822236788"/>
+      </p:ext>
+    </p:extLst>
+  </p:cSld>
+  <p:clrMapOvr>
+    <a:masterClrMapping/>
+  </p:clrMapOvr>
+</p:notes>
+</file>
+
 <file path=ppt/slideLayouts/slideLayout1.xml><?xml version="1.0" encoding="utf-8"?>
 <p:sldLayout xmlns:a="http://schemas.openxmlformats.org/drawingml/2006/main" xmlns:r="http://schemas.openxmlformats.org/officeDocument/2006/relationships" xmlns:p="http://schemas.openxmlformats.org/presentationml/2006/main" type="title" preserve="1">
   <p:cSld name="Diapositive de titre">
@@ -4303,6 +4447,61 @@
           </a:prstGeom>
         </p:spPr>
       </p:pic>
+      <p:sp>
+        <p:nvSpPr>
+          <p:cNvPr id="17" name="Rectangle 16">
+            <a:extLst>
+              <a:ext uri="{FF2B5EF4-FFF2-40B4-BE49-F238E27FC236}">
+                <a16:creationId xmlns:a16="http://schemas.microsoft.com/office/drawing/2014/main" id="{68B68FC8-6345-4890-951A-1B36C279AFD5}"/>
+              </a:ext>
+            </a:extLst>
+          </p:cNvPr>
+          <p:cNvSpPr/>
+          <p:nvPr userDrawn="1"/>
+        </p:nvSpPr>
+        <p:spPr>
+          <a:xfrm flipV="1">
+            <a:off x="-1" y="0"/>
+            <a:ext cx="12192001" cy="527538"/>
+          </a:xfrm>
+          <a:prstGeom prst="rect">
+            <a:avLst/>
+          </a:prstGeom>
+          <a:solidFill>
+            <a:schemeClr val="bg1">
+              <a:alpha val="50000"/>
+            </a:schemeClr>
+          </a:solidFill>
+          <a:ln>
+            <a:noFill/>
+          </a:ln>
+          <a:effectLst/>
+        </p:spPr>
+        <p:style>
+          <a:lnRef idx="2">
+            <a:schemeClr val="accent1">
+              <a:shade val="50000"/>
+            </a:schemeClr>
+          </a:lnRef>
+          <a:fillRef idx="1">
+            <a:schemeClr val="accent1"/>
+          </a:fillRef>
+          <a:effectRef idx="0">
+            <a:schemeClr val="accent1"/>
+          </a:effectRef>
+          <a:fontRef idx="minor">
+            <a:schemeClr val="lt1"/>
+          </a:fontRef>
+        </p:style>
+        <p:txBody>
+          <a:bodyPr rtlCol="0" anchor="ctr"/>
+          <a:lstStyle/>
+          <a:p>
+            <a:pPr algn="ctr"/>
+            <a:endParaRPr lang="fr-FR"/>
+          </a:p>
+        </p:txBody>
+      </p:sp>
       <p:grpSp>
         <p:nvGrpSpPr>
           <p:cNvPr id="9" name="Groupe 8">
@@ -4317,7 +4516,7 @@
         </p:nvGrpSpPr>
         <p:grpSpPr>
           <a:xfrm>
-            <a:off x="4297767" y="92868"/>
+            <a:off x="4431421" y="81205"/>
             <a:ext cx="3329155" cy="365127"/>
             <a:chOff x="54241" y="-2"/>
             <a:chExt cx="3329155" cy="365127"/>
@@ -5268,6 +5467,420 @@
     <p:extLst>
       <p:ext uri="{BB962C8B-B14F-4D97-AF65-F5344CB8AC3E}">
         <p14:creationId xmlns:p14="http://schemas.microsoft.com/office/powerpoint/2010/main" val="1379568114"/>
+      </p:ext>
+    </p:extLst>
+  </p:cSld>
+  <p:clrMapOvr>
+    <a:masterClrMapping/>
+  </p:clrMapOvr>
+</p:sld>
+</file>
+
+<file path=ppt/slides/slide3.xml><?xml version="1.0" encoding="utf-8"?>
+<p:sld xmlns:a="http://schemas.openxmlformats.org/drawingml/2006/main" xmlns:r="http://schemas.openxmlformats.org/officeDocument/2006/relationships" xmlns:p="http://schemas.openxmlformats.org/presentationml/2006/main">
+  <p:cSld>
+    <p:spTree>
+      <p:nvGrpSpPr>
+        <p:cNvPr id="1" name=""/>
+        <p:cNvGrpSpPr/>
+        <p:nvPr/>
+      </p:nvGrpSpPr>
+      <p:grpSpPr>
+        <a:xfrm>
+          <a:off x="0" y="0"/>
+          <a:ext cx="0" cy="0"/>
+          <a:chOff x="0" y="0"/>
+          <a:chExt cx="0" cy="0"/>
+        </a:xfrm>
+      </p:grpSpPr>
+      <p:sp>
+        <p:nvSpPr>
+          <p:cNvPr id="2" name="Titre 1">
+            <a:extLst>
+              <a:ext uri="{FF2B5EF4-FFF2-40B4-BE49-F238E27FC236}">
+                <a16:creationId xmlns:a16="http://schemas.microsoft.com/office/drawing/2014/main" id="{9CB1B839-D4B0-4C35-92A4-4F66790EFC94}"/>
+              </a:ext>
+            </a:extLst>
+          </p:cNvPr>
+          <p:cNvSpPr>
+            <a:spLocks noGrp="1"/>
+          </p:cNvSpPr>
+          <p:nvPr>
+            <p:ph type="title"/>
+          </p:nvPr>
+        </p:nvSpPr>
+        <p:spPr/>
+        <p:txBody>
+          <a:bodyPr/>
+          <a:lstStyle/>
+          <a:p>
+            <a:endParaRPr lang="fr-FR"/>
+          </a:p>
+        </p:txBody>
+      </p:sp>
+      <p:sp>
+        <p:nvSpPr>
+          <p:cNvPr id="3" name="Espace réservé du contenu 2">
+            <a:extLst>
+              <a:ext uri="{FF2B5EF4-FFF2-40B4-BE49-F238E27FC236}">
+                <a16:creationId xmlns:a16="http://schemas.microsoft.com/office/drawing/2014/main" id="{1924C19D-2277-4EE6-BE20-FB4D88637296}"/>
+              </a:ext>
+            </a:extLst>
+          </p:cNvPr>
+          <p:cNvSpPr>
+            <a:spLocks noGrp="1"/>
+          </p:cNvSpPr>
+          <p:nvPr>
+            <p:ph idx="1"/>
+          </p:nvPr>
+        </p:nvSpPr>
+        <p:spPr/>
+        <p:txBody>
+          <a:bodyPr/>
+          <a:lstStyle/>
+          <a:p>
+            <a:endParaRPr lang="fr-FR"/>
+          </a:p>
+        </p:txBody>
+      </p:sp>
+      <p:sp>
+        <p:nvSpPr>
+          <p:cNvPr id="4" name="Espace réservé du pied de page 3">
+            <a:extLst>
+              <a:ext uri="{FF2B5EF4-FFF2-40B4-BE49-F238E27FC236}">
+                <a16:creationId xmlns:a16="http://schemas.microsoft.com/office/drawing/2014/main" id="{CA539AFF-C216-4F49-AA33-93698282E4F9}"/>
+              </a:ext>
+            </a:extLst>
+          </p:cNvPr>
+          <p:cNvSpPr>
+            <a:spLocks noGrp="1"/>
+          </p:cNvSpPr>
+          <p:nvPr>
+            <p:ph type="ftr" sz="quarter" idx="11"/>
+          </p:nvPr>
+        </p:nvSpPr>
+        <p:spPr/>
+        <p:txBody>
+          <a:bodyPr/>
+          <a:lstStyle/>
+          <a:p>
+            <a:r>
+              <a:rPr lang="fr-FR"/>
+              <a:t>Hugo Demenez &amp; Brieuc Da1ndoy &amp; Guillaume Gulli &amp; Mohamed Amine Bennouna</a:t>
+            </a:r>
+            <a:endParaRPr lang="fr-FR" dirty="0"/>
+          </a:p>
+        </p:txBody>
+      </p:sp>
+      <p:sp>
+        <p:nvSpPr>
+          <p:cNvPr id="5" name="Espace réservé du numéro de diapositive 4">
+            <a:extLst>
+              <a:ext uri="{FF2B5EF4-FFF2-40B4-BE49-F238E27FC236}">
+                <a16:creationId xmlns:a16="http://schemas.microsoft.com/office/drawing/2014/main" id="{EBC1F3B4-7E7E-4F07-BBFB-B5004D9A6CB5}"/>
+              </a:ext>
+            </a:extLst>
+          </p:cNvPr>
+          <p:cNvSpPr>
+            <a:spLocks noGrp="1"/>
+          </p:cNvSpPr>
+          <p:nvPr>
+            <p:ph type="sldNum" sz="quarter" idx="12"/>
+          </p:nvPr>
+        </p:nvSpPr>
+        <p:spPr/>
+        <p:txBody>
+          <a:bodyPr/>
+          <a:lstStyle/>
+          <a:p>
+            <a:fld id="{4663F8E7-E950-430D-880A-090F6311A6B2}" type="slidenum">
+              <a:rPr lang="fr-FR" smtClean="0"/>
+              <a:t>3</a:t>
+            </a:fld>
+            <a:endParaRPr lang="fr-FR"/>
+          </a:p>
+        </p:txBody>
+      </p:sp>
+    </p:spTree>
+    <p:extLst>
+      <p:ext uri="{BB962C8B-B14F-4D97-AF65-F5344CB8AC3E}">
+        <p14:creationId xmlns:p14="http://schemas.microsoft.com/office/powerpoint/2010/main" val="3028807577"/>
+      </p:ext>
+    </p:extLst>
+  </p:cSld>
+  <p:clrMapOvr>
+    <a:masterClrMapping/>
+  </p:clrMapOvr>
+</p:sld>
+</file>
+
+<file path=ppt/slides/slide4.xml><?xml version="1.0" encoding="utf-8"?>
+<p:sld xmlns:a="http://schemas.openxmlformats.org/drawingml/2006/main" xmlns:r="http://schemas.openxmlformats.org/officeDocument/2006/relationships" xmlns:p="http://schemas.openxmlformats.org/presentationml/2006/main">
+  <p:cSld>
+    <p:spTree>
+      <p:nvGrpSpPr>
+        <p:cNvPr id="1" name=""/>
+        <p:cNvGrpSpPr/>
+        <p:nvPr/>
+      </p:nvGrpSpPr>
+      <p:grpSpPr>
+        <a:xfrm>
+          <a:off x="0" y="0"/>
+          <a:ext cx="0" cy="0"/>
+          <a:chOff x="0" y="0"/>
+          <a:chExt cx="0" cy="0"/>
+        </a:xfrm>
+      </p:grpSpPr>
+      <p:sp>
+        <p:nvSpPr>
+          <p:cNvPr id="2" name="Titre 1">
+            <a:extLst>
+              <a:ext uri="{FF2B5EF4-FFF2-40B4-BE49-F238E27FC236}">
+                <a16:creationId xmlns:a16="http://schemas.microsoft.com/office/drawing/2014/main" id="{971A57CA-D00E-4510-B3FB-3649C5DEDBAA}"/>
+              </a:ext>
+            </a:extLst>
+          </p:cNvPr>
+          <p:cNvSpPr>
+            <a:spLocks noGrp="1"/>
+          </p:cNvSpPr>
+          <p:nvPr>
+            <p:ph type="title"/>
+          </p:nvPr>
+        </p:nvSpPr>
+        <p:spPr/>
+        <p:txBody>
+          <a:bodyPr/>
+          <a:lstStyle/>
+          <a:p>
+            <a:endParaRPr lang="fr-FR"/>
+          </a:p>
+        </p:txBody>
+      </p:sp>
+      <p:sp>
+        <p:nvSpPr>
+          <p:cNvPr id="3" name="Espace réservé du contenu 2">
+            <a:extLst>
+              <a:ext uri="{FF2B5EF4-FFF2-40B4-BE49-F238E27FC236}">
+                <a16:creationId xmlns:a16="http://schemas.microsoft.com/office/drawing/2014/main" id="{23660972-0F95-4D6E-AB4F-22BC004DEC03}"/>
+              </a:ext>
+            </a:extLst>
+          </p:cNvPr>
+          <p:cNvSpPr>
+            <a:spLocks noGrp="1"/>
+          </p:cNvSpPr>
+          <p:nvPr>
+            <p:ph idx="1"/>
+          </p:nvPr>
+        </p:nvSpPr>
+        <p:spPr/>
+        <p:txBody>
+          <a:bodyPr/>
+          <a:lstStyle/>
+          <a:p>
+            <a:endParaRPr lang="fr-FR"/>
+          </a:p>
+        </p:txBody>
+      </p:sp>
+      <p:sp>
+        <p:nvSpPr>
+          <p:cNvPr id="4" name="Espace réservé du pied de page 3">
+            <a:extLst>
+              <a:ext uri="{FF2B5EF4-FFF2-40B4-BE49-F238E27FC236}">
+                <a16:creationId xmlns:a16="http://schemas.microsoft.com/office/drawing/2014/main" id="{F7546FD0-3463-42F1-B59A-856CB303514C}"/>
+              </a:ext>
+            </a:extLst>
+          </p:cNvPr>
+          <p:cNvSpPr>
+            <a:spLocks noGrp="1"/>
+          </p:cNvSpPr>
+          <p:nvPr>
+            <p:ph type="ftr" sz="quarter" idx="11"/>
+          </p:nvPr>
+        </p:nvSpPr>
+        <p:spPr/>
+        <p:txBody>
+          <a:bodyPr/>
+          <a:lstStyle/>
+          <a:p>
+            <a:r>
+              <a:rPr lang="fr-FR"/>
+              <a:t>Hugo Demenez &amp; Brieuc Da1ndoy &amp; Guillaume Gulli &amp; Mohamed Amine Bennouna</a:t>
+            </a:r>
+            <a:endParaRPr lang="fr-FR" dirty="0"/>
+          </a:p>
+        </p:txBody>
+      </p:sp>
+      <p:sp>
+        <p:nvSpPr>
+          <p:cNvPr id="5" name="Espace réservé du numéro de diapositive 4">
+            <a:extLst>
+              <a:ext uri="{FF2B5EF4-FFF2-40B4-BE49-F238E27FC236}">
+                <a16:creationId xmlns:a16="http://schemas.microsoft.com/office/drawing/2014/main" id="{37108097-3ADA-42E8-B7E2-C352107CDCB6}"/>
+              </a:ext>
+            </a:extLst>
+          </p:cNvPr>
+          <p:cNvSpPr>
+            <a:spLocks noGrp="1"/>
+          </p:cNvSpPr>
+          <p:nvPr>
+            <p:ph type="sldNum" sz="quarter" idx="12"/>
+          </p:nvPr>
+        </p:nvSpPr>
+        <p:spPr/>
+        <p:txBody>
+          <a:bodyPr/>
+          <a:lstStyle/>
+          <a:p>
+            <a:fld id="{4663F8E7-E950-430D-880A-090F6311A6B2}" type="slidenum">
+              <a:rPr lang="fr-FR" smtClean="0"/>
+              <a:t>4</a:t>
+            </a:fld>
+            <a:endParaRPr lang="fr-FR"/>
+          </a:p>
+        </p:txBody>
+      </p:sp>
+    </p:spTree>
+    <p:extLst>
+      <p:ext uri="{BB962C8B-B14F-4D97-AF65-F5344CB8AC3E}">
+        <p14:creationId xmlns:p14="http://schemas.microsoft.com/office/powerpoint/2010/main" val="3726656491"/>
+      </p:ext>
+    </p:extLst>
+  </p:cSld>
+  <p:clrMapOvr>
+    <a:masterClrMapping/>
+  </p:clrMapOvr>
+</p:sld>
+</file>
+
+<file path=ppt/slides/slide5.xml><?xml version="1.0" encoding="utf-8"?>
+<p:sld xmlns:a="http://schemas.openxmlformats.org/drawingml/2006/main" xmlns:r="http://schemas.openxmlformats.org/officeDocument/2006/relationships" xmlns:p="http://schemas.openxmlformats.org/presentationml/2006/main">
+  <p:cSld>
+    <p:spTree>
+      <p:nvGrpSpPr>
+        <p:cNvPr id="1" name=""/>
+        <p:cNvGrpSpPr/>
+        <p:nvPr/>
+      </p:nvGrpSpPr>
+      <p:grpSpPr>
+        <a:xfrm>
+          <a:off x="0" y="0"/>
+          <a:ext cx="0" cy="0"/>
+          <a:chOff x="0" y="0"/>
+          <a:chExt cx="0" cy="0"/>
+        </a:xfrm>
+      </p:grpSpPr>
+      <p:sp>
+        <p:nvSpPr>
+          <p:cNvPr id="2" name="Titre 1">
+            <a:extLst>
+              <a:ext uri="{FF2B5EF4-FFF2-40B4-BE49-F238E27FC236}">
+                <a16:creationId xmlns:a16="http://schemas.microsoft.com/office/drawing/2014/main" id="{AD3B244E-5A97-4F94-9F40-8DF6174B9BAF}"/>
+              </a:ext>
+            </a:extLst>
+          </p:cNvPr>
+          <p:cNvSpPr>
+            <a:spLocks noGrp="1"/>
+          </p:cNvSpPr>
+          <p:nvPr>
+            <p:ph type="title"/>
+          </p:nvPr>
+        </p:nvSpPr>
+        <p:spPr/>
+        <p:txBody>
+          <a:bodyPr/>
+          <a:lstStyle/>
+          <a:p>
+            <a:endParaRPr lang="fr-FR"/>
+          </a:p>
+        </p:txBody>
+      </p:sp>
+      <p:sp>
+        <p:nvSpPr>
+          <p:cNvPr id="3" name="Espace réservé du contenu 2">
+            <a:extLst>
+              <a:ext uri="{FF2B5EF4-FFF2-40B4-BE49-F238E27FC236}">
+                <a16:creationId xmlns:a16="http://schemas.microsoft.com/office/drawing/2014/main" id="{8033DF95-F0CA-46D5-8B13-0D32246C4985}"/>
+              </a:ext>
+            </a:extLst>
+          </p:cNvPr>
+          <p:cNvSpPr>
+            <a:spLocks noGrp="1"/>
+          </p:cNvSpPr>
+          <p:nvPr>
+            <p:ph idx="1"/>
+          </p:nvPr>
+        </p:nvSpPr>
+        <p:spPr/>
+        <p:txBody>
+          <a:bodyPr/>
+          <a:lstStyle/>
+          <a:p>
+            <a:endParaRPr lang="fr-FR"/>
+          </a:p>
+        </p:txBody>
+      </p:sp>
+      <p:sp>
+        <p:nvSpPr>
+          <p:cNvPr id="4" name="Espace réservé du pied de page 3">
+            <a:extLst>
+              <a:ext uri="{FF2B5EF4-FFF2-40B4-BE49-F238E27FC236}">
+                <a16:creationId xmlns:a16="http://schemas.microsoft.com/office/drawing/2014/main" id="{1181ECC1-3D68-4FAF-ACC0-932CA2D6FFCC}"/>
+              </a:ext>
+            </a:extLst>
+          </p:cNvPr>
+          <p:cNvSpPr>
+            <a:spLocks noGrp="1"/>
+          </p:cNvSpPr>
+          <p:nvPr>
+            <p:ph type="ftr" sz="quarter" idx="11"/>
+          </p:nvPr>
+        </p:nvSpPr>
+        <p:spPr/>
+        <p:txBody>
+          <a:bodyPr/>
+          <a:lstStyle/>
+          <a:p>
+            <a:r>
+              <a:rPr lang="fr-FR"/>
+              <a:t>Hugo Demenez &amp; Brieuc Da1ndoy &amp; Guillaume Gulli &amp; Mohamed Amine Bennouna</a:t>
+            </a:r>
+            <a:endParaRPr lang="fr-FR" dirty="0"/>
+          </a:p>
+        </p:txBody>
+      </p:sp>
+      <p:sp>
+        <p:nvSpPr>
+          <p:cNvPr id="5" name="Espace réservé du numéro de diapositive 4">
+            <a:extLst>
+              <a:ext uri="{FF2B5EF4-FFF2-40B4-BE49-F238E27FC236}">
+                <a16:creationId xmlns:a16="http://schemas.microsoft.com/office/drawing/2014/main" id="{AB9835CB-0EE6-4108-A4DD-AEC0DACC64CC}"/>
+              </a:ext>
+            </a:extLst>
+          </p:cNvPr>
+          <p:cNvSpPr>
+            <a:spLocks noGrp="1"/>
+          </p:cNvSpPr>
+          <p:nvPr>
+            <p:ph type="sldNum" sz="quarter" idx="12"/>
+          </p:nvPr>
+        </p:nvSpPr>
+        <p:spPr/>
+        <p:txBody>
+          <a:bodyPr/>
+          <a:lstStyle/>
+          <a:p>
+            <a:fld id="{4663F8E7-E950-430D-880A-090F6311A6B2}" type="slidenum">
+              <a:rPr lang="fr-FR" smtClean="0"/>
+              <a:t>5</a:t>
+            </a:fld>
+            <a:endParaRPr lang="fr-FR"/>
+          </a:p>
+        </p:txBody>
+      </p:sp>
+    </p:spTree>
+    <p:extLst>
+      <p:ext uri="{BB962C8B-B14F-4D97-AF65-F5344CB8AC3E}">
+        <p14:creationId xmlns:p14="http://schemas.microsoft.com/office/powerpoint/2010/main" val="2307786320"/>
       </p:ext>
     </p:extLst>
   </p:cSld>

--- a/presentation/Présentation1.pptx
+++ b/presentation/Présentation1.pptx
@@ -125,15 +125,38 @@
         <p14:section name="Première partie" id="{4AA07A40-5265-4799-BF88-168218E6357D}">
           <p14:sldIdLst>
             <p14:sldId id="260"/>
+          </p14:sldIdLst>
+        </p14:section>
+        <p14:section name="Deuxième partie" id="{0243CD7B-0FBB-45F7-996F-3714D7FE8E35}">
+          <p14:sldIdLst>
             <p14:sldId id="261"/>
+          </p14:sldIdLst>
+        </p14:section>
+        <p14:section name="Troisième partie" id="{6057DFBA-4BE5-4093-8028-DE22FDECCA5F}">
+          <p14:sldIdLst>
             <p14:sldId id="262"/>
+          </p14:sldIdLst>
+        </p14:section>
+        <p14:section name="Conclusion" id="{F0AE9ECC-1655-48C6-A6F5-46AB5B7321E9}">
+          <p14:sldIdLst>
             <p14:sldId id="263"/>
           </p14:sldIdLst>
         </p14:section>
       </p14:sectionLst>
     </p:ext>
     <p:ext uri="{EFAFB233-063F-42B5-8137-9DF3F51BA10A}">
-      <p15:sldGuideLst xmlns:p15="http://schemas.microsoft.com/office/powerpoint/2012/main"/>
+      <p15:sldGuideLst xmlns:p15="http://schemas.microsoft.com/office/powerpoint/2012/main">
+        <p15:guide id="1" orient="horz" pos="2160" userDrawn="1">
+          <p15:clr>
+            <a:srgbClr val="A4A3A4"/>
+          </p15:clr>
+        </p15:guide>
+        <p15:guide id="2" pos="3840" userDrawn="1">
+          <p15:clr>
+            <a:srgbClr val="A4A3A4"/>
+          </p15:clr>
+        </p15:guide>
+      </p15:sldGuideLst>
     </p:ext>
     <p:ext uri="{2D200454-40CA-4A62-9FC3-DE9A4176ACB9}">
       <p15:notesGuideLst xmlns:p15="http://schemas.microsoft.com/office/powerpoint/2012/main"/>
@@ -145,7 +168,7 @@
 <file path=ppt/revisionInfo.xml><?xml version="1.0" encoding="utf-8"?>
 <p1510:revInfo xmlns:a="http://schemas.openxmlformats.org/drawingml/2006/main" xmlns:r="http://schemas.openxmlformats.org/officeDocument/2006/relationships" xmlns:p1510="http://schemas.microsoft.com/office/powerpoint/2015/10/main">
   <p1510:revLst>
-    <p1510:client id="{DB6A8ECF-B9FA-4FA8-839B-D9B55B3C70EB}" v="24" dt="2021-06-23T13:20:34.655"/>
+    <p1510:client id="{DB6A8ECF-B9FA-4FA8-839B-D9B55B3C70EB}" v="46" dt="2021-06-24T11:50:37.831"/>
   </p1510:revLst>
 </p1510:revInfo>
 </file>
@@ -155,7 +178,7 @@
   <pc:docChgLst>
     <pc:chgData name="Hugo DEMENEZ" userId="167f3b24-aa49-4d1b-b001-4f9180dfa13d" providerId="ADAL" clId="{DB6A8ECF-B9FA-4FA8-839B-D9B55B3C70EB}"/>
     <pc:docChg chg="undo custSel addSld delSld modSld modMainMaster addSection modSection">
-      <pc:chgData name="Hugo DEMENEZ" userId="167f3b24-aa49-4d1b-b001-4f9180dfa13d" providerId="ADAL" clId="{DB6A8ECF-B9FA-4FA8-839B-D9B55B3C70EB}" dt="2021-06-23T13:23:23.704" v="353" actId="478"/>
+      <pc:chgData name="Hugo DEMENEZ" userId="167f3b24-aa49-4d1b-b001-4f9180dfa13d" providerId="ADAL" clId="{DB6A8ECF-B9FA-4FA8-839B-D9B55B3C70EB}" dt="2021-06-24T11:53:44.856" v="519" actId="478"/>
       <pc:docMkLst>
         <pc:docMk/>
       </pc:docMkLst>
@@ -269,7 +292,7 @@
         </pc:picChg>
       </pc:sldChg>
       <pc:sldChg chg="addSp delSp modSp new mod">
-        <pc:chgData name="Hugo DEMENEZ" userId="167f3b24-aa49-4d1b-b001-4f9180dfa13d" providerId="ADAL" clId="{DB6A8ECF-B9FA-4FA8-839B-D9B55B3C70EB}" dt="2021-06-23T13:23:23.704" v="353" actId="478"/>
+        <pc:chgData name="Hugo DEMENEZ" userId="167f3b24-aa49-4d1b-b001-4f9180dfa13d" providerId="ADAL" clId="{DB6A8ECF-B9FA-4FA8-839B-D9B55B3C70EB}" dt="2021-06-24T11:52:25.872" v="484" actId="1076"/>
         <pc:sldMkLst>
           <pc:docMk/>
           <pc:sldMk cId="1841864826" sldId="259"/>
@@ -282,12 +305,20 @@
             <ac:spMk id="6" creationId="{ECB9B133-C54F-4840-8BA1-1C3CA47722B6}"/>
           </ac:spMkLst>
         </pc:spChg>
-        <pc:spChg chg="add mod">
-          <ac:chgData name="Hugo DEMENEZ" userId="167f3b24-aa49-4d1b-b001-4f9180dfa13d" providerId="ADAL" clId="{DB6A8ECF-B9FA-4FA8-839B-D9B55B3C70EB}" dt="2021-06-23T11:40:45.411" v="147" actId="164"/>
+        <pc:spChg chg="mod topLvl">
+          <ac:chgData name="Hugo DEMENEZ" userId="167f3b24-aa49-4d1b-b001-4f9180dfa13d" providerId="ADAL" clId="{DB6A8ECF-B9FA-4FA8-839B-D9B55B3C70EB}" dt="2021-06-24T11:52:12.716" v="481" actId="1035"/>
           <ac:spMkLst>
             <pc:docMk/>
             <pc:sldMk cId="1841864826" sldId="259"/>
-            <ac:spMk id="9" creationId="{AE54C766-320E-4906-980F-5E47E1F4BAF1}"/>
+            <ac:spMk id="7" creationId="{31474F0A-D5C1-4449-909B-EF178AB14D89}"/>
+          </ac:spMkLst>
+        </pc:spChg>
+        <pc:spChg chg="mod topLvl">
+          <ac:chgData name="Hugo DEMENEZ" userId="167f3b24-aa49-4d1b-b001-4f9180dfa13d" providerId="ADAL" clId="{DB6A8ECF-B9FA-4FA8-839B-D9B55B3C70EB}" dt="2021-06-24T11:52:25.872" v="484" actId="1076"/>
+          <ac:spMkLst>
+            <pc:docMk/>
+            <pc:sldMk cId="1841864826" sldId="259"/>
+            <ac:spMk id="8" creationId="{8F9D2609-4F44-40CD-840E-AF7C7DE63365}"/>
           </ac:spMkLst>
         </pc:spChg>
         <pc:spChg chg="add mod">
@@ -295,7 +326,15 @@
           <ac:spMkLst>
             <pc:docMk/>
             <pc:sldMk cId="1841864826" sldId="259"/>
-            <ac:spMk id="12" creationId="{0BC40EE1-AF69-48B6-A1CB-286814F37DDA}"/>
+            <ac:spMk id="9" creationId="{AE54C766-320E-4906-980F-5E47E1F4BAF1}"/>
+          </ac:spMkLst>
+        </pc:spChg>
+        <pc:spChg chg="mod topLvl">
+          <ac:chgData name="Hugo DEMENEZ" userId="167f3b24-aa49-4d1b-b001-4f9180dfa13d" providerId="ADAL" clId="{DB6A8ECF-B9FA-4FA8-839B-D9B55B3C70EB}" dt="2021-06-24T11:51:39.019" v="475" actId="1076"/>
+          <ac:spMkLst>
+            <pc:docMk/>
+            <pc:sldMk cId="1841864826" sldId="259"/>
+            <ac:spMk id="10" creationId="{4B7B093F-A708-48CF-8F07-DCEBE618AEE9}"/>
           </ac:spMkLst>
         </pc:spChg>
         <pc:spChg chg="add mod">
@@ -303,9 +342,41 @@
           <ac:spMkLst>
             <pc:docMk/>
             <pc:sldMk cId="1841864826" sldId="259"/>
+            <ac:spMk id="12" creationId="{0BC40EE1-AF69-48B6-A1CB-286814F37DDA}"/>
+          </ac:spMkLst>
+        </pc:spChg>
+        <pc:spChg chg="mod topLvl">
+          <ac:chgData name="Hugo DEMENEZ" userId="167f3b24-aa49-4d1b-b001-4f9180dfa13d" providerId="ADAL" clId="{DB6A8ECF-B9FA-4FA8-839B-D9B55B3C70EB}" dt="2021-06-24T11:52:15.381" v="483" actId="1035"/>
+          <ac:spMkLst>
+            <pc:docMk/>
+            <pc:sldMk cId="1841864826" sldId="259"/>
+            <ac:spMk id="12" creationId="{E4BB1FD7-D8F1-4ACA-B1F7-28A4318C4416}"/>
+          </ac:spMkLst>
+        </pc:spChg>
+        <pc:spChg chg="add mod">
+          <ac:chgData name="Hugo DEMENEZ" userId="167f3b24-aa49-4d1b-b001-4f9180dfa13d" providerId="ADAL" clId="{DB6A8ECF-B9FA-4FA8-839B-D9B55B3C70EB}" dt="2021-06-24T11:52:05" v="479" actId="1076"/>
+          <ac:spMkLst>
+            <pc:docMk/>
+            <pc:sldMk cId="1841864826" sldId="259"/>
+            <ac:spMk id="14" creationId="{557B6687-1FC5-4802-B1D6-3B08928350D7}"/>
+          </ac:spMkLst>
+        </pc:spChg>
+        <pc:spChg chg="add mod">
+          <ac:chgData name="Hugo DEMENEZ" userId="167f3b24-aa49-4d1b-b001-4f9180dfa13d" providerId="ADAL" clId="{DB6A8ECF-B9FA-4FA8-839B-D9B55B3C70EB}" dt="2021-06-23T11:40:45.411" v="147" actId="164"/>
+          <ac:spMkLst>
+            <pc:docMk/>
+            <pc:sldMk cId="1841864826" sldId="259"/>
             <ac:spMk id="19" creationId="{B6FAD356-836F-43F7-BD03-51DC87C2A94F}"/>
           </ac:spMkLst>
         </pc:spChg>
+        <pc:grpChg chg="add del mod">
+          <ac:chgData name="Hugo DEMENEZ" userId="167f3b24-aa49-4d1b-b001-4f9180dfa13d" providerId="ADAL" clId="{DB6A8ECF-B9FA-4FA8-839B-D9B55B3C70EB}" dt="2021-06-24T11:50:30.427" v="466" actId="165"/>
+          <ac:grpSpMkLst>
+            <pc:docMk/>
+            <pc:sldMk cId="1841864826" sldId="259"/>
+            <ac:grpSpMk id="6" creationId="{39B78166-68B8-45D0-81B5-8CCE38D24DAC}"/>
+          </ac:grpSpMkLst>
+        </pc:grpChg>
         <pc:grpChg chg="add del mod">
           <ac:chgData name="Hugo DEMENEZ" userId="167f3b24-aa49-4d1b-b001-4f9180dfa13d" providerId="ADAL" clId="{DB6A8ECF-B9FA-4FA8-839B-D9B55B3C70EB}" dt="2021-06-23T11:40:55.741" v="149" actId="21"/>
           <ac:grpSpMkLst>
@@ -338,12 +409,12 @@
             <ac:cxnSpMk id="8" creationId="{3C5DE30F-5A46-4BD2-895B-50BCCD375B49}"/>
           </ac:cxnSpMkLst>
         </pc:cxnChg>
-        <pc:cxnChg chg="add mod">
-          <ac:chgData name="Hugo DEMENEZ" userId="167f3b24-aa49-4d1b-b001-4f9180dfa13d" providerId="ADAL" clId="{DB6A8ECF-B9FA-4FA8-839B-D9B55B3C70EB}" dt="2021-06-23T11:40:55.741" v="149" actId="21"/>
+        <pc:cxnChg chg="mod topLvl">
+          <ac:chgData name="Hugo DEMENEZ" userId="167f3b24-aa49-4d1b-b001-4f9180dfa13d" providerId="ADAL" clId="{DB6A8ECF-B9FA-4FA8-839B-D9B55B3C70EB}" dt="2021-06-24T11:52:25.872" v="484" actId="1076"/>
           <ac:cxnSpMkLst>
             <pc:docMk/>
             <pc:sldMk cId="1841864826" sldId="259"/>
-            <ac:cxnSpMk id="11" creationId="{08A4DE18-1D65-4717-B581-18861337222E}"/>
+            <ac:cxnSpMk id="9" creationId="{76A3BD9F-DD98-4A90-B522-3958FBC6815E}"/>
           </ac:cxnSpMkLst>
         </pc:cxnChg>
         <pc:cxnChg chg="add mod">
@@ -351,7 +422,15 @@
           <ac:cxnSpMkLst>
             <pc:docMk/>
             <pc:sldMk cId="1841864826" sldId="259"/>
-            <ac:cxnSpMk id="13" creationId="{749C20C8-7777-4705-98EF-9B82D1D74892}"/>
+            <ac:cxnSpMk id="11" creationId="{08A4DE18-1D65-4717-B581-18861337222E}"/>
+          </ac:cxnSpMkLst>
+        </pc:cxnChg>
+        <pc:cxnChg chg="mod topLvl">
+          <ac:chgData name="Hugo DEMENEZ" userId="167f3b24-aa49-4d1b-b001-4f9180dfa13d" providerId="ADAL" clId="{DB6A8ECF-B9FA-4FA8-839B-D9B55B3C70EB}" dt="2021-06-24T11:52:25.872" v="484" actId="1076"/>
+          <ac:cxnSpMkLst>
+            <pc:docMk/>
+            <pc:sldMk cId="1841864826" sldId="259"/>
+            <ac:cxnSpMk id="11" creationId="{D88F86FD-FE1A-4829-B341-607BA3E5ED5E}"/>
           </ac:cxnSpMkLst>
         </pc:cxnChg>
         <pc:cxnChg chg="add mod">
@@ -359,40 +438,424 @@
           <ac:cxnSpMkLst>
             <pc:docMk/>
             <pc:sldMk cId="1841864826" sldId="259"/>
+            <ac:cxnSpMk id="13" creationId="{749C20C8-7777-4705-98EF-9B82D1D74892}"/>
+          </ac:cxnSpMkLst>
+        </pc:cxnChg>
+        <pc:cxnChg chg="mod topLvl">
+          <ac:chgData name="Hugo DEMENEZ" userId="167f3b24-aa49-4d1b-b001-4f9180dfa13d" providerId="ADAL" clId="{DB6A8ECF-B9FA-4FA8-839B-D9B55B3C70EB}" dt="2021-06-24T11:52:15.381" v="483" actId="1035"/>
+          <ac:cxnSpMkLst>
+            <pc:docMk/>
+            <pc:sldMk cId="1841864826" sldId="259"/>
+            <ac:cxnSpMk id="13" creationId="{8B23DE0E-CF67-46B8-984A-E21B1FFEC40A}"/>
+          </ac:cxnSpMkLst>
+        </pc:cxnChg>
+        <pc:cxnChg chg="add mod">
+          <ac:chgData name="Hugo DEMENEZ" userId="167f3b24-aa49-4d1b-b001-4f9180dfa13d" providerId="ADAL" clId="{DB6A8ECF-B9FA-4FA8-839B-D9B55B3C70EB}" dt="2021-06-24T11:52:05" v="479" actId="1076"/>
+          <ac:cxnSpMkLst>
+            <pc:docMk/>
+            <pc:sldMk cId="1841864826" sldId="259"/>
+            <ac:cxnSpMk id="15" creationId="{4D64F33D-263E-47ED-B233-C48F692B900B}"/>
+          </ac:cxnSpMkLst>
+        </pc:cxnChg>
+        <pc:cxnChg chg="add mod">
+          <ac:chgData name="Hugo DEMENEZ" userId="167f3b24-aa49-4d1b-b001-4f9180dfa13d" providerId="ADAL" clId="{DB6A8ECF-B9FA-4FA8-839B-D9B55B3C70EB}" dt="2021-06-23T11:40:55.741" v="149" actId="21"/>
+          <ac:cxnSpMkLst>
+            <pc:docMk/>
+            <pc:sldMk cId="1841864826" sldId="259"/>
             <ac:cxnSpMk id="20" creationId="{D06F2670-D309-4CA6-9856-2EA3ADA7C1EE}"/>
           </ac:cxnSpMkLst>
         </pc:cxnChg>
       </pc:sldChg>
-      <pc:sldChg chg="new">
-        <pc:chgData name="Hugo DEMENEZ" userId="167f3b24-aa49-4d1b-b001-4f9180dfa13d" providerId="ADAL" clId="{DB6A8ECF-B9FA-4FA8-839B-D9B55B3C70EB}" dt="2021-06-23T11:41:38.238" v="155" actId="680"/>
+      <pc:sldChg chg="addSp delSp modSp new mod">
+        <pc:chgData name="Hugo DEMENEZ" userId="167f3b24-aa49-4d1b-b001-4f9180dfa13d" providerId="ADAL" clId="{DB6A8ECF-B9FA-4FA8-839B-D9B55B3C70EB}" dt="2021-06-24T11:52:55.922" v="497" actId="478"/>
         <pc:sldMkLst>
           <pc:docMk/>
           <pc:sldMk cId="1379568114" sldId="260"/>
         </pc:sldMkLst>
+        <pc:spChg chg="del mod topLvl">
+          <ac:chgData name="Hugo DEMENEZ" userId="167f3b24-aa49-4d1b-b001-4f9180dfa13d" providerId="ADAL" clId="{DB6A8ECF-B9FA-4FA8-839B-D9B55B3C70EB}" dt="2021-06-24T11:52:54.632" v="495" actId="478"/>
+          <ac:spMkLst>
+            <pc:docMk/>
+            <pc:sldMk cId="1379568114" sldId="260"/>
+            <ac:spMk id="7" creationId="{DE6C3F61-BA04-45F6-9AAC-546C605E1A98}"/>
+          </ac:spMkLst>
+        </pc:spChg>
+        <pc:spChg chg="del mod topLvl">
+          <ac:chgData name="Hugo DEMENEZ" userId="167f3b24-aa49-4d1b-b001-4f9180dfa13d" providerId="ADAL" clId="{DB6A8ECF-B9FA-4FA8-839B-D9B55B3C70EB}" dt="2021-06-24T11:52:52.778" v="493" actId="478"/>
+          <ac:spMkLst>
+            <pc:docMk/>
+            <pc:sldMk cId="1379568114" sldId="260"/>
+            <ac:spMk id="8" creationId="{9DCDE70B-7E07-44CC-88A4-23C8E9D147D6}"/>
+          </ac:spMkLst>
+        </pc:spChg>
+        <pc:spChg chg="del mod topLvl">
+          <ac:chgData name="Hugo DEMENEZ" userId="167f3b24-aa49-4d1b-b001-4f9180dfa13d" providerId="ADAL" clId="{DB6A8ECF-B9FA-4FA8-839B-D9B55B3C70EB}" dt="2021-06-24T11:52:50.665" v="490" actId="478"/>
+          <ac:spMkLst>
+            <pc:docMk/>
+            <pc:sldMk cId="1379568114" sldId="260"/>
+            <ac:spMk id="10" creationId="{72CF9B13-0F3E-46C5-9B07-623BC898481D}"/>
+          </ac:spMkLst>
+        </pc:spChg>
+        <pc:spChg chg="del mod topLvl">
+          <ac:chgData name="Hugo DEMENEZ" userId="167f3b24-aa49-4d1b-b001-4f9180dfa13d" providerId="ADAL" clId="{DB6A8ECF-B9FA-4FA8-839B-D9B55B3C70EB}" dt="2021-06-24T11:52:55.922" v="497" actId="478"/>
+          <ac:spMkLst>
+            <pc:docMk/>
+            <pc:sldMk cId="1379568114" sldId="260"/>
+            <ac:spMk id="12" creationId="{15C911B3-72D0-4937-9145-387640E269B5}"/>
+          </ac:spMkLst>
+        </pc:spChg>
+        <pc:spChg chg="add del mod">
+          <ac:chgData name="Hugo DEMENEZ" userId="167f3b24-aa49-4d1b-b001-4f9180dfa13d" providerId="ADAL" clId="{DB6A8ECF-B9FA-4FA8-839B-D9B55B3C70EB}" dt="2021-06-24T11:52:48.848" v="488" actId="478"/>
+          <ac:spMkLst>
+            <pc:docMk/>
+            <pc:sldMk cId="1379568114" sldId="260"/>
+            <ac:spMk id="14" creationId="{8790F392-9220-42FE-BB0C-581E9BE069FF}"/>
+          </ac:spMkLst>
+        </pc:spChg>
+        <pc:grpChg chg="add del mod">
+          <ac:chgData name="Hugo DEMENEZ" userId="167f3b24-aa49-4d1b-b001-4f9180dfa13d" providerId="ADAL" clId="{DB6A8ECF-B9FA-4FA8-839B-D9B55B3C70EB}" dt="2021-06-24T11:50:15.277" v="463" actId="165"/>
+          <ac:grpSpMkLst>
+            <pc:docMk/>
+            <pc:sldMk cId="1379568114" sldId="260"/>
+            <ac:grpSpMk id="6" creationId="{F61704F9-0030-4A5B-B478-82891ABADAED}"/>
+          </ac:grpSpMkLst>
+        </pc:grpChg>
+        <pc:cxnChg chg="del mod topLvl">
+          <ac:chgData name="Hugo DEMENEZ" userId="167f3b24-aa49-4d1b-b001-4f9180dfa13d" providerId="ADAL" clId="{DB6A8ECF-B9FA-4FA8-839B-D9B55B3C70EB}" dt="2021-06-24T11:52:53.361" v="494" actId="478"/>
+          <ac:cxnSpMkLst>
+            <pc:docMk/>
+            <pc:sldMk cId="1379568114" sldId="260"/>
+            <ac:cxnSpMk id="9" creationId="{D6BCAB0A-3EAE-4607-9F60-D60E8BE67FAE}"/>
+          </ac:cxnSpMkLst>
+        </pc:cxnChg>
+        <pc:cxnChg chg="del mod topLvl">
+          <ac:chgData name="Hugo DEMENEZ" userId="167f3b24-aa49-4d1b-b001-4f9180dfa13d" providerId="ADAL" clId="{DB6A8ECF-B9FA-4FA8-839B-D9B55B3C70EB}" dt="2021-06-24T11:52:52.088" v="492" actId="478"/>
+          <ac:cxnSpMkLst>
+            <pc:docMk/>
+            <pc:sldMk cId="1379568114" sldId="260"/>
+            <ac:cxnSpMk id="11" creationId="{CF91AF7E-F9E6-4953-A799-A2FF7BBC05F2}"/>
+          </ac:cxnSpMkLst>
+        </pc:cxnChg>
+        <pc:cxnChg chg="del mod topLvl">
+          <ac:chgData name="Hugo DEMENEZ" userId="167f3b24-aa49-4d1b-b001-4f9180dfa13d" providerId="ADAL" clId="{DB6A8ECF-B9FA-4FA8-839B-D9B55B3C70EB}" dt="2021-06-24T11:52:55.433" v="496" actId="478"/>
+          <ac:cxnSpMkLst>
+            <pc:docMk/>
+            <pc:sldMk cId="1379568114" sldId="260"/>
+            <ac:cxnSpMk id="13" creationId="{180994A6-5187-485A-8C12-20ED3D8AC640}"/>
+          </ac:cxnSpMkLst>
+        </pc:cxnChg>
+        <pc:cxnChg chg="add del mod">
+          <ac:chgData name="Hugo DEMENEZ" userId="167f3b24-aa49-4d1b-b001-4f9180dfa13d" providerId="ADAL" clId="{DB6A8ECF-B9FA-4FA8-839B-D9B55B3C70EB}" dt="2021-06-24T11:52:51.529" v="491" actId="478"/>
+          <ac:cxnSpMkLst>
+            <pc:docMk/>
+            <pc:sldMk cId="1379568114" sldId="260"/>
+            <ac:cxnSpMk id="15" creationId="{6890C32F-E06C-4F9F-A17A-45B3FEC3D03A}"/>
+          </ac:cxnSpMkLst>
+        </pc:cxnChg>
       </pc:sldChg>
-      <pc:sldChg chg="new">
-        <pc:chgData name="Hugo DEMENEZ" userId="167f3b24-aa49-4d1b-b001-4f9180dfa13d" providerId="ADAL" clId="{DB6A8ECF-B9FA-4FA8-839B-D9B55B3C70EB}" dt="2021-06-23T13:21:08.772" v="348" actId="680"/>
+      <pc:sldChg chg="addSp delSp modSp new mod">
+        <pc:chgData name="Hugo DEMENEZ" userId="167f3b24-aa49-4d1b-b001-4f9180dfa13d" providerId="ADAL" clId="{DB6A8ECF-B9FA-4FA8-839B-D9B55B3C70EB}" dt="2021-06-24T11:53:32.669" v="508" actId="478"/>
         <pc:sldMkLst>
           <pc:docMk/>
           <pc:sldMk cId="3028807577" sldId="261"/>
         </pc:sldMkLst>
+        <pc:spChg chg="del mod topLvl">
+          <ac:chgData name="Hugo DEMENEZ" userId="167f3b24-aa49-4d1b-b001-4f9180dfa13d" providerId="ADAL" clId="{DB6A8ECF-B9FA-4FA8-839B-D9B55B3C70EB}" dt="2021-06-24T11:53:30.629" v="505" actId="478"/>
+          <ac:spMkLst>
+            <pc:docMk/>
+            <pc:sldMk cId="3028807577" sldId="261"/>
+            <ac:spMk id="7" creationId="{A790CB1F-60B3-439E-A335-067BA90FBEA9}"/>
+          </ac:spMkLst>
+        </pc:spChg>
+        <pc:spChg chg="del mod topLvl">
+          <ac:chgData name="Hugo DEMENEZ" userId="167f3b24-aa49-4d1b-b001-4f9180dfa13d" providerId="ADAL" clId="{DB6A8ECF-B9FA-4FA8-839B-D9B55B3C70EB}" dt="2021-06-24T11:53:28.838" v="503" actId="478"/>
+          <ac:spMkLst>
+            <pc:docMk/>
+            <pc:sldMk cId="3028807577" sldId="261"/>
+            <ac:spMk id="8" creationId="{F55C4A51-7C99-4942-806A-B58EC468C40D}"/>
+          </ac:spMkLst>
+        </pc:spChg>
+        <pc:spChg chg="del mod topLvl">
+          <ac:chgData name="Hugo DEMENEZ" userId="167f3b24-aa49-4d1b-b001-4f9180dfa13d" providerId="ADAL" clId="{DB6A8ECF-B9FA-4FA8-839B-D9B55B3C70EB}" dt="2021-06-24T11:53:26.181" v="500" actId="478"/>
+          <ac:spMkLst>
+            <pc:docMk/>
+            <pc:sldMk cId="3028807577" sldId="261"/>
+            <ac:spMk id="10" creationId="{60E9FD1A-5754-4EB3-998D-0BBFA640E033}"/>
+          </ac:spMkLst>
+        </pc:spChg>
+        <pc:spChg chg="del mod topLvl">
+          <ac:chgData name="Hugo DEMENEZ" userId="167f3b24-aa49-4d1b-b001-4f9180dfa13d" providerId="ADAL" clId="{DB6A8ECF-B9FA-4FA8-839B-D9B55B3C70EB}" dt="2021-06-24T11:53:32.669" v="508" actId="478"/>
+          <ac:spMkLst>
+            <pc:docMk/>
+            <pc:sldMk cId="3028807577" sldId="261"/>
+            <ac:spMk id="12" creationId="{64BDCED1-D961-4D64-B80D-A3BE7EC0A940}"/>
+          </ac:spMkLst>
+        </pc:spChg>
+        <pc:spChg chg="add del mod">
+          <ac:chgData name="Hugo DEMENEZ" userId="167f3b24-aa49-4d1b-b001-4f9180dfa13d" providerId="ADAL" clId="{DB6A8ECF-B9FA-4FA8-839B-D9B55B3C70EB}" dt="2021-06-24T11:53:24.989" v="498" actId="478"/>
+          <ac:spMkLst>
+            <pc:docMk/>
+            <pc:sldMk cId="3028807577" sldId="261"/>
+            <ac:spMk id="14" creationId="{0CB24658-3D00-4542-8777-F43C38C9BEF6}"/>
+          </ac:spMkLst>
+        </pc:spChg>
+        <pc:grpChg chg="add del mod">
+          <ac:chgData name="Hugo DEMENEZ" userId="167f3b24-aa49-4d1b-b001-4f9180dfa13d" providerId="ADAL" clId="{DB6A8ECF-B9FA-4FA8-839B-D9B55B3C70EB}" dt="2021-06-24T11:50:02.334" v="459" actId="165"/>
+          <ac:grpSpMkLst>
+            <pc:docMk/>
+            <pc:sldMk cId="3028807577" sldId="261"/>
+            <ac:grpSpMk id="6" creationId="{3EA7828C-BA3C-43D7-BFAC-E7DDC13FB366}"/>
+          </ac:grpSpMkLst>
+        </pc:grpChg>
+        <pc:cxnChg chg="del mod topLvl">
+          <ac:chgData name="Hugo DEMENEZ" userId="167f3b24-aa49-4d1b-b001-4f9180dfa13d" providerId="ADAL" clId="{DB6A8ECF-B9FA-4FA8-839B-D9B55B3C70EB}" dt="2021-06-24T11:53:30.086" v="504" actId="478"/>
+          <ac:cxnSpMkLst>
+            <pc:docMk/>
+            <pc:sldMk cId="3028807577" sldId="261"/>
+            <ac:cxnSpMk id="9" creationId="{EDE8A7D0-5B0C-433A-9083-6BFF30C8F364}"/>
+          </ac:cxnSpMkLst>
+        </pc:cxnChg>
+        <pc:cxnChg chg="del mod topLvl">
+          <ac:chgData name="Hugo DEMENEZ" userId="167f3b24-aa49-4d1b-b001-4f9180dfa13d" providerId="ADAL" clId="{DB6A8ECF-B9FA-4FA8-839B-D9B55B3C70EB}" dt="2021-06-24T11:53:27.029" v="501" actId="478"/>
+          <ac:cxnSpMkLst>
+            <pc:docMk/>
+            <pc:sldMk cId="3028807577" sldId="261"/>
+            <ac:cxnSpMk id="11" creationId="{4E328EA2-239B-4A5A-8C2A-B999EB42A116}"/>
+          </ac:cxnSpMkLst>
+        </pc:cxnChg>
+        <pc:cxnChg chg="del mod topLvl">
+          <ac:chgData name="Hugo DEMENEZ" userId="167f3b24-aa49-4d1b-b001-4f9180dfa13d" providerId="ADAL" clId="{DB6A8ECF-B9FA-4FA8-839B-D9B55B3C70EB}" dt="2021-06-24T11:53:31.333" v="506" actId="478"/>
+          <ac:cxnSpMkLst>
+            <pc:docMk/>
+            <pc:sldMk cId="3028807577" sldId="261"/>
+            <ac:cxnSpMk id="13" creationId="{B86386A3-CFA6-409D-9964-EFA226ABB990}"/>
+          </ac:cxnSpMkLst>
+        </pc:cxnChg>
+        <pc:cxnChg chg="add del mod">
+          <ac:chgData name="Hugo DEMENEZ" userId="167f3b24-aa49-4d1b-b001-4f9180dfa13d" providerId="ADAL" clId="{DB6A8ECF-B9FA-4FA8-839B-D9B55B3C70EB}" dt="2021-06-24T11:49:56.165" v="457" actId="478"/>
+          <ac:cxnSpMkLst>
+            <pc:docMk/>
+            <pc:sldMk cId="3028807577" sldId="261"/>
+            <ac:cxnSpMk id="15" creationId="{4ED3E7DA-80A0-4F5E-B96E-BD0C4FFEBA27}"/>
+          </ac:cxnSpMkLst>
+        </pc:cxnChg>
+        <pc:cxnChg chg="add del mod">
+          <ac:chgData name="Hugo DEMENEZ" userId="167f3b24-aa49-4d1b-b001-4f9180dfa13d" providerId="ADAL" clId="{DB6A8ECF-B9FA-4FA8-839B-D9B55B3C70EB}" dt="2021-06-24T11:53:25.636" v="499" actId="478"/>
+          <ac:cxnSpMkLst>
+            <pc:docMk/>
+            <pc:sldMk cId="3028807577" sldId="261"/>
+            <ac:cxnSpMk id="18" creationId="{C5F51573-6518-4C19-AB82-1A95E6C0A4A4}"/>
+          </ac:cxnSpMkLst>
+        </pc:cxnChg>
       </pc:sldChg>
-      <pc:sldChg chg="new">
-        <pc:chgData name="Hugo DEMENEZ" userId="167f3b24-aa49-4d1b-b001-4f9180dfa13d" providerId="ADAL" clId="{DB6A8ECF-B9FA-4FA8-839B-D9B55B3C70EB}" dt="2021-06-23T13:21:09.577" v="349" actId="680"/>
+      <pc:sldChg chg="addSp delSp modSp new mod">
+        <pc:chgData name="Hugo DEMENEZ" userId="167f3b24-aa49-4d1b-b001-4f9180dfa13d" providerId="ADAL" clId="{DB6A8ECF-B9FA-4FA8-839B-D9B55B3C70EB}" dt="2021-06-24T11:53:42.575" v="518" actId="478"/>
         <pc:sldMkLst>
           <pc:docMk/>
           <pc:sldMk cId="3726656491" sldId="262"/>
         </pc:sldMkLst>
+        <pc:spChg chg="del mod topLvl">
+          <ac:chgData name="Hugo DEMENEZ" userId="167f3b24-aa49-4d1b-b001-4f9180dfa13d" providerId="ADAL" clId="{DB6A8ECF-B9FA-4FA8-839B-D9B55B3C70EB}" dt="2021-06-24T11:53:37.718" v="511" actId="478"/>
+          <ac:spMkLst>
+            <pc:docMk/>
+            <pc:sldMk cId="3726656491" sldId="262"/>
+            <ac:spMk id="7" creationId="{4A305D71-E5DE-4ABF-93C7-1AB55D98294D}"/>
+          </ac:spMkLst>
+        </pc:spChg>
+        <pc:spChg chg="del mod topLvl">
+          <ac:chgData name="Hugo DEMENEZ" userId="167f3b24-aa49-4d1b-b001-4f9180dfa13d" providerId="ADAL" clId="{DB6A8ECF-B9FA-4FA8-839B-D9B55B3C70EB}" dt="2021-06-24T11:53:39.678" v="514" actId="478"/>
+          <ac:spMkLst>
+            <pc:docMk/>
+            <pc:sldMk cId="3726656491" sldId="262"/>
+            <ac:spMk id="8" creationId="{E29FE63A-075A-4F0F-851D-FD209B3D96DF}"/>
+          </ac:spMkLst>
+        </pc:spChg>
+        <pc:spChg chg="del mod topLvl">
+          <ac:chgData name="Hugo DEMENEZ" userId="167f3b24-aa49-4d1b-b001-4f9180dfa13d" providerId="ADAL" clId="{DB6A8ECF-B9FA-4FA8-839B-D9B55B3C70EB}" dt="2021-06-24T11:53:40.342" v="515" actId="478"/>
+          <ac:spMkLst>
+            <pc:docMk/>
+            <pc:sldMk cId="3726656491" sldId="262"/>
+            <ac:spMk id="10" creationId="{9B9B12BF-8E68-4BE2-8B4E-99BD9BA707BA}"/>
+          </ac:spMkLst>
+        </pc:spChg>
+        <pc:spChg chg="del mod topLvl">
+          <ac:chgData name="Hugo DEMENEZ" userId="167f3b24-aa49-4d1b-b001-4f9180dfa13d" providerId="ADAL" clId="{DB6A8ECF-B9FA-4FA8-839B-D9B55B3C70EB}" dt="2021-06-24T11:53:37.038" v="510" actId="478"/>
+          <ac:spMkLst>
+            <pc:docMk/>
+            <pc:sldMk cId="3726656491" sldId="262"/>
+            <ac:spMk id="12" creationId="{3B1DAABD-A968-4CD2-837F-9F954BA6473C}"/>
+          </ac:spMkLst>
+        </pc:spChg>
+        <pc:spChg chg="add del mod">
+          <ac:chgData name="Hugo DEMENEZ" userId="167f3b24-aa49-4d1b-b001-4f9180dfa13d" providerId="ADAL" clId="{DB6A8ECF-B9FA-4FA8-839B-D9B55B3C70EB}" dt="2021-06-24T11:48:31.410" v="433" actId="478"/>
+          <ac:spMkLst>
+            <pc:docMk/>
+            <pc:sldMk cId="3726656491" sldId="262"/>
+            <ac:spMk id="14" creationId="{F6A7A815-8BAD-477D-BA56-879740F11682}"/>
+          </ac:spMkLst>
+        </pc:spChg>
+        <pc:spChg chg="add del mod">
+          <ac:chgData name="Hugo DEMENEZ" userId="167f3b24-aa49-4d1b-b001-4f9180dfa13d" providerId="ADAL" clId="{DB6A8ECF-B9FA-4FA8-839B-D9B55B3C70EB}" dt="2021-06-24T11:53:42.575" v="518" actId="478"/>
+          <ac:spMkLst>
+            <pc:docMk/>
+            <pc:sldMk cId="3726656491" sldId="262"/>
+            <ac:spMk id="21" creationId="{0ED6D1DB-91A8-4FD5-9443-67CDCB3D61A5}"/>
+          </ac:spMkLst>
+        </pc:spChg>
+        <pc:grpChg chg="add del mod">
+          <ac:chgData name="Hugo DEMENEZ" userId="167f3b24-aa49-4d1b-b001-4f9180dfa13d" providerId="ADAL" clId="{DB6A8ECF-B9FA-4FA8-839B-D9B55B3C70EB}" dt="2021-06-24T11:47:38.793" v="400" actId="165"/>
+          <ac:grpSpMkLst>
+            <pc:docMk/>
+            <pc:sldMk cId="3726656491" sldId="262"/>
+            <ac:grpSpMk id="6" creationId="{D9CD8EC1-9012-4272-A20D-340E2126EE3B}"/>
+          </ac:grpSpMkLst>
+        </pc:grpChg>
+        <pc:cxnChg chg="del mod topLvl">
+          <ac:chgData name="Hugo DEMENEZ" userId="167f3b24-aa49-4d1b-b001-4f9180dfa13d" providerId="ADAL" clId="{DB6A8ECF-B9FA-4FA8-839B-D9B55B3C70EB}" dt="2021-06-24T11:53:39.030" v="513" actId="478"/>
+          <ac:cxnSpMkLst>
+            <pc:docMk/>
+            <pc:sldMk cId="3726656491" sldId="262"/>
+            <ac:cxnSpMk id="9" creationId="{C28EFE31-7E87-4137-8AF8-1E4506F68E38}"/>
+          </ac:cxnSpMkLst>
+        </pc:cxnChg>
+        <pc:cxnChg chg="del mod topLvl">
+          <ac:chgData name="Hugo DEMENEZ" userId="167f3b24-aa49-4d1b-b001-4f9180dfa13d" providerId="ADAL" clId="{DB6A8ECF-B9FA-4FA8-839B-D9B55B3C70EB}" dt="2021-06-24T11:53:40.926" v="516" actId="478"/>
+          <ac:cxnSpMkLst>
+            <pc:docMk/>
+            <pc:sldMk cId="3726656491" sldId="262"/>
+            <ac:cxnSpMk id="11" creationId="{30DCF787-8D5F-438B-ADCD-DC851A1ABF25}"/>
+          </ac:cxnSpMkLst>
+        </pc:cxnChg>
+        <pc:cxnChg chg="del mod topLvl">
+          <ac:chgData name="Hugo DEMENEZ" userId="167f3b24-aa49-4d1b-b001-4f9180dfa13d" providerId="ADAL" clId="{DB6A8ECF-B9FA-4FA8-839B-D9B55B3C70EB}" dt="2021-06-24T11:53:38.486" v="512" actId="478"/>
+          <ac:cxnSpMkLst>
+            <pc:docMk/>
+            <pc:sldMk cId="3726656491" sldId="262"/>
+            <ac:cxnSpMk id="13" creationId="{190DE603-B639-4771-91B7-E9BF804CFA60}"/>
+          </ac:cxnSpMkLst>
+        </pc:cxnChg>
+        <pc:cxnChg chg="add del mod">
+          <ac:chgData name="Hugo DEMENEZ" userId="167f3b24-aa49-4d1b-b001-4f9180dfa13d" providerId="ADAL" clId="{DB6A8ECF-B9FA-4FA8-839B-D9B55B3C70EB}" dt="2021-06-24T11:48:37.715" v="434" actId="478"/>
+          <ac:cxnSpMkLst>
+            <pc:docMk/>
+            <pc:sldMk cId="3726656491" sldId="262"/>
+            <ac:cxnSpMk id="15" creationId="{10BD73DD-7D07-437C-99A2-3945A73B0A83}"/>
+          </ac:cxnSpMkLst>
+        </pc:cxnChg>
+        <pc:cxnChg chg="add del mod">
+          <ac:chgData name="Hugo DEMENEZ" userId="167f3b24-aa49-4d1b-b001-4f9180dfa13d" providerId="ADAL" clId="{DB6A8ECF-B9FA-4FA8-839B-D9B55B3C70EB}" dt="2021-06-24T11:49:09.638" v="445" actId="478"/>
+          <ac:cxnSpMkLst>
+            <pc:docMk/>
+            <pc:sldMk cId="3726656491" sldId="262"/>
+            <ac:cxnSpMk id="20" creationId="{DE6649DD-5D78-4F4C-95CF-B528B3A1AE70}"/>
+          </ac:cxnSpMkLst>
+        </pc:cxnChg>
+        <pc:cxnChg chg="add del mod">
+          <ac:chgData name="Hugo DEMENEZ" userId="167f3b24-aa49-4d1b-b001-4f9180dfa13d" providerId="ADAL" clId="{DB6A8ECF-B9FA-4FA8-839B-D9B55B3C70EB}" dt="2021-06-24T11:53:41.406" v="517" actId="478"/>
+          <ac:cxnSpMkLst>
+            <pc:docMk/>
+            <pc:sldMk cId="3726656491" sldId="262"/>
+            <ac:cxnSpMk id="26" creationId="{C872E765-C25A-43EA-941B-1FDE7372E98F}"/>
+          </ac:cxnSpMkLst>
+        </pc:cxnChg>
       </pc:sldChg>
-      <pc:sldChg chg="new">
-        <pc:chgData name="Hugo DEMENEZ" userId="167f3b24-aa49-4d1b-b001-4f9180dfa13d" providerId="ADAL" clId="{DB6A8ECF-B9FA-4FA8-839B-D9B55B3C70EB}" dt="2021-06-23T13:21:10.940" v="350" actId="680"/>
+      <pc:sldChg chg="addSp delSp modSp new mod">
+        <pc:chgData name="Hugo DEMENEZ" userId="167f3b24-aa49-4d1b-b001-4f9180dfa13d" providerId="ADAL" clId="{DB6A8ECF-B9FA-4FA8-839B-D9B55B3C70EB}" dt="2021-06-24T11:53:44.856" v="519" actId="478"/>
         <pc:sldMkLst>
           <pc:docMk/>
           <pc:sldMk cId="2307786320" sldId="263"/>
         </pc:sldMkLst>
+        <pc:spChg chg="mod topLvl">
+          <ac:chgData name="Hugo DEMENEZ" userId="167f3b24-aa49-4d1b-b001-4f9180dfa13d" providerId="ADAL" clId="{DB6A8ECF-B9FA-4FA8-839B-D9B55B3C70EB}" dt="2021-06-24T11:46:44.626" v="396" actId="164"/>
+          <ac:spMkLst>
+            <pc:docMk/>
+            <pc:sldMk cId="2307786320" sldId="263"/>
+            <ac:spMk id="7" creationId="{1E497417-7527-4915-9ECE-52A8376165B4}"/>
+          </ac:spMkLst>
+        </pc:spChg>
+        <pc:spChg chg="mod topLvl">
+          <ac:chgData name="Hugo DEMENEZ" userId="167f3b24-aa49-4d1b-b001-4f9180dfa13d" providerId="ADAL" clId="{DB6A8ECF-B9FA-4FA8-839B-D9B55B3C70EB}" dt="2021-06-24T11:46:44.626" v="396" actId="164"/>
+          <ac:spMkLst>
+            <pc:docMk/>
+            <pc:sldMk cId="2307786320" sldId="263"/>
+            <ac:spMk id="8" creationId="{111E00ED-7FAD-4CD3-B323-BC6953974B62}"/>
+          </ac:spMkLst>
+        </pc:spChg>
+        <pc:spChg chg="mod topLvl">
+          <ac:chgData name="Hugo DEMENEZ" userId="167f3b24-aa49-4d1b-b001-4f9180dfa13d" providerId="ADAL" clId="{DB6A8ECF-B9FA-4FA8-839B-D9B55B3C70EB}" dt="2021-06-24T11:46:44.626" v="396" actId="164"/>
+          <ac:spMkLst>
+            <pc:docMk/>
+            <pc:sldMk cId="2307786320" sldId="263"/>
+            <ac:spMk id="10" creationId="{DEC0A41D-0CC0-4322-BE84-9ABCE4B28EB6}"/>
+          </ac:spMkLst>
+        </pc:spChg>
+        <pc:spChg chg="mod topLvl">
+          <ac:chgData name="Hugo DEMENEZ" userId="167f3b24-aa49-4d1b-b001-4f9180dfa13d" providerId="ADAL" clId="{DB6A8ECF-B9FA-4FA8-839B-D9B55B3C70EB}" dt="2021-06-24T11:47:18.760" v="399" actId="207"/>
+          <ac:spMkLst>
+            <pc:docMk/>
+            <pc:sldMk cId="2307786320" sldId="263"/>
+            <ac:spMk id="12" creationId="{DDD231EC-802C-46B6-939D-E7AA98DFC042}"/>
+          </ac:spMkLst>
+        </pc:spChg>
+        <pc:spChg chg="add mod">
+          <ac:chgData name="Hugo DEMENEZ" userId="167f3b24-aa49-4d1b-b001-4f9180dfa13d" providerId="ADAL" clId="{DB6A8ECF-B9FA-4FA8-839B-D9B55B3C70EB}" dt="2021-06-24T11:46:44.626" v="396" actId="164"/>
+          <ac:spMkLst>
+            <pc:docMk/>
+            <pc:sldMk cId="2307786320" sldId="263"/>
+            <ac:spMk id="15" creationId="{3A5EBE20-20FC-498B-B33C-33B372E3D8A7}"/>
+          </ac:spMkLst>
+        </pc:spChg>
+        <pc:grpChg chg="add del mod">
+          <ac:chgData name="Hugo DEMENEZ" userId="167f3b24-aa49-4d1b-b001-4f9180dfa13d" providerId="ADAL" clId="{DB6A8ECF-B9FA-4FA8-839B-D9B55B3C70EB}" dt="2021-06-24T11:45:34.684" v="379" actId="165"/>
+          <ac:grpSpMkLst>
+            <pc:docMk/>
+            <pc:sldMk cId="2307786320" sldId="263"/>
+            <ac:grpSpMk id="6" creationId="{82E4ADEE-3ADA-4287-B105-131582DC7AE0}"/>
+          </ac:grpSpMkLst>
+        </pc:grpChg>
+        <pc:grpChg chg="add del mod">
+          <ac:chgData name="Hugo DEMENEZ" userId="167f3b24-aa49-4d1b-b001-4f9180dfa13d" providerId="ADAL" clId="{DB6A8ECF-B9FA-4FA8-839B-D9B55B3C70EB}" dt="2021-06-24T11:53:44.856" v="519" actId="478"/>
+          <ac:grpSpMkLst>
+            <pc:docMk/>
+            <pc:sldMk cId="2307786320" sldId="263"/>
+            <ac:grpSpMk id="19" creationId="{31E92012-CACA-4843-92B4-F7123C0EBBBC}"/>
+          </ac:grpSpMkLst>
+        </pc:grpChg>
+        <pc:cxnChg chg="mod topLvl">
+          <ac:chgData name="Hugo DEMENEZ" userId="167f3b24-aa49-4d1b-b001-4f9180dfa13d" providerId="ADAL" clId="{DB6A8ECF-B9FA-4FA8-839B-D9B55B3C70EB}" dt="2021-06-24T11:53:44.856" v="519" actId="478"/>
+          <ac:cxnSpMkLst>
+            <pc:docMk/>
+            <pc:sldMk cId="2307786320" sldId="263"/>
+            <ac:cxnSpMk id="9" creationId="{36EDDFAA-1FA6-40E5-B58A-9009BCF9CDC4}"/>
+          </ac:cxnSpMkLst>
+        </pc:cxnChg>
+        <pc:cxnChg chg="mod topLvl">
+          <ac:chgData name="Hugo DEMENEZ" userId="167f3b24-aa49-4d1b-b001-4f9180dfa13d" providerId="ADAL" clId="{DB6A8ECF-B9FA-4FA8-839B-D9B55B3C70EB}" dt="2021-06-24T11:53:44.856" v="519" actId="478"/>
+          <ac:cxnSpMkLst>
+            <pc:docMk/>
+            <pc:sldMk cId="2307786320" sldId="263"/>
+            <ac:cxnSpMk id="11" creationId="{8B981B6A-1933-4C4B-AA31-D44AB029E4BA}"/>
+          </ac:cxnSpMkLst>
+        </pc:cxnChg>
+        <pc:cxnChg chg="mod topLvl">
+          <ac:chgData name="Hugo DEMENEZ" userId="167f3b24-aa49-4d1b-b001-4f9180dfa13d" providerId="ADAL" clId="{DB6A8ECF-B9FA-4FA8-839B-D9B55B3C70EB}" dt="2021-06-24T11:53:44.856" v="519" actId="478"/>
+          <ac:cxnSpMkLst>
+            <pc:docMk/>
+            <pc:sldMk cId="2307786320" sldId="263"/>
+            <ac:cxnSpMk id="13" creationId="{90CD5D9E-6D2E-4D55-AE3E-1A78CF71C314}"/>
+          </ac:cxnSpMkLst>
+        </pc:cxnChg>
+        <pc:cxnChg chg="add mod">
+          <ac:chgData name="Hugo DEMENEZ" userId="167f3b24-aa49-4d1b-b001-4f9180dfa13d" providerId="ADAL" clId="{DB6A8ECF-B9FA-4FA8-839B-D9B55B3C70EB}" dt="2021-06-24T11:53:44.856" v="519" actId="478"/>
+          <ac:cxnSpMkLst>
+            <pc:docMk/>
+            <pc:sldMk cId="2307786320" sldId="263"/>
+            <ac:cxnSpMk id="14" creationId="{42166E79-BC8C-4ADC-B4EE-D7BBBA23D1A7}"/>
+          </ac:cxnSpMkLst>
+        </pc:cxnChg>
       </pc:sldChg>
       <pc:sldMasterChg chg="addSp delSp modSp mod modSldLayout">
-        <pc:chgData name="Hugo DEMENEZ" userId="167f3b24-aa49-4d1b-b001-4f9180dfa13d" providerId="ADAL" clId="{DB6A8ECF-B9FA-4FA8-839B-D9B55B3C70EB}" dt="2021-06-23T13:20:52.835" v="347" actId="207"/>
+        <pc:chgData name="Hugo DEMENEZ" userId="167f3b24-aa49-4d1b-b001-4f9180dfa13d" providerId="ADAL" clId="{DB6A8ECF-B9FA-4FA8-839B-D9B55B3C70EB}" dt="2021-06-24T11:44:06.886" v="360" actId="21"/>
         <pc:sldMasterMkLst>
           <pc:docMk/>
           <pc:sldMasterMk cId="1039608128" sldId="2147483648"/>
@@ -469,8 +932,8 @@
             <ac:spMk id="17" creationId="{68B68FC8-6345-4890-951A-1B36C279AFD5}"/>
           </ac:spMkLst>
         </pc:spChg>
-        <pc:grpChg chg="add mod">
-          <ac:chgData name="Hugo DEMENEZ" userId="167f3b24-aa49-4d1b-b001-4f9180dfa13d" providerId="ADAL" clId="{DB6A8ECF-B9FA-4FA8-839B-D9B55B3C70EB}" dt="2021-06-23T13:20:19.095" v="290" actId="1076"/>
+        <pc:grpChg chg="add del mod">
+          <ac:chgData name="Hugo DEMENEZ" userId="167f3b24-aa49-4d1b-b001-4f9180dfa13d" providerId="ADAL" clId="{DB6A8ECF-B9FA-4FA8-839B-D9B55B3C70EB}" dt="2021-06-24T11:44:06.886" v="360" actId="21"/>
           <ac:grpSpMkLst>
             <pc:docMk/>
             <pc:sldMasterMk cId="1039608128" sldId="2147483648"/>
@@ -478,7 +941,7 @@
           </ac:grpSpMkLst>
         </pc:grpChg>
         <pc:cxnChg chg="mod">
-          <ac:chgData name="Hugo DEMENEZ" userId="167f3b24-aa49-4d1b-b001-4f9180dfa13d" providerId="ADAL" clId="{DB6A8ECF-B9FA-4FA8-839B-D9B55B3C70EB}" dt="2021-06-23T11:41:13.525" v="154"/>
+          <ac:chgData name="Hugo DEMENEZ" userId="167f3b24-aa49-4d1b-b001-4f9180dfa13d" providerId="ADAL" clId="{DB6A8ECF-B9FA-4FA8-839B-D9B55B3C70EB}" dt="2021-06-24T11:44:06.886" v="360" actId="21"/>
           <ac:cxnSpMkLst>
             <pc:docMk/>
             <pc:sldMasterMk cId="1039608128" sldId="2147483648"/>
@@ -486,7 +949,7 @@
           </ac:cxnSpMkLst>
         </pc:cxnChg>
         <pc:cxnChg chg="mod">
-          <ac:chgData name="Hugo DEMENEZ" userId="167f3b24-aa49-4d1b-b001-4f9180dfa13d" providerId="ADAL" clId="{DB6A8ECF-B9FA-4FA8-839B-D9B55B3C70EB}" dt="2021-06-23T11:41:13.525" v="154"/>
+          <ac:chgData name="Hugo DEMENEZ" userId="167f3b24-aa49-4d1b-b001-4f9180dfa13d" providerId="ADAL" clId="{DB6A8ECF-B9FA-4FA8-839B-D9B55B3C70EB}" dt="2021-06-24T11:44:06.886" v="360" actId="21"/>
           <ac:cxnSpMkLst>
             <pc:docMk/>
             <pc:sldMasterMk cId="1039608128" sldId="2147483648"/>
@@ -494,7 +957,7 @@
           </ac:cxnSpMkLst>
         </pc:cxnChg>
         <pc:cxnChg chg="mod">
-          <ac:chgData name="Hugo DEMENEZ" userId="167f3b24-aa49-4d1b-b001-4f9180dfa13d" providerId="ADAL" clId="{DB6A8ECF-B9FA-4FA8-839B-D9B55B3C70EB}" dt="2021-06-23T11:41:13.525" v="154"/>
+          <ac:chgData name="Hugo DEMENEZ" userId="167f3b24-aa49-4d1b-b001-4f9180dfa13d" providerId="ADAL" clId="{DB6A8ECF-B9FA-4FA8-839B-D9B55B3C70EB}" dt="2021-06-24T11:44:06.886" v="360" actId="21"/>
           <ac:cxnSpMkLst>
             <pc:docMk/>
             <pc:sldMasterMk cId="1039608128" sldId="2147483648"/>
@@ -1067,7 +1530,7 @@
           <a:p>
             <a:fld id="{3AB182E2-C940-4C35-A7DD-F6EBC87620C4}" type="datetimeFigureOut">
               <a:rPr lang="fr-FR" smtClean="0"/>
-              <a:t>23/06/2021</a:t>
+              <a:t>24/06/2021</a:t>
             </a:fld>
             <a:endParaRPr lang="fr-FR"/>
           </a:p>
@@ -1244,7 +1707,7 @@
           <a:p>
             <a:fld id="{DB8CDD98-001E-424E-9FA0-BF5531BB92B0}" type="datetimeFigureOut">
               <a:rPr lang="fr-FR" smtClean="0"/>
-              <a:t>23/06/2021</a:t>
+              <a:t>24/06/2021</a:t>
             </a:fld>
             <a:endParaRPr lang="fr-FR"/>
           </a:p>
@@ -4502,399 +4965,6 @@
           </a:p>
         </p:txBody>
       </p:sp>
-      <p:grpSp>
-        <p:nvGrpSpPr>
-          <p:cNvPr id="9" name="Groupe 8">
-            <a:extLst>
-              <a:ext uri="{FF2B5EF4-FFF2-40B4-BE49-F238E27FC236}">
-                <a16:creationId xmlns:a16="http://schemas.microsoft.com/office/drawing/2014/main" id="{3D00BE95-D509-48FB-AED1-3A73734CE197}"/>
-              </a:ext>
-            </a:extLst>
-          </p:cNvPr>
-          <p:cNvGrpSpPr/>
-          <p:nvPr userDrawn="1"/>
-        </p:nvGrpSpPr>
-        <p:grpSpPr>
-          <a:xfrm>
-            <a:off x="4431421" y="81205"/>
-            <a:ext cx="3329155" cy="365127"/>
-            <a:chOff x="54241" y="-2"/>
-            <a:chExt cx="3329155" cy="365127"/>
-          </a:xfrm>
-        </p:grpSpPr>
-        <p:sp>
-          <p:nvSpPr>
-            <p:cNvPr id="10" name="Ellipse 9">
-              <a:extLst>
-                <a:ext uri="{FF2B5EF4-FFF2-40B4-BE49-F238E27FC236}">
-                  <a16:creationId xmlns:a16="http://schemas.microsoft.com/office/drawing/2014/main" id="{05104B38-979D-4CA7-963B-118AE58AF840}"/>
-                </a:ext>
-              </a:extLst>
-            </p:cNvPr>
-            <p:cNvSpPr/>
-            <p:nvPr/>
-          </p:nvSpPr>
-          <p:spPr>
-            <a:xfrm>
-              <a:off x="1745673" y="0"/>
-              <a:ext cx="365125" cy="365125"/>
-            </a:xfrm>
-            <a:prstGeom prst="ellipse">
-              <a:avLst/>
-            </a:prstGeom>
-            <a:solidFill>
-              <a:schemeClr val="bg1"/>
-            </a:solidFill>
-            <a:ln>
-              <a:noFill/>
-            </a:ln>
-          </p:spPr>
-          <p:style>
-            <a:lnRef idx="2">
-              <a:schemeClr val="accent1">
-                <a:shade val="50000"/>
-              </a:schemeClr>
-            </a:lnRef>
-            <a:fillRef idx="1">
-              <a:schemeClr val="accent1"/>
-            </a:fillRef>
-            <a:effectRef idx="0">
-              <a:schemeClr val="accent1"/>
-            </a:effectRef>
-            <a:fontRef idx="minor">
-              <a:schemeClr val="lt1"/>
-            </a:fontRef>
-          </p:style>
-          <p:txBody>
-            <a:bodyPr rtlCol="0" anchor="ctr"/>
-            <a:lstStyle/>
-            <a:p>
-              <a:pPr algn="ctr"/>
-              <a:r>
-                <a:rPr lang="fr-FR" dirty="0">
-                  <a:solidFill>
-                    <a:schemeClr val="accent1"/>
-                  </a:solidFill>
-                </a:rPr>
-                <a:t>1</a:t>
-              </a:r>
-            </a:p>
-          </p:txBody>
-        </p:sp>
-        <p:sp>
-          <p:nvSpPr>
-            <p:cNvPr id="11" name="Ellipse 10">
-              <a:extLst>
-                <a:ext uri="{FF2B5EF4-FFF2-40B4-BE49-F238E27FC236}">
-                  <a16:creationId xmlns:a16="http://schemas.microsoft.com/office/drawing/2014/main" id="{2ABBCDDF-5533-4EE7-8244-6B7BB8011259}"/>
-                </a:ext>
-              </a:extLst>
-            </p:cNvPr>
-            <p:cNvSpPr/>
-            <p:nvPr/>
-          </p:nvSpPr>
-          <p:spPr>
-            <a:xfrm>
-              <a:off x="2341956" y="0"/>
-              <a:ext cx="365125" cy="365125"/>
-            </a:xfrm>
-            <a:prstGeom prst="ellipse">
-              <a:avLst/>
-            </a:prstGeom>
-            <a:solidFill>
-              <a:schemeClr val="bg1"/>
-            </a:solidFill>
-            <a:ln>
-              <a:noFill/>
-            </a:ln>
-          </p:spPr>
-          <p:style>
-            <a:lnRef idx="2">
-              <a:schemeClr val="accent1">
-                <a:shade val="50000"/>
-              </a:schemeClr>
-            </a:lnRef>
-            <a:fillRef idx="1">
-              <a:schemeClr val="accent1"/>
-            </a:fillRef>
-            <a:effectRef idx="0">
-              <a:schemeClr val="accent1"/>
-            </a:effectRef>
-            <a:fontRef idx="minor">
-              <a:schemeClr val="lt1"/>
-            </a:fontRef>
-          </p:style>
-          <p:txBody>
-            <a:bodyPr rtlCol="0" anchor="ctr"/>
-            <a:lstStyle/>
-            <a:p>
-              <a:pPr algn="ctr"/>
-              <a:r>
-                <a:rPr lang="fr-FR" dirty="0">
-                  <a:solidFill>
-                    <a:schemeClr val="accent1"/>
-                  </a:solidFill>
-                </a:rPr>
-                <a:t>2</a:t>
-              </a:r>
-            </a:p>
-          </p:txBody>
-        </p:sp>
-        <p:cxnSp>
-          <p:nvCxnSpPr>
-            <p:cNvPr id="12" name="Connecteur droit 11">
-              <a:extLst>
-                <a:ext uri="{FF2B5EF4-FFF2-40B4-BE49-F238E27FC236}">
-                  <a16:creationId xmlns:a16="http://schemas.microsoft.com/office/drawing/2014/main" id="{2A356A1E-72F3-4A7F-A8A8-B113BB7ECBDB}"/>
-                </a:ext>
-              </a:extLst>
-            </p:cNvPr>
-            <p:cNvCxnSpPr>
-              <a:stCxn id="10" idx="6"/>
-              <a:endCxn id="11" idx="2"/>
-            </p:cNvCxnSpPr>
-            <p:nvPr/>
-          </p:nvCxnSpPr>
-          <p:spPr>
-            <a:xfrm>
-              <a:off x="2110798" y="182563"/>
-              <a:ext cx="231158" cy="0"/>
-            </a:xfrm>
-            <a:prstGeom prst="line">
-              <a:avLst/>
-            </a:prstGeom>
-            <a:ln w="19050">
-              <a:solidFill>
-                <a:schemeClr val="bg1"/>
-              </a:solidFill>
-            </a:ln>
-          </p:spPr>
-          <p:style>
-            <a:lnRef idx="1">
-              <a:schemeClr val="accent1"/>
-            </a:lnRef>
-            <a:fillRef idx="0">
-              <a:schemeClr val="accent1"/>
-            </a:fillRef>
-            <a:effectRef idx="0">
-              <a:schemeClr val="accent1"/>
-            </a:effectRef>
-            <a:fontRef idx="minor">
-              <a:schemeClr val="tx1"/>
-            </a:fontRef>
-          </p:style>
-        </p:cxnSp>
-        <p:sp>
-          <p:nvSpPr>
-            <p:cNvPr id="13" name="Ellipse 12">
-              <a:extLst>
-                <a:ext uri="{FF2B5EF4-FFF2-40B4-BE49-F238E27FC236}">
-                  <a16:creationId xmlns:a16="http://schemas.microsoft.com/office/drawing/2014/main" id="{80F54A84-0C75-464A-AC82-A8E917E7C313}"/>
-                </a:ext>
-              </a:extLst>
-            </p:cNvPr>
-            <p:cNvSpPr/>
-            <p:nvPr/>
-          </p:nvSpPr>
-          <p:spPr>
-            <a:xfrm>
-              <a:off x="3018271" y="-1"/>
-              <a:ext cx="365125" cy="365125"/>
-            </a:xfrm>
-            <a:prstGeom prst="ellipse">
-              <a:avLst/>
-            </a:prstGeom>
-            <a:solidFill>
-              <a:schemeClr val="bg1"/>
-            </a:solidFill>
-            <a:ln>
-              <a:noFill/>
-            </a:ln>
-          </p:spPr>
-          <p:style>
-            <a:lnRef idx="2">
-              <a:schemeClr val="accent1">
-                <a:shade val="50000"/>
-              </a:schemeClr>
-            </a:lnRef>
-            <a:fillRef idx="1">
-              <a:schemeClr val="accent1"/>
-            </a:fillRef>
-            <a:effectRef idx="0">
-              <a:schemeClr val="accent1"/>
-            </a:effectRef>
-            <a:fontRef idx="minor">
-              <a:schemeClr val="lt1"/>
-            </a:fontRef>
-          </p:style>
-          <p:txBody>
-            <a:bodyPr rtlCol="0" anchor="ctr"/>
-            <a:lstStyle/>
-            <a:p>
-              <a:pPr algn="ctr"/>
-              <a:r>
-                <a:rPr lang="fr-FR" dirty="0">
-                  <a:solidFill>
-                    <a:schemeClr val="accent1"/>
-                  </a:solidFill>
-                </a:rPr>
-                <a:t>3</a:t>
-              </a:r>
-            </a:p>
-          </p:txBody>
-        </p:sp>
-        <p:cxnSp>
-          <p:nvCxnSpPr>
-            <p:cNvPr id="14" name="Connecteur droit 13">
-              <a:extLst>
-                <a:ext uri="{FF2B5EF4-FFF2-40B4-BE49-F238E27FC236}">
-                  <a16:creationId xmlns:a16="http://schemas.microsoft.com/office/drawing/2014/main" id="{B545FD13-20B8-4E0A-BD35-E5CC903604B9}"/>
-                </a:ext>
-              </a:extLst>
-            </p:cNvPr>
-            <p:cNvCxnSpPr>
-              <a:cxnSpLocks/>
-              <a:stCxn id="11" idx="6"/>
-              <a:endCxn id="13" idx="2"/>
-            </p:cNvCxnSpPr>
-            <p:nvPr/>
-          </p:nvCxnSpPr>
-          <p:spPr>
-            <a:xfrm flipV="1">
-              <a:off x="2707081" y="182562"/>
-              <a:ext cx="311190" cy="1"/>
-            </a:xfrm>
-            <a:prstGeom prst="line">
-              <a:avLst/>
-            </a:prstGeom>
-            <a:ln w="19050">
-              <a:solidFill>
-                <a:schemeClr val="bg1"/>
-              </a:solidFill>
-            </a:ln>
-          </p:spPr>
-          <p:style>
-            <a:lnRef idx="1">
-              <a:schemeClr val="accent1"/>
-            </a:lnRef>
-            <a:fillRef idx="0">
-              <a:schemeClr val="accent1"/>
-            </a:fillRef>
-            <a:effectRef idx="0">
-              <a:schemeClr val="accent1"/>
-            </a:effectRef>
-            <a:fontRef idx="minor">
-              <a:schemeClr val="tx1"/>
-            </a:fontRef>
-          </p:style>
-        </p:cxnSp>
-        <p:sp>
-          <p:nvSpPr>
-            <p:cNvPr id="15" name="Rectangle : coins arrondis 14">
-              <a:extLst>
-                <a:ext uri="{FF2B5EF4-FFF2-40B4-BE49-F238E27FC236}">
-                  <a16:creationId xmlns:a16="http://schemas.microsoft.com/office/drawing/2014/main" id="{B9373C20-186C-45BA-BA3E-5E412DB64D28}"/>
-                </a:ext>
-              </a:extLst>
-            </p:cNvPr>
-            <p:cNvSpPr/>
-            <p:nvPr/>
-          </p:nvSpPr>
-          <p:spPr>
-            <a:xfrm>
-              <a:off x="54241" y="-2"/>
-              <a:ext cx="1535837" cy="365125"/>
-            </a:xfrm>
-            <a:prstGeom prst="roundRect">
-              <a:avLst>
-                <a:gd name="adj" fmla="val 50000"/>
-              </a:avLst>
-            </a:prstGeom>
-            <a:solidFill>
-              <a:schemeClr val="accent1"/>
-            </a:solidFill>
-            <a:ln>
-              <a:noFill/>
-            </a:ln>
-          </p:spPr>
-          <p:style>
-            <a:lnRef idx="2">
-              <a:schemeClr val="accent1">
-                <a:shade val="50000"/>
-              </a:schemeClr>
-            </a:lnRef>
-            <a:fillRef idx="1">
-              <a:schemeClr val="accent1"/>
-            </a:fillRef>
-            <a:effectRef idx="0">
-              <a:schemeClr val="accent1"/>
-            </a:effectRef>
-            <a:fontRef idx="minor">
-              <a:schemeClr val="lt1"/>
-            </a:fontRef>
-          </p:style>
-          <p:txBody>
-            <a:bodyPr rtlCol="0" anchor="ctr"/>
-            <a:lstStyle/>
-            <a:p>
-              <a:pPr algn="ctr"/>
-              <a:r>
-                <a:rPr lang="fr-FR" dirty="0">
-                  <a:solidFill>
-                    <a:schemeClr val="bg1"/>
-                  </a:solidFill>
-                </a:rPr>
-                <a:t>Introduction</a:t>
-              </a:r>
-            </a:p>
-          </p:txBody>
-        </p:sp>
-        <p:cxnSp>
-          <p:nvCxnSpPr>
-            <p:cNvPr id="16" name="Connecteur droit 15">
-              <a:extLst>
-                <a:ext uri="{FF2B5EF4-FFF2-40B4-BE49-F238E27FC236}">
-                  <a16:creationId xmlns:a16="http://schemas.microsoft.com/office/drawing/2014/main" id="{D044EABE-995E-4C22-8F4A-FAB8320C318C}"/>
-                </a:ext>
-              </a:extLst>
-            </p:cNvPr>
-            <p:cNvCxnSpPr>
-              <a:cxnSpLocks/>
-              <a:stCxn id="15" idx="3"/>
-              <a:endCxn id="10" idx="2"/>
-            </p:cNvCxnSpPr>
-            <p:nvPr/>
-          </p:nvCxnSpPr>
-          <p:spPr>
-            <a:xfrm>
-              <a:off x="1590078" y="182561"/>
-              <a:ext cx="155595" cy="2"/>
-            </a:xfrm>
-            <a:prstGeom prst="line">
-              <a:avLst/>
-            </a:prstGeom>
-            <a:ln w="19050">
-              <a:solidFill>
-                <a:schemeClr val="bg1"/>
-              </a:solidFill>
-            </a:ln>
-          </p:spPr>
-          <p:style>
-            <a:lnRef idx="1">
-              <a:schemeClr val="accent1"/>
-            </a:lnRef>
-            <a:fillRef idx="0">
-              <a:schemeClr val="accent1"/>
-            </a:fillRef>
-            <a:effectRef idx="0">
-              <a:schemeClr val="accent1"/>
-            </a:effectRef>
-            <a:fontRef idx="minor">
-              <a:schemeClr val="tx1"/>
-            </a:fontRef>
-          </p:style>
-        </p:cxnSp>
-      </p:grpSp>
     </p:spTree>
     <p:extLst>
       <p:ext uri="{BB962C8B-B14F-4D97-AF65-F5344CB8AC3E}">
@@ -5238,7 +5308,7 @@
           <a:bodyPr/>
           <a:lstStyle/>
           <a:p>
-            <a:endParaRPr lang="fr-FR"/>
+            <a:endParaRPr lang="fr-FR" dirty="0"/>
           </a:p>
         </p:txBody>
       </p:sp>
@@ -5325,6 +5395,484 @@
           </a:p>
         </p:txBody>
       </p:sp>
+      <p:sp>
+        <p:nvSpPr>
+          <p:cNvPr id="7" name="Ellipse 6">
+            <a:extLst>
+              <a:ext uri="{FF2B5EF4-FFF2-40B4-BE49-F238E27FC236}">
+                <a16:creationId xmlns:a16="http://schemas.microsoft.com/office/drawing/2014/main" id="{31474F0A-D5C1-4449-909B-EF178AB14D89}"/>
+              </a:ext>
+            </a:extLst>
+          </p:cNvPr>
+          <p:cNvSpPr/>
+          <p:nvPr/>
+        </p:nvSpPr>
+        <p:spPr>
+          <a:xfrm>
+            <a:off x="5195348" y="95114"/>
+            <a:ext cx="365125" cy="365125"/>
+          </a:xfrm>
+          <a:prstGeom prst="ellipse">
+            <a:avLst/>
+          </a:prstGeom>
+          <a:solidFill>
+            <a:schemeClr val="bg1"/>
+          </a:solidFill>
+          <a:ln>
+            <a:noFill/>
+          </a:ln>
+        </p:spPr>
+        <p:style>
+          <a:lnRef idx="2">
+            <a:schemeClr val="accent1">
+              <a:shade val="50000"/>
+            </a:schemeClr>
+          </a:lnRef>
+          <a:fillRef idx="1">
+            <a:schemeClr val="accent1"/>
+          </a:fillRef>
+          <a:effectRef idx="0">
+            <a:schemeClr val="accent1"/>
+          </a:effectRef>
+          <a:fontRef idx="minor">
+            <a:schemeClr val="lt1"/>
+          </a:fontRef>
+        </p:style>
+        <p:txBody>
+          <a:bodyPr rtlCol="0" anchor="ctr"/>
+          <a:lstStyle/>
+          <a:p>
+            <a:pPr algn="ctr"/>
+            <a:r>
+              <a:rPr lang="fr-FR" dirty="0">
+                <a:solidFill>
+                  <a:schemeClr val="accent1"/>
+                </a:solidFill>
+              </a:rPr>
+              <a:t>1</a:t>
+            </a:r>
+          </a:p>
+        </p:txBody>
+      </p:sp>
+      <p:sp>
+        <p:nvSpPr>
+          <p:cNvPr id="8" name="Ellipse 7">
+            <a:extLst>
+              <a:ext uri="{FF2B5EF4-FFF2-40B4-BE49-F238E27FC236}">
+                <a16:creationId xmlns:a16="http://schemas.microsoft.com/office/drawing/2014/main" id="{8F9D2609-4F44-40CD-840E-AF7C7DE63365}"/>
+              </a:ext>
+            </a:extLst>
+          </p:cNvPr>
+          <p:cNvSpPr/>
+          <p:nvPr/>
+        </p:nvSpPr>
+        <p:spPr>
+          <a:xfrm>
+            <a:off x="5935466" y="97531"/>
+            <a:ext cx="365125" cy="365125"/>
+          </a:xfrm>
+          <a:prstGeom prst="ellipse">
+            <a:avLst/>
+          </a:prstGeom>
+          <a:solidFill>
+            <a:schemeClr val="bg1"/>
+          </a:solidFill>
+          <a:ln>
+            <a:noFill/>
+          </a:ln>
+        </p:spPr>
+        <p:style>
+          <a:lnRef idx="2">
+            <a:schemeClr val="accent1">
+              <a:shade val="50000"/>
+            </a:schemeClr>
+          </a:lnRef>
+          <a:fillRef idx="1">
+            <a:schemeClr val="accent1"/>
+          </a:fillRef>
+          <a:effectRef idx="0">
+            <a:schemeClr val="accent1"/>
+          </a:effectRef>
+          <a:fontRef idx="minor">
+            <a:schemeClr val="lt1"/>
+          </a:fontRef>
+        </p:style>
+        <p:txBody>
+          <a:bodyPr rtlCol="0" anchor="ctr"/>
+          <a:lstStyle/>
+          <a:p>
+            <a:pPr algn="ctr"/>
+            <a:r>
+              <a:rPr lang="fr-FR" dirty="0">
+                <a:solidFill>
+                  <a:schemeClr val="accent1"/>
+                </a:solidFill>
+              </a:rPr>
+              <a:t>2</a:t>
+            </a:r>
+          </a:p>
+        </p:txBody>
+      </p:sp>
+      <p:cxnSp>
+        <p:nvCxnSpPr>
+          <p:cNvPr id="9" name="Connecteur droit 8">
+            <a:extLst>
+              <a:ext uri="{FF2B5EF4-FFF2-40B4-BE49-F238E27FC236}">
+                <a16:creationId xmlns:a16="http://schemas.microsoft.com/office/drawing/2014/main" id="{76A3BD9F-DD98-4A90-B522-3958FBC6815E}"/>
+              </a:ext>
+            </a:extLst>
+          </p:cNvPr>
+          <p:cNvCxnSpPr>
+            <a:stCxn id="7" idx="6"/>
+            <a:endCxn id="8" idx="2"/>
+          </p:cNvCxnSpPr>
+          <p:nvPr/>
+        </p:nvCxnSpPr>
+        <p:spPr>
+          <a:xfrm>
+            <a:off x="5560473" y="277677"/>
+            <a:ext cx="374993" cy="2417"/>
+          </a:xfrm>
+          <a:prstGeom prst="line">
+            <a:avLst/>
+          </a:prstGeom>
+          <a:ln w="19050">
+            <a:solidFill>
+              <a:schemeClr val="bg1"/>
+            </a:solidFill>
+          </a:ln>
+        </p:spPr>
+        <p:style>
+          <a:lnRef idx="1">
+            <a:schemeClr val="accent1"/>
+          </a:lnRef>
+          <a:fillRef idx="0">
+            <a:schemeClr val="accent1"/>
+          </a:fillRef>
+          <a:effectRef idx="0">
+            <a:schemeClr val="accent1"/>
+          </a:effectRef>
+          <a:fontRef idx="minor">
+            <a:schemeClr val="tx1"/>
+          </a:fontRef>
+        </p:style>
+      </p:cxnSp>
+      <p:sp>
+        <p:nvSpPr>
+          <p:cNvPr id="10" name="Ellipse 9">
+            <a:extLst>
+              <a:ext uri="{FF2B5EF4-FFF2-40B4-BE49-F238E27FC236}">
+                <a16:creationId xmlns:a16="http://schemas.microsoft.com/office/drawing/2014/main" id="{4B7B093F-A708-48CF-8F07-DCEBE618AEE9}"/>
+              </a:ext>
+            </a:extLst>
+          </p:cNvPr>
+          <p:cNvSpPr/>
+          <p:nvPr/>
+        </p:nvSpPr>
+        <p:spPr>
+          <a:xfrm>
+            <a:off x="6633368" y="97531"/>
+            <a:ext cx="365125" cy="365125"/>
+          </a:xfrm>
+          <a:prstGeom prst="ellipse">
+            <a:avLst/>
+          </a:prstGeom>
+          <a:solidFill>
+            <a:schemeClr val="bg1"/>
+          </a:solidFill>
+          <a:ln>
+            <a:noFill/>
+          </a:ln>
+        </p:spPr>
+        <p:style>
+          <a:lnRef idx="2">
+            <a:schemeClr val="accent1">
+              <a:shade val="50000"/>
+            </a:schemeClr>
+          </a:lnRef>
+          <a:fillRef idx="1">
+            <a:schemeClr val="accent1"/>
+          </a:fillRef>
+          <a:effectRef idx="0">
+            <a:schemeClr val="accent1"/>
+          </a:effectRef>
+          <a:fontRef idx="minor">
+            <a:schemeClr val="lt1"/>
+          </a:fontRef>
+        </p:style>
+        <p:txBody>
+          <a:bodyPr rtlCol="0" anchor="ctr"/>
+          <a:lstStyle/>
+          <a:p>
+            <a:pPr algn="ctr"/>
+            <a:r>
+              <a:rPr lang="fr-FR" dirty="0">
+                <a:solidFill>
+                  <a:schemeClr val="accent1"/>
+                </a:solidFill>
+              </a:rPr>
+              <a:t>3</a:t>
+            </a:r>
+          </a:p>
+        </p:txBody>
+      </p:sp>
+      <p:cxnSp>
+        <p:nvCxnSpPr>
+          <p:cNvPr id="11" name="Connecteur droit 10">
+            <a:extLst>
+              <a:ext uri="{FF2B5EF4-FFF2-40B4-BE49-F238E27FC236}">
+                <a16:creationId xmlns:a16="http://schemas.microsoft.com/office/drawing/2014/main" id="{D88F86FD-FE1A-4829-B341-607BA3E5ED5E}"/>
+              </a:ext>
+            </a:extLst>
+          </p:cNvPr>
+          <p:cNvCxnSpPr>
+            <a:cxnSpLocks/>
+            <a:stCxn id="8" idx="6"/>
+            <a:endCxn id="10" idx="2"/>
+          </p:cNvCxnSpPr>
+          <p:nvPr/>
+        </p:nvCxnSpPr>
+        <p:spPr>
+          <a:xfrm>
+            <a:off x="6300591" y="280094"/>
+            <a:ext cx="332777" cy="0"/>
+          </a:xfrm>
+          <a:prstGeom prst="line">
+            <a:avLst/>
+          </a:prstGeom>
+          <a:ln w="19050">
+            <a:solidFill>
+              <a:schemeClr val="bg1"/>
+            </a:solidFill>
+          </a:ln>
+        </p:spPr>
+        <p:style>
+          <a:lnRef idx="1">
+            <a:schemeClr val="accent1"/>
+          </a:lnRef>
+          <a:fillRef idx="0">
+            <a:schemeClr val="accent1"/>
+          </a:fillRef>
+          <a:effectRef idx="0">
+            <a:schemeClr val="accent1"/>
+          </a:effectRef>
+          <a:fontRef idx="minor">
+            <a:schemeClr val="tx1"/>
+          </a:fontRef>
+        </p:style>
+      </p:cxnSp>
+      <p:sp>
+        <p:nvSpPr>
+          <p:cNvPr id="12" name="Rectangle : coins arrondis 11">
+            <a:extLst>
+              <a:ext uri="{FF2B5EF4-FFF2-40B4-BE49-F238E27FC236}">
+                <a16:creationId xmlns:a16="http://schemas.microsoft.com/office/drawing/2014/main" id="{E4BB1FD7-D8F1-4ACA-B1F7-28A4318C4416}"/>
+              </a:ext>
+            </a:extLst>
+          </p:cNvPr>
+          <p:cNvSpPr/>
+          <p:nvPr/>
+        </p:nvSpPr>
+        <p:spPr>
+          <a:xfrm>
+            <a:off x="3326734" y="95114"/>
+            <a:ext cx="1535837" cy="365125"/>
+          </a:xfrm>
+          <a:prstGeom prst="roundRect">
+            <a:avLst>
+              <a:gd name="adj" fmla="val 50000"/>
+            </a:avLst>
+          </a:prstGeom>
+          <a:solidFill>
+            <a:schemeClr val="accent1"/>
+          </a:solidFill>
+          <a:ln>
+            <a:noFill/>
+          </a:ln>
+        </p:spPr>
+        <p:style>
+          <a:lnRef idx="2">
+            <a:schemeClr val="accent1">
+              <a:shade val="50000"/>
+            </a:schemeClr>
+          </a:lnRef>
+          <a:fillRef idx="1">
+            <a:schemeClr val="accent1"/>
+          </a:fillRef>
+          <a:effectRef idx="0">
+            <a:schemeClr val="accent1"/>
+          </a:effectRef>
+          <a:fontRef idx="minor">
+            <a:schemeClr val="lt1"/>
+          </a:fontRef>
+        </p:style>
+        <p:txBody>
+          <a:bodyPr rtlCol="0" anchor="ctr"/>
+          <a:lstStyle/>
+          <a:p>
+            <a:pPr algn="ctr"/>
+            <a:r>
+              <a:rPr lang="fr-FR" dirty="0">
+                <a:solidFill>
+                  <a:schemeClr val="bg1"/>
+                </a:solidFill>
+              </a:rPr>
+              <a:t>Introduction</a:t>
+            </a:r>
+          </a:p>
+        </p:txBody>
+      </p:sp>
+      <p:cxnSp>
+        <p:nvCxnSpPr>
+          <p:cNvPr id="13" name="Connecteur droit 12">
+            <a:extLst>
+              <a:ext uri="{FF2B5EF4-FFF2-40B4-BE49-F238E27FC236}">
+                <a16:creationId xmlns:a16="http://schemas.microsoft.com/office/drawing/2014/main" id="{8B23DE0E-CF67-46B8-984A-E21B1FFEC40A}"/>
+              </a:ext>
+            </a:extLst>
+          </p:cNvPr>
+          <p:cNvCxnSpPr>
+            <a:cxnSpLocks/>
+            <a:stCxn id="12" idx="3"/>
+            <a:endCxn id="7" idx="2"/>
+          </p:cNvCxnSpPr>
+          <p:nvPr/>
+        </p:nvCxnSpPr>
+        <p:spPr>
+          <a:xfrm>
+            <a:off x="4862571" y="277677"/>
+            <a:ext cx="332777" cy="0"/>
+          </a:xfrm>
+          <a:prstGeom prst="line">
+            <a:avLst/>
+          </a:prstGeom>
+          <a:ln w="19050">
+            <a:solidFill>
+              <a:schemeClr val="bg1"/>
+            </a:solidFill>
+          </a:ln>
+        </p:spPr>
+        <p:style>
+          <a:lnRef idx="1">
+            <a:schemeClr val="accent1"/>
+          </a:lnRef>
+          <a:fillRef idx="0">
+            <a:schemeClr val="accent1"/>
+          </a:fillRef>
+          <a:effectRef idx="0">
+            <a:schemeClr val="accent1"/>
+          </a:effectRef>
+          <a:fontRef idx="minor">
+            <a:schemeClr val="tx1"/>
+          </a:fontRef>
+        </p:style>
+      </p:cxnSp>
+      <p:sp>
+        <p:nvSpPr>
+          <p:cNvPr id="14" name="Rectangle : coins arrondis 13">
+            <a:extLst>
+              <a:ext uri="{FF2B5EF4-FFF2-40B4-BE49-F238E27FC236}">
+                <a16:creationId xmlns:a16="http://schemas.microsoft.com/office/drawing/2014/main" id="{557B6687-1FC5-4802-B1D6-3B08928350D7}"/>
+              </a:ext>
+            </a:extLst>
+          </p:cNvPr>
+          <p:cNvSpPr/>
+          <p:nvPr/>
+        </p:nvSpPr>
+        <p:spPr>
+          <a:xfrm>
+            <a:off x="7373643" y="97531"/>
+            <a:ext cx="1535837" cy="365125"/>
+          </a:xfrm>
+          <a:prstGeom prst="roundRect">
+            <a:avLst>
+              <a:gd name="adj" fmla="val 50000"/>
+            </a:avLst>
+          </a:prstGeom>
+          <a:solidFill>
+            <a:schemeClr val="bg1"/>
+          </a:solidFill>
+          <a:ln>
+            <a:noFill/>
+          </a:ln>
+        </p:spPr>
+        <p:style>
+          <a:lnRef idx="2">
+            <a:schemeClr val="accent1">
+              <a:shade val="50000"/>
+            </a:schemeClr>
+          </a:lnRef>
+          <a:fillRef idx="1">
+            <a:schemeClr val="accent1"/>
+          </a:fillRef>
+          <a:effectRef idx="0">
+            <a:schemeClr val="accent1"/>
+          </a:effectRef>
+          <a:fontRef idx="minor">
+            <a:schemeClr val="lt1"/>
+          </a:fontRef>
+        </p:style>
+        <p:txBody>
+          <a:bodyPr rtlCol="0" anchor="ctr"/>
+          <a:lstStyle/>
+          <a:p>
+            <a:pPr algn="ctr"/>
+            <a:r>
+              <a:rPr lang="fr-FR" dirty="0">
+                <a:solidFill>
+                  <a:schemeClr val="accent1"/>
+                </a:solidFill>
+              </a:rPr>
+              <a:t>Conclusion</a:t>
+            </a:r>
+          </a:p>
+        </p:txBody>
+      </p:sp>
+      <p:cxnSp>
+        <p:nvCxnSpPr>
+          <p:cNvPr id="15" name="Connecteur droit 14">
+            <a:extLst>
+              <a:ext uri="{FF2B5EF4-FFF2-40B4-BE49-F238E27FC236}">
+                <a16:creationId xmlns:a16="http://schemas.microsoft.com/office/drawing/2014/main" id="{4D64F33D-263E-47ED-B233-C48F692B900B}"/>
+              </a:ext>
+            </a:extLst>
+          </p:cNvPr>
+          <p:cNvCxnSpPr>
+            <a:cxnSpLocks/>
+            <a:stCxn id="10" idx="6"/>
+            <a:endCxn id="14" idx="1"/>
+          </p:cNvCxnSpPr>
+          <p:nvPr/>
+        </p:nvCxnSpPr>
+        <p:spPr>
+          <a:xfrm>
+            <a:off x="6998493" y="280094"/>
+            <a:ext cx="375150" cy="0"/>
+          </a:xfrm>
+          <a:prstGeom prst="line">
+            <a:avLst/>
+          </a:prstGeom>
+          <a:ln w="19050">
+            <a:solidFill>
+              <a:schemeClr val="bg1"/>
+            </a:solidFill>
+          </a:ln>
+        </p:spPr>
+        <p:style>
+          <a:lnRef idx="1">
+            <a:schemeClr val="accent1"/>
+          </a:lnRef>
+          <a:fillRef idx="0">
+            <a:schemeClr val="accent1"/>
+          </a:fillRef>
+          <a:effectRef idx="0">
+            <a:schemeClr val="accent1"/>
+          </a:effectRef>
+          <a:fontRef idx="minor">
+            <a:schemeClr val="tx1"/>
+          </a:fontRef>
+        </p:style>
+      </p:cxnSp>
     </p:spTree>
     <p:extLst>
       <p:ext uri="{BB962C8B-B14F-4D97-AF65-F5344CB8AC3E}">

--- a/presentation/Présentation1.pptx
+++ b/presentation/Présentation1.pptx
@@ -168,6 +168,7 @@
 <file path=ppt/revisionInfo.xml><?xml version="1.0" encoding="utf-8"?>
 <p1510:revInfo xmlns:a="http://schemas.openxmlformats.org/drawingml/2006/main" xmlns:r="http://schemas.openxmlformats.org/officeDocument/2006/relationships" xmlns:p1510="http://schemas.microsoft.com/office/powerpoint/2015/10/main">
   <p1510:revLst>
+    <p1510:client id="{4DDE2BE1-E4D3-45A2-8470-D548FC3381C6}" v="44" dt="2021-06-25T09:29:16.006"/>
     <p1510:client id="{DB6A8ECF-B9FA-4FA8-839B-D9B55B3C70EB}" v="46" dt="2021-06-24T11:50:37.831"/>
   </p1510:revLst>
 </p1510:revInfo>
@@ -1433,6 +1434,114 @@
       </pc:sldMasterChg>
     </pc:docChg>
   </pc:docChgLst>
+  <pc:docChgLst>
+    <pc:chgData name="Brieuc DANDOY" userId="e0ec606e-d73c-40ec-ad38-cb467f23081e" providerId="ADAL" clId="{4DDE2BE1-E4D3-45A2-8470-D548FC3381C6}"/>
+    <pc:docChg chg="undo custSel modSld">
+      <pc:chgData name="Brieuc DANDOY" userId="e0ec606e-d73c-40ec-ad38-cb467f23081e" providerId="ADAL" clId="{4DDE2BE1-E4D3-45A2-8470-D548FC3381C6}" dt="2021-06-25T09:29:16.006" v="43" actId="14100"/>
+      <pc:docMkLst>
+        <pc:docMk/>
+      </pc:docMkLst>
+      <pc:sldChg chg="modSp mod">
+        <pc:chgData name="Brieuc DANDOY" userId="e0ec606e-d73c-40ec-ad38-cb467f23081e" providerId="ADAL" clId="{4DDE2BE1-E4D3-45A2-8470-D548FC3381C6}" dt="2021-06-25T09:28:18.386" v="31" actId="1076"/>
+        <pc:sldMkLst>
+          <pc:docMk/>
+          <pc:sldMk cId="1841864826" sldId="259"/>
+        </pc:sldMkLst>
+        <pc:spChg chg="mod">
+          <ac:chgData name="Brieuc DANDOY" userId="e0ec606e-d73c-40ec-ad38-cb467f23081e" providerId="ADAL" clId="{4DDE2BE1-E4D3-45A2-8470-D548FC3381C6}" dt="2021-06-25T09:28:18.386" v="31" actId="1076"/>
+          <ac:spMkLst>
+            <pc:docMk/>
+            <pc:sldMk cId="1841864826" sldId="259"/>
+            <ac:spMk id="2" creationId="{C57B7E1C-C3F5-4725-9F3E-E49C4C6A091D}"/>
+          </ac:spMkLst>
+        </pc:spChg>
+        <pc:spChg chg="mod">
+          <ac:chgData name="Brieuc DANDOY" userId="e0ec606e-d73c-40ec-ad38-cb467f23081e" providerId="ADAL" clId="{4DDE2BE1-E4D3-45A2-8470-D548FC3381C6}" dt="2021-06-25T09:27:52.818" v="24" actId="255"/>
+          <ac:spMkLst>
+            <pc:docMk/>
+            <pc:sldMk cId="1841864826" sldId="259"/>
+            <ac:spMk id="3" creationId="{2BEF494F-48EF-41E5-A109-85CCFCF06744}"/>
+          </ac:spMkLst>
+        </pc:spChg>
+      </pc:sldChg>
+      <pc:sldChg chg="modSp mod">
+        <pc:chgData name="Brieuc DANDOY" userId="e0ec606e-d73c-40ec-ad38-cb467f23081e" providerId="ADAL" clId="{4DDE2BE1-E4D3-45A2-8470-D548FC3381C6}" dt="2021-06-25T09:28:37.332" v="33"/>
+        <pc:sldMkLst>
+          <pc:docMk/>
+          <pc:sldMk cId="1379568114" sldId="260"/>
+        </pc:sldMkLst>
+        <pc:spChg chg="mod">
+          <ac:chgData name="Brieuc DANDOY" userId="e0ec606e-d73c-40ec-ad38-cb467f23081e" providerId="ADAL" clId="{4DDE2BE1-E4D3-45A2-8470-D548FC3381C6}" dt="2021-06-25T09:28:37.332" v="33"/>
+          <ac:spMkLst>
+            <pc:docMk/>
+            <pc:sldMk cId="1379568114" sldId="260"/>
+            <ac:spMk id="2" creationId="{DF869EE7-C142-4987-89E5-CB0F63FF2CD0}"/>
+          </ac:spMkLst>
+        </pc:spChg>
+        <pc:spChg chg="mod">
+          <ac:chgData name="Brieuc DANDOY" userId="e0ec606e-d73c-40ec-ad38-cb467f23081e" providerId="ADAL" clId="{4DDE2BE1-E4D3-45A2-8470-D548FC3381C6}" dt="2021-06-25T09:28:33.504" v="32"/>
+          <ac:spMkLst>
+            <pc:docMk/>
+            <pc:sldMk cId="1379568114" sldId="260"/>
+            <ac:spMk id="3" creationId="{284F65AD-876C-4B39-A2AC-2474F5B68FBD}"/>
+          </ac:spMkLst>
+        </pc:spChg>
+      </pc:sldChg>
+      <pc:sldChg chg="modSp mod">
+        <pc:chgData name="Brieuc DANDOY" userId="e0ec606e-d73c-40ec-ad38-cb467f23081e" providerId="ADAL" clId="{4DDE2BE1-E4D3-45A2-8470-D548FC3381C6}" dt="2021-06-25T09:28:44.835" v="37" actId="27636"/>
+        <pc:sldMkLst>
+          <pc:docMk/>
+          <pc:sldMk cId="3028807577" sldId="261"/>
+        </pc:sldMkLst>
+        <pc:spChg chg="mod">
+          <ac:chgData name="Brieuc DANDOY" userId="e0ec606e-d73c-40ec-ad38-cb467f23081e" providerId="ADAL" clId="{4DDE2BE1-E4D3-45A2-8470-D548FC3381C6}" dt="2021-06-25T09:28:44.835" v="37" actId="27636"/>
+          <ac:spMkLst>
+            <pc:docMk/>
+            <pc:sldMk cId="3028807577" sldId="261"/>
+            <ac:spMk id="2" creationId="{9CB1B839-D4B0-4C35-92A4-4F66790EFC94}"/>
+          </ac:spMkLst>
+        </pc:spChg>
+      </pc:sldChg>
+      <pc:sldChg chg="modSp mod">
+        <pc:chgData name="Brieuc DANDOY" userId="e0ec606e-d73c-40ec-ad38-cb467f23081e" providerId="ADAL" clId="{4DDE2BE1-E4D3-45A2-8470-D548FC3381C6}" dt="2021-06-25T09:29:00.743" v="41" actId="27636"/>
+        <pc:sldMkLst>
+          <pc:docMk/>
+          <pc:sldMk cId="3726656491" sldId="262"/>
+        </pc:sldMkLst>
+        <pc:spChg chg="mod">
+          <ac:chgData name="Brieuc DANDOY" userId="e0ec606e-d73c-40ec-ad38-cb467f23081e" providerId="ADAL" clId="{4DDE2BE1-E4D3-45A2-8470-D548FC3381C6}" dt="2021-06-25T09:28:57.519" v="39" actId="27636"/>
+          <ac:spMkLst>
+            <pc:docMk/>
+            <pc:sldMk cId="3726656491" sldId="262"/>
+            <ac:spMk id="2" creationId="{971A57CA-D00E-4510-B3FB-3649C5DEDBAA}"/>
+          </ac:spMkLst>
+        </pc:spChg>
+        <pc:spChg chg="mod">
+          <ac:chgData name="Brieuc DANDOY" userId="e0ec606e-d73c-40ec-ad38-cb467f23081e" providerId="ADAL" clId="{4DDE2BE1-E4D3-45A2-8470-D548FC3381C6}" dt="2021-06-25T09:29:00.743" v="41" actId="27636"/>
+          <ac:spMkLst>
+            <pc:docMk/>
+            <pc:sldMk cId="3726656491" sldId="262"/>
+            <ac:spMk id="3" creationId="{23660972-0F95-4D6E-AB4F-22BC004DEC03}"/>
+          </ac:spMkLst>
+        </pc:spChg>
+      </pc:sldChg>
+      <pc:sldChg chg="modSp mod">
+        <pc:chgData name="Brieuc DANDOY" userId="e0ec606e-d73c-40ec-ad38-cb467f23081e" providerId="ADAL" clId="{4DDE2BE1-E4D3-45A2-8470-D548FC3381C6}" dt="2021-06-25T09:29:16.006" v="43" actId="14100"/>
+        <pc:sldMkLst>
+          <pc:docMk/>
+          <pc:sldMk cId="2307786320" sldId="263"/>
+        </pc:sldMkLst>
+        <pc:spChg chg="mod">
+          <ac:chgData name="Brieuc DANDOY" userId="e0ec606e-d73c-40ec-ad38-cb467f23081e" providerId="ADAL" clId="{4DDE2BE1-E4D3-45A2-8470-D548FC3381C6}" dt="2021-06-25T09:29:16.006" v="43" actId="14100"/>
+          <ac:spMkLst>
+            <pc:docMk/>
+            <pc:sldMk cId="2307786320" sldId="263"/>
+            <ac:spMk id="3" creationId="{8033DF95-F0CA-46D5-8B13-0D32246C4985}"/>
+          </ac:spMkLst>
+        </pc:spChg>
+      </pc:sldChg>
+    </pc:docChg>
+  </pc:docChgLst>
 </pc:chgInfo>
 </file>
 
@@ -1530,7 +1639,7 @@
           <a:p>
             <a:fld id="{3AB182E2-C940-4C35-A7DD-F6EBC87620C4}" type="datetimeFigureOut">
               <a:rPr lang="fr-FR" smtClean="0"/>
-              <a:t>24/06/2021</a:t>
+              <a:t>25/06/2021</a:t>
             </a:fld>
             <a:endParaRPr lang="fr-FR"/>
           </a:p>
@@ -1707,7 +1816,7 @@
           <a:p>
             <a:fld id="{DB8CDD98-001E-424E-9FA0-BF5531BB92B0}" type="datetimeFigureOut">
               <a:rPr lang="fr-FR" smtClean="0"/>
-              <a:t>24/06/2021</a:t>
+              <a:t>25/06/2021</a:t>
             </a:fld>
             <a:endParaRPr lang="fr-FR"/>
           </a:p>
@@ -5303,12 +5412,31 @@
             <p:ph type="title"/>
           </p:nvPr>
         </p:nvSpPr>
-        <p:spPr/>
-        <p:txBody>
-          <a:bodyPr/>
+        <p:spPr>
+          <a:xfrm>
+            <a:off x="1375568" y="3450492"/>
+            <a:ext cx="10515600" cy="1101603"/>
+          </a:xfrm>
+        </p:spPr>
+        <p:txBody>
+          <a:bodyPr>
+            <a:normAutofit fontScale="90000"/>
+          </a:bodyPr>
           <a:lstStyle/>
           <a:p>
-            <a:endParaRPr lang="fr-FR" dirty="0"/>
+            <a:pPr algn="ctr"/>
+            <a:r>
+              <a:rPr lang="fr-FR" sz="9800"/>
+              <a:t>ISEN</a:t>
+            </a:r>
+            <a:r>
+              <a:rPr lang="fr-FR"/>
+              <a:t> </a:t>
+            </a:r>
+            <a:r>
+              <a:rPr lang="fr-FR" sz="9800"/>
+              <a:t>INFO</a:t>
+            </a:r>
           </a:p>
         </p:txBody>
       </p:sp>
@@ -5924,7 +6052,10 @@
           <a:bodyPr/>
           <a:lstStyle/>
           <a:p>
-            <a:endParaRPr lang="fr-FR"/>
+            <a:r>
+              <a:rPr lang="fr-FR"/>
+              <a:t>Sommaire</a:t>
+            </a:r>
           </a:p>
         </p:txBody>
       </p:sp>
@@ -5948,6 +6079,40 @@
         <p:txBody>
           <a:bodyPr/>
           <a:lstStyle/>
+          <a:p>
+            <a:r>
+              <a:rPr lang="fr-FR"/>
+              <a:t>Introduction </a:t>
+            </a:r>
+          </a:p>
+          <a:p>
+            <a:r>
+              <a:rPr lang="fr-FR"/>
+              <a:t>Concept</a:t>
+            </a:r>
+          </a:p>
+          <a:p>
+            <a:r>
+              <a:rPr lang="fr-FR"/>
+              <a:t>Gestion de Projet </a:t>
+            </a:r>
+          </a:p>
+          <a:p>
+            <a:r>
+              <a:rPr lang="fr-FR"/>
+              <a:t>Structure du Projet </a:t>
+            </a:r>
+          </a:p>
+          <a:p>
+            <a:r>
+              <a:rPr lang="fr-FR" err="1"/>
+              <a:t>Language</a:t>
+            </a:r>
+            <a:r>
+              <a:rPr lang="fr-FR"/>
+              <a:t> de programmation </a:t>
+            </a:r>
+          </a:p>
           <a:p>
             <a:endParaRPr lang="fr-FR"/>
           </a:p>
@@ -6059,10 +6224,15 @@
         </p:nvSpPr>
         <p:spPr/>
         <p:txBody>
-          <a:bodyPr/>
+          <a:bodyPr>
+            <a:normAutofit/>
+          </a:bodyPr>
           <a:lstStyle/>
           <a:p>
-            <a:endParaRPr lang="fr-FR"/>
+            <a:r>
+              <a:rPr lang="fr-FR"/>
+              <a:t>Introduction </a:t>
+            </a:r>
           </a:p>
         </p:txBody>
       </p:sp>
@@ -6197,9 +6367,18 @@
         </p:nvSpPr>
         <p:spPr/>
         <p:txBody>
-          <a:bodyPr/>
+          <a:bodyPr>
+            <a:normAutofit fontScale="90000"/>
+          </a:bodyPr>
           <a:lstStyle/>
           <a:p>
+            <a:r>
+              <a:rPr lang="fr-FR"/>
+              <a:t>Concept</a:t>
+            </a:r>
+            <a:br>
+              <a:rPr lang="fr-FR"/>
+            </a:br>
             <a:endParaRPr lang="fr-FR"/>
           </a:p>
         </p:txBody>
@@ -6222,8 +6401,40 @@
         </p:nvSpPr>
         <p:spPr/>
         <p:txBody>
-          <a:bodyPr/>
+          <a:bodyPr>
+            <a:normAutofit fontScale="92500" lnSpcReduction="20000"/>
+          </a:bodyPr>
           <a:lstStyle/>
+          <a:p>
+            <a:r>
+              <a:rPr lang="fr-FR"/>
+              <a:t>Interface web qui envoie automatiquement un mail avec l'emploi du temps de la semaine et les nouvelles notes.</a:t>
+            </a:r>
+          </a:p>
+          <a:p>
+            <a:endParaRPr lang="fr-FR"/>
+          </a:p>
+          <a:p>
+            <a:r>
+              <a:rPr lang="fr-FR"/>
+              <a:t>Alimente la base de données avec l'identifiant, le mot de passe, l'email, le planning et les notes.</a:t>
+            </a:r>
+          </a:p>
+          <a:p>
+            <a:endParaRPr lang="fr-FR"/>
+          </a:p>
+          <a:p>
+            <a:r>
+              <a:rPr lang="fr-FR"/>
+              <a:t>Checking des informations tous les jours pour voir s'il y a des changements. </a:t>
+            </a:r>
+          </a:p>
+          <a:p>
+            <a:r>
+              <a:rPr lang="fr-FR"/>
+              <a:t>Créer un assistant vocal qui sera disponible sur la page web pour permettre de poser des questions concernant par exemple le nombre d'heures de cette semaine ou calculer la moyenne générale</a:t>
+            </a:r>
+          </a:p>
           <a:p>
             <a:endParaRPr lang="fr-FR"/>
           </a:p>
@@ -6358,11 +6569,31 @@
             <p:ph idx="1"/>
           </p:nvPr>
         </p:nvSpPr>
-        <p:spPr/>
+        <p:spPr>
+          <a:xfrm>
+            <a:off x="838200" y="1825625"/>
+            <a:ext cx="2916115" cy="4351338"/>
+          </a:xfrm>
+        </p:spPr>
         <p:txBody>
           <a:bodyPr/>
           <a:lstStyle/>
           <a:p>
+            <a:r>
+              <a:rPr lang="en-US" sz="2800"/>
+              <a:t>Gestion de </a:t>
+            </a:r>
+            <a:r>
+              <a:rPr lang="en-US" sz="2800" err="1"/>
+              <a:t>Projet</a:t>
+            </a:r>
+            <a:r>
+              <a:rPr lang="en-US" sz="2800"/>
+              <a:t> </a:t>
+            </a:r>
+            <a:br>
+              <a:rPr lang="en-US" sz="2800"/>
+            </a:br>
             <a:endParaRPr lang="fr-FR"/>
           </a:p>
         </p:txBody>

--- a/presentation/Présentation1.pptx
+++ b/presentation/Présentation1.pptx
@@ -5,10 +5,10 @@
     <p:sldMasterId id="2147483648" r:id="rId1"/>
   </p:sldMasterIdLst>
   <p:notesMasterIdLst>
-    <p:notesMasterId r:id="rId7"/>
+    <p:notesMasterId r:id="rId9"/>
   </p:notesMasterIdLst>
   <p:handoutMasterIdLst>
-    <p:handoutMasterId r:id="rId8"/>
+    <p:handoutMasterId r:id="rId10"/>
   </p:handoutMasterIdLst>
   <p:sldIdLst>
     <p:sldId id="259" r:id="rId2"/>
@@ -16,6 +16,8 @@
     <p:sldId id="261" r:id="rId4"/>
     <p:sldId id="262" r:id="rId5"/>
     <p:sldId id="263" r:id="rId6"/>
+    <p:sldId id="264" r:id="rId7"/>
+    <p:sldId id="265" r:id="rId8"/>
   </p:sldIdLst>
   <p:sldSz cx="12192000" cy="6858000"/>
   <p:notesSz cx="6858000" cy="9144000"/>
@@ -140,6 +142,8 @@
         <p14:section name="Conclusion" id="{F0AE9ECC-1655-48C6-A6F5-46AB5B7321E9}">
           <p14:sldIdLst>
             <p14:sldId id="263"/>
+            <p14:sldId id="264"/>
+            <p14:sldId id="265"/>
           </p14:sldIdLst>
         </p14:section>
       </p14:sectionLst>
@@ -168,7 +172,7 @@
 <file path=ppt/revisionInfo.xml><?xml version="1.0" encoding="utf-8"?>
 <p1510:revInfo xmlns:a="http://schemas.openxmlformats.org/drawingml/2006/main" xmlns:r="http://schemas.openxmlformats.org/officeDocument/2006/relationships" xmlns:p1510="http://schemas.microsoft.com/office/powerpoint/2015/10/main">
   <p1510:revLst>
-    <p1510:client id="{4DDE2BE1-E4D3-45A2-8470-D548FC3381C6}" v="44" dt="2021-06-25T09:29:16.006"/>
+    <p1510:client id="{4DDE2BE1-E4D3-45A2-8470-D548FC3381C6}" v="100" dt="2021-06-25T09:32:32.802"/>
     <p1510:client id="{DB6A8ECF-B9FA-4FA8-839B-D9B55B3C70EB}" v="46" dt="2021-06-24T11:50:37.831"/>
   </p1510:revLst>
 </p1510:revInfo>
@@ -1436,8 +1440,8 @@
   </pc:docChgLst>
   <pc:docChgLst>
     <pc:chgData name="Brieuc DANDOY" userId="e0ec606e-d73c-40ec-ad38-cb467f23081e" providerId="ADAL" clId="{4DDE2BE1-E4D3-45A2-8470-D548FC3381C6}"/>
-    <pc:docChg chg="undo custSel modSld">
-      <pc:chgData name="Brieuc DANDOY" userId="e0ec606e-d73c-40ec-ad38-cb467f23081e" providerId="ADAL" clId="{4DDE2BE1-E4D3-45A2-8470-D548FC3381C6}" dt="2021-06-25T09:29:16.006" v="43" actId="14100"/>
+    <pc:docChg chg="undo custSel addSld modSld modSection">
+      <pc:chgData name="Brieuc DANDOY" userId="e0ec606e-d73c-40ec-ad38-cb467f23081e" providerId="ADAL" clId="{4DDE2BE1-E4D3-45A2-8470-D548FC3381C6}" dt="2021-06-25T09:32:32.802" v="101" actId="1076"/>
       <pc:docMkLst>
         <pc:docMk/>
       </pc:docMkLst>
@@ -1525,20 +1529,106 @@
           </ac:spMkLst>
         </pc:spChg>
       </pc:sldChg>
-      <pc:sldChg chg="modSp mod">
-        <pc:chgData name="Brieuc DANDOY" userId="e0ec606e-d73c-40ec-ad38-cb467f23081e" providerId="ADAL" clId="{4DDE2BE1-E4D3-45A2-8470-D548FC3381C6}" dt="2021-06-25T09:29:16.006" v="43" actId="14100"/>
+      <pc:sldChg chg="addSp modSp mod">
+        <pc:chgData name="Brieuc DANDOY" userId="e0ec606e-d73c-40ec-ad38-cb467f23081e" providerId="ADAL" clId="{4DDE2BE1-E4D3-45A2-8470-D548FC3381C6}" dt="2021-06-25T09:30:18.581" v="70" actId="255"/>
         <pc:sldMkLst>
           <pc:docMk/>
           <pc:sldMk cId="2307786320" sldId="263"/>
         </pc:sldMkLst>
         <pc:spChg chg="mod">
-          <ac:chgData name="Brieuc DANDOY" userId="e0ec606e-d73c-40ec-ad38-cb467f23081e" providerId="ADAL" clId="{4DDE2BE1-E4D3-45A2-8470-D548FC3381C6}" dt="2021-06-25T09:29:16.006" v="43" actId="14100"/>
+          <ac:chgData name="Brieuc DANDOY" userId="e0ec606e-d73c-40ec-ad38-cb467f23081e" providerId="ADAL" clId="{4DDE2BE1-E4D3-45A2-8470-D548FC3381C6}" dt="2021-06-25T09:30:18.581" v="70" actId="255"/>
           <ac:spMkLst>
             <pc:docMk/>
             <pc:sldMk cId="2307786320" sldId="263"/>
             <ac:spMk id="3" creationId="{8033DF95-F0CA-46D5-8B13-0D32246C4985}"/>
           </ac:spMkLst>
         </pc:spChg>
+        <pc:picChg chg="add mod">
+          <ac:chgData name="Brieuc DANDOY" userId="e0ec606e-d73c-40ec-ad38-cb467f23081e" providerId="ADAL" clId="{4DDE2BE1-E4D3-45A2-8470-D548FC3381C6}" dt="2021-06-25T09:29:56.474" v="69" actId="1076"/>
+          <ac:picMkLst>
+            <pc:docMk/>
+            <pc:sldMk cId="2307786320" sldId="263"/>
+            <ac:picMk id="6" creationId="{F4703B74-42FC-464C-B96B-DD21331747BD}"/>
+          </ac:picMkLst>
+        </pc:picChg>
+      </pc:sldChg>
+      <pc:sldChg chg="addSp modSp new mod">
+        <pc:chgData name="Brieuc DANDOY" userId="e0ec606e-d73c-40ec-ad38-cb467f23081e" providerId="ADAL" clId="{4DDE2BE1-E4D3-45A2-8470-D548FC3381C6}" dt="2021-06-25T09:31:18.066" v="89" actId="1076"/>
+        <pc:sldMkLst>
+          <pc:docMk/>
+          <pc:sldMk cId="2227175516" sldId="264"/>
+        </pc:sldMkLst>
+        <pc:spChg chg="mod">
+          <ac:chgData name="Brieuc DANDOY" userId="e0ec606e-d73c-40ec-ad38-cb467f23081e" providerId="ADAL" clId="{4DDE2BE1-E4D3-45A2-8470-D548FC3381C6}" dt="2021-06-25T09:30:39.162" v="77" actId="1076"/>
+          <ac:spMkLst>
+            <pc:docMk/>
+            <pc:sldMk cId="2227175516" sldId="264"/>
+            <ac:spMk id="3" creationId="{06FF635C-0A37-4CFA-AB27-40EA7DD9FDC8}"/>
+          </ac:spMkLst>
+        </pc:spChg>
+        <pc:picChg chg="add mod">
+          <ac:chgData name="Brieuc DANDOY" userId="e0ec606e-d73c-40ec-ad38-cb467f23081e" providerId="ADAL" clId="{4DDE2BE1-E4D3-45A2-8470-D548FC3381C6}" dt="2021-06-25T09:31:13.666" v="87" actId="1076"/>
+          <ac:picMkLst>
+            <pc:docMk/>
+            <pc:sldMk cId="2227175516" sldId="264"/>
+            <ac:picMk id="6" creationId="{0AEC5E1A-B153-4DC8-AE5B-FBD82E24284B}"/>
+          </ac:picMkLst>
+        </pc:picChg>
+        <pc:picChg chg="add mod">
+          <ac:chgData name="Brieuc DANDOY" userId="e0ec606e-d73c-40ec-ad38-cb467f23081e" providerId="ADAL" clId="{4DDE2BE1-E4D3-45A2-8470-D548FC3381C6}" dt="2021-06-25T09:31:15.634" v="88" actId="1076"/>
+          <ac:picMkLst>
+            <pc:docMk/>
+            <pc:sldMk cId="2227175516" sldId="264"/>
+            <ac:picMk id="7" creationId="{5F90C6F4-9791-4EC2-A862-5FE64A92AA0C}"/>
+          </ac:picMkLst>
+        </pc:picChg>
+        <pc:picChg chg="add mod">
+          <ac:chgData name="Brieuc DANDOY" userId="e0ec606e-d73c-40ec-ad38-cb467f23081e" providerId="ADAL" clId="{4DDE2BE1-E4D3-45A2-8470-D548FC3381C6}" dt="2021-06-25T09:31:18.066" v="89" actId="1076"/>
+          <ac:picMkLst>
+            <pc:docMk/>
+            <pc:sldMk cId="2227175516" sldId="264"/>
+            <ac:picMk id="8" creationId="{2D6D4A3B-6F7B-442F-AD4C-4C877F45F73A}"/>
+          </ac:picMkLst>
+        </pc:picChg>
+      </pc:sldChg>
+      <pc:sldChg chg="addSp modSp new mod">
+        <pc:chgData name="Brieuc DANDOY" userId="e0ec606e-d73c-40ec-ad38-cb467f23081e" providerId="ADAL" clId="{4DDE2BE1-E4D3-45A2-8470-D548FC3381C6}" dt="2021-06-25T09:32:32.802" v="101" actId="1076"/>
+        <pc:sldMkLst>
+          <pc:docMk/>
+          <pc:sldMk cId="3233985870" sldId="265"/>
+        </pc:sldMkLst>
+        <pc:spChg chg="mod">
+          <ac:chgData name="Brieuc DANDOY" userId="e0ec606e-d73c-40ec-ad38-cb467f23081e" providerId="ADAL" clId="{4DDE2BE1-E4D3-45A2-8470-D548FC3381C6}" dt="2021-06-25T09:32:32.802" v="101" actId="1076"/>
+          <ac:spMkLst>
+            <pc:docMk/>
+            <pc:sldMk cId="3233985870" sldId="265"/>
+            <ac:spMk id="3" creationId="{3BDB33B8-2D07-475C-A011-28EC58641F77}"/>
+          </ac:spMkLst>
+        </pc:spChg>
+        <pc:picChg chg="add mod">
+          <ac:chgData name="Brieuc DANDOY" userId="e0ec606e-d73c-40ec-ad38-cb467f23081e" providerId="ADAL" clId="{4DDE2BE1-E4D3-45A2-8470-D548FC3381C6}" dt="2021-06-25T09:31:43.652" v="95" actId="1076"/>
+          <ac:picMkLst>
+            <pc:docMk/>
+            <pc:sldMk cId="3233985870" sldId="265"/>
+            <ac:picMk id="6" creationId="{68A5440A-7450-4384-BA06-4A0DD7FB9564}"/>
+          </ac:picMkLst>
+        </pc:picChg>
+        <pc:picChg chg="add mod">
+          <ac:chgData name="Brieuc DANDOY" userId="e0ec606e-d73c-40ec-ad38-cb467f23081e" providerId="ADAL" clId="{4DDE2BE1-E4D3-45A2-8470-D548FC3381C6}" dt="2021-06-25T09:31:47.426" v="97" actId="1076"/>
+          <ac:picMkLst>
+            <pc:docMk/>
+            <pc:sldMk cId="3233985870" sldId="265"/>
+            <ac:picMk id="7" creationId="{079CB277-25C4-4B07-B0EC-B81EE757EBEB}"/>
+          </ac:picMkLst>
+        </pc:picChg>
+        <pc:picChg chg="add mod">
+          <ac:chgData name="Brieuc DANDOY" userId="e0ec606e-d73c-40ec-ad38-cb467f23081e" providerId="ADAL" clId="{4DDE2BE1-E4D3-45A2-8470-D548FC3381C6}" dt="2021-06-25T09:31:54.722" v="100" actId="1076"/>
+          <ac:picMkLst>
+            <pc:docMk/>
+            <pc:sldMk cId="3233985870" sldId="265"/>
+            <ac:picMk id="8" creationId="{CE09DEF6-E164-4C32-BC27-08575302601E}"/>
+          </ac:picMkLst>
+        </pc:picChg>
       </pc:sldChg>
     </pc:docChg>
   </pc:docChgLst>
@@ -1717,7 +1807,7 @@
           <a:p>
             <a:fld id="{9B515104-7BE3-409A-8852-4F84AC1629A6}" type="slidenum">
               <a:rPr lang="fr-FR" smtClean="0"/>
-              <a:t>‹N°›</a:t>
+              <a:t>‹#›</a:t>
             </a:fld>
             <a:endParaRPr lang="fr-FR"/>
           </a:p>
@@ -1974,7 +2064,7 @@
           <a:p>
             <a:fld id="{629199E9-ECEC-4B25-AB7C-EC3678CC99B6}" type="slidenum">
               <a:rPr lang="fr-FR" smtClean="0"/>
-              <a:t>‹N°›</a:t>
+              <a:t>‹#›</a:t>
             </a:fld>
             <a:endParaRPr lang="fr-FR"/>
           </a:p>
@@ -2314,7 +2404,7 @@
           <a:p>
             <a:fld id="{4663F8E7-E950-430D-880A-090F6311A6B2}" type="slidenum">
               <a:rPr lang="fr-FR" smtClean="0"/>
-              <a:t>‹N°›</a:t>
+              <a:t>‹#›</a:t>
             </a:fld>
             <a:endParaRPr lang="fr-FR"/>
           </a:p>
@@ -2360,14 +2450,14 @@
           </a:lstStyle>
           <a:p>
             <a:r>
-              <a:rPr lang="fr-FR" dirty="0"/>
+              <a:rPr lang="fr-FR"/>
               <a:t>Hugo Demenez &amp; Brieuc Da1ndoy &amp; Guillaume Gulli &amp; Mohamed Amine </a:t>
             </a:r>
             <a:r>
-              <a:rPr lang="fr-FR" dirty="0" err="1"/>
+              <a:rPr lang="fr-FR" err="1"/>
               <a:t>Bennouna</a:t>
             </a:r>
-            <a:endParaRPr lang="fr-FR" dirty="0"/>
+            <a:endParaRPr lang="fr-FR"/>
           </a:p>
         </p:txBody>
       </p:sp>
@@ -2509,7 +2599,7 @@
           <a:p>
             <a:fld id="{4663F8E7-E950-430D-880A-090F6311A6B2}" type="slidenum">
               <a:rPr lang="fr-FR" smtClean="0"/>
-              <a:t>‹N°›</a:t>
+              <a:t>‹#›</a:t>
             </a:fld>
             <a:endParaRPr lang="fr-FR"/>
           </a:p>
@@ -2555,14 +2645,14 @@
           </a:lstStyle>
           <a:p>
             <a:r>
-              <a:rPr lang="fr-FR" dirty="0"/>
+              <a:rPr lang="fr-FR"/>
               <a:t>Hugo Demenez &amp; Brieuc Da1ndoy &amp; Guillaume Gulli &amp; Mohamed Amine </a:t>
             </a:r>
             <a:r>
-              <a:rPr lang="fr-FR" dirty="0" err="1"/>
+              <a:rPr lang="fr-FR" err="1"/>
               <a:t>Bennouna</a:t>
             </a:r>
-            <a:endParaRPr lang="fr-FR" dirty="0"/>
+            <a:endParaRPr lang="fr-FR"/>
           </a:p>
         </p:txBody>
       </p:sp>
@@ -2714,7 +2804,7 @@
           <a:p>
             <a:fld id="{4663F8E7-E950-430D-880A-090F6311A6B2}" type="slidenum">
               <a:rPr lang="fr-FR" smtClean="0"/>
-              <a:t>‹N°›</a:t>
+              <a:t>‹#›</a:t>
             </a:fld>
             <a:endParaRPr lang="fr-FR"/>
           </a:p>
@@ -2760,14 +2850,14 @@
           </a:lstStyle>
           <a:p>
             <a:r>
-              <a:rPr lang="fr-FR" dirty="0"/>
+              <a:rPr lang="fr-FR"/>
               <a:t>Hugo Demenez &amp; Brieuc Da1ndoy &amp; Guillaume Gulli &amp; Mohamed Amine </a:t>
             </a:r>
             <a:r>
-              <a:rPr lang="fr-FR" dirty="0" err="1"/>
+              <a:rPr lang="fr-FR" err="1"/>
               <a:t>Bennouna</a:t>
             </a:r>
-            <a:endParaRPr lang="fr-FR" dirty="0"/>
+            <a:endParaRPr lang="fr-FR"/>
           </a:p>
         </p:txBody>
       </p:sp>
@@ -2913,14 +3003,14 @@
           <a:lstStyle/>
           <a:p>
             <a:r>
-              <a:rPr lang="fr-FR" dirty="0"/>
+              <a:rPr lang="fr-FR"/>
               <a:t>Hugo Demenez &amp; Brieuc Da1ndoy &amp; Guillaume Gulli &amp; Mohamed Amine </a:t>
             </a:r>
             <a:r>
-              <a:rPr lang="fr-FR" dirty="0" err="1"/>
+              <a:rPr lang="fr-FR" err="1"/>
               <a:t>Bennouna</a:t>
             </a:r>
-            <a:endParaRPr lang="fr-FR" dirty="0"/>
+            <a:endParaRPr lang="fr-FR"/>
           </a:p>
         </p:txBody>
       </p:sp>
@@ -2947,7 +3037,7 @@
           <a:p>
             <a:fld id="{4663F8E7-E950-430D-880A-090F6311A6B2}" type="slidenum">
               <a:rPr lang="fr-FR" smtClean="0"/>
-              <a:t>‹N°›</a:t>
+              <a:t>‹#›</a:t>
             </a:fld>
             <a:endParaRPr lang="fr-FR"/>
           </a:p>
@@ -3168,7 +3258,7 @@
           <a:p>
             <a:fld id="{4663F8E7-E950-430D-880A-090F6311A6B2}" type="slidenum">
               <a:rPr lang="fr-FR" smtClean="0"/>
-              <a:t>‹N°›</a:t>
+              <a:t>‹#›</a:t>
             </a:fld>
             <a:endParaRPr lang="fr-FR"/>
           </a:p>
@@ -3214,14 +3304,14 @@
           </a:lstStyle>
           <a:p>
             <a:r>
-              <a:rPr lang="fr-FR" dirty="0"/>
+              <a:rPr lang="fr-FR"/>
               <a:t>Hugo Demenez &amp; Brieuc Da1ndoy &amp; Guillaume Gulli &amp; Mohamed Amine </a:t>
             </a:r>
             <a:r>
-              <a:rPr lang="fr-FR" dirty="0" err="1"/>
+              <a:rPr lang="fr-FR" err="1"/>
               <a:t>Bennouna</a:t>
             </a:r>
-            <a:endParaRPr lang="fr-FR" dirty="0"/>
+            <a:endParaRPr lang="fr-FR"/>
           </a:p>
         </p:txBody>
       </p:sp>
@@ -3430,7 +3520,7 @@
           <a:p>
             <a:fld id="{4663F8E7-E950-430D-880A-090F6311A6B2}" type="slidenum">
               <a:rPr lang="fr-FR" smtClean="0"/>
-              <a:t>‹N°›</a:t>
+              <a:t>‹#›</a:t>
             </a:fld>
             <a:endParaRPr lang="fr-FR"/>
           </a:p>
@@ -3476,14 +3566,14 @@
           </a:lstStyle>
           <a:p>
             <a:r>
-              <a:rPr lang="fr-FR" dirty="0"/>
+              <a:rPr lang="fr-FR"/>
               <a:t>Hugo Demenez &amp; Brieuc Da1ndoy &amp; Guillaume Gulli &amp; Mohamed Amine </a:t>
             </a:r>
             <a:r>
-              <a:rPr lang="fr-FR" dirty="0" err="1"/>
+              <a:rPr lang="fr-FR" err="1"/>
               <a:t>Bennouna</a:t>
             </a:r>
-            <a:endParaRPr lang="fr-FR" dirty="0"/>
+            <a:endParaRPr lang="fr-FR"/>
           </a:p>
         </p:txBody>
       </p:sp>
@@ -3839,7 +3929,7 @@
           <a:p>
             <a:fld id="{4663F8E7-E950-430D-880A-090F6311A6B2}" type="slidenum">
               <a:rPr lang="fr-FR" smtClean="0"/>
-              <a:t>‹N°›</a:t>
+              <a:t>‹#›</a:t>
             </a:fld>
             <a:endParaRPr lang="fr-FR"/>
           </a:p>
@@ -3885,14 +3975,14 @@
           </a:lstStyle>
           <a:p>
             <a:r>
-              <a:rPr lang="fr-FR" dirty="0"/>
+              <a:rPr lang="fr-FR"/>
               <a:t>Hugo Demenez &amp; Brieuc Da1ndoy &amp; Guillaume Gulli &amp; Mohamed Amine </a:t>
             </a:r>
             <a:r>
-              <a:rPr lang="fr-FR" dirty="0" err="1"/>
+              <a:rPr lang="fr-FR" err="1"/>
               <a:t>Bennouna</a:t>
             </a:r>
-            <a:endParaRPr lang="fr-FR" dirty="0"/>
+            <a:endParaRPr lang="fr-FR"/>
           </a:p>
         </p:txBody>
       </p:sp>
@@ -3977,7 +4067,7 @@
           <a:p>
             <a:fld id="{4663F8E7-E950-430D-880A-090F6311A6B2}" type="slidenum">
               <a:rPr lang="fr-FR" smtClean="0"/>
-              <a:t>‹N°›</a:t>
+              <a:t>‹#›</a:t>
             </a:fld>
             <a:endParaRPr lang="fr-FR"/>
           </a:p>
@@ -4023,14 +4113,14 @@
           </a:lstStyle>
           <a:p>
             <a:r>
-              <a:rPr lang="fr-FR" dirty="0"/>
+              <a:rPr lang="fr-FR"/>
               <a:t>Hugo Demenez &amp; Brieuc Da1ndoy &amp; Guillaume Gulli &amp; Mohamed Amine </a:t>
             </a:r>
             <a:r>
-              <a:rPr lang="fr-FR" dirty="0" err="1"/>
+              <a:rPr lang="fr-FR" err="1"/>
               <a:t>Bennouna</a:t>
             </a:r>
-            <a:endParaRPr lang="fr-FR" dirty="0"/>
+            <a:endParaRPr lang="fr-FR"/>
           </a:p>
         </p:txBody>
       </p:sp>
@@ -4087,7 +4177,7 @@
           <a:p>
             <a:fld id="{4663F8E7-E950-430D-880A-090F6311A6B2}" type="slidenum">
               <a:rPr lang="fr-FR" smtClean="0"/>
-              <a:t>‹N°›</a:t>
+              <a:t>‹#›</a:t>
             </a:fld>
             <a:endParaRPr lang="fr-FR"/>
           </a:p>
@@ -4133,14 +4223,14 @@
           </a:lstStyle>
           <a:p>
             <a:r>
-              <a:rPr lang="fr-FR" dirty="0"/>
+              <a:rPr lang="fr-FR"/>
               <a:t>Hugo Demenez &amp; Brieuc Da1ndoy &amp; Guillaume Gulli &amp; Mohamed Amine </a:t>
             </a:r>
             <a:r>
-              <a:rPr lang="fr-FR" dirty="0" err="1"/>
+              <a:rPr lang="fr-FR" err="1"/>
               <a:t>Bennouna</a:t>
             </a:r>
-            <a:endParaRPr lang="fr-FR" dirty="0"/>
+            <a:endParaRPr lang="fr-FR"/>
           </a:p>
         </p:txBody>
       </p:sp>
@@ -4395,7 +4485,7 @@
           <a:p>
             <a:fld id="{4663F8E7-E950-430D-880A-090F6311A6B2}" type="slidenum">
               <a:rPr lang="fr-FR" smtClean="0"/>
-              <a:t>‹N°›</a:t>
+              <a:t>‹#›</a:t>
             </a:fld>
             <a:endParaRPr lang="fr-FR"/>
           </a:p>
@@ -4441,14 +4531,14 @@
           </a:lstStyle>
           <a:p>
             <a:r>
-              <a:rPr lang="fr-FR" dirty="0"/>
+              <a:rPr lang="fr-FR"/>
               <a:t>Hugo Demenez &amp; Brieuc Da1ndoy &amp; Guillaume Gulli &amp; Mohamed Amine </a:t>
             </a:r>
             <a:r>
-              <a:rPr lang="fr-FR" dirty="0" err="1"/>
+              <a:rPr lang="fr-FR" err="1"/>
               <a:t>Bennouna</a:t>
             </a:r>
-            <a:endParaRPr lang="fr-FR" dirty="0"/>
+            <a:endParaRPr lang="fr-FR"/>
           </a:p>
         </p:txBody>
       </p:sp>
@@ -4680,7 +4770,7 @@
           <a:p>
             <a:fld id="{4663F8E7-E950-430D-880A-090F6311A6B2}" type="slidenum">
               <a:rPr lang="fr-FR" smtClean="0"/>
-              <a:t>‹N°›</a:t>
+              <a:t>‹#›</a:t>
             </a:fld>
             <a:endParaRPr lang="fr-FR"/>
           </a:p>
@@ -4726,14 +4816,14 @@
           </a:lstStyle>
           <a:p>
             <a:r>
-              <a:rPr lang="fr-FR" dirty="0"/>
+              <a:rPr lang="fr-FR"/>
               <a:t>Hugo Demenez &amp; Brieuc Da1ndoy &amp; Guillaume Gulli &amp; Mohamed Amine </a:t>
             </a:r>
             <a:r>
-              <a:rPr lang="fr-FR" dirty="0" err="1"/>
+              <a:rPr lang="fr-FR" err="1"/>
               <a:t>Bennouna</a:t>
             </a:r>
-            <a:endParaRPr lang="fr-FR" dirty="0"/>
+            <a:endParaRPr lang="fr-FR"/>
           </a:p>
         </p:txBody>
       </p:sp>
@@ -4813,7 +4903,7 @@
           <a:lstStyle/>
           <a:p>
             <a:r>
-              <a:rPr lang="fr-FR" dirty="0"/>
+              <a:rPr lang="fr-FR"/>
               <a:t>Modifiez le style du titre</a:t>
             </a:r>
           </a:p>
@@ -4926,14 +5016,14 @@
           </a:lstStyle>
           <a:p>
             <a:r>
-              <a:rPr lang="fr-FR" dirty="0"/>
+              <a:rPr lang="fr-FR"/>
               <a:t>Hugo Demenez &amp; Brieuc Da1ndoy &amp; Guillaume Gulli &amp; Mohamed Amine </a:t>
             </a:r>
             <a:r>
-              <a:rPr lang="fr-FR" dirty="0" err="1"/>
+              <a:rPr lang="fr-FR" err="1"/>
               <a:t>Bennouna</a:t>
             </a:r>
-            <a:endParaRPr lang="fr-FR" dirty="0"/>
+            <a:endParaRPr lang="fr-FR"/>
           </a:p>
         </p:txBody>
       </p:sp>
@@ -4977,9 +5067,9 @@
             <a:fld id="{4663F8E7-E950-430D-880A-090F6311A6B2}" type="slidenum">
               <a:rPr lang="fr-FR" smtClean="0"/>
               <a:pPr/>
-              <a:t>‹N°›</a:t>
+              <a:t>‹#›</a:t>
             </a:fld>
-            <a:endParaRPr lang="fr-FR" dirty="0"/>
+            <a:endParaRPr lang="fr-FR"/>
           </a:p>
         </p:txBody>
       </p:sp>
@@ -5490,7 +5580,6 @@
               <a:rPr lang="fr-FR"/>
               <a:t>Hugo Demenez &amp; Brieuc Da1ndoy &amp; Guillaume Gulli &amp; Mohamed Amine Bennouna</a:t>
             </a:r>
-            <a:endParaRPr lang="fr-FR" dirty="0"/>
           </a:p>
         </p:txBody>
       </p:sp>
@@ -5572,7 +5661,7 @@
           <a:p>
             <a:pPr algn="ctr"/>
             <a:r>
-              <a:rPr lang="fr-FR" dirty="0">
+              <a:rPr lang="fr-FR">
                 <a:solidFill>
                   <a:schemeClr val="accent1"/>
                 </a:solidFill>
@@ -5631,7 +5720,7 @@
           <a:p>
             <a:pPr algn="ctr"/>
             <a:r>
-              <a:rPr lang="fr-FR" dirty="0">
+              <a:rPr lang="fr-FR">
                 <a:solidFill>
                   <a:schemeClr val="accent1"/>
                 </a:solidFill>
@@ -5734,7 +5823,7 @@
           <a:p>
             <a:pPr algn="ctr"/>
             <a:r>
-              <a:rPr lang="fr-FR" dirty="0">
+              <a:rPr lang="fr-FR">
                 <a:solidFill>
                   <a:schemeClr val="accent1"/>
                 </a:solidFill>
@@ -5840,7 +5929,7 @@
           <a:p>
             <a:pPr algn="ctr"/>
             <a:r>
-              <a:rPr lang="fr-FR" dirty="0">
+              <a:rPr lang="fr-FR">
                 <a:solidFill>
                   <a:schemeClr val="bg1"/>
                 </a:solidFill>
@@ -5946,7 +6035,7 @@
           <a:p>
             <a:pPr algn="ctr"/>
             <a:r>
-              <a:rPr lang="fr-FR" dirty="0">
+              <a:rPr lang="fr-FR">
                 <a:solidFill>
                   <a:schemeClr val="accent1"/>
                 </a:solidFill>
@@ -6143,7 +6232,6 @@
               <a:rPr lang="fr-FR"/>
               <a:t>Hugo Demenez &amp; Brieuc Da1ndoy &amp; Guillaume Gulli &amp; Mohamed Amine Bennouna</a:t>
             </a:r>
-            <a:endParaRPr lang="fr-FR" dirty="0"/>
           </a:p>
         </p:txBody>
       </p:sp>
@@ -6286,7 +6374,6 @@
               <a:rPr lang="fr-FR"/>
               <a:t>Hugo Demenez &amp; Brieuc Da1ndoy &amp; Guillaume Gulli &amp; Mohamed Amine Bennouna</a:t>
             </a:r>
-            <a:endParaRPr lang="fr-FR" dirty="0"/>
           </a:p>
         </p:txBody>
       </p:sp>
@@ -6402,7 +6489,7 @@
         <p:spPr/>
         <p:txBody>
           <a:bodyPr>
-            <a:normAutofit fontScale="92500" lnSpcReduction="20000"/>
+            <a:normAutofit fontScale="92500"/>
           </a:bodyPr>
           <a:lstStyle/>
           <a:p>
@@ -6465,7 +6552,6 @@
               <a:rPr lang="fr-FR"/>
               <a:t>Hugo Demenez &amp; Brieuc Da1ndoy &amp; Guillaume Gulli &amp; Mohamed Amine Bennouna</a:t>
             </a:r>
-            <a:endParaRPr lang="fr-FR" dirty="0"/>
           </a:p>
         </p:txBody>
       </p:sp>
@@ -6571,59 +6657,60 @@
         </p:nvSpPr>
         <p:spPr>
           <a:xfrm>
-            <a:off x="838200" y="1825625"/>
-            <a:ext cx="2916115" cy="4351338"/>
+            <a:off x="838200" y="2820743"/>
+            <a:ext cx="3535240" cy="1216513"/>
           </a:xfrm>
         </p:spPr>
         <p:txBody>
+          <a:bodyPr>
+            <a:normAutofit/>
+          </a:bodyPr>
+          <a:lstStyle/>
+          <a:p>
+            <a:r>
+              <a:rPr lang="en-US" sz="3200"/>
+              <a:t>Gestion de </a:t>
+            </a:r>
+            <a:r>
+              <a:rPr lang="en-US" sz="3200" err="1"/>
+              <a:t>Projet</a:t>
+            </a:r>
+            <a:r>
+              <a:rPr lang="en-US" sz="3200"/>
+              <a:t> </a:t>
+            </a:r>
+            <a:br>
+              <a:rPr lang="en-US" sz="3200"/>
+            </a:br>
+            <a:endParaRPr lang="fr-FR" sz="3200"/>
+          </a:p>
+        </p:txBody>
+      </p:sp>
+      <p:sp>
+        <p:nvSpPr>
+          <p:cNvPr id="4" name="Espace réservé du pied de page 3">
+            <a:extLst>
+              <a:ext uri="{FF2B5EF4-FFF2-40B4-BE49-F238E27FC236}">
+                <a16:creationId xmlns:a16="http://schemas.microsoft.com/office/drawing/2014/main" id="{1181ECC1-3D68-4FAF-ACC0-932CA2D6FFCC}"/>
+              </a:ext>
+            </a:extLst>
+          </p:cNvPr>
+          <p:cNvSpPr>
+            <a:spLocks noGrp="1"/>
+          </p:cNvSpPr>
+          <p:nvPr>
+            <p:ph type="ftr" sz="quarter" idx="11"/>
+          </p:nvPr>
+        </p:nvSpPr>
+        <p:spPr/>
+        <p:txBody>
           <a:bodyPr/>
           <a:lstStyle/>
           <a:p>
             <a:r>
-              <a:rPr lang="en-US" sz="2800"/>
-              <a:t>Gestion de </a:t>
-            </a:r>
-            <a:r>
-              <a:rPr lang="en-US" sz="2800" err="1"/>
-              <a:t>Projet</a:t>
-            </a:r>
-            <a:r>
-              <a:rPr lang="en-US" sz="2800"/>
-              <a:t> </a:t>
-            </a:r>
-            <a:br>
-              <a:rPr lang="en-US" sz="2800"/>
-            </a:br>
-            <a:endParaRPr lang="fr-FR"/>
-          </a:p>
-        </p:txBody>
-      </p:sp>
-      <p:sp>
-        <p:nvSpPr>
-          <p:cNvPr id="4" name="Espace réservé du pied de page 3">
-            <a:extLst>
-              <a:ext uri="{FF2B5EF4-FFF2-40B4-BE49-F238E27FC236}">
-                <a16:creationId xmlns:a16="http://schemas.microsoft.com/office/drawing/2014/main" id="{1181ECC1-3D68-4FAF-ACC0-932CA2D6FFCC}"/>
-              </a:ext>
-            </a:extLst>
-          </p:cNvPr>
-          <p:cNvSpPr>
-            <a:spLocks noGrp="1"/>
-          </p:cNvSpPr>
-          <p:nvPr>
-            <p:ph type="ftr" sz="quarter" idx="11"/>
-          </p:nvPr>
-        </p:nvSpPr>
-        <p:spPr/>
-        <p:txBody>
-          <a:bodyPr/>
-          <a:lstStyle/>
-          <a:p>
-            <a:r>
               <a:rPr lang="fr-FR"/>
               <a:t>Hugo Demenez &amp; Brieuc Da1ndoy &amp; Guillaume Gulli &amp; Mohamed Amine Bennouna</a:t>
             </a:r>
-            <a:endParaRPr lang="fr-FR" dirty="0"/>
           </a:p>
         </p:txBody>
       </p:sp>
@@ -6656,10 +6743,810 @@
           </a:p>
         </p:txBody>
       </p:sp>
+      <p:pic>
+        <p:nvPicPr>
+          <p:cNvPr id="6" name="Espace réservé du contenu 4">
+            <a:extLst>
+              <a:ext uri="{FF2B5EF4-FFF2-40B4-BE49-F238E27FC236}">
+                <a16:creationId xmlns:a16="http://schemas.microsoft.com/office/drawing/2014/main" id="{F4703B74-42FC-464C-B96B-DD21331747BD}"/>
+              </a:ext>
+            </a:extLst>
+          </p:cNvPr>
+          <p:cNvPicPr>
+            <a:picLocks noChangeAspect="1"/>
+          </p:cNvPicPr>
+          <p:nvPr/>
+        </p:nvPicPr>
+        <p:blipFill>
+          <a:blip r:embed="rId3"/>
+          <a:stretch>
+            <a:fillRect/>
+          </a:stretch>
+        </p:blipFill>
+        <p:spPr>
+          <a:xfrm>
+            <a:off x="4731040" y="616141"/>
+            <a:ext cx="6630822" cy="5652774"/>
+          </a:xfrm>
+          <a:prstGeom prst="rect">
+            <a:avLst/>
+          </a:prstGeom>
+          <a:ln>
+            <a:gradFill flip="none" rotWithShape="1">
+              <a:gsLst>
+                <a:gs pos="86000">
+                  <a:schemeClr val="accent6">
+                    <a:lumMod val="67000"/>
+                  </a:schemeClr>
+                </a:gs>
+                <a:gs pos="20000">
+                  <a:schemeClr val="accent6">
+                    <a:lumMod val="97000"/>
+                    <a:lumOff val="3000"/>
+                  </a:schemeClr>
+                </a:gs>
+                <a:gs pos="100000">
+                  <a:schemeClr val="accent6">
+                    <a:lumMod val="60000"/>
+                    <a:lumOff val="40000"/>
+                  </a:schemeClr>
+                </a:gs>
+              </a:gsLst>
+              <a:lin ang="16200000" scaled="1"/>
+              <a:tileRect/>
+            </a:gradFill>
+          </a:ln>
+          <a:effectLst>
+            <a:innerShdw blurRad="127000">
+              <a:prstClr val="black">
+                <a:alpha val="90000"/>
+              </a:prstClr>
+            </a:innerShdw>
+          </a:effectLst>
+        </p:spPr>
+      </p:pic>
     </p:spTree>
     <p:extLst>
       <p:ext uri="{BB962C8B-B14F-4D97-AF65-F5344CB8AC3E}">
         <p14:creationId xmlns:p14="http://schemas.microsoft.com/office/powerpoint/2010/main" val="2307786320"/>
+      </p:ext>
+    </p:extLst>
+  </p:cSld>
+  <p:clrMapOvr>
+    <a:masterClrMapping/>
+  </p:clrMapOvr>
+</p:sld>
+</file>
+
+<file path=ppt/slides/slide6.xml><?xml version="1.0" encoding="utf-8"?>
+<p:sld xmlns:a="http://schemas.openxmlformats.org/drawingml/2006/main" xmlns:r="http://schemas.openxmlformats.org/officeDocument/2006/relationships" xmlns:p="http://schemas.openxmlformats.org/presentationml/2006/main">
+  <p:cSld>
+    <p:spTree>
+      <p:nvGrpSpPr>
+        <p:cNvPr id="1" name=""/>
+        <p:cNvGrpSpPr/>
+        <p:nvPr/>
+      </p:nvGrpSpPr>
+      <p:grpSpPr>
+        <a:xfrm>
+          <a:off x="0" y="0"/>
+          <a:ext cx="0" cy="0"/>
+          <a:chOff x="0" y="0"/>
+          <a:chExt cx="0" cy="0"/>
+        </a:xfrm>
+      </p:grpSpPr>
+      <p:sp>
+        <p:nvSpPr>
+          <p:cNvPr id="2" name="Titre 1">
+            <a:extLst>
+              <a:ext uri="{FF2B5EF4-FFF2-40B4-BE49-F238E27FC236}">
+                <a16:creationId xmlns:a16="http://schemas.microsoft.com/office/drawing/2014/main" id="{DE71D382-8CBB-4737-95C0-0D704A6B9A6D}"/>
+              </a:ext>
+            </a:extLst>
+          </p:cNvPr>
+          <p:cNvSpPr>
+            <a:spLocks noGrp="1"/>
+          </p:cNvSpPr>
+          <p:nvPr>
+            <p:ph type="title"/>
+          </p:nvPr>
+        </p:nvSpPr>
+        <p:spPr/>
+        <p:txBody>
+          <a:bodyPr/>
+          <a:lstStyle/>
+          <a:p>
+            <a:endParaRPr lang="en-US"/>
+          </a:p>
+        </p:txBody>
+      </p:sp>
+      <p:sp>
+        <p:nvSpPr>
+          <p:cNvPr id="3" name="Espace réservé du contenu 2">
+            <a:extLst>
+              <a:ext uri="{FF2B5EF4-FFF2-40B4-BE49-F238E27FC236}">
+                <a16:creationId xmlns:a16="http://schemas.microsoft.com/office/drawing/2014/main" id="{06FF635C-0A37-4CFA-AB27-40EA7DD9FDC8}"/>
+              </a:ext>
+            </a:extLst>
+          </p:cNvPr>
+          <p:cNvSpPr>
+            <a:spLocks noGrp="1"/>
+          </p:cNvSpPr>
+          <p:nvPr>
+            <p:ph idx="1"/>
+          </p:nvPr>
+        </p:nvSpPr>
+        <p:spPr>
+          <a:xfrm>
+            <a:off x="662354" y="2927228"/>
+            <a:ext cx="3461238" cy="820860"/>
+          </a:xfrm>
+        </p:spPr>
+        <p:txBody>
+          <a:bodyPr>
+            <a:normAutofit lnSpcReduction="10000"/>
+          </a:bodyPr>
+          <a:lstStyle/>
+          <a:p>
+            <a:r>
+              <a:rPr lang="en-US" sz="2800"/>
+              <a:t>Structure du </a:t>
+            </a:r>
+            <a:r>
+              <a:rPr lang="en-US" sz="2800" err="1"/>
+              <a:t>Projet</a:t>
+            </a:r>
+            <a:r>
+              <a:rPr lang="en-US" sz="2800"/>
+              <a:t> </a:t>
+            </a:r>
+            <a:br>
+              <a:rPr lang="en-US" sz="2800"/>
+            </a:br>
+            <a:endParaRPr lang="en-US"/>
+          </a:p>
+        </p:txBody>
+      </p:sp>
+      <p:sp>
+        <p:nvSpPr>
+          <p:cNvPr id="4" name="Espace réservé du pied de page 3">
+            <a:extLst>
+              <a:ext uri="{FF2B5EF4-FFF2-40B4-BE49-F238E27FC236}">
+                <a16:creationId xmlns:a16="http://schemas.microsoft.com/office/drawing/2014/main" id="{9CBE7194-977A-469D-8FDA-3AB63790A773}"/>
+              </a:ext>
+            </a:extLst>
+          </p:cNvPr>
+          <p:cNvSpPr>
+            <a:spLocks noGrp="1"/>
+          </p:cNvSpPr>
+          <p:nvPr>
+            <p:ph type="ftr" sz="quarter" idx="11"/>
+          </p:nvPr>
+        </p:nvSpPr>
+        <p:spPr/>
+        <p:txBody>
+          <a:bodyPr/>
+          <a:lstStyle/>
+          <a:p>
+            <a:r>
+              <a:rPr lang="fr-FR"/>
+              <a:t>Hugo Demenez &amp; Brieuc Da1ndoy &amp; Guillaume Gulli &amp; Mohamed Amine Bennouna</a:t>
+            </a:r>
+          </a:p>
+        </p:txBody>
+      </p:sp>
+      <p:sp>
+        <p:nvSpPr>
+          <p:cNvPr id="5" name="Espace réservé du numéro de diapositive 4">
+            <a:extLst>
+              <a:ext uri="{FF2B5EF4-FFF2-40B4-BE49-F238E27FC236}">
+                <a16:creationId xmlns:a16="http://schemas.microsoft.com/office/drawing/2014/main" id="{C930148A-B12E-470D-9B3E-7DF38261397A}"/>
+              </a:ext>
+            </a:extLst>
+          </p:cNvPr>
+          <p:cNvSpPr>
+            <a:spLocks noGrp="1"/>
+          </p:cNvSpPr>
+          <p:nvPr>
+            <p:ph type="sldNum" sz="quarter" idx="12"/>
+          </p:nvPr>
+        </p:nvSpPr>
+        <p:spPr/>
+        <p:txBody>
+          <a:bodyPr/>
+          <a:lstStyle/>
+          <a:p>
+            <a:fld id="{4663F8E7-E950-430D-880A-090F6311A6B2}" type="slidenum">
+              <a:rPr lang="fr-FR" smtClean="0"/>
+              <a:t>6</a:t>
+            </a:fld>
+            <a:endParaRPr lang="fr-FR"/>
+          </a:p>
+        </p:txBody>
+      </p:sp>
+      <p:pic>
+        <p:nvPicPr>
+          <p:cNvPr id="6" name="Image 5">
+            <a:extLst>
+              <a:ext uri="{FF2B5EF4-FFF2-40B4-BE49-F238E27FC236}">
+                <a16:creationId xmlns:a16="http://schemas.microsoft.com/office/drawing/2014/main" id="{0AEC5E1A-B153-4DC8-AE5B-FBD82E24284B}"/>
+              </a:ext>
+            </a:extLst>
+          </p:cNvPr>
+          <p:cNvPicPr>
+            <a:picLocks noChangeAspect="1"/>
+          </p:cNvPicPr>
+          <p:nvPr/>
+        </p:nvPicPr>
+        <p:blipFill>
+          <a:blip r:embed="rId2"/>
+          <a:stretch>
+            <a:fillRect/>
+          </a:stretch>
+        </p:blipFill>
+        <p:spPr>
+          <a:xfrm>
+            <a:off x="5400146" y="909265"/>
+            <a:ext cx="5953654" cy="3348929"/>
+          </a:xfrm>
+          <a:prstGeom prst="rect">
+            <a:avLst/>
+          </a:prstGeom>
+          <a:ln>
+            <a:gradFill flip="none" rotWithShape="1">
+              <a:gsLst>
+                <a:gs pos="86000">
+                  <a:schemeClr val="accent6">
+                    <a:lumMod val="67000"/>
+                  </a:schemeClr>
+                </a:gs>
+                <a:gs pos="20000">
+                  <a:schemeClr val="accent6">
+                    <a:lumMod val="97000"/>
+                    <a:lumOff val="3000"/>
+                  </a:schemeClr>
+                </a:gs>
+                <a:gs pos="100000">
+                  <a:schemeClr val="accent6">
+                    <a:lumMod val="60000"/>
+                    <a:lumOff val="40000"/>
+                  </a:schemeClr>
+                </a:gs>
+              </a:gsLst>
+              <a:lin ang="16200000" scaled="1"/>
+              <a:tileRect/>
+            </a:gradFill>
+          </a:ln>
+          <a:effectLst>
+            <a:innerShdw blurRad="127000">
+              <a:prstClr val="black">
+                <a:alpha val="90000"/>
+              </a:prstClr>
+            </a:innerShdw>
+          </a:effectLst>
+        </p:spPr>
+      </p:pic>
+      <p:pic>
+        <p:nvPicPr>
+          <p:cNvPr id="7" name="Image 6" descr="Une image contenant texte&#10;&#10;Description générée automatiquement">
+            <a:extLst>
+              <a:ext uri="{FF2B5EF4-FFF2-40B4-BE49-F238E27FC236}">
+                <a16:creationId xmlns:a16="http://schemas.microsoft.com/office/drawing/2014/main" id="{5F90C6F4-9791-4EC2-A862-5FE64A92AA0C}"/>
+              </a:ext>
+            </a:extLst>
+          </p:cNvPr>
+          <p:cNvPicPr>
+            <a:picLocks noChangeAspect="1"/>
+          </p:cNvPicPr>
+          <p:nvPr/>
+        </p:nvPicPr>
+        <p:blipFill>
+          <a:blip r:embed="rId3"/>
+          <a:stretch>
+            <a:fillRect/>
+          </a:stretch>
+        </p:blipFill>
+        <p:spPr>
+          <a:xfrm>
+            <a:off x="5400146" y="4444997"/>
+            <a:ext cx="2733775" cy="1537748"/>
+          </a:xfrm>
+          <a:prstGeom prst="rect">
+            <a:avLst/>
+          </a:prstGeom>
+          <a:ln>
+            <a:gradFill flip="none" rotWithShape="1">
+              <a:gsLst>
+                <a:gs pos="86000">
+                  <a:schemeClr val="accent6">
+                    <a:lumMod val="67000"/>
+                  </a:schemeClr>
+                </a:gs>
+                <a:gs pos="20000">
+                  <a:schemeClr val="accent6">
+                    <a:lumMod val="97000"/>
+                    <a:lumOff val="3000"/>
+                  </a:schemeClr>
+                </a:gs>
+                <a:gs pos="100000">
+                  <a:schemeClr val="accent6">
+                    <a:lumMod val="60000"/>
+                    <a:lumOff val="40000"/>
+                  </a:schemeClr>
+                </a:gs>
+              </a:gsLst>
+              <a:lin ang="16200000" scaled="1"/>
+              <a:tileRect/>
+            </a:gradFill>
+          </a:ln>
+          <a:effectLst>
+            <a:innerShdw blurRad="127000">
+              <a:prstClr val="black">
+                <a:alpha val="90000"/>
+              </a:prstClr>
+            </a:innerShdw>
+          </a:effectLst>
+        </p:spPr>
+      </p:pic>
+      <p:pic>
+        <p:nvPicPr>
+          <p:cNvPr id="8" name="Espace réservé du contenu 3" descr="Une image contenant texte&#10;&#10;Description générée automatiquement">
+            <a:extLst>
+              <a:ext uri="{FF2B5EF4-FFF2-40B4-BE49-F238E27FC236}">
+                <a16:creationId xmlns:a16="http://schemas.microsoft.com/office/drawing/2014/main" id="{2D6D4A3B-6F7B-442F-AD4C-4C877F45F73A}"/>
+              </a:ext>
+            </a:extLst>
+          </p:cNvPr>
+          <p:cNvPicPr>
+            <a:picLocks noChangeAspect="1"/>
+          </p:cNvPicPr>
+          <p:nvPr/>
+        </p:nvPicPr>
+        <p:blipFill>
+          <a:blip r:embed="rId4"/>
+          <a:stretch>
+            <a:fillRect/>
+          </a:stretch>
+        </p:blipFill>
+        <p:spPr>
+          <a:xfrm>
+            <a:off x="8620024" y="4444997"/>
+            <a:ext cx="2733776" cy="1537748"/>
+          </a:xfrm>
+          <a:prstGeom prst="rect">
+            <a:avLst/>
+          </a:prstGeom>
+          <a:ln>
+            <a:gradFill flip="none" rotWithShape="1">
+              <a:gsLst>
+                <a:gs pos="86000">
+                  <a:schemeClr val="accent6">
+                    <a:lumMod val="67000"/>
+                  </a:schemeClr>
+                </a:gs>
+                <a:gs pos="20000">
+                  <a:schemeClr val="accent6">
+                    <a:lumMod val="97000"/>
+                    <a:lumOff val="3000"/>
+                  </a:schemeClr>
+                </a:gs>
+                <a:gs pos="100000">
+                  <a:schemeClr val="accent6">
+                    <a:lumMod val="60000"/>
+                    <a:lumOff val="40000"/>
+                  </a:schemeClr>
+                </a:gs>
+              </a:gsLst>
+              <a:lin ang="16200000" scaled="1"/>
+              <a:tileRect/>
+            </a:gradFill>
+          </a:ln>
+          <a:effectLst>
+            <a:innerShdw blurRad="127000">
+              <a:prstClr val="black">
+                <a:alpha val="90000"/>
+              </a:prstClr>
+            </a:innerShdw>
+          </a:effectLst>
+        </p:spPr>
+      </p:pic>
+    </p:spTree>
+    <p:extLst>
+      <p:ext uri="{BB962C8B-B14F-4D97-AF65-F5344CB8AC3E}">
+        <p14:creationId xmlns:p14="http://schemas.microsoft.com/office/powerpoint/2010/main" val="2227175516"/>
+      </p:ext>
+    </p:extLst>
+  </p:cSld>
+  <p:clrMapOvr>
+    <a:masterClrMapping/>
+  </p:clrMapOvr>
+</p:sld>
+</file>
+
+<file path=ppt/slides/slide7.xml><?xml version="1.0" encoding="utf-8"?>
+<p:sld xmlns:a="http://schemas.openxmlformats.org/drawingml/2006/main" xmlns:r="http://schemas.openxmlformats.org/officeDocument/2006/relationships" xmlns:p="http://schemas.openxmlformats.org/presentationml/2006/main">
+  <p:cSld>
+    <p:spTree>
+      <p:nvGrpSpPr>
+        <p:cNvPr id="1" name=""/>
+        <p:cNvGrpSpPr/>
+        <p:nvPr/>
+      </p:nvGrpSpPr>
+      <p:grpSpPr>
+        <a:xfrm>
+          <a:off x="0" y="0"/>
+          <a:ext cx="0" cy="0"/>
+          <a:chOff x="0" y="0"/>
+          <a:chExt cx="0" cy="0"/>
+        </a:xfrm>
+      </p:grpSpPr>
+      <p:sp>
+        <p:nvSpPr>
+          <p:cNvPr id="2" name="Titre 1">
+            <a:extLst>
+              <a:ext uri="{FF2B5EF4-FFF2-40B4-BE49-F238E27FC236}">
+                <a16:creationId xmlns:a16="http://schemas.microsoft.com/office/drawing/2014/main" id="{8009C223-5A89-4E69-A824-70A91BC4C1F3}"/>
+              </a:ext>
+            </a:extLst>
+          </p:cNvPr>
+          <p:cNvSpPr>
+            <a:spLocks noGrp="1"/>
+          </p:cNvSpPr>
+          <p:nvPr>
+            <p:ph type="title"/>
+          </p:nvPr>
+        </p:nvSpPr>
+        <p:spPr/>
+        <p:txBody>
+          <a:bodyPr/>
+          <a:lstStyle/>
+          <a:p>
+            <a:endParaRPr lang="en-US"/>
+          </a:p>
+        </p:txBody>
+      </p:sp>
+      <p:sp>
+        <p:nvSpPr>
+          <p:cNvPr id="3" name="Espace réservé du contenu 2">
+            <a:extLst>
+              <a:ext uri="{FF2B5EF4-FFF2-40B4-BE49-F238E27FC236}">
+                <a16:creationId xmlns:a16="http://schemas.microsoft.com/office/drawing/2014/main" id="{3BDB33B8-2D07-475C-A011-28EC58641F77}"/>
+              </a:ext>
+            </a:extLst>
+          </p:cNvPr>
+          <p:cNvSpPr>
+            <a:spLocks noGrp="1"/>
+          </p:cNvSpPr>
+          <p:nvPr>
+            <p:ph idx="1"/>
+          </p:nvPr>
+        </p:nvSpPr>
+        <p:spPr>
+          <a:xfrm>
+            <a:off x="904875" y="3429000"/>
+            <a:ext cx="4630615" cy="680183"/>
+          </a:xfrm>
+        </p:spPr>
+        <p:txBody>
+          <a:bodyPr>
+            <a:normAutofit fontScale="92500" lnSpcReduction="20000"/>
+          </a:bodyPr>
+          <a:lstStyle/>
+          <a:p>
+            <a:r>
+              <a:rPr lang="en-US" sz="2800"/>
+              <a:t>Language de </a:t>
+            </a:r>
+            <a:r>
+              <a:rPr lang="en-US" sz="2800" err="1"/>
+              <a:t>programmation</a:t>
+            </a:r>
+            <a:r>
+              <a:rPr lang="en-US" sz="2800"/>
+              <a:t> </a:t>
+            </a:r>
+            <a:br>
+              <a:rPr lang="en-US" sz="2800"/>
+            </a:br>
+            <a:endParaRPr lang="en-US"/>
+          </a:p>
+        </p:txBody>
+      </p:sp>
+      <p:sp>
+        <p:nvSpPr>
+          <p:cNvPr id="4" name="Espace réservé du pied de page 3">
+            <a:extLst>
+              <a:ext uri="{FF2B5EF4-FFF2-40B4-BE49-F238E27FC236}">
+                <a16:creationId xmlns:a16="http://schemas.microsoft.com/office/drawing/2014/main" id="{5E1F077A-5777-47D3-A592-A33839B3B604}"/>
+              </a:ext>
+            </a:extLst>
+          </p:cNvPr>
+          <p:cNvSpPr>
+            <a:spLocks noGrp="1"/>
+          </p:cNvSpPr>
+          <p:nvPr>
+            <p:ph type="ftr" sz="quarter" idx="11"/>
+          </p:nvPr>
+        </p:nvSpPr>
+        <p:spPr/>
+        <p:txBody>
+          <a:bodyPr/>
+          <a:lstStyle/>
+          <a:p>
+            <a:r>
+              <a:rPr lang="fr-FR"/>
+              <a:t>Hugo Demenez &amp; Brieuc Da1ndoy &amp; Guillaume Gulli &amp; Mohamed Amine Bennouna</a:t>
+            </a:r>
+          </a:p>
+        </p:txBody>
+      </p:sp>
+      <p:sp>
+        <p:nvSpPr>
+          <p:cNvPr id="5" name="Espace réservé du numéro de diapositive 4">
+            <a:extLst>
+              <a:ext uri="{FF2B5EF4-FFF2-40B4-BE49-F238E27FC236}">
+                <a16:creationId xmlns:a16="http://schemas.microsoft.com/office/drawing/2014/main" id="{0BD3863F-E863-4363-AC48-30D703869D14}"/>
+              </a:ext>
+            </a:extLst>
+          </p:cNvPr>
+          <p:cNvSpPr>
+            <a:spLocks noGrp="1"/>
+          </p:cNvSpPr>
+          <p:nvPr>
+            <p:ph type="sldNum" sz="quarter" idx="12"/>
+          </p:nvPr>
+        </p:nvSpPr>
+        <p:spPr/>
+        <p:txBody>
+          <a:bodyPr/>
+          <a:lstStyle/>
+          <a:p>
+            <a:fld id="{4663F8E7-E950-430D-880A-090F6311A6B2}" type="slidenum">
+              <a:rPr lang="fr-FR" smtClean="0"/>
+              <a:t>7</a:t>
+            </a:fld>
+            <a:endParaRPr lang="fr-FR"/>
+          </a:p>
+        </p:txBody>
+      </p:sp>
+      <p:pic>
+        <p:nvPicPr>
+          <p:cNvPr id="6" name="Picture 4">
+            <a:extLst>
+              <a:ext uri="{FF2B5EF4-FFF2-40B4-BE49-F238E27FC236}">
+                <a16:creationId xmlns:a16="http://schemas.microsoft.com/office/drawing/2014/main" id="{68A5440A-7450-4384-BA06-4A0DD7FB9564}"/>
+              </a:ext>
+            </a:extLst>
+          </p:cNvPr>
+          <p:cNvPicPr>
+            <a:picLocks noChangeAspect="1" noChangeArrowheads="1"/>
+          </p:cNvPicPr>
+          <p:nvPr/>
+        </p:nvPicPr>
+        <p:blipFill>
+          <a:blip r:embed="rId2">
+            <a:extLst>
+              <a:ext uri="{28A0092B-C50C-407E-A947-70E740481C1C}">
+                <a14:useLocalDpi xmlns:a14="http://schemas.microsoft.com/office/drawing/2010/main" val="0"/>
+              </a:ext>
+            </a:extLst>
+          </a:blip>
+          <a:stretch>
+            <a:fillRect/>
+          </a:stretch>
+        </p:blipFill>
+        <p:spPr bwMode="auto">
+          <a:xfrm>
+            <a:off x="6056478" y="900720"/>
+            <a:ext cx="5297322" cy="2856399"/>
+          </a:xfrm>
+          <a:prstGeom prst="rect">
+            <a:avLst/>
+          </a:prstGeom>
+          <a:noFill/>
+          <a:ln>
+            <a:gradFill flip="none" rotWithShape="1">
+              <a:gsLst>
+                <a:gs pos="86000">
+                  <a:schemeClr val="accent6">
+                    <a:lumMod val="67000"/>
+                  </a:schemeClr>
+                </a:gs>
+                <a:gs pos="20000">
+                  <a:schemeClr val="accent6">
+                    <a:lumMod val="97000"/>
+                    <a:lumOff val="3000"/>
+                  </a:schemeClr>
+                </a:gs>
+                <a:gs pos="100000">
+                  <a:schemeClr val="accent6">
+                    <a:lumMod val="60000"/>
+                    <a:lumOff val="40000"/>
+                  </a:schemeClr>
+                </a:gs>
+              </a:gsLst>
+              <a:lin ang="16200000" scaled="1"/>
+              <a:tileRect/>
+            </a:gradFill>
+          </a:ln>
+          <a:effectLst>
+            <a:innerShdw blurRad="127000">
+              <a:prstClr val="black">
+                <a:alpha val="90000"/>
+              </a:prstClr>
+            </a:innerShdw>
+          </a:effectLst>
+          <a:extLst>
+            <a:ext uri="{909E8E84-426E-40DD-AFC4-6F175D3DCCD1}">
+              <a14:hiddenFill xmlns:a14="http://schemas.microsoft.com/office/drawing/2010/main">
+                <a:solidFill>
+                  <a:srgbClr val="FFFFFF"/>
+                </a:solidFill>
+              </a14:hiddenFill>
+            </a:ext>
+          </a:extLst>
+        </p:spPr>
+      </p:pic>
+      <p:pic>
+        <p:nvPicPr>
+          <p:cNvPr id="7" name="Picture 2">
+            <a:extLst>
+              <a:ext uri="{FF2B5EF4-FFF2-40B4-BE49-F238E27FC236}">
+                <a16:creationId xmlns:a16="http://schemas.microsoft.com/office/drawing/2014/main" id="{079CB277-25C4-4B07-B0EC-B81EE757EBEB}"/>
+              </a:ext>
+            </a:extLst>
+          </p:cNvPr>
+          <p:cNvPicPr>
+            <a:picLocks noChangeAspect="1" noChangeArrowheads="1"/>
+          </p:cNvPicPr>
+          <p:nvPr/>
+        </p:nvPicPr>
+        <p:blipFill>
+          <a:blip r:embed="rId3">
+            <a:extLst>
+              <a:ext uri="{28A0092B-C50C-407E-A947-70E740481C1C}">
+                <a14:useLocalDpi xmlns:a14="http://schemas.microsoft.com/office/drawing/2010/main" val="0"/>
+              </a:ext>
+            </a:extLst>
+          </a:blip>
+          <a:stretch>
+            <a:fillRect/>
+          </a:stretch>
+        </p:blipFill>
+        <p:spPr bwMode="auto">
+          <a:xfrm>
+            <a:off x="6056478" y="4068754"/>
+            <a:ext cx="2133569" cy="2133569"/>
+          </a:xfrm>
+          <a:prstGeom prst="rect">
+            <a:avLst/>
+          </a:prstGeom>
+          <a:noFill/>
+          <a:ln>
+            <a:gradFill flip="none" rotWithShape="1">
+              <a:gsLst>
+                <a:gs pos="86000">
+                  <a:schemeClr val="accent6">
+                    <a:lumMod val="67000"/>
+                  </a:schemeClr>
+                </a:gs>
+                <a:gs pos="20000">
+                  <a:schemeClr val="accent6">
+                    <a:lumMod val="97000"/>
+                    <a:lumOff val="3000"/>
+                  </a:schemeClr>
+                </a:gs>
+                <a:gs pos="100000">
+                  <a:schemeClr val="accent6">
+                    <a:lumMod val="60000"/>
+                    <a:lumOff val="40000"/>
+                  </a:schemeClr>
+                </a:gs>
+              </a:gsLst>
+              <a:lin ang="16200000" scaled="1"/>
+              <a:tileRect/>
+            </a:gradFill>
+          </a:ln>
+          <a:effectLst>
+            <a:innerShdw blurRad="127000">
+              <a:prstClr val="black">
+                <a:alpha val="90000"/>
+              </a:prstClr>
+            </a:innerShdw>
+          </a:effectLst>
+          <a:extLst>
+            <a:ext uri="{909E8E84-426E-40DD-AFC4-6F175D3DCCD1}">
+              <a14:hiddenFill xmlns:a14="http://schemas.microsoft.com/office/drawing/2010/main">
+                <a:solidFill>
+                  <a:srgbClr val="FFFFFF"/>
+                </a:solidFill>
+              </a14:hiddenFill>
+            </a:ext>
+          </a:extLst>
+        </p:spPr>
+      </p:pic>
+      <p:pic>
+        <p:nvPicPr>
+          <p:cNvPr id="8" name="Picture 6" descr="Un Logo en CSS3 sans images - Les Carnets de Byfeel">
+            <a:extLst>
+              <a:ext uri="{FF2B5EF4-FFF2-40B4-BE49-F238E27FC236}">
+                <a16:creationId xmlns:a16="http://schemas.microsoft.com/office/drawing/2014/main" id="{CE09DEF6-E164-4C32-BC27-08575302601E}"/>
+              </a:ext>
+            </a:extLst>
+          </p:cNvPr>
+          <p:cNvPicPr>
+            <a:picLocks noChangeAspect="1" noChangeArrowheads="1"/>
+          </p:cNvPicPr>
+          <p:nvPr/>
+        </p:nvPicPr>
+        <p:blipFill>
+          <a:blip r:embed="rId4">
+            <a:extLst>
+              <a:ext uri="{28A0092B-C50C-407E-A947-70E740481C1C}">
+                <a14:useLocalDpi xmlns:a14="http://schemas.microsoft.com/office/drawing/2010/main" val="0"/>
+              </a:ext>
+            </a:extLst>
+          </a:blip>
+          <a:stretch>
+            <a:fillRect/>
+          </a:stretch>
+        </p:blipFill>
+        <p:spPr bwMode="auto">
+          <a:xfrm>
+            <a:off x="8866005" y="4068754"/>
+            <a:ext cx="2487795" cy="1613945"/>
+          </a:xfrm>
+          <a:prstGeom prst="rect">
+            <a:avLst/>
+          </a:prstGeom>
+          <a:noFill/>
+          <a:ln>
+            <a:gradFill flip="none" rotWithShape="1">
+              <a:gsLst>
+                <a:gs pos="86000">
+                  <a:schemeClr val="accent6">
+                    <a:lumMod val="67000"/>
+                  </a:schemeClr>
+                </a:gs>
+                <a:gs pos="20000">
+                  <a:schemeClr val="accent6">
+                    <a:lumMod val="97000"/>
+                    <a:lumOff val="3000"/>
+                  </a:schemeClr>
+                </a:gs>
+                <a:gs pos="100000">
+                  <a:schemeClr val="accent6">
+                    <a:lumMod val="60000"/>
+                    <a:lumOff val="40000"/>
+                  </a:schemeClr>
+                </a:gs>
+              </a:gsLst>
+              <a:lin ang="16200000" scaled="1"/>
+              <a:tileRect/>
+            </a:gradFill>
+          </a:ln>
+          <a:effectLst>
+            <a:innerShdw blurRad="127000">
+              <a:prstClr val="black">
+                <a:alpha val="90000"/>
+              </a:prstClr>
+            </a:innerShdw>
+          </a:effectLst>
+          <a:extLst>
+            <a:ext uri="{909E8E84-426E-40DD-AFC4-6F175D3DCCD1}">
+              <a14:hiddenFill xmlns:a14="http://schemas.microsoft.com/office/drawing/2010/main">
+                <a:solidFill>
+                  <a:srgbClr val="FFFFFF"/>
+                </a:solidFill>
+              </a14:hiddenFill>
+            </a:ext>
+          </a:extLst>
+        </p:spPr>
+      </p:pic>
+    </p:spTree>
+    <p:extLst>
+      <p:ext uri="{BB962C8B-B14F-4D97-AF65-F5344CB8AC3E}">
+        <p14:creationId xmlns:p14="http://schemas.microsoft.com/office/powerpoint/2010/main" val="3233985870"/>
       </p:ext>
     </p:extLst>
   </p:cSld>

--- a/presentation/Présentation1.pptx
+++ b/presentation/Présentation1.pptx
@@ -5,19 +5,20 @@
     <p:sldMasterId id="2147483648" r:id="rId1"/>
   </p:sldMasterIdLst>
   <p:notesMasterIdLst>
-    <p:notesMasterId r:id="rId9"/>
+    <p:notesMasterId r:id="rId10"/>
   </p:notesMasterIdLst>
   <p:handoutMasterIdLst>
-    <p:handoutMasterId r:id="rId10"/>
+    <p:handoutMasterId r:id="rId11"/>
   </p:handoutMasterIdLst>
   <p:sldIdLst>
     <p:sldId id="259" r:id="rId2"/>
-    <p:sldId id="260" r:id="rId3"/>
-    <p:sldId id="261" r:id="rId4"/>
+    <p:sldId id="261" r:id="rId3"/>
+    <p:sldId id="260" r:id="rId4"/>
     <p:sldId id="262" r:id="rId5"/>
     <p:sldId id="263" r:id="rId6"/>
     <p:sldId id="264" r:id="rId7"/>
     <p:sldId id="265" r:id="rId8"/>
+    <p:sldId id="266" r:id="rId9"/>
   </p:sldIdLst>
   <p:sldSz cx="12192000" cy="6858000"/>
   <p:notesSz cx="6858000" cy="9144000"/>
@@ -122,29 +123,33 @@
         <p14:section name="Introduction" id="{721F06F6-6EC9-494F-A6A2-4357964A6C19}">
           <p14:sldIdLst>
             <p14:sldId id="259"/>
+            <p14:sldId id="261"/>
+          </p14:sldIdLst>
+        </p14:section>
+        <p14:section name="Sommaire" id="{6F29879C-69A7-444A-82DA-5097133C14C3}">
+          <p14:sldIdLst>
+            <p14:sldId id="260"/>
           </p14:sldIdLst>
         </p14:section>
         <p14:section name="Première partie" id="{4AA07A40-5265-4799-BF88-168218E6357D}">
           <p14:sldIdLst>
-            <p14:sldId id="260"/>
+            <p14:sldId id="262"/>
           </p14:sldIdLst>
         </p14:section>
         <p14:section name="Deuxième partie" id="{0243CD7B-0FBB-45F7-996F-3714D7FE8E35}">
           <p14:sldIdLst>
-            <p14:sldId id="261"/>
+            <p14:sldId id="263"/>
           </p14:sldIdLst>
         </p14:section>
         <p14:section name="Troisième partie" id="{6057DFBA-4BE5-4093-8028-DE22FDECCA5F}">
           <p14:sldIdLst>
-            <p14:sldId id="262"/>
+            <p14:sldId id="264"/>
+            <p14:sldId id="265"/>
+            <p14:sldId id="266"/>
           </p14:sldIdLst>
         </p14:section>
         <p14:section name="Conclusion" id="{F0AE9ECC-1655-48C6-A6F5-46AB5B7321E9}">
-          <p14:sldIdLst>
-            <p14:sldId id="263"/>
-            <p14:sldId id="264"/>
-            <p14:sldId id="265"/>
-          </p14:sldIdLst>
+          <p14:sldIdLst/>
         </p14:section>
       </p14:sectionLst>
     </p:ext>
@@ -173,7 +178,7 @@
 <p1510:revInfo xmlns:a="http://schemas.openxmlformats.org/drawingml/2006/main" xmlns:r="http://schemas.openxmlformats.org/officeDocument/2006/relationships" xmlns:p1510="http://schemas.microsoft.com/office/powerpoint/2015/10/main">
   <p1510:revLst>
     <p1510:client id="{4DDE2BE1-E4D3-45A2-8470-D548FC3381C6}" v="100" dt="2021-06-25T09:32:32.802"/>
-    <p1510:client id="{DB6A8ECF-B9FA-4FA8-839B-D9B55B3C70EB}" v="46" dt="2021-06-24T11:50:37.831"/>
+    <p1510:client id="{DB6A8ECF-B9FA-4FA8-839B-D9B55B3C70EB}" v="332" dt="2021-06-25T13:06:06.819"/>
   </p1510:revLst>
 </p1510:revInfo>
 </file>
@@ -182,8 +187,8 @@
 <pc:chgInfo xmlns:a="http://schemas.openxmlformats.org/drawingml/2006/main" xmlns:r="http://schemas.openxmlformats.org/officeDocument/2006/relationships" xmlns:ac="http://schemas.microsoft.com/office/drawing/2013/main/command" xmlns:pc="http://schemas.microsoft.com/office/powerpoint/2013/main/command">
   <pc:docChgLst>
     <pc:chgData name="Hugo DEMENEZ" userId="167f3b24-aa49-4d1b-b001-4f9180dfa13d" providerId="ADAL" clId="{DB6A8ECF-B9FA-4FA8-839B-D9B55B3C70EB}"/>
-    <pc:docChg chg="undo custSel addSld delSld modSld modMainMaster addSection modSection">
-      <pc:chgData name="Hugo DEMENEZ" userId="167f3b24-aa49-4d1b-b001-4f9180dfa13d" providerId="ADAL" clId="{DB6A8ECF-B9FA-4FA8-839B-D9B55B3C70EB}" dt="2021-06-24T11:53:44.856" v="519" actId="478"/>
+    <pc:docChg chg="undo custSel addSld delSld modSld sldOrd modMainMaster addSection modSection">
+      <pc:chgData name="Hugo DEMENEZ" userId="167f3b24-aa49-4d1b-b001-4f9180dfa13d" providerId="ADAL" clId="{DB6A8ECF-B9FA-4FA8-839B-D9B55B3C70EB}" dt="2021-06-25T13:06:06.819" v="814" actId="207"/>
       <pc:docMkLst>
         <pc:docMk/>
       </pc:docMkLst>
@@ -297,11 +302,35 @@
         </pc:picChg>
       </pc:sldChg>
       <pc:sldChg chg="addSp delSp modSp new mod">
-        <pc:chgData name="Hugo DEMENEZ" userId="167f3b24-aa49-4d1b-b001-4f9180dfa13d" providerId="ADAL" clId="{DB6A8ECF-B9FA-4FA8-839B-D9B55B3C70EB}" dt="2021-06-24T11:52:25.872" v="484" actId="1076"/>
+        <pc:chgData name="Hugo DEMENEZ" userId="167f3b24-aa49-4d1b-b001-4f9180dfa13d" providerId="ADAL" clId="{DB6A8ECF-B9FA-4FA8-839B-D9B55B3C70EB}" dt="2021-06-25T12:57:57.041" v="762" actId="20577"/>
         <pc:sldMkLst>
           <pc:docMk/>
           <pc:sldMk cId="1841864826" sldId="259"/>
         </pc:sldMkLst>
+        <pc:spChg chg="mod">
+          <ac:chgData name="Hugo DEMENEZ" userId="167f3b24-aa49-4d1b-b001-4f9180dfa13d" providerId="ADAL" clId="{DB6A8ECF-B9FA-4FA8-839B-D9B55B3C70EB}" dt="2021-06-25T12:35:42.550" v="522" actId="1076"/>
+          <ac:spMkLst>
+            <pc:docMk/>
+            <pc:sldMk cId="1841864826" sldId="259"/>
+            <ac:spMk id="2" creationId="{C57B7E1C-C3F5-4725-9F3E-E49C4C6A091D}"/>
+          </ac:spMkLst>
+        </pc:spChg>
+        <pc:spChg chg="del">
+          <ac:chgData name="Hugo DEMENEZ" userId="167f3b24-aa49-4d1b-b001-4f9180dfa13d" providerId="ADAL" clId="{DB6A8ECF-B9FA-4FA8-839B-D9B55B3C70EB}" dt="2021-06-25T12:35:27.117" v="520" actId="478"/>
+          <ac:spMkLst>
+            <pc:docMk/>
+            <pc:sldMk cId="1841864826" sldId="259"/>
+            <ac:spMk id="3" creationId="{2BEF494F-48EF-41E5-A109-85CCFCF06744}"/>
+          </ac:spMkLst>
+        </pc:spChg>
+        <pc:spChg chg="mod">
+          <ac:chgData name="Hugo DEMENEZ" userId="167f3b24-aa49-4d1b-b001-4f9180dfa13d" providerId="ADAL" clId="{DB6A8ECF-B9FA-4FA8-839B-D9B55B3C70EB}" dt="2021-06-25T12:57:57.041" v="762" actId="20577"/>
+          <ac:spMkLst>
+            <pc:docMk/>
+            <pc:sldMk cId="1841864826" sldId="259"/>
+            <ac:spMk id="4" creationId="{641AC214-18DF-4624-8523-87245B9348E2}"/>
+          </ac:spMkLst>
+        </pc:spChg>
         <pc:spChg chg="add mod">
           <ac:chgData name="Hugo DEMENEZ" userId="167f3b24-aa49-4d1b-b001-4f9180dfa13d" providerId="ADAL" clId="{DB6A8ECF-B9FA-4FA8-839B-D9B55B3C70EB}" dt="2021-06-23T11:40:45.411" v="147" actId="164"/>
           <ac:spMkLst>
@@ -311,7 +340,7 @@
           </ac:spMkLst>
         </pc:spChg>
         <pc:spChg chg="mod topLvl">
-          <ac:chgData name="Hugo DEMENEZ" userId="167f3b24-aa49-4d1b-b001-4f9180dfa13d" providerId="ADAL" clId="{DB6A8ECF-B9FA-4FA8-839B-D9B55B3C70EB}" dt="2021-06-24T11:52:12.716" v="481" actId="1035"/>
+          <ac:chgData name="Hugo DEMENEZ" userId="167f3b24-aa49-4d1b-b001-4f9180dfa13d" providerId="ADAL" clId="{DB6A8ECF-B9FA-4FA8-839B-D9B55B3C70EB}" dt="2021-06-25T12:47:02.693" v="690" actId="1076"/>
           <ac:spMkLst>
             <pc:docMk/>
             <pc:sldMk cId="1841864826" sldId="259"/>
@@ -319,7 +348,7 @@
           </ac:spMkLst>
         </pc:spChg>
         <pc:spChg chg="mod topLvl">
-          <ac:chgData name="Hugo DEMENEZ" userId="167f3b24-aa49-4d1b-b001-4f9180dfa13d" providerId="ADAL" clId="{DB6A8ECF-B9FA-4FA8-839B-D9B55B3C70EB}" dt="2021-06-24T11:52:25.872" v="484" actId="1076"/>
+          <ac:chgData name="Hugo DEMENEZ" userId="167f3b24-aa49-4d1b-b001-4f9180dfa13d" providerId="ADAL" clId="{DB6A8ECF-B9FA-4FA8-839B-D9B55B3C70EB}" dt="2021-06-25T12:47:02.693" v="690" actId="1076"/>
           <ac:spMkLst>
             <pc:docMk/>
             <pc:sldMk cId="1841864826" sldId="259"/>
@@ -335,7 +364,7 @@
           </ac:spMkLst>
         </pc:spChg>
         <pc:spChg chg="mod topLvl">
-          <ac:chgData name="Hugo DEMENEZ" userId="167f3b24-aa49-4d1b-b001-4f9180dfa13d" providerId="ADAL" clId="{DB6A8ECF-B9FA-4FA8-839B-D9B55B3C70EB}" dt="2021-06-24T11:51:39.019" v="475" actId="1076"/>
+          <ac:chgData name="Hugo DEMENEZ" userId="167f3b24-aa49-4d1b-b001-4f9180dfa13d" providerId="ADAL" clId="{DB6A8ECF-B9FA-4FA8-839B-D9B55B3C70EB}" dt="2021-06-25T12:47:02.693" v="690" actId="1076"/>
           <ac:spMkLst>
             <pc:docMk/>
             <pc:sldMk cId="1841864826" sldId="259"/>
@@ -351,15 +380,15 @@
           </ac:spMkLst>
         </pc:spChg>
         <pc:spChg chg="mod topLvl">
-          <ac:chgData name="Hugo DEMENEZ" userId="167f3b24-aa49-4d1b-b001-4f9180dfa13d" providerId="ADAL" clId="{DB6A8ECF-B9FA-4FA8-839B-D9B55B3C70EB}" dt="2021-06-24T11:52:15.381" v="483" actId="1035"/>
+          <ac:chgData name="Hugo DEMENEZ" userId="167f3b24-aa49-4d1b-b001-4f9180dfa13d" providerId="ADAL" clId="{DB6A8ECF-B9FA-4FA8-839B-D9B55B3C70EB}" dt="2021-06-25T12:47:23.766" v="695" actId="207"/>
           <ac:spMkLst>
             <pc:docMk/>
             <pc:sldMk cId="1841864826" sldId="259"/>
             <ac:spMk id="12" creationId="{E4BB1FD7-D8F1-4ACA-B1F7-28A4318C4416}"/>
           </ac:spMkLst>
         </pc:spChg>
-        <pc:spChg chg="add mod">
-          <ac:chgData name="Hugo DEMENEZ" userId="167f3b24-aa49-4d1b-b001-4f9180dfa13d" providerId="ADAL" clId="{DB6A8ECF-B9FA-4FA8-839B-D9B55B3C70EB}" dt="2021-06-24T11:52:05" v="479" actId="1076"/>
+        <pc:spChg chg="add mod topLvl">
+          <ac:chgData name="Hugo DEMENEZ" userId="167f3b24-aa49-4d1b-b001-4f9180dfa13d" providerId="ADAL" clId="{DB6A8ECF-B9FA-4FA8-839B-D9B55B3C70EB}" dt="2021-06-25T12:47:02.693" v="690" actId="1076"/>
           <ac:spMkLst>
             <pc:docMk/>
             <pc:sldMk cId="1841864826" sldId="259"/>
@@ -367,6 +396,14 @@
           </ac:spMkLst>
         </pc:spChg>
         <pc:spChg chg="add mod">
+          <ac:chgData name="Hugo DEMENEZ" userId="167f3b24-aa49-4d1b-b001-4f9180dfa13d" providerId="ADAL" clId="{DB6A8ECF-B9FA-4FA8-839B-D9B55B3C70EB}" dt="2021-06-25T12:47:02.693" v="690" actId="1076"/>
+          <ac:spMkLst>
+            <pc:docMk/>
+            <pc:sldMk cId="1841864826" sldId="259"/>
+            <ac:spMk id="16" creationId="{17284F2A-380B-47C5-8E35-43E16DBB1546}"/>
+          </ac:spMkLst>
+        </pc:spChg>
+        <pc:spChg chg="add mod">
           <ac:chgData name="Hugo DEMENEZ" userId="167f3b24-aa49-4d1b-b001-4f9180dfa13d" providerId="ADAL" clId="{DB6A8ECF-B9FA-4FA8-839B-D9B55B3C70EB}" dt="2021-06-23T11:40:45.411" v="147" actId="164"/>
           <ac:spMkLst>
             <pc:docMk/>
@@ -374,6 +411,14 @@
             <ac:spMk id="19" creationId="{B6FAD356-836F-43F7-BD03-51DC87C2A94F}"/>
           </ac:spMkLst>
         </pc:spChg>
+        <pc:grpChg chg="add del mod">
+          <ac:chgData name="Hugo DEMENEZ" userId="167f3b24-aa49-4d1b-b001-4f9180dfa13d" providerId="ADAL" clId="{DB6A8ECF-B9FA-4FA8-839B-D9B55B3C70EB}" dt="2021-06-25T12:44:36.551" v="674" actId="165"/>
+          <ac:grpSpMkLst>
+            <pc:docMk/>
+            <pc:sldMk cId="1841864826" sldId="259"/>
+            <ac:grpSpMk id="6" creationId="{36270D1D-5562-4827-9896-2C9FBBA054D7}"/>
+          </ac:grpSpMkLst>
+        </pc:grpChg>
         <pc:grpChg chg="add del mod">
           <ac:chgData name="Hugo DEMENEZ" userId="167f3b24-aa49-4d1b-b001-4f9180dfa13d" providerId="ADAL" clId="{DB6A8ECF-B9FA-4FA8-839B-D9B55B3C70EB}" dt="2021-06-24T11:50:30.427" v="466" actId="165"/>
           <ac:grpSpMkLst>
@@ -415,7 +460,7 @@
           </ac:cxnSpMkLst>
         </pc:cxnChg>
         <pc:cxnChg chg="mod topLvl">
-          <ac:chgData name="Hugo DEMENEZ" userId="167f3b24-aa49-4d1b-b001-4f9180dfa13d" providerId="ADAL" clId="{DB6A8ECF-B9FA-4FA8-839B-D9B55B3C70EB}" dt="2021-06-24T11:52:25.872" v="484" actId="1076"/>
+          <ac:chgData name="Hugo DEMENEZ" userId="167f3b24-aa49-4d1b-b001-4f9180dfa13d" providerId="ADAL" clId="{DB6A8ECF-B9FA-4FA8-839B-D9B55B3C70EB}" dt="2021-06-25T12:47:02.693" v="690" actId="1076"/>
           <ac:cxnSpMkLst>
             <pc:docMk/>
             <pc:sldMk cId="1841864826" sldId="259"/>
@@ -431,7 +476,7 @@
           </ac:cxnSpMkLst>
         </pc:cxnChg>
         <pc:cxnChg chg="mod topLvl">
-          <ac:chgData name="Hugo DEMENEZ" userId="167f3b24-aa49-4d1b-b001-4f9180dfa13d" providerId="ADAL" clId="{DB6A8ECF-B9FA-4FA8-839B-D9B55B3C70EB}" dt="2021-06-24T11:52:25.872" v="484" actId="1076"/>
+          <ac:chgData name="Hugo DEMENEZ" userId="167f3b24-aa49-4d1b-b001-4f9180dfa13d" providerId="ADAL" clId="{DB6A8ECF-B9FA-4FA8-839B-D9B55B3C70EB}" dt="2021-06-25T12:47:02.693" v="690" actId="1076"/>
           <ac:cxnSpMkLst>
             <pc:docMk/>
             <pc:sldMk cId="1841864826" sldId="259"/>
@@ -447,15 +492,15 @@
           </ac:cxnSpMkLst>
         </pc:cxnChg>
         <pc:cxnChg chg="mod topLvl">
-          <ac:chgData name="Hugo DEMENEZ" userId="167f3b24-aa49-4d1b-b001-4f9180dfa13d" providerId="ADAL" clId="{DB6A8ECF-B9FA-4FA8-839B-D9B55B3C70EB}" dt="2021-06-24T11:52:15.381" v="483" actId="1035"/>
+          <ac:chgData name="Hugo DEMENEZ" userId="167f3b24-aa49-4d1b-b001-4f9180dfa13d" providerId="ADAL" clId="{DB6A8ECF-B9FA-4FA8-839B-D9B55B3C70EB}" dt="2021-06-25T12:47:02.693" v="690" actId="1076"/>
           <ac:cxnSpMkLst>
             <pc:docMk/>
             <pc:sldMk cId="1841864826" sldId="259"/>
             <ac:cxnSpMk id="13" creationId="{8B23DE0E-CF67-46B8-984A-E21B1FFEC40A}"/>
           </ac:cxnSpMkLst>
         </pc:cxnChg>
-        <pc:cxnChg chg="add mod">
-          <ac:chgData name="Hugo DEMENEZ" userId="167f3b24-aa49-4d1b-b001-4f9180dfa13d" providerId="ADAL" clId="{DB6A8ECF-B9FA-4FA8-839B-D9B55B3C70EB}" dt="2021-06-24T11:52:05" v="479" actId="1076"/>
+        <pc:cxnChg chg="add mod topLvl">
+          <ac:chgData name="Hugo DEMENEZ" userId="167f3b24-aa49-4d1b-b001-4f9180dfa13d" providerId="ADAL" clId="{DB6A8ECF-B9FA-4FA8-839B-D9B55B3C70EB}" dt="2021-06-25T12:47:02.693" v="690" actId="1076"/>
           <ac:cxnSpMkLst>
             <pc:docMk/>
             <pc:sldMk cId="1841864826" sldId="259"/>
@@ -470,13 +515,45 @@
             <ac:cxnSpMk id="20" creationId="{D06F2670-D309-4CA6-9856-2EA3ADA7C1EE}"/>
           </ac:cxnSpMkLst>
         </pc:cxnChg>
+        <pc:cxnChg chg="add mod">
+          <ac:chgData name="Hugo DEMENEZ" userId="167f3b24-aa49-4d1b-b001-4f9180dfa13d" providerId="ADAL" clId="{DB6A8ECF-B9FA-4FA8-839B-D9B55B3C70EB}" dt="2021-06-25T12:47:15.651" v="693" actId="14100"/>
+          <ac:cxnSpMkLst>
+            <pc:docMk/>
+            <pc:sldMk cId="1841864826" sldId="259"/>
+            <ac:cxnSpMk id="30" creationId="{73EE2F3F-FF5E-4E0C-B59D-FF0F67A6AC02}"/>
+          </ac:cxnSpMkLst>
+        </pc:cxnChg>
       </pc:sldChg>
-      <pc:sldChg chg="addSp delSp modSp new mod">
-        <pc:chgData name="Hugo DEMENEZ" userId="167f3b24-aa49-4d1b-b001-4f9180dfa13d" providerId="ADAL" clId="{DB6A8ECF-B9FA-4FA8-839B-D9B55B3C70EB}" dt="2021-06-24T11:52:55.922" v="497" actId="478"/>
+      <pc:sldChg chg="addSp delSp modSp new mod ord">
+        <pc:chgData name="Hugo DEMENEZ" userId="167f3b24-aa49-4d1b-b001-4f9180dfa13d" providerId="ADAL" clId="{DB6A8ECF-B9FA-4FA8-839B-D9B55B3C70EB}" dt="2021-06-25T12:57:58.994" v="763" actId="20577"/>
         <pc:sldMkLst>
           <pc:docMk/>
           <pc:sldMk cId="1379568114" sldId="260"/>
         </pc:sldMkLst>
+        <pc:spChg chg="mod">
+          <ac:chgData name="Hugo DEMENEZ" userId="167f3b24-aa49-4d1b-b001-4f9180dfa13d" providerId="ADAL" clId="{DB6A8ECF-B9FA-4FA8-839B-D9B55B3C70EB}" dt="2021-06-25T12:52:14.835" v="738" actId="242"/>
+          <ac:spMkLst>
+            <pc:docMk/>
+            <pc:sldMk cId="1379568114" sldId="260"/>
+            <ac:spMk id="3" creationId="{284F65AD-876C-4B39-A2AC-2474F5B68FBD}"/>
+          </ac:spMkLst>
+        </pc:spChg>
+        <pc:spChg chg="mod">
+          <ac:chgData name="Hugo DEMENEZ" userId="167f3b24-aa49-4d1b-b001-4f9180dfa13d" providerId="ADAL" clId="{DB6A8ECF-B9FA-4FA8-839B-D9B55B3C70EB}" dt="2021-06-25T12:57:58.994" v="763" actId="20577"/>
+          <ac:spMkLst>
+            <pc:docMk/>
+            <pc:sldMk cId="1379568114" sldId="260"/>
+            <ac:spMk id="4" creationId="{4CFCDA8B-54EE-4C55-80EF-0DA312F66AFD}"/>
+          </ac:spMkLst>
+        </pc:spChg>
+        <pc:spChg chg="add del">
+          <ac:chgData name="Hugo DEMENEZ" userId="167f3b24-aa49-4d1b-b001-4f9180dfa13d" providerId="ADAL" clId="{DB6A8ECF-B9FA-4FA8-839B-D9B55B3C70EB}" dt="2021-06-25T12:40:19.522" v="576" actId="22"/>
+          <ac:spMkLst>
+            <pc:docMk/>
+            <pc:sldMk cId="1379568114" sldId="260"/>
+            <ac:spMk id="7" creationId="{A6DB26F9-98AB-4A22-A5D7-546088BBBA7B}"/>
+          </ac:spMkLst>
+        </pc:spChg>
         <pc:spChg chg="del mod topLvl">
           <ac:chgData name="Hugo DEMENEZ" userId="167f3b24-aa49-4d1b-b001-4f9180dfa13d" providerId="ADAL" clId="{DB6A8ECF-B9FA-4FA8-839B-D9B55B3C70EB}" dt="2021-06-24T11:52:54.632" v="495" actId="478"/>
           <ac:spMkLst>
@@ -493,12 +570,28 @@
             <ac:spMk id="8" creationId="{9DCDE70B-7E07-44CC-88A4-23C8E9D147D6}"/>
           </ac:spMkLst>
         </pc:spChg>
+        <pc:spChg chg="mod">
+          <ac:chgData name="Hugo DEMENEZ" userId="167f3b24-aa49-4d1b-b001-4f9180dfa13d" providerId="ADAL" clId="{DB6A8ECF-B9FA-4FA8-839B-D9B55B3C70EB}" dt="2021-06-25T12:40:24.312" v="577"/>
+          <ac:spMkLst>
+            <pc:docMk/>
+            <pc:sldMk cId="1379568114" sldId="260"/>
+            <ac:spMk id="9" creationId="{4259C38A-A147-4CAF-B5B6-0291607A656D}"/>
+          </ac:spMkLst>
+        </pc:spChg>
         <pc:spChg chg="del mod topLvl">
           <ac:chgData name="Hugo DEMENEZ" userId="167f3b24-aa49-4d1b-b001-4f9180dfa13d" providerId="ADAL" clId="{DB6A8ECF-B9FA-4FA8-839B-D9B55B3C70EB}" dt="2021-06-24T11:52:50.665" v="490" actId="478"/>
           <ac:spMkLst>
             <pc:docMk/>
             <pc:sldMk cId="1379568114" sldId="260"/>
             <ac:spMk id="10" creationId="{72CF9B13-0F3E-46C5-9B07-623BC898481D}"/>
+          </ac:spMkLst>
+        </pc:spChg>
+        <pc:spChg chg="mod">
+          <ac:chgData name="Hugo DEMENEZ" userId="167f3b24-aa49-4d1b-b001-4f9180dfa13d" providerId="ADAL" clId="{DB6A8ECF-B9FA-4FA8-839B-D9B55B3C70EB}" dt="2021-06-25T12:40:24.312" v="577"/>
+          <ac:spMkLst>
+            <pc:docMk/>
+            <pc:sldMk cId="1379568114" sldId="260"/>
+            <ac:spMk id="10" creationId="{C67C33C3-25E6-4A80-A08E-C7E5F96ABD7B}"/>
           </ac:spMkLst>
         </pc:spChg>
         <pc:spChg chg="del mod topLvl">
@@ -509,12 +602,36 @@
             <ac:spMk id="12" creationId="{15C911B3-72D0-4937-9145-387640E269B5}"/>
           </ac:spMkLst>
         </pc:spChg>
+        <pc:spChg chg="mod">
+          <ac:chgData name="Hugo DEMENEZ" userId="167f3b24-aa49-4d1b-b001-4f9180dfa13d" providerId="ADAL" clId="{DB6A8ECF-B9FA-4FA8-839B-D9B55B3C70EB}" dt="2021-06-25T12:40:24.312" v="577"/>
+          <ac:spMkLst>
+            <pc:docMk/>
+            <pc:sldMk cId="1379568114" sldId="260"/>
+            <ac:spMk id="12" creationId="{EEF85495-05FF-44D8-B9BE-3EF2870CF58D}"/>
+          </ac:spMkLst>
+        </pc:spChg>
+        <pc:spChg chg="del mod">
+          <ac:chgData name="Hugo DEMENEZ" userId="167f3b24-aa49-4d1b-b001-4f9180dfa13d" providerId="ADAL" clId="{DB6A8ECF-B9FA-4FA8-839B-D9B55B3C70EB}" dt="2021-06-25T12:47:41.726" v="697" actId="478"/>
+          <ac:spMkLst>
+            <pc:docMk/>
+            <pc:sldMk cId="1379568114" sldId="260"/>
+            <ac:spMk id="14" creationId="{76BED5C4-3EEE-4771-B71D-8EEFCF4A9CD7}"/>
+          </ac:spMkLst>
+        </pc:spChg>
         <pc:spChg chg="add del mod">
           <ac:chgData name="Hugo DEMENEZ" userId="167f3b24-aa49-4d1b-b001-4f9180dfa13d" providerId="ADAL" clId="{DB6A8ECF-B9FA-4FA8-839B-D9B55B3C70EB}" dt="2021-06-24T11:52:48.848" v="488" actId="478"/>
           <ac:spMkLst>
             <pc:docMk/>
             <pc:sldMk cId="1379568114" sldId="260"/>
             <ac:spMk id="14" creationId="{8790F392-9220-42FE-BB0C-581E9BE069FF}"/>
+          </ac:spMkLst>
+        </pc:spChg>
+        <pc:spChg chg="mod">
+          <ac:chgData name="Hugo DEMENEZ" userId="167f3b24-aa49-4d1b-b001-4f9180dfa13d" providerId="ADAL" clId="{DB6A8ECF-B9FA-4FA8-839B-D9B55B3C70EB}" dt="2021-06-25T12:40:24.312" v="577"/>
+          <ac:spMkLst>
+            <pc:docMk/>
+            <pc:sldMk cId="1379568114" sldId="260"/>
+            <ac:spMk id="16" creationId="{433B56BB-E095-4B51-AC3C-AC5A1F181A10}"/>
           </ac:spMkLst>
         </pc:spChg>
         <pc:grpChg chg="add del mod">
@@ -525,12 +642,28 @@
             <ac:grpSpMk id="6" creationId="{F61704F9-0030-4A5B-B478-82891ABADAED}"/>
           </ac:grpSpMkLst>
         </pc:grpChg>
+        <pc:grpChg chg="add del mod">
+          <ac:chgData name="Hugo DEMENEZ" userId="167f3b24-aa49-4d1b-b001-4f9180dfa13d" providerId="ADAL" clId="{DB6A8ECF-B9FA-4FA8-839B-D9B55B3C70EB}" dt="2021-06-25T12:47:42.488" v="698" actId="478"/>
+          <ac:grpSpMkLst>
+            <pc:docMk/>
+            <pc:sldMk cId="1379568114" sldId="260"/>
+            <ac:grpSpMk id="8" creationId="{F5DF44CF-37AB-4881-A2AD-4D1EFA3B5439}"/>
+          </ac:grpSpMkLst>
+        </pc:grpChg>
         <pc:cxnChg chg="del mod topLvl">
           <ac:chgData name="Hugo DEMENEZ" userId="167f3b24-aa49-4d1b-b001-4f9180dfa13d" providerId="ADAL" clId="{DB6A8ECF-B9FA-4FA8-839B-D9B55B3C70EB}" dt="2021-06-24T11:52:53.361" v="494" actId="478"/>
           <ac:cxnSpMkLst>
             <pc:docMk/>
             <pc:sldMk cId="1379568114" sldId="260"/>
             <ac:cxnSpMk id="9" creationId="{D6BCAB0A-3EAE-4607-9F60-D60E8BE67FAE}"/>
+          </ac:cxnSpMkLst>
+        </pc:cxnChg>
+        <pc:cxnChg chg="mod">
+          <ac:chgData name="Hugo DEMENEZ" userId="167f3b24-aa49-4d1b-b001-4f9180dfa13d" providerId="ADAL" clId="{DB6A8ECF-B9FA-4FA8-839B-D9B55B3C70EB}" dt="2021-06-25T12:47:42.488" v="698" actId="478"/>
+          <ac:cxnSpMkLst>
+            <pc:docMk/>
+            <pc:sldMk cId="1379568114" sldId="260"/>
+            <ac:cxnSpMk id="11" creationId="{BBE5DF25-AC10-4132-8888-E0E0160F4B4F}"/>
           </ac:cxnSpMkLst>
         </pc:cxnChg>
         <pc:cxnChg chg="del mod topLvl">
@@ -539,6 +672,14 @@
             <pc:docMk/>
             <pc:sldMk cId="1379568114" sldId="260"/>
             <ac:cxnSpMk id="11" creationId="{CF91AF7E-F9E6-4953-A799-A2FF7BBC05F2}"/>
+          </ac:cxnSpMkLst>
+        </pc:cxnChg>
+        <pc:cxnChg chg="mod">
+          <ac:chgData name="Hugo DEMENEZ" userId="167f3b24-aa49-4d1b-b001-4f9180dfa13d" providerId="ADAL" clId="{DB6A8ECF-B9FA-4FA8-839B-D9B55B3C70EB}" dt="2021-06-25T12:47:42.488" v="698" actId="478"/>
+          <ac:cxnSpMkLst>
+            <pc:docMk/>
+            <pc:sldMk cId="1379568114" sldId="260"/>
+            <ac:cxnSpMk id="13" creationId="{0DAA1C2C-23FA-4609-9ED0-22264847AA67}"/>
           </ac:cxnSpMkLst>
         </pc:cxnChg>
         <pc:cxnChg chg="del mod topLvl">
@@ -557,13 +698,45 @@
             <ac:cxnSpMk id="15" creationId="{6890C32F-E06C-4F9F-A17A-45B3FEC3D03A}"/>
           </ac:cxnSpMkLst>
         </pc:cxnChg>
+        <pc:cxnChg chg="mod">
+          <ac:chgData name="Hugo DEMENEZ" userId="167f3b24-aa49-4d1b-b001-4f9180dfa13d" providerId="ADAL" clId="{DB6A8ECF-B9FA-4FA8-839B-D9B55B3C70EB}" dt="2021-06-25T12:47:42.488" v="698" actId="478"/>
+          <ac:cxnSpMkLst>
+            <pc:docMk/>
+            <pc:sldMk cId="1379568114" sldId="260"/>
+            <ac:cxnSpMk id="15" creationId="{80208922-7079-401F-BA8A-232A952DBC16}"/>
+          </ac:cxnSpMkLst>
+        </pc:cxnChg>
+        <pc:cxnChg chg="mod">
+          <ac:chgData name="Hugo DEMENEZ" userId="167f3b24-aa49-4d1b-b001-4f9180dfa13d" providerId="ADAL" clId="{DB6A8ECF-B9FA-4FA8-839B-D9B55B3C70EB}" dt="2021-06-25T12:47:42.488" v="698" actId="478"/>
+          <ac:cxnSpMkLst>
+            <pc:docMk/>
+            <pc:sldMk cId="1379568114" sldId="260"/>
+            <ac:cxnSpMk id="17" creationId="{A5A40DC8-3B3A-4AE8-B5BA-A53A37443E3C}"/>
+          </ac:cxnSpMkLst>
+        </pc:cxnChg>
       </pc:sldChg>
-      <pc:sldChg chg="addSp delSp modSp new mod">
-        <pc:chgData name="Hugo DEMENEZ" userId="167f3b24-aa49-4d1b-b001-4f9180dfa13d" providerId="ADAL" clId="{DB6A8ECF-B9FA-4FA8-839B-D9B55B3C70EB}" dt="2021-06-24T11:53:32.669" v="508" actId="478"/>
+      <pc:sldChg chg="addSp delSp modSp new mod ord">
+        <pc:chgData name="Hugo DEMENEZ" userId="167f3b24-aa49-4d1b-b001-4f9180dfa13d" providerId="ADAL" clId="{DB6A8ECF-B9FA-4FA8-839B-D9B55B3C70EB}" dt="2021-06-25T13:01:54.445" v="787" actId="1076"/>
         <pc:sldMkLst>
           <pc:docMk/>
           <pc:sldMk cId="3028807577" sldId="261"/>
         </pc:sldMkLst>
+        <pc:spChg chg="del">
+          <ac:chgData name="Hugo DEMENEZ" userId="167f3b24-aa49-4d1b-b001-4f9180dfa13d" providerId="ADAL" clId="{DB6A8ECF-B9FA-4FA8-839B-D9B55B3C70EB}" dt="2021-06-25T12:54:24.884" v="739"/>
+          <ac:spMkLst>
+            <pc:docMk/>
+            <pc:sldMk cId="3028807577" sldId="261"/>
+            <ac:spMk id="3" creationId="{1924C19D-2277-4EE6-BE20-FB4D88637296}"/>
+          </ac:spMkLst>
+        </pc:spChg>
+        <pc:spChg chg="mod">
+          <ac:chgData name="Hugo DEMENEZ" userId="167f3b24-aa49-4d1b-b001-4f9180dfa13d" providerId="ADAL" clId="{DB6A8ECF-B9FA-4FA8-839B-D9B55B3C70EB}" dt="2021-06-25T12:57:55.249" v="761" actId="20577"/>
+          <ac:spMkLst>
+            <pc:docMk/>
+            <pc:sldMk cId="3028807577" sldId="261"/>
+            <ac:spMk id="4" creationId="{CA539AFF-C216-4F49-AA33-93698282E4F9}"/>
+          </ac:spMkLst>
+        </pc:spChg>
         <pc:spChg chg="del mod topLvl">
           <ac:chgData name="Hugo DEMENEZ" userId="167f3b24-aa49-4d1b-b001-4f9180dfa13d" providerId="ADAL" clId="{DB6A8ECF-B9FA-4FA8-839B-D9B55B3C70EB}" dt="2021-06-24T11:53:30.629" v="505" actId="478"/>
           <ac:spMkLst>
@@ -588,6 +761,14 @@
             <ac:spMk id="10" creationId="{60E9FD1A-5754-4EB3-998D-0BBFA640E033}"/>
           </ac:spMkLst>
         </pc:spChg>
+        <pc:spChg chg="add del mod">
+          <ac:chgData name="Hugo DEMENEZ" userId="167f3b24-aa49-4d1b-b001-4f9180dfa13d" providerId="ADAL" clId="{DB6A8ECF-B9FA-4FA8-839B-D9B55B3C70EB}" dt="2021-06-25T12:55:30.007" v="747" actId="478"/>
+          <ac:spMkLst>
+            <pc:docMk/>
+            <pc:sldMk cId="3028807577" sldId="261"/>
+            <ac:spMk id="11" creationId="{256A31CB-6C0A-47B9-AC20-E8AE0C7157A8}"/>
+          </ac:spMkLst>
+        </pc:spChg>
         <pc:spChg chg="del mod topLvl">
           <ac:chgData name="Hugo DEMENEZ" userId="167f3b24-aa49-4d1b-b001-4f9180dfa13d" providerId="ADAL" clId="{DB6A8ECF-B9FA-4FA8-839B-D9B55B3C70EB}" dt="2021-06-24T11:53:32.669" v="508" actId="478"/>
           <ac:spMkLst>
@@ -612,6 +793,54 @@
             <ac:grpSpMk id="6" creationId="{3EA7828C-BA3C-43D7-BFAC-E7DDC13FB366}"/>
           </ac:grpSpMkLst>
         </pc:grpChg>
+        <pc:picChg chg="add del mod">
+          <ac:chgData name="Hugo DEMENEZ" userId="167f3b24-aa49-4d1b-b001-4f9180dfa13d" providerId="ADAL" clId="{DB6A8ECF-B9FA-4FA8-839B-D9B55B3C70EB}" dt="2021-06-25T12:55:26.732" v="746" actId="478"/>
+          <ac:picMkLst>
+            <pc:docMk/>
+            <pc:sldMk cId="3028807577" sldId="261"/>
+            <ac:picMk id="7" creationId="{230E3855-3826-4DF0-83C0-6AE8116F4818}"/>
+          </ac:picMkLst>
+        </pc:picChg>
+        <pc:picChg chg="add del mod">
+          <ac:chgData name="Hugo DEMENEZ" userId="167f3b24-aa49-4d1b-b001-4f9180dfa13d" providerId="ADAL" clId="{DB6A8ECF-B9FA-4FA8-839B-D9B55B3C70EB}" dt="2021-06-25T13:00:36.451" v="774" actId="478"/>
+          <ac:picMkLst>
+            <pc:docMk/>
+            <pc:sldMk cId="3028807577" sldId="261"/>
+            <ac:picMk id="9" creationId="{963339B9-5ED6-444B-97B9-F4C3FE50ECEA}"/>
+          </ac:picMkLst>
+        </pc:picChg>
+        <pc:picChg chg="add del mod">
+          <ac:chgData name="Hugo DEMENEZ" userId="167f3b24-aa49-4d1b-b001-4f9180dfa13d" providerId="ADAL" clId="{DB6A8ECF-B9FA-4FA8-839B-D9B55B3C70EB}" dt="2021-06-25T13:00:08.583" v="771" actId="478"/>
+          <ac:picMkLst>
+            <pc:docMk/>
+            <pc:sldMk cId="3028807577" sldId="261"/>
+            <ac:picMk id="13" creationId="{72738060-C4BD-415D-BBA3-B40988DECA4B}"/>
+          </ac:picMkLst>
+        </pc:picChg>
+        <pc:picChg chg="add del mod">
+          <ac:chgData name="Hugo DEMENEZ" userId="167f3b24-aa49-4d1b-b001-4f9180dfa13d" providerId="ADAL" clId="{DB6A8ECF-B9FA-4FA8-839B-D9B55B3C70EB}" dt="2021-06-25T13:01:41.707" v="783" actId="478"/>
+          <ac:picMkLst>
+            <pc:docMk/>
+            <pc:sldMk cId="3028807577" sldId="261"/>
+            <ac:picMk id="15" creationId="{7C912BBF-A236-4BA7-AA53-DB19930B4F06}"/>
+          </ac:picMkLst>
+        </pc:picChg>
+        <pc:picChg chg="add del mod">
+          <ac:chgData name="Hugo DEMENEZ" userId="167f3b24-aa49-4d1b-b001-4f9180dfa13d" providerId="ADAL" clId="{DB6A8ECF-B9FA-4FA8-839B-D9B55B3C70EB}" dt="2021-06-25T13:01:39.890" v="782" actId="478"/>
+          <ac:picMkLst>
+            <pc:docMk/>
+            <pc:sldMk cId="3028807577" sldId="261"/>
+            <ac:picMk id="17" creationId="{F3539919-1224-455B-832E-31E5F5C65A9F}"/>
+          </ac:picMkLst>
+        </pc:picChg>
+        <pc:picChg chg="add mod">
+          <ac:chgData name="Hugo DEMENEZ" userId="167f3b24-aa49-4d1b-b001-4f9180dfa13d" providerId="ADAL" clId="{DB6A8ECF-B9FA-4FA8-839B-D9B55B3C70EB}" dt="2021-06-25T13:01:54.445" v="787" actId="1076"/>
+          <ac:picMkLst>
+            <pc:docMk/>
+            <pc:sldMk cId="3028807577" sldId="261"/>
+            <ac:picMk id="19" creationId="{DF7AE595-FC89-4DFA-9F92-DA40E1B5F31D}"/>
+          </ac:picMkLst>
+        </pc:picChg>
         <pc:cxnChg chg="del mod topLvl">
           <ac:chgData name="Hugo DEMENEZ" userId="167f3b24-aa49-4d1b-b001-4f9180dfa13d" providerId="ADAL" clId="{DB6A8ECF-B9FA-4FA8-839B-D9B55B3C70EB}" dt="2021-06-24T11:53:30.086" v="504" actId="478"/>
           <ac:cxnSpMkLst>
@@ -653,12 +882,36 @@
           </ac:cxnSpMkLst>
         </pc:cxnChg>
       </pc:sldChg>
-      <pc:sldChg chg="addSp delSp modSp new mod">
-        <pc:chgData name="Hugo DEMENEZ" userId="167f3b24-aa49-4d1b-b001-4f9180dfa13d" providerId="ADAL" clId="{DB6A8ECF-B9FA-4FA8-839B-D9B55B3C70EB}" dt="2021-06-24T11:53:42.575" v="518" actId="478"/>
+      <pc:sldChg chg="addSp delSp modSp new mod ord">
+        <pc:chgData name="Hugo DEMENEZ" userId="167f3b24-aa49-4d1b-b001-4f9180dfa13d" providerId="ADAL" clId="{DB6A8ECF-B9FA-4FA8-839B-D9B55B3C70EB}" dt="2021-06-25T12:58:01.145" v="764" actId="20577"/>
         <pc:sldMkLst>
           <pc:docMk/>
           <pc:sldMk cId="3726656491" sldId="262"/>
         </pc:sldMkLst>
+        <pc:spChg chg="mod">
+          <ac:chgData name="Hugo DEMENEZ" userId="167f3b24-aa49-4d1b-b001-4f9180dfa13d" providerId="ADAL" clId="{DB6A8ECF-B9FA-4FA8-839B-D9B55B3C70EB}" dt="2021-06-25T12:36:26.569" v="525" actId="27636"/>
+          <ac:spMkLst>
+            <pc:docMk/>
+            <pc:sldMk cId="3726656491" sldId="262"/>
+            <ac:spMk id="2" creationId="{971A57CA-D00E-4510-B3FB-3649C5DEDBAA}"/>
+          </ac:spMkLst>
+        </pc:spChg>
+        <pc:spChg chg="mod">
+          <ac:chgData name="Hugo DEMENEZ" userId="167f3b24-aa49-4d1b-b001-4f9180dfa13d" providerId="ADAL" clId="{DB6A8ECF-B9FA-4FA8-839B-D9B55B3C70EB}" dt="2021-06-25T12:48:58.110" v="704" actId="207"/>
+          <ac:spMkLst>
+            <pc:docMk/>
+            <pc:sldMk cId="3726656491" sldId="262"/>
+            <ac:spMk id="3" creationId="{23660972-0F95-4D6E-AB4F-22BC004DEC03}"/>
+          </ac:spMkLst>
+        </pc:spChg>
+        <pc:spChg chg="mod">
+          <ac:chgData name="Hugo DEMENEZ" userId="167f3b24-aa49-4d1b-b001-4f9180dfa13d" providerId="ADAL" clId="{DB6A8ECF-B9FA-4FA8-839B-D9B55B3C70EB}" dt="2021-06-25T12:58:01.145" v="764" actId="20577"/>
+          <ac:spMkLst>
+            <pc:docMk/>
+            <pc:sldMk cId="3726656491" sldId="262"/>
+            <ac:spMk id="4" creationId="{F7546FD0-3463-42F1-B59A-856CB303514C}"/>
+          </ac:spMkLst>
+        </pc:spChg>
         <pc:spChg chg="del mod topLvl">
           <ac:chgData name="Hugo DEMENEZ" userId="167f3b24-aa49-4d1b-b001-4f9180dfa13d" providerId="ADAL" clId="{DB6A8ECF-B9FA-4FA8-839B-D9B55B3C70EB}" dt="2021-06-24T11:53:37.718" v="511" actId="478"/>
           <ac:spMkLst>
@@ -764,12 +1017,20 @@
           </ac:cxnSpMkLst>
         </pc:cxnChg>
       </pc:sldChg>
-      <pc:sldChg chg="addSp delSp modSp new mod">
-        <pc:chgData name="Hugo DEMENEZ" userId="167f3b24-aa49-4d1b-b001-4f9180dfa13d" providerId="ADAL" clId="{DB6A8ECF-B9FA-4FA8-839B-D9B55B3C70EB}" dt="2021-06-24T11:53:44.856" v="519" actId="478"/>
+      <pc:sldChg chg="addSp delSp modSp new mod ord">
+        <pc:chgData name="Hugo DEMENEZ" userId="167f3b24-aa49-4d1b-b001-4f9180dfa13d" providerId="ADAL" clId="{DB6A8ECF-B9FA-4FA8-839B-D9B55B3C70EB}" dt="2021-06-25T12:58:02.961" v="765" actId="20577"/>
         <pc:sldMkLst>
           <pc:docMk/>
           <pc:sldMk cId="2307786320" sldId="263"/>
         </pc:sldMkLst>
+        <pc:spChg chg="mod">
+          <ac:chgData name="Hugo DEMENEZ" userId="167f3b24-aa49-4d1b-b001-4f9180dfa13d" providerId="ADAL" clId="{DB6A8ECF-B9FA-4FA8-839B-D9B55B3C70EB}" dt="2021-06-25T12:58:02.961" v="765" actId="20577"/>
+          <ac:spMkLst>
+            <pc:docMk/>
+            <pc:sldMk cId="2307786320" sldId="263"/>
+            <ac:spMk id="4" creationId="{1181ECC1-3D68-4FAF-ACC0-932CA2D6FFCC}"/>
+          </ac:spMkLst>
+        </pc:spChg>
         <pc:spChg chg="mod topLvl">
           <ac:chgData name="Hugo DEMENEZ" userId="167f3b24-aa49-4d1b-b001-4f9180dfa13d" providerId="ADAL" clId="{DB6A8ECF-B9FA-4FA8-839B-D9B55B3C70EB}" dt="2021-06-24T11:46:44.626" v="396" actId="164"/>
           <ac:spMkLst>
@@ -826,6 +1087,14 @@
             <ac:grpSpMk id="19" creationId="{31E92012-CACA-4843-92B4-F7123C0EBBBC}"/>
           </ac:grpSpMkLst>
         </pc:grpChg>
+        <pc:picChg chg="del">
+          <ac:chgData name="Hugo DEMENEZ" userId="167f3b24-aa49-4d1b-b001-4f9180dfa13d" providerId="ADAL" clId="{DB6A8ECF-B9FA-4FA8-839B-D9B55B3C70EB}" dt="2021-06-25T12:36:33.954" v="526" actId="478"/>
+          <ac:picMkLst>
+            <pc:docMk/>
+            <pc:sldMk cId="2307786320" sldId="263"/>
+            <ac:picMk id="6" creationId="{F4703B74-42FC-464C-B96B-DD21331747BD}"/>
+          </ac:picMkLst>
+        </pc:picChg>
         <pc:cxnChg chg="mod topLvl">
           <ac:chgData name="Hugo DEMENEZ" userId="167f3b24-aa49-4d1b-b001-4f9180dfa13d" providerId="ADAL" clId="{DB6A8ECF-B9FA-4FA8-839B-D9B55B3C70EB}" dt="2021-06-24T11:53:44.856" v="519" actId="478"/>
           <ac:cxnSpMkLst>
@@ -859,8 +1128,109 @@
           </ac:cxnSpMkLst>
         </pc:cxnChg>
       </pc:sldChg>
-      <pc:sldMasterChg chg="addSp delSp modSp mod modSldLayout">
-        <pc:chgData name="Hugo DEMENEZ" userId="167f3b24-aa49-4d1b-b001-4f9180dfa13d" providerId="ADAL" clId="{DB6A8ECF-B9FA-4FA8-839B-D9B55B3C70EB}" dt="2021-06-24T11:44:06.886" v="360" actId="21"/>
+      <pc:sldChg chg="delSp modSp mod ord">
+        <pc:chgData name="Hugo DEMENEZ" userId="167f3b24-aa49-4d1b-b001-4f9180dfa13d" providerId="ADAL" clId="{DB6A8ECF-B9FA-4FA8-839B-D9B55B3C70EB}" dt="2021-06-25T12:58:05.354" v="766" actId="20577"/>
+        <pc:sldMkLst>
+          <pc:docMk/>
+          <pc:sldMk cId="2227175516" sldId="264"/>
+        </pc:sldMkLst>
+        <pc:spChg chg="mod">
+          <ac:chgData name="Hugo DEMENEZ" userId="167f3b24-aa49-4d1b-b001-4f9180dfa13d" providerId="ADAL" clId="{DB6A8ECF-B9FA-4FA8-839B-D9B55B3C70EB}" dt="2021-06-25T12:58:05.354" v="766" actId="20577"/>
+          <ac:spMkLst>
+            <pc:docMk/>
+            <pc:sldMk cId="2227175516" sldId="264"/>
+            <ac:spMk id="4" creationId="{9CBE7194-977A-469D-8FDA-3AB63790A773}"/>
+          </ac:spMkLst>
+        </pc:spChg>
+        <pc:picChg chg="del">
+          <ac:chgData name="Hugo DEMENEZ" userId="167f3b24-aa49-4d1b-b001-4f9180dfa13d" providerId="ADAL" clId="{DB6A8ECF-B9FA-4FA8-839B-D9B55B3C70EB}" dt="2021-06-25T12:36:35.361" v="527" actId="478"/>
+          <ac:picMkLst>
+            <pc:docMk/>
+            <pc:sldMk cId="2227175516" sldId="264"/>
+            <ac:picMk id="6" creationId="{0AEC5E1A-B153-4DC8-AE5B-FBD82E24284B}"/>
+          </ac:picMkLst>
+        </pc:picChg>
+        <pc:picChg chg="del">
+          <ac:chgData name="Hugo DEMENEZ" userId="167f3b24-aa49-4d1b-b001-4f9180dfa13d" providerId="ADAL" clId="{DB6A8ECF-B9FA-4FA8-839B-D9B55B3C70EB}" dt="2021-06-25T12:36:35.760" v="528" actId="478"/>
+          <ac:picMkLst>
+            <pc:docMk/>
+            <pc:sldMk cId="2227175516" sldId="264"/>
+            <ac:picMk id="7" creationId="{5F90C6F4-9791-4EC2-A862-5FE64A92AA0C}"/>
+          </ac:picMkLst>
+        </pc:picChg>
+        <pc:picChg chg="del">
+          <ac:chgData name="Hugo DEMENEZ" userId="167f3b24-aa49-4d1b-b001-4f9180dfa13d" providerId="ADAL" clId="{DB6A8ECF-B9FA-4FA8-839B-D9B55B3C70EB}" dt="2021-06-25T12:36:36.128" v="529" actId="478"/>
+          <ac:picMkLst>
+            <pc:docMk/>
+            <pc:sldMk cId="2227175516" sldId="264"/>
+            <ac:picMk id="8" creationId="{2D6D4A3B-6F7B-442F-AD4C-4C877F45F73A}"/>
+          </ac:picMkLst>
+        </pc:picChg>
+      </pc:sldChg>
+      <pc:sldChg chg="delSp modSp mod ord">
+        <pc:chgData name="Hugo DEMENEZ" userId="167f3b24-aa49-4d1b-b001-4f9180dfa13d" providerId="ADAL" clId="{DB6A8ECF-B9FA-4FA8-839B-D9B55B3C70EB}" dt="2021-06-25T12:58:07.001" v="767" actId="20577"/>
+        <pc:sldMkLst>
+          <pc:docMk/>
+          <pc:sldMk cId="3233985870" sldId="265"/>
+        </pc:sldMkLst>
+        <pc:spChg chg="mod">
+          <ac:chgData name="Hugo DEMENEZ" userId="167f3b24-aa49-4d1b-b001-4f9180dfa13d" providerId="ADAL" clId="{DB6A8ECF-B9FA-4FA8-839B-D9B55B3C70EB}" dt="2021-06-25T12:37:16.841" v="543" actId="20577"/>
+          <ac:spMkLst>
+            <pc:docMk/>
+            <pc:sldMk cId="3233985870" sldId="265"/>
+            <ac:spMk id="2" creationId="{8009C223-5A89-4E69-A824-70A91BC4C1F3}"/>
+          </ac:spMkLst>
+        </pc:spChg>
+        <pc:spChg chg="del mod">
+          <ac:chgData name="Hugo DEMENEZ" userId="167f3b24-aa49-4d1b-b001-4f9180dfa13d" providerId="ADAL" clId="{DB6A8ECF-B9FA-4FA8-839B-D9B55B3C70EB}" dt="2021-06-25T12:36:48.171" v="541" actId="478"/>
+          <ac:spMkLst>
+            <pc:docMk/>
+            <pc:sldMk cId="3233985870" sldId="265"/>
+            <ac:spMk id="3" creationId="{3BDB33B8-2D07-475C-A011-28EC58641F77}"/>
+          </ac:spMkLst>
+        </pc:spChg>
+        <pc:spChg chg="mod">
+          <ac:chgData name="Hugo DEMENEZ" userId="167f3b24-aa49-4d1b-b001-4f9180dfa13d" providerId="ADAL" clId="{DB6A8ECF-B9FA-4FA8-839B-D9B55B3C70EB}" dt="2021-06-25T12:58:07.001" v="767" actId="20577"/>
+          <ac:spMkLst>
+            <pc:docMk/>
+            <pc:sldMk cId="3233985870" sldId="265"/>
+            <ac:spMk id="4" creationId="{5E1F077A-5777-47D3-A592-A33839B3B604}"/>
+          </ac:spMkLst>
+        </pc:spChg>
+        <pc:picChg chg="del">
+          <ac:chgData name="Hugo DEMENEZ" userId="167f3b24-aa49-4d1b-b001-4f9180dfa13d" providerId="ADAL" clId="{DB6A8ECF-B9FA-4FA8-839B-D9B55B3C70EB}" dt="2021-06-25T12:36:38.265" v="530" actId="478"/>
+          <ac:picMkLst>
+            <pc:docMk/>
+            <pc:sldMk cId="3233985870" sldId="265"/>
+            <ac:picMk id="6" creationId="{68A5440A-7450-4384-BA06-4A0DD7FB9564}"/>
+          </ac:picMkLst>
+        </pc:picChg>
+        <pc:picChg chg="del">
+          <ac:chgData name="Hugo DEMENEZ" userId="167f3b24-aa49-4d1b-b001-4f9180dfa13d" providerId="ADAL" clId="{DB6A8ECF-B9FA-4FA8-839B-D9B55B3C70EB}" dt="2021-06-25T12:36:38.625" v="532" actId="478"/>
+          <ac:picMkLst>
+            <pc:docMk/>
+            <pc:sldMk cId="3233985870" sldId="265"/>
+            <ac:picMk id="7" creationId="{079CB277-25C4-4B07-B0EC-B81EE757EBEB}"/>
+          </ac:picMkLst>
+        </pc:picChg>
+        <pc:picChg chg="del">
+          <ac:chgData name="Hugo DEMENEZ" userId="167f3b24-aa49-4d1b-b001-4f9180dfa13d" providerId="ADAL" clId="{DB6A8ECF-B9FA-4FA8-839B-D9B55B3C70EB}" dt="2021-06-25T12:36:39.010" v="533" actId="478"/>
+          <ac:picMkLst>
+            <pc:docMk/>
+            <pc:sldMk cId="3233985870" sldId="265"/>
+            <ac:picMk id="8" creationId="{CE09DEF6-E164-4C32-BC27-08575302601E}"/>
+          </ac:picMkLst>
+        </pc:picChg>
+      </pc:sldChg>
+      <pc:sldChg chg="new">
+        <pc:chgData name="Hugo DEMENEZ" userId="167f3b24-aa49-4d1b-b001-4f9180dfa13d" providerId="ADAL" clId="{DB6A8ECF-B9FA-4FA8-839B-D9B55B3C70EB}" dt="2021-06-25T12:58:11.640" v="768" actId="680"/>
+        <pc:sldMkLst>
+          <pc:docMk/>
+          <pc:sldMk cId="1987757250" sldId="266"/>
+        </pc:sldMkLst>
+      </pc:sldChg>
+      <pc:sldMasterChg chg="addSp delSp modSp mod setBg modSldLayout">
+        <pc:chgData name="Hugo DEMENEZ" userId="167f3b24-aa49-4d1b-b001-4f9180dfa13d" providerId="ADAL" clId="{DB6A8ECF-B9FA-4FA8-839B-D9B55B3C70EB}" dt="2021-06-25T13:06:06.819" v="814" actId="207"/>
         <pc:sldMasterMkLst>
           <pc:docMk/>
           <pc:sldMasterMk cId="1039608128" sldId="2147483648"/>
@@ -881,8 +1251,16 @@
             <ac:spMk id="4" creationId="{3CF60A45-434E-4E1E-9A40-647F86D4909D}"/>
           </ac:spMkLst>
         </pc:spChg>
+        <pc:spChg chg="add del mod ord">
+          <ac:chgData name="Hugo DEMENEZ" userId="167f3b24-aa49-4d1b-b001-4f9180dfa13d" providerId="ADAL" clId="{DB6A8ECF-B9FA-4FA8-839B-D9B55B3C70EB}" dt="2021-06-25T13:04:58.123" v="791" actId="478"/>
+          <ac:spMkLst>
+            <pc:docMk/>
+            <pc:sldMasterMk cId="1039608128" sldId="2147483648"/>
+            <ac:spMk id="4" creationId="{8B65085D-B522-4B07-83F0-F5F1E96932C7}"/>
+          </ac:spMkLst>
+        </pc:spChg>
         <pc:spChg chg="mod">
-          <ac:chgData name="Hugo DEMENEZ" userId="167f3b24-aa49-4d1b-b001-4f9180dfa13d" providerId="ADAL" clId="{DB6A8ECF-B9FA-4FA8-839B-D9B55B3C70EB}" dt="2021-06-23T11:31:52.542" v="17" actId="20577"/>
+          <ac:chgData name="Hugo DEMENEZ" userId="167f3b24-aa49-4d1b-b001-4f9180dfa13d" providerId="ADAL" clId="{DB6A8ECF-B9FA-4FA8-839B-D9B55B3C70EB}" dt="2021-06-25T12:57:09.988" v="750" actId="20577"/>
           <ac:spMkLst>
             <pc:docMk/>
             <pc:sldMasterMk cId="1039608128" sldId="2147483648"/>
@@ -897,6 +1275,14 @@
             <ac:spMk id="8" creationId="{3263A285-D97A-4281-A985-789BE771F96B}"/>
           </ac:spMkLst>
         </pc:spChg>
+        <pc:spChg chg="add mod ord">
+          <ac:chgData name="Hugo DEMENEZ" userId="167f3b24-aa49-4d1b-b001-4f9180dfa13d" providerId="ADAL" clId="{DB6A8ECF-B9FA-4FA8-839B-D9B55B3C70EB}" dt="2021-06-25T13:06:06.819" v="814" actId="207"/>
+          <ac:spMkLst>
+            <pc:docMk/>
+            <pc:sldMasterMk cId="1039608128" sldId="2147483648"/>
+            <ac:spMk id="8" creationId="{696D75AB-D875-428F-8A97-6519F15FF533}"/>
+          </ac:spMkLst>
+        </pc:spChg>
         <pc:spChg chg="mod">
           <ac:chgData name="Hugo DEMENEZ" userId="167f3b24-aa49-4d1b-b001-4f9180dfa13d" providerId="ADAL" clId="{DB6A8ECF-B9FA-4FA8-839B-D9B55B3C70EB}" dt="2021-06-23T11:41:13.525" v="154"/>
           <ac:spMkLst>
@@ -970,7 +1356,7 @@
           </ac:cxnSpMkLst>
         </pc:cxnChg>
         <pc:sldLayoutChg chg="addSp delSp modSp mod">
-          <pc:chgData name="Hugo DEMENEZ" userId="167f3b24-aa49-4d1b-b001-4f9180dfa13d" providerId="ADAL" clId="{DB6A8ECF-B9FA-4FA8-839B-D9B55B3C70EB}" dt="2021-06-23T11:33:53.138" v="47" actId="478"/>
+          <pc:chgData name="Hugo DEMENEZ" userId="167f3b24-aa49-4d1b-b001-4f9180dfa13d" providerId="ADAL" clId="{DB6A8ECF-B9FA-4FA8-839B-D9B55B3C70EB}" dt="2021-06-25T12:57:17.459" v="751" actId="20577"/>
           <pc:sldLayoutMkLst>
             <pc:docMk/>
             <pc:sldMasterMk cId="1039608128" sldId="2147483648"/>
@@ -995,7 +1381,7 @@
             </ac:spMkLst>
           </pc:spChg>
           <pc:spChg chg="add mod">
-            <ac:chgData name="Hugo DEMENEZ" userId="167f3b24-aa49-4d1b-b001-4f9180dfa13d" providerId="ADAL" clId="{DB6A8ECF-B9FA-4FA8-839B-D9B55B3C70EB}" dt="2021-06-23T11:32:54.773" v="21"/>
+            <ac:chgData name="Hugo DEMENEZ" userId="167f3b24-aa49-4d1b-b001-4f9180dfa13d" providerId="ADAL" clId="{DB6A8ECF-B9FA-4FA8-839B-D9B55B3C70EB}" dt="2021-06-25T12:57:17.459" v="751" actId="20577"/>
             <ac:spMkLst>
               <pc:docMk/>
               <pc:sldMasterMk cId="1039608128" sldId="2147483648"/>
@@ -1005,7 +1391,7 @@
           </pc:spChg>
         </pc:sldLayoutChg>
         <pc:sldLayoutChg chg="addSp delSp modSp mod">
-          <pc:chgData name="Hugo DEMENEZ" userId="167f3b24-aa49-4d1b-b001-4f9180dfa13d" providerId="ADAL" clId="{DB6A8ECF-B9FA-4FA8-839B-D9B55B3C70EB}" dt="2021-06-23T13:16:55.527" v="167" actId="21"/>
+          <pc:chgData name="Hugo DEMENEZ" userId="167f3b24-aa49-4d1b-b001-4f9180dfa13d" providerId="ADAL" clId="{DB6A8ECF-B9FA-4FA8-839B-D9B55B3C70EB}" dt="2021-06-25T12:56:53.138" v="749" actId="20577"/>
           <pc:sldLayoutMkLst>
             <pc:docMk/>
             <pc:sldMasterMk cId="1039608128" sldId="2147483648"/>
@@ -1039,7 +1425,7 @@
             </ac:spMkLst>
           </pc:spChg>
           <pc:spChg chg="mod">
-            <ac:chgData name="Hugo DEMENEZ" userId="167f3b24-aa49-4d1b-b001-4f9180dfa13d" providerId="ADAL" clId="{DB6A8ECF-B9FA-4FA8-839B-D9B55B3C70EB}" dt="2021-06-23T11:31:25.538" v="11" actId="20577"/>
+            <ac:chgData name="Hugo DEMENEZ" userId="167f3b24-aa49-4d1b-b001-4f9180dfa13d" providerId="ADAL" clId="{DB6A8ECF-B9FA-4FA8-839B-D9B55B3C70EB}" dt="2021-06-25T12:56:53.138" v="749" actId="20577"/>
             <ac:spMkLst>
               <pc:docMk/>
               <pc:sldMasterMk cId="1039608128" sldId="2147483648"/>
@@ -1121,7 +1507,7 @@
           </pc:cxnChg>
         </pc:sldLayoutChg>
         <pc:sldLayoutChg chg="addSp delSp modSp mod">
-          <pc:chgData name="Hugo DEMENEZ" userId="167f3b24-aa49-4d1b-b001-4f9180dfa13d" providerId="ADAL" clId="{DB6A8ECF-B9FA-4FA8-839B-D9B55B3C70EB}" dt="2021-06-23T11:33:56.123" v="49" actId="478"/>
+          <pc:chgData name="Hugo DEMENEZ" userId="167f3b24-aa49-4d1b-b001-4f9180dfa13d" providerId="ADAL" clId="{DB6A8ECF-B9FA-4FA8-839B-D9B55B3C70EB}" dt="2021-06-25T12:57:21.404" v="752" actId="20577"/>
           <pc:sldLayoutMkLst>
             <pc:docMk/>
             <pc:sldMasterMk cId="1039608128" sldId="2147483648"/>
@@ -1146,7 +1532,7 @@
             </ac:spMkLst>
           </pc:spChg>
           <pc:spChg chg="add mod">
-            <ac:chgData name="Hugo DEMENEZ" userId="167f3b24-aa49-4d1b-b001-4f9180dfa13d" providerId="ADAL" clId="{DB6A8ECF-B9FA-4FA8-839B-D9B55B3C70EB}" dt="2021-06-23T11:33:00.082" v="23"/>
+            <ac:chgData name="Hugo DEMENEZ" userId="167f3b24-aa49-4d1b-b001-4f9180dfa13d" providerId="ADAL" clId="{DB6A8ECF-B9FA-4FA8-839B-D9B55B3C70EB}" dt="2021-06-25T12:57:21.404" v="752" actId="20577"/>
             <ac:spMkLst>
               <pc:docMk/>
               <pc:sldMasterMk cId="1039608128" sldId="2147483648"/>
@@ -1156,7 +1542,7 @@
           </pc:spChg>
         </pc:sldLayoutChg>
         <pc:sldLayoutChg chg="addSp delSp modSp mod">
-          <pc:chgData name="Hugo DEMENEZ" userId="167f3b24-aa49-4d1b-b001-4f9180dfa13d" providerId="ADAL" clId="{DB6A8ECF-B9FA-4FA8-839B-D9B55B3C70EB}" dt="2021-06-23T11:33:57.470" v="50" actId="478"/>
+          <pc:chgData name="Hugo DEMENEZ" userId="167f3b24-aa49-4d1b-b001-4f9180dfa13d" providerId="ADAL" clId="{DB6A8ECF-B9FA-4FA8-839B-D9B55B3C70EB}" dt="2021-06-25T12:57:25.902" v="753" actId="20577"/>
           <pc:sldLayoutMkLst>
             <pc:docMk/>
             <pc:sldMasterMk cId="1039608128" sldId="2147483648"/>
@@ -1181,7 +1567,7 @@
             </ac:spMkLst>
           </pc:spChg>
           <pc:spChg chg="add mod">
-            <ac:chgData name="Hugo DEMENEZ" userId="167f3b24-aa49-4d1b-b001-4f9180dfa13d" providerId="ADAL" clId="{DB6A8ECF-B9FA-4FA8-839B-D9B55B3C70EB}" dt="2021-06-23T11:33:03.165" v="25"/>
+            <ac:chgData name="Hugo DEMENEZ" userId="167f3b24-aa49-4d1b-b001-4f9180dfa13d" providerId="ADAL" clId="{DB6A8ECF-B9FA-4FA8-839B-D9B55B3C70EB}" dt="2021-06-25T12:57:25.902" v="753" actId="20577"/>
             <ac:spMkLst>
               <pc:docMk/>
               <pc:sldMasterMk cId="1039608128" sldId="2147483648"/>
@@ -1191,7 +1577,7 @@
           </pc:spChg>
         </pc:sldLayoutChg>
         <pc:sldLayoutChg chg="addSp delSp modSp mod">
-          <pc:chgData name="Hugo DEMENEZ" userId="167f3b24-aa49-4d1b-b001-4f9180dfa13d" providerId="ADAL" clId="{DB6A8ECF-B9FA-4FA8-839B-D9B55B3C70EB}" dt="2021-06-23T11:33:59.737" v="51" actId="478"/>
+          <pc:chgData name="Hugo DEMENEZ" userId="167f3b24-aa49-4d1b-b001-4f9180dfa13d" providerId="ADAL" clId="{DB6A8ECF-B9FA-4FA8-839B-D9B55B3C70EB}" dt="2021-06-25T12:57:28.757" v="754" actId="20577"/>
           <pc:sldLayoutMkLst>
             <pc:docMk/>
             <pc:sldMasterMk cId="1039608128" sldId="2147483648"/>
@@ -1216,7 +1602,7 @@
             </ac:spMkLst>
           </pc:spChg>
           <pc:spChg chg="add mod">
-            <ac:chgData name="Hugo DEMENEZ" userId="167f3b24-aa49-4d1b-b001-4f9180dfa13d" providerId="ADAL" clId="{DB6A8ECF-B9FA-4FA8-839B-D9B55B3C70EB}" dt="2021-06-23T11:33:06.726" v="27"/>
+            <ac:chgData name="Hugo DEMENEZ" userId="167f3b24-aa49-4d1b-b001-4f9180dfa13d" providerId="ADAL" clId="{DB6A8ECF-B9FA-4FA8-839B-D9B55B3C70EB}" dt="2021-06-25T12:57:28.757" v="754" actId="20577"/>
             <ac:spMkLst>
               <pc:docMk/>
               <pc:sldMasterMk cId="1039608128" sldId="2147483648"/>
@@ -1226,7 +1612,7 @@
           </pc:spChg>
         </pc:sldLayoutChg>
         <pc:sldLayoutChg chg="addSp delSp modSp mod">
-          <pc:chgData name="Hugo DEMENEZ" userId="167f3b24-aa49-4d1b-b001-4f9180dfa13d" providerId="ADAL" clId="{DB6A8ECF-B9FA-4FA8-839B-D9B55B3C70EB}" dt="2021-06-23T11:33:44.374" v="45" actId="478"/>
+          <pc:chgData name="Hugo DEMENEZ" userId="167f3b24-aa49-4d1b-b001-4f9180dfa13d" providerId="ADAL" clId="{DB6A8ECF-B9FA-4FA8-839B-D9B55B3C70EB}" dt="2021-06-25T12:57:33.374" v="755" actId="20577"/>
           <pc:sldLayoutMkLst>
             <pc:docMk/>
             <pc:sldMasterMk cId="1039608128" sldId="2147483648"/>
@@ -1251,7 +1637,7 @@
             </ac:spMkLst>
           </pc:spChg>
           <pc:spChg chg="add mod">
-            <ac:chgData name="Hugo DEMENEZ" userId="167f3b24-aa49-4d1b-b001-4f9180dfa13d" providerId="ADAL" clId="{DB6A8ECF-B9FA-4FA8-839B-D9B55B3C70EB}" dt="2021-06-23T11:33:10.099" v="29"/>
+            <ac:chgData name="Hugo DEMENEZ" userId="167f3b24-aa49-4d1b-b001-4f9180dfa13d" providerId="ADAL" clId="{DB6A8ECF-B9FA-4FA8-839B-D9B55B3C70EB}" dt="2021-06-25T12:57:33.374" v="755" actId="20577"/>
             <ac:spMkLst>
               <pc:docMk/>
               <pc:sldMasterMk cId="1039608128" sldId="2147483648"/>
@@ -1261,7 +1647,7 @@
           </pc:spChg>
         </pc:sldLayoutChg>
         <pc:sldLayoutChg chg="addSp delSp modSp mod">
-          <pc:chgData name="Hugo DEMENEZ" userId="167f3b24-aa49-4d1b-b001-4f9180dfa13d" providerId="ADAL" clId="{DB6A8ECF-B9FA-4FA8-839B-D9B55B3C70EB}" dt="2021-06-23T11:33:42.038" v="44" actId="478"/>
+          <pc:chgData name="Hugo DEMENEZ" userId="167f3b24-aa49-4d1b-b001-4f9180dfa13d" providerId="ADAL" clId="{DB6A8ECF-B9FA-4FA8-839B-D9B55B3C70EB}" dt="2021-06-25T12:57:36.533" v="756" actId="20577"/>
           <pc:sldLayoutMkLst>
             <pc:docMk/>
             <pc:sldMasterMk cId="1039608128" sldId="2147483648"/>
@@ -1286,7 +1672,7 @@
             </ac:spMkLst>
           </pc:spChg>
           <pc:spChg chg="add mod">
-            <ac:chgData name="Hugo DEMENEZ" userId="167f3b24-aa49-4d1b-b001-4f9180dfa13d" providerId="ADAL" clId="{DB6A8ECF-B9FA-4FA8-839B-D9B55B3C70EB}" dt="2021-06-23T11:33:12.804" v="31"/>
+            <ac:chgData name="Hugo DEMENEZ" userId="167f3b24-aa49-4d1b-b001-4f9180dfa13d" providerId="ADAL" clId="{DB6A8ECF-B9FA-4FA8-839B-D9B55B3C70EB}" dt="2021-06-25T12:57:36.533" v="756" actId="20577"/>
             <ac:spMkLst>
               <pc:docMk/>
               <pc:sldMasterMk cId="1039608128" sldId="2147483648"/>
@@ -1296,7 +1682,7 @@
           </pc:spChg>
         </pc:sldLayoutChg>
         <pc:sldLayoutChg chg="addSp delSp modSp mod">
-          <pc:chgData name="Hugo DEMENEZ" userId="167f3b24-aa49-4d1b-b001-4f9180dfa13d" providerId="ADAL" clId="{DB6A8ECF-B9FA-4FA8-839B-D9B55B3C70EB}" dt="2021-06-23T11:33:39.078" v="43" actId="478"/>
+          <pc:chgData name="Hugo DEMENEZ" userId="167f3b24-aa49-4d1b-b001-4f9180dfa13d" providerId="ADAL" clId="{DB6A8ECF-B9FA-4FA8-839B-D9B55B3C70EB}" dt="2021-06-25T12:57:38.725" v="757" actId="20577"/>
           <pc:sldLayoutMkLst>
             <pc:docMk/>
             <pc:sldMasterMk cId="1039608128" sldId="2147483648"/>
@@ -1321,7 +1707,7 @@
             </ac:spMkLst>
           </pc:spChg>
           <pc:spChg chg="add mod">
-            <ac:chgData name="Hugo DEMENEZ" userId="167f3b24-aa49-4d1b-b001-4f9180dfa13d" providerId="ADAL" clId="{DB6A8ECF-B9FA-4FA8-839B-D9B55B3C70EB}" dt="2021-06-23T11:33:16.073" v="33"/>
+            <ac:chgData name="Hugo DEMENEZ" userId="167f3b24-aa49-4d1b-b001-4f9180dfa13d" providerId="ADAL" clId="{DB6A8ECF-B9FA-4FA8-839B-D9B55B3C70EB}" dt="2021-06-25T12:57:38.725" v="757" actId="20577"/>
             <ac:spMkLst>
               <pc:docMk/>
               <pc:sldMasterMk cId="1039608128" sldId="2147483648"/>
@@ -1331,7 +1717,7 @@
           </pc:spChg>
         </pc:sldLayoutChg>
         <pc:sldLayoutChg chg="addSp delSp modSp mod">
-          <pc:chgData name="Hugo DEMENEZ" userId="167f3b24-aa49-4d1b-b001-4f9180dfa13d" providerId="ADAL" clId="{DB6A8ECF-B9FA-4FA8-839B-D9B55B3C70EB}" dt="2021-06-23T11:33:35.703" v="42" actId="478"/>
+          <pc:chgData name="Hugo DEMENEZ" userId="167f3b24-aa49-4d1b-b001-4f9180dfa13d" providerId="ADAL" clId="{DB6A8ECF-B9FA-4FA8-839B-D9B55B3C70EB}" dt="2021-06-25T12:57:40.942" v="758" actId="20577"/>
           <pc:sldLayoutMkLst>
             <pc:docMk/>
             <pc:sldMasterMk cId="1039608128" sldId="2147483648"/>
@@ -1356,7 +1742,7 @@
             </ac:spMkLst>
           </pc:spChg>
           <pc:spChg chg="add mod">
-            <ac:chgData name="Hugo DEMENEZ" userId="167f3b24-aa49-4d1b-b001-4f9180dfa13d" providerId="ADAL" clId="{DB6A8ECF-B9FA-4FA8-839B-D9B55B3C70EB}" dt="2021-06-23T11:33:18.819" v="35"/>
+            <ac:chgData name="Hugo DEMENEZ" userId="167f3b24-aa49-4d1b-b001-4f9180dfa13d" providerId="ADAL" clId="{DB6A8ECF-B9FA-4FA8-839B-D9B55B3C70EB}" dt="2021-06-25T12:57:40.942" v="758" actId="20577"/>
             <ac:spMkLst>
               <pc:docMk/>
               <pc:sldMasterMk cId="1039608128" sldId="2147483648"/>
@@ -1366,7 +1752,7 @@
           </pc:spChg>
         </pc:sldLayoutChg>
         <pc:sldLayoutChg chg="addSp delSp modSp mod">
-          <pc:chgData name="Hugo DEMENEZ" userId="167f3b24-aa49-4d1b-b001-4f9180dfa13d" providerId="ADAL" clId="{DB6A8ECF-B9FA-4FA8-839B-D9B55B3C70EB}" dt="2021-06-23T11:33:33.429" v="41" actId="478"/>
+          <pc:chgData name="Hugo DEMENEZ" userId="167f3b24-aa49-4d1b-b001-4f9180dfa13d" providerId="ADAL" clId="{DB6A8ECF-B9FA-4FA8-839B-D9B55B3C70EB}" dt="2021-06-25T12:57:43.305" v="759" actId="20577"/>
           <pc:sldLayoutMkLst>
             <pc:docMk/>
             <pc:sldMasterMk cId="1039608128" sldId="2147483648"/>
@@ -1391,7 +1777,7 @@
             </ac:spMkLst>
           </pc:spChg>
           <pc:spChg chg="add mod">
-            <ac:chgData name="Hugo DEMENEZ" userId="167f3b24-aa49-4d1b-b001-4f9180dfa13d" providerId="ADAL" clId="{DB6A8ECF-B9FA-4FA8-839B-D9B55B3C70EB}" dt="2021-06-23T11:33:22.489" v="37"/>
+            <ac:chgData name="Hugo DEMENEZ" userId="167f3b24-aa49-4d1b-b001-4f9180dfa13d" providerId="ADAL" clId="{DB6A8ECF-B9FA-4FA8-839B-D9B55B3C70EB}" dt="2021-06-25T12:57:43.305" v="759" actId="20577"/>
             <ac:spMkLst>
               <pc:docMk/>
               <pc:sldMasterMk cId="1039608128" sldId="2147483648"/>
@@ -1401,7 +1787,7 @@
           </pc:spChg>
         </pc:sldLayoutChg>
         <pc:sldLayoutChg chg="addSp delSp modSp mod">
-          <pc:chgData name="Hugo DEMENEZ" userId="167f3b24-aa49-4d1b-b001-4f9180dfa13d" providerId="ADAL" clId="{DB6A8ECF-B9FA-4FA8-839B-D9B55B3C70EB}" dt="2021-06-23T11:33:30.274" v="40" actId="478"/>
+          <pc:chgData name="Hugo DEMENEZ" userId="167f3b24-aa49-4d1b-b001-4f9180dfa13d" providerId="ADAL" clId="{DB6A8ECF-B9FA-4FA8-839B-D9B55B3C70EB}" dt="2021-06-25T12:57:45.840" v="760" actId="20577"/>
           <pc:sldLayoutMkLst>
             <pc:docMk/>
             <pc:sldMasterMk cId="1039608128" sldId="2147483648"/>
@@ -1426,7 +1812,7 @@
             </ac:spMkLst>
           </pc:spChg>
           <pc:spChg chg="add mod">
-            <ac:chgData name="Hugo DEMENEZ" userId="167f3b24-aa49-4d1b-b001-4f9180dfa13d" providerId="ADAL" clId="{DB6A8ECF-B9FA-4FA8-839B-D9B55B3C70EB}" dt="2021-06-23T11:33:25.827" v="39"/>
+            <ac:chgData name="Hugo DEMENEZ" userId="167f3b24-aa49-4d1b-b001-4f9180dfa13d" providerId="ADAL" clId="{DB6A8ECF-B9FA-4FA8-839B-D9B55B3C70EB}" dt="2021-06-25T12:57:45.840" v="760" actId="20577"/>
             <ac:spMkLst>
               <pc:docMk/>
               <pc:sldMasterMk cId="1039608128" sldId="2147483648"/>
@@ -1690,7 +2076,7 @@
             </a:lvl1pPr>
           </a:lstStyle>
           <a:p>
-            <a:endParaRPr lang="fr-FR"/>
+            <a:endParaRPr lang="fr-FR" dirty="0"/>
           </a:p>
         </p:txBody>
       </p:sp>
@@ -1731,7 +2117,7 @@
               <a:rPr lang="fr-FR" smtClean="0"/>
               <a:t>25/06/2021</a:t>
             </a:fld>
-            <a:endParaRPr lang="fr-FR"/>
+            <a:endParaRPr lang="fr-FR" dirty="0"/>
           </a:p>
         </p:txBody>
       </p:sp>
@@ -1768,7 +2154,7 @@
             </a:lvl1pPr>
           </a:lstStyle>
           <a:p>
-            <a:endParaRPr lang="fr-FR"/>
+            <a:endParaRPr lang="fr-FR" dirty="0"/>
           </a:p>
         </p:txBody>
       </p:sp>
@@ -1807,9 +2193,9 @@
           <a:p>
             <a:fld id="{9B515104-7BE3-409A-8852-4F84AC1629A6}" type="slidenum">
               <a:rPr lang="fr-FR" smtClean="0"/>
-              <a:t>‹#›</a:t>
+              <a:t>‹N°›</a:t>
             </a:fld>
-            <a:endParaRPr lang="fr-FR"/>
+            <a:endParaRPr lang="fr-FR" dirty="0"/>
           </a:p>
         </p:txBody>
       </p:sp>
@@ -1873,7 +2259,7 @@
             </a:lvl1pPr>
           </a:lstStyle>
           <a:p>
-            <a:endParaRPr lang="fr-FR"/>
+            <a:endParaRPr lang="fr-FR" dirty="0"/>
           </a:p>
         </p:txBody>
       </p:sp>
@@ -1908,7 +2294,7 @@
               <a:rPr lang="fr-FR" smtClean="0"/>
               <a:t>25/06/2021</a:t>
             </a:fld>
-            <a:endParaRPr lang="fr-FR"/>
+            <a:endParaRPr lang="fr-FR" dirty="0"/>
           </a:p>
         </p:txBody>
       </p:sp>
@@ -1941,7 +2327,7 @@
           <a:bodyPr vert="horz" lIns="91440" tIns="45720" rIns="91440" bIns="45720" rtlCol="0" anchor="ctr"/>
           <a:lstStyle/>
           <a:p>
-            <a:endParaRPr lang="fr-FR"/>
+            <a:endParaRPr lang="fr-FR" dirty="0"/>
           </a:p>
         </p:txBody>
       </p:sp>
@@ -2031,7 +2417,7 @@
             </a:lvl1pPr>
           </a:lstStyle>
           <a:p>
-            <a:endParaRPr lang="fr-FR"/>
+            <a:endParaRPr lang="fr-FR" dirty="0"/>
           </a:p>
         </p:txBody>
       </p:sp>
@@ -2064,9 +2450,9 @@
           <a:p>
             <a:fld id="{629199E9-ECEC-4B25-AB7C-EC3678CC99B6}" type="slidenum">
               <a:rPr lang="fr-FR" smtClean="0"/>
-              <a:t>‹#›</a:t>
+              <a:t>‹N°›</a:t>
             </a:fld>
-            <a:endParaRPr lang="fr-FR"/>
+            <a:endParaRPr lang="fr-FR" dirty="0"/>
           </a:p>
         </p:txBody>
       </p:sp>
@@ -2404,9 +2790,9 @@
           <a:p>
             <a:fld id="{4663F8E7-E950-430D-880A-090F6311A6B2}" type="slidenum">
               <a:rPr lang="fr-FR" smtClean="0"/>
-              <a:t>‹#›</a:t>
+              <a:t>‹N°›</a:t>
             </a:fld>
-            <a:endParaRPr lang="fr-FR"/>
+            <a:endParaRPr lang="fr-FR" dirty="0"/>
           </a:p>
         </p:txBody>
       </p:sp>
@@ -2450,14 +2836,9 @@
           </a:lstStyle>
           <a:p>
             <a:r>
-              <a:rPr lang="fr-FR"/>
-              <a:t>Hugo Demenez &amp; Brieuc Da1ndoy &amp; Guillaume Gulli &amp; Mohamed Amine </a:t>
-            </a:r>
-            <a:r>
-              <a:rPr lang="fr-FR" err="1"/>
-              <a:t>Bennouna</a:t>
-            </a:r>
-            <a:endParaRPr lang="fr-FR"/>
+              <a:rPr lang="fr-FR" dirty="0"/>
+              <a:t>Hugo Demenez &amp; Brieuc Dandoy &amp; Guillaume Gulli &amp; Mohamed Amine Bennouna</a:t>
+            </a:r>
           </a:p>
         </p:txBody>
       </p:sp>
@@ -2599,9 +2980,9 @@
           <a:p>
             <a:fld id="{4663F8E7-E950-430D-880A-090F6311A6B2}" type="slidenum">
               <a:rPr lang="fr-FR" smtClean="0"/>
-              <a:t>‹#›</a:t>
+              <a:t>‹N°›</a:t>
             </a:fld>
-            <a:endParaRPr lang="fr-FR"/>
+            <a:endParaRPr lang="fr-FR" dirty="0"/>
           </a:p>
         </p:txBody>
       </p:sp>
@@ -2645,14 +3026,9 @@
           </a:lstStyle>
           <a:p>
             <a:r>
-              <a:rPr lang="fr-FR"/>
-              <a:t>Hugo Demenez &amp; Brieuc Da1ndoy &amp; Guillaume Gulli &amp; Mohamed Amine </a:t>
-            </a:r>
-            <a:r>
-              <a:rPr lang="fr-FR" err="1"/>
-              <a:t>Bennouna</a:t>
-            </a:r>
-            <a:endParaRPr lang="fr-FR"/>
+              <a:rPr lang="fr-FR" dirty="0"/>
+              <a:t>Hugo Demenez &amp; Brieuc Dandoy &amp; Guillaume Gulli &amp; Mohamed Amine Bennouna</a:t>
+            </a:r>
           </a:p>
         </p:txBody>
       </p:sp>
@@ -2804,9 +3180,9 @@
           <a:p>
             <a:fld id="{4663F8E7-E950-430D-880A-090F6311A6B2}" type="slidenum">
               <a:rPr lang="fr-FR" smtClean="0"/>
-              <a:t>‹#›</a:t>
+              <a:t>‹N°›</a:t>
             </a:fld>
-            <a:endParaRPr lang="fr-FR"/>
+            <a:endParaRPr lang="fr-FR" dirty="0"/>
           </a:p>
         </p:txBody>
       </p:sp>
@@ -2850,14 +3226,9 @@
           </a:lstStyle>
           <a:p>
             <a:r>
-              <a:rPr lang="fr-FR"/>
-              <a:t>Hugo Demenez &amp; Brieuc Da1ndoy &amp; Guillaume Gulli &amp; Mohamed Amine </a:t>
-            </a:r>
-            <a:r>
-              <a:rPr lang="fr-FR" err="1"/>
-              <a:t>Bennouna</a:t>
-            </a:r>
-            <a:endParaRPr lang="fr-FR"/>
+              <a:rPr lang="fr-FR" dirty="0"/>
+              <a:t>Hugo Demenez &amp; Brieuc Dandoy &amp; Guillaume Gulli &amp; Mohamed Amine Bennouna</a:t>
+            </a:r>
           </a:p>
         </p:txBody>
       </p:sp>
@@ -3003,14 +3374,9 @@
           <a:lstStyle/>
           <a:p>
             <a:r>
-              <a:rPr lang="fr-FR"/>
-              <a:t>Hugo Demenez &amp; Brieuc Da1ndoy &amp; Guillaume Gulli &amp; Mohamed Amine </a:t>
-            </a:r>
-            <a:r>
-              <a:rPr lang="fr-FR" err="1"/>
-              <a:t>Bennouna</a:t>
-            </a:r>
-            <a:endParaRPr lang="fr-FR"/>
+              <a:rPr lang="fr-FR" dirty="0"/>
+              <a:t>Hugo Demenez &amp; Brieuc Dandoy &amp; Guillaume Gulli &amp; Mohamed Amine Bennouna</a:t>
+            </a:r>
           </a:p>
         </p:txBody>
       </p:sp>
@@ -3037,9 +3403,9 @@
           <a:p>
             <a:fld id="{4663F8E7-E950-430D-880A-090F6311A6B2}" type="slidenum">
               <a:rPr lang="fr-FR" smtClean="0"/>
-              <a:t>‹#›</a:t>
+              <a:t>‹N°›</a:t>
             </a:fld>
-            <a:endParaRPr lang="fr-FR"/>
+            <a:endParaRPr lang="fr-FR" dirty="0"/>
           </a:p>
         </p:txBody>
       </p:sp>
@@ -3258,9 +3624,9 @@
           <a:p>
             <a:fld id="{4663F8E7-E950-430D-880A-090F6311A6B2}" type="slidenum">
               <a:rPr lang="fr-FR" smtClean="0"/>
-              <a:t>‹#›</a:t>
+              <a:t>‹N°›</a:t>
             </a:fld>
-            <a:endParaRPr lang="fr-FR"/>
+            <a:endParaRPr lang="fr-FR" dirty="0"/>
           </a:p>
         </p:txBody>
       </p:sp>
@@ -3304,14 +3670,9 @@
           </a:lstStyle>
           <a:p>
             <a:r>
-              <a:rPr lang="fr-FR"/>
-              <a:t>Hugo Demenez &amp; Brieuc Da1ndoy &amp; Guillaume Gulli &amp; Mohamed Amine </a:t>
-            </a:r>
-            <a:r>
-              <a:rPr lang="fr-FR" err="1"/>
-              <a:t>Bennouna</a:t>
-            </a:r>
-            <a:endParaRPr lang="fr-FR"/>
+              <a:rPr lang="fr-FR" dirty="0"/>
+              <a:t>Hugo Demenez &amp; Brieuc Dandoy &amp; Guillaume Gulli &amp; Mohamed Amine Bennouna</a:t>
+            </a:r>
           </a:p>
         </p:txBody>
       </p:sp>
@@ -3520,9 +3881,9 @@
           <a:p>
             <a:fld id="{4663F8E7-E950-430D-880A-090F6311A6B2}" type="slidenum">
               <a:rPr lang="fr-FR" smtClean="0"/>
-              <a:t>‹#›</a:t>
+              <a:t>‹N°›</a:t>
             </a:fld>
-            <a:endParaRPr lang="fr-FR"/>
+            <a:endParaRPr lang="fr-FR" dirty="0"/>
           </a:p>
         </p:txBody>
       </p:sp>
@@ -3566,14 +3927,9 @@
           </a:lstStyle>
           <a:p>
             <a:r>
-              <a:rPr lang="fr-FR"/>
-              <a:t>Hugo Demenez &amp; Brieuc Da1ndoy &amp; Guillaume Gulli &amp; Mohamed Amine </a:t>
-            </a:r>
-            <a:r>
-              <a:rPr lang="fr-FR" err="1"/>
-              <a:t>Bennouna</a:t>
-            </a:r>
-            <a:endParaRPr lang="fr-FR"/>
+              <a:rPr lang="fr-FR" dirty="0"/>
+              <a:t>Hugo Demenez &amp; Brieuc Dandoy &amp; Guillaume Gulli &amp; Mohamed Amine Bennouna</a:t>
+            </a:r>
           </a:p>
         </p:txBody>
       </p:sp>
@@ -3929,9 +4285,9 @@
           <a:p>
             <a:fld id="{4663F8E7-E950-430D-880A-090F6311A6B2}" type="slidenum">
               <a:rPr lang="fr-FR" smtClean="0"/>
-              <a:t>‹#›</a:t>
+              <a:t>‹N°›</a:t>
             </a:fld>
-            <a:endParaRPr lang="fr-FR"/>
+            <a:endParaRPr lang="fr-FR" dirty="0"/>
           </a:p>
         </p:txBody>
       </p:sp>
@@ -3975,14 +4331,9 @@
           </a:lstStyle>
           <a:p>
             <a:r>
-              <a:rPr lang="fr-FR"/>
-              <a:t>Hugo Demenez &amp; Brieuc Da1ndoy &amp; Guillaume Gulli &amp; Mohamed Amine </a:t>
-            </a:r>
-            <a:r>
-              <a:rPr lang="fr-FR" err="1"/>
-              <a:t>Bennouna</a:t>
-            </a:r>
-            <a:endParaRPr lang="fr-FR"/>
+              <a:rPr lang="fr-FR" dirty="0"/>
+              <a:t>Hugo Demenez &amp; Brieuc Dandoy &amp; Guillaume Gulli &amp; Mohamed Amine Bennouna</a:t>
+            </a:r>
           </a:p>
         </p:txBody>
       </p:sp>
@@ -4067,9 +4418,9 @@
           <a:p>
             <a:fld id="{4663F8E7-E950-430D-880A-090F6311A6B2}" type="slidenum">
               <a:rPr lang="fr-FR" smtClean="0"/>
-              <a:t>‹#›</a:t>
+              <a:t>‹N°›</a:t>
             </a:fld>
-            <a:endParaRPr lang="fr-FR"/>
+            <a:endParaRPr lang="fr-FR" dirty="0"/>
           </a:p>
         </p:txBody>
       </p:sp>
@@ -4113,14 +4464,9 @@
           </a:lstStyle>
           <a:p>
             <a:r>
-              <a:rPr lang="fr-FR"/>
-              <a:t>Hugo Demenez &amp; Brieuc Da1ndoy &amp; Guillaume Gulli &amp; Mohamed Amine </a:t>
-            </a:r>
-            <a:r>
-              <a:rPr lang="fr-FR" err="1"/>
-              <a:t>Bennouna</a:t>
-            </a:r>
-            <a:endParaRPr lang="fr-FR"/>
+              <a:rPr lang="fr-FR" dirty="0"/>
+              <a:t>Hugo Demenez &amp; Brieuc Dandoy &amp; Guillaume Gulli &amp; Mohamed Amine Bennouna</a:t>
+            </a:r>
           </a:p>
         </p:txBody>
       </p:sp>
@@ -4177,9 +4523,9 @@
           <a:p>
             <a:fld id="{4663F8E7-E950-430D-880A-090F6311A6B2}" type="slidenum">
               <a:rPr lang="fr-FR" smtClean="0"/>
-              <a:t>‹#›</a:t>
+              <a:t>‹N°›</a:t>
             </a:fld>
-            <a:endParaRPr lang="fr-FR"/>
+            <a:endParaRPr lang="fr-FR" dirty="0"/>
           </a:p>
         </p:txBody>
       </p:sp>
@@ -4223,14 +4569,9 @@
           </a:lstStyle>
           <a:p>
             <a:r>
-              <a:rPr lang="fr-FR"/>
-              <a:t>Hugo Demenez &amp; Brieuc Da1ndoy &amp; Guillaume Gulli &amp; Mohamed Amine </a:t>
-            </a:r>
-            <a:r>
-              <a:rPr lang="fr-FR" err="1"/>
-              <a:t>Bennouna</a:t>
-            </a:r>
-            <a:endParaRPr lang="fr-FR"/>
+              <a:rPr lang="fr-FR" dirty="0"/>
+              <a:t>Hugo Demenez &amp; Brieuc Dandoy &amp; Guillaume Gulli &amp; Mohamed Amine Bennouna</a:t>
+            </a:r>
           </a:p>
         </p:txBody>
       </p:sp>
@@ -4485,9 +4826,9 @@
           <a:p>
             <a:fld id="{4663F8E7-E950-430D-880A-090F6311A6B2}" type="slidenum">
               <a:rPr lang="fr-FR" smtClean="0"/>
-              <a:t>‹#›</a:t>
+              <a:t>‹N°›</a:t>
             </a:fld>
-            <a:endParaRPr lang="fr-FR"/>
+            <a:endParaRPr lang="fr-FR" dirty="0"/>
           </a:p>
         </p:txBody>
       </p:sp>
@@ -4531,14 +4872,9 @@
           </a:lstStyle>
           <a:p>
             <a:r>
-              <a:rPr lang="fr-FR"/>
-              <a:t>Hugo Demenez &amp; Brieuc Da1ndoy &amp; Guillaume Gulli &amp; Mohamed Amine </a:t>
-            </a:r>
-            <a:r>
-              <a:rPr lang="fr-FR" err="1"/>
-              <a:t>Bennouna</a:t>
-            </a:r>
-            <a:endParaRPr lang="fr-FR"/>
+              <a:rPr lang="fr-FR" dirty="0"/>
+              <a:t>Hugo Demenez &amp; Brieuc Dandoy &amp; Guillaume Gulli &amp; Mohamed Amine Bennouna</a:t>
+            </a:r>
           </a:p>
         </p:txBody>
       </p:sp>
@@ -4672,7 +5008,7 @@
             </a:lvl9pPr>
           </a:lstStyle>
           <a:p>
-            <a:endParaRPr lang="fr-FR"/>
+            <a:endParaRPr lang="fr-FR" dirty="0"/>
           </a:p>
         </p:txBody>
       </p:sp>
@@ -4770,9 +5106,9 @@
           <a:p>
             <a:fld id="{4663F8E7-E950-430D-880A-090F6311A6B2}" type="slidenum">
               <a:rPr lang="fr-FR" smtClean="0"/>
-              <a:t>‹#›</a:t>
+              <a:t>‹N°›</a:t>
             </a:fld>
-            <a:endParaRPr lang="fr-FR"/>
+            <a:endParaRPr lang="fr-FR" dirty="0"/>
           </a:p>
         </p:txBody>
       </p:sp>
@@ -4816,14 +5152,9 @@
           </a:lstStyle>
           <a:p>
             <a:r>
-              <a:rPr lang="fr-FR"/>
-              <a:t>Hugo Demenez &amp; Brieuc Da1ndoy &amp; Guillaume Gulli &amp; Mohamed Amine </a:t>
-            </a:r>
-            <a:r>
-              <a:rPr lang="fr-FR" err="1"/>
-              <a:t>Bennouna</a:t>
-            </a:r>
-            <a:endParaRPr lang="fr-FR"/>
+              <a:rPr lang="fr-FR" dirty="0"/>
+              <a:t>Hugo Demenez &amp; Brieuc Dandoy &amp; Guillaume Gulli &amp; Mohamed Amine Bennouna</a:t>
+            </a:r>
           </a:p>
         </p:txBody>
       </p:sp>
@@ -4845,15 +5176,17 @@
   <p:cSld>
     <p:bg>
       <p:bgPr>
-        <a:blipFill dpi="0" rotWithShape="1">
-          <a:blip r:embed="rId13">
-            <a:lum/>
-          </a:blip>
-          <a:srcRect/>
-          <a:stretch>
-            <a:fillRect t="-3000" b="-3000"/>
-          </a:stretch>
-        </a:blipFill>
+        <a:gradFill>
+          <a:gsLst>
+            <a:gs pos="0">
+              <a:srgbClr val="8BC6EC"/>
+            </a:gs>
+            <a:gs pos="100000">
+              <a:srgbClr val="9599E2"/>
+            </a:gs>
+          </a:gsLst>
+          <a:lin ang="2700000" scaled="0"/>
+        </a:gradFill>
         <a:effectLst/>
       </p:bgPr>
     </p:bg>
@@ -4873,6 +5206,60 @@
       </p:grpSpPr>
       <p:sp>
         <p:nvSpPr>
+          <p:cNvPr id="8" name="Rectangle 7">
+            <a:extLst>
+              <a:ext uri="{FF2B5EF4-FFF2-40B4-BE49-F238E27FC236}">
+                <a16:creationId xmlns:a16="http://schemas.microsoft.com/office/drawing/2014/main" id="{696D75AB-D875-428F-8A97-6519F15FF533}"/>
+              </a:ext>
+            </a:extLst>
+          </p:cNvPr>
+          <p:cNvSpPr/>
+          <p:nvPr userDrawn="1"/>
+        </p:nvSpPr>
+        <p:spPr>
+          <a:xfrm>
+            <a:off x="0" y="0"/>
+            <a:ext cx="12192000" cy="6858000"/>
+          </a:xfrm>
+          <a:prstGeom prst="rect">
+            <a:avLst/>
+          </a:prstGeom>
+          <a:solidFill>
+            <a:schemeClr val="dk1">
+              <a:alpha val="25000"/>
+            </a:schemeClr>
+          </a:solidFill>
+          <a:ln>
+            <a:noFill/>
+          </a:ln>
+        </p:spPr>
+        <p:style>
+          <a:lnRef idx="2">
+            <a:schemeClr val="dk1">
+              <a:shade val="50000"/>
+            </a:schemeClr>
+          </a:lnRef>
+          <a:fillRef idx="1">
+            <a:schemeClr val="dk1"/>
+          </a:fillRef>
+          <a:effectRef idx="0">
+            <a:schemeClr val="dk1"/>
+          </a:effectRef>
+          <a:fontRef idx="minor">
+            <a:schemeClr val="lt1"/>
+          </a:fontRef>
+        </p:style>
+        <p:txBody>
+          <a:bodyPr rtlCol="0" anchor="ctr"/>
+          <a:lstStyle/>
+          <a:p>
+            <a:pPr algn="ctr"/>
+            <a:endParaRPr lang="fr-FR"/>
+          </a:p>
+        </p:txBody>
+      </p:sp>
+      <p:sp>
+        <p:nvSpPr>
           <p:cNvPr id="2" name="Espace réservé du titre 1">
             <a:extLst>
               <a:ext uri="{FF2B5EF4-FFF2-40B4-BE49-F238E27FC236}">
@@ -5016,14 +5403,9 @@
           </a:lstStyle>
           <a:p>
             <a:r>
-              <a:rPr lang="fr-FR"/>
-              <a:t>Hugo Demenez &amp; Brieuc Da1ndoy &amp; Guillaume Gulli &amp; Mohamed Amine </a:t>
-            </a:r>
-            <a:r>
-              <a:rPr lang="fr-FR" err="1"/>
-              <a:t>Bennouna</a:t>
-            </a:r>
-            <a:endParaRPr lang="fr-FR"/>
+              <a:rPr lang="fr-FR" dirty="0"/>
+              <a:t>Hugo Demenez &amp; Brieuc Dandoy &amp; Guillaume Gulli &amp; Mohamed Amine Bennouna</a:t>
+            </a:r>
           </a:p>
         </p:txBody>
       </p:sp>
@@ -5067,9 +5449,9 @@
             <a:fld id="{4663F8E7-E950-430D-880A-090F6311A6B2}" type="slidenum">
               <a:rPr lang="fr-FR" smtClean="0"/>
               <a:pPr/>
-              <a:t>‹#›</a:t>
+              <a:t>‹N°›</a:t>
             </a:fld>
-            <a:endParaRPr lang="fr-FR"/>
+            <a:endParaRPr lang="fr-FR" dirty="0"/>
           </a:p>
         </p:txBody>
       </p:sp>
@@ -5088,7 +5470,7 @@
           <p:nvPr userDrawn="1"/>
         </p:nvPicPr>
         <p:blipFill>
-          <a:blip r:embed="rId14">
+          <a:blip r:embed="rId13">
             <a:extLst>
               <a:ext uri="{28A0092B-C50C-407E-A947-70E740481C1C}">
                 <a14:useLocalDpi xmlns:a14="http://schemas.microsoft.com/office/drawing/2010/main" val="0"/>
@@ -5160,7 +5542,7 @@
           <a:lstStyle/>
           <a:p>
             <a:pPr algn="ctr"/>
-            <a:endParaRPr lang="fr-FR"/>
+            <a:endParaRPr lang="fr-FR" dirty="0"/>
           </a:p>
         </p:txBody>
       </p:sp>
@@ -5504,27 +5886,27 @@
         </p:nvSpPr>
         <p:spPr>
           <a:xfrm>
-            <a:off x="1375568" y="3450492"/>
+            <a:off x="860228" y="2878198"/>
             <a:ext cx="10515600" cy="1101603"/>
           </a:xfrm>
         </p:spPr>
         <p:txBody>
           <a:bodyPr>
-            <a:normAutofit fontScale="90000"/>
+            <a:noAutofit/>
           </a:bodyPr>
           <a:lstStyle/>
           <a:p>
             <a:pPr algn="ctr"/>
             <a:r>
-              <a:rPr lang="fr-FR" sz="9800"/>
+              <a:rPr lang="fr-FR" sz="8000" dirty="0"/>
               <a:t>ISEN</a:t>
             </a:r>
             <a:r>
-              <a:rPr lang="fr-FR"/>
+              <a:rPr lang="fr-FR" sz="3600" dirty="0"/>
               <a:t> </a:t>
             </a:r>
             <a:r>
-              <a:rPr lang="fr-FR" sz="9800"/>
+              <a:rPr lang="fr-FR" sz="8000" dirty="0"/>
               <a:t>INFO</a:t>
             </a:r>
           </a:p>
@@ -5532,18 +5914,18 @@
       </p:sp>
       <p:sp>
         <p:nvSpPr>
-          <p:cNvPr id="3" name="Espace réservé du contenu 2">
-            <a:extLst>
-              <a:ext uri="{FF2B5EF4-FFF2-40B4-BE49-F238E27FC236}">
-                <a16:creationId xmlns:a16="http://schemas.microsoft.com/office/drawing/2014/main" id="{2BEF494F-48EF-41E5-A109-85CCFCF06744}"/>
-              </a:ext>
-            </a:extLst>
-          </p:cNvPr>
-          <p:cNvSpPr>
-            <a:spLocks noGrp="1"/>
-          </p:cNvSpPr>
-          <p:nvPr>
-            <p:ph idx="1"/>
+          <p:cNvPr id="4" name="Espace réservé du pied de page 3">
+            <a:extLst>
+              <a:ext uri="{FF2B5EF4-FFF2-40B4-BE49-F238E27FC236}">
+                <a16:creationId xmlns:a16="http://schemas.microsoft.com/office/drawing/2014/main" id="{641AC214-18DF-4624-8523-87245B9348E2}"/>
+              </a:ext>
+            </a:extLst>
+          </p:cNvPr>
+          <p:cNvSpPr>
+            <a:spLocks noGrp="1"/>
+          </p:cNvSpPr>
+          <p:nvPr>
+            <p:ph type="ftr" sz="quarter" idx="11"/>
           </p:nvPr>
         </p:nvSpPr>
         <p:spPr/>
@@ -5551,34 +5933,9 @@
           <a:bodyPr/>
           <a:lstStyle/>
           <a:p>
-            <a:endParaRPr lang="fr-FR"/>
-          </a:p>
-        </p:txBody>
-      </p:sp>
-      <p:sp>
-        <p:nvSpPr>
-          <p:cNvPr id="4" name="Espace réservé du pied de page 3">
-            <a:extLst>
-              <a:ext uri="{FF2B5EF4-FFF2-40B4-BE49-F238E27FC236}">
-                <a16:creationId xmlns:a16="http://schemas.microsoft.com/office/drawing/2014/main" id="{641AC214-18DF-4624-8523-87245B9348E2}"/>
-              </a:ext>
-            </a:extLst>
-          </p:cNvPr>
-          <p:cNvSpPr>
-            <a:spLocks noGrp="1"/>
-          </p:cNvSpPr>
-          <p:nvPr>
-            <p:ph type="ftr" sz="quarter" idx="11"/>
-          </p:nvPr>
-        </p:nvSpPr>
-        <p:spPr/>
-        <p:txBody>
-          <a:bodyPr/>
-          <a:lstStyle/>
-          <a:p>
-            <a:r>
-              <a:rPr lang="fr-FR"/>
-              <a:t>Hugo Demenez &amp; Brieuc Da1ndoy &amp; Guillaume Gulli &amp; Mohamed Amine Bennouna</a:t>
+            <a:r>
+              <a:rPr lang="fr-FR" dirty="0"/>
+              <a:t>Hugo Demenez &amp; Brieuc Dandoy &amp; Guillaume Gulli &amp; Mohamed Amine Bennouna</a:t>
             </a:r>
           </a:p>
         </p:txBody>
@@ -5608,7 +5965,7 @@
               <a:rPr lang="fr-FR" smtClean="0"/>
               <a:t>1</a:t>
             </a:fld>
-            <a:endParaRPr lang="fr-FR"/>
+            <a:endParaRPr lang="fr-FR" dirty="0"/>
           </a:p>
         </p:txBody>
       </p:sp>
@@ -5626,7 +5983,7 @@
         </p:nvSpPr>
         <p:spPr>
           <a:xfrm>
-            <a:off x="5195348" y="95114"/>
+            <a:off x="6311243" y="96322"/>
             <a:ext cx="365125" cy="365125"/>
           </a:xfrm>
           <a:prstGeom prst="ellipse">
@@ -5661,10 +6018,12 @@
           <a:p>
             <a:pPr algn="ctr"/>
             <a:r>
-              <a:rPr lang="fr-FR">
+              <a:rPr lang="fr-FR" dirty="0">
                 <a:solidFill>
                   <a:schemeClr val="accent1"/>
                 </a:solidFill>
+                <a:latin typeface="Poppins" panose="00000500000000000000" pitchFamily="2" charset="0"/>
+                <a:cs typeface="Poppins" panose="00000500000000000000" pitchFamily="2" charset="0"/>
               </a:rPr>
               <a:t>1</a:t>
             </a:r>
@@ -5685,7 +6044,7 @@
         </p:nvSpPr>
         <p:spPr>
           <a:xfrm>
-            <a:off x="5935466" y="97531"/>
+            <a:off x="7085254" y="96322"/>
             <a:ext cx="365125" cy="365125"/>
           </a:xfrm>
           <a:prstGeom prst="ellipse">
@@ -5720,10 +6079,12 @@
           <a:p>
             <a:pPr algn="ctr"/>
             <a:r>
-              <a:rPr lang="fr-FR">
+              <a:rPr lang="fr-FR" dirty="0">
                 <a:solidFill>
                   <a:schemeClr val="accent1"/>
                 </a:solidFill>
+                <a:latin typeface="Poppins" panose="00000500000000000000" pitchFamily="2" charset="0"/>
+                <a:cs typeface="Poppins" panose="00000500000000000000" pitchFamily="2" charset="0"/>
               </a:rPr>
               <a:t>2</a:t>
             </a:r>
@@ -5747,8 +6108,8 @@
         </p:nvCxnSpPr>
         <p:spPr>
           <a:xfrm>
-            <a:off x="5560473" y="277677"/>
-            <a:ext cx="374993" cy="2417"/>
+            <a:off x="6676368" y="278885"/>
+            <a:ext cx="408886" cy="0"/>
           </a:xfrm>
           <a:prstGeom prst="line">
             <a:avLst/>
@@ -5788,7 +6149,7 @@
         </p:nvSpPr>
         <p:spPr>
           <a:xfrm>
-            <a:off x="6633368" y="97531"/>
+            <a:off x="7859265" y="96322"/>
             <a:ext cx="365125" cy="365125"/>
           </a:xfrm>
           <a:prstGeom prst="ellipse">
@@ -5823,10 +6184,12 @@
           <a:p>
             <a:pPr algn="ctr"/>
             <a:r>
-              <a:rPr lang="fr-FR">
+              <a:rPr lang="fr-FR" dirty="0">
                 <a:solidFill>
                   <a:schemeClr val="accent1"/>
                 </a:solidFill>
+                <a:latin typeface="Poppins" panose="00000500000000000000" pitchFamily="2" charset="0"/>
+                <a:cs typeface="Poppins" panose="00000500000000000000" pitchFamily="2" charset="0"/>
               </a:rPr>
               <a:t>3</a:t>
             </a:r>
@@ -5851,8 +6214,8 @@
         </p:nvCxnSpPr>
         <p:spPr>
           <a:xfrm>
-            <a:off x="6300591" y="280094"/>
-            <a:ext cx="332777" cy="0"/>
+            <a:off x="7450379" y="278885"/>
+            <a:ext cx="408886" cy="0"/>
           </a:xfrm>
           <a:prstGeom prst="line">
             <a:avLst/>
@@ -5892,8 +6255,224 @@
         </p:nvSpPr>
         <p:spPr>
           <a:xfrm>
-            <a:off x="3326734" y="95114"/>
-            <a:ext cx="1535837" cy="365125"/>
+            <a:off x="3922357" y="96322"/>
+            <a:ext cx="1980000" cy="365125"/>
+          </a:xfrm>
+          <a:prstGeom prst="roundRect">
+            <a:avLst>
+              <a:gd name="adj" fmla="val 50000"/>
+            </a:avLst>
+          </a:prstGeom>
+          <a:solidFill>
+            <a:schemeClr val="bg1"/>
+          </a:solidFill>
+          <a:ln>
+            <a:noFill/>
+          </a:ln>
+        </p:spPr>
+        <p:style>
+          <a:lnRef idx="2">
+            <a:schemeClr val="accent1">
+              <a:shade val="50000"/>
+            </a:schemeClr>
+          </a:lnRef>
+          <a:fillRef idx="1">
+            <a:schemeClr val="accent1"/>
+          </a:fillRef>
+          <a:effectRef idx="0">
+            <a:schemeClr val="accent1"/>
+          </a:effectRef>
+          <a:fontRef idx="minor">
+            <a:schemeClr val="lt1"/>
+          </a:fontRef>
+        </p:style>
+        <p:txBody>
+          <a:bodyPr rtlCol="0" anchor="ctr"/>
+          <a:lstStyle/>
+          <a:p>
+            <a:pPr algn="ctr"/>
+            <a:r>
+              <a:rPr lang="fr-FR" sz="1600" dirty="0">
+                <a:solidFill>
+                  <a:schemeClr val="accent1"/>
+                </a:solidFill>
+                <a:latin typeface="Poppins" panose="00000500000000000000" pitchFamily="2" charset="0"/>
+                <a:cs typeface="Poppins" panose="00000500000000000000" pitchFamily="2" charset="0"/>
+              </a:rPr>
+              <a:t>Introduction</a:t>
+            </a:r>
+          </a:p>
+        </p:txBody>
+      </p:sp>
+      <p:cxnSp>
+        <p:nvCxnSpPr>
+          <p:cNvPr id="13" name="Connecteur droit 12">
+            <a:extLst>
+              <a:ext uri="{FF2B5EF4-FFF2-40B4-BE49-F238E27FC236}">
+                <a16:creationId xmlns:a16="http://schemas.microsoft.com/office/drawing/2014/main" id="{8B23DE0E-CF67-46B8-984A-E21B1FFEC40A}"/>
+              </a:ext>
+            </a:extLst>
+          </p:cNvPr>
+          <p:cNvCxnSpPr>
+            <a:cxnSpLocks/>
+            <a:stCxn id="12" idx="3"/>
+            <a:endCxn id="7" idx="2"/>
+          </p:cNvCxnSpPr>
+          <p:nvPr/>
+        </p:nvCxnSpPr>
+        <p:spPr>
+          <a:xfrm>
+            <a:off x="5902357" y="278885"/>
+            <a:ext cx="408886" cy="0"/>
+          </a:xfrm>
+          <a:prstGeom prst="line">
+            <a:avLst/>
+          </a:prstGeom>
+          <a:ln w="19050">
+            <a:solidFill>
+              <a:schemeClr val="bg1"/>
+            </a:solidFill>
+          </a:ln>
+        </p:spPr>
+        <p:style>
+          <a:lnRef idx="1">
+            <a:schemeClr val="accent1"/>
+          </a:lnRef>
+          <a:fillRef idx="0">
+            <a:schemeClr val="accent1"/>
+          </a:fillRef>
+          <a:effectRef idx="0">
+            <a:schemeClr val="accent1"/>
+          </a:effectRef>
+          <a:fontRef idx="minor">
+            <a:schemeClr val="tx1"/>
+          </a:fontRef>
+        </p:style>
+      </p:cxnSp>
+      <p:sp>
+        <p:nvSpPr>
+          <p:cNvPr id="14" name="Rectangle : coins arrondis 13">
+            <a:extLst>
+              <a:ext uri="{FF2B5EF4-FFF2-40B4-BE49-F238E27FC236}">
+                <a16:creationId xmlns:a16="http://schemas.microsoft.com/office/drawing/2014/main" id="{557B6687-1FC5-4802-B1D6-3B08928350D7}"/>
+              </a:ext>
+            </a:extLst>
+          </p:cNvPr>
+          <p:cNvSpPr/>
+          <p:nvPr/>
+        </p:nvSpPr>
+        <p:spPr>
+          <a:xfrm>
+            <a:off x="8633275" y="96322"/>
+            <a:ext cx="1980000" cy="365125"/>
+          </a:xfrm>
+          <a:prstGeom prst="roundRect">
+            <a:avLst>
+              <a:gd name="adj" fmla="val 50000"/>
+            </a:avLst>
+          </a:prstGeom>
+          <a:solidFill>
+            <a:schemeClr val="bg1"/>
+          </a:solidFill>
+          <a:ln>
+            <a:noFill/>
+          </a:ln>
+        </p:spPr>
+        <p:style>
+          <a:lnRef idx="2">
+            <a:schemeClr val="accent1">
+              <a:shade val="50000"/>
+            </a:schemeClr>
+          </a:lnRef>
+          <a:fillRef idx="1">
+            <a:schemeClr val="accent1"/>
+          </a:fillRef>
+          <a:effectRef idx="0">
+            <a:schemeClr val="accent1"/>
+          </a:effectRef>
+          <a:fontRef idx="minor">
+            <a:schemeClr val="lt1"/>
+          </a:fontRef>
+        </p:style>
+        <p:txBody>
+          <a:bodyPr rtlCol="0" anchor="ctr"/>
+          <a:lstStyle/>
+          <a:p>
+            <a:pPr algn="ctr"/>
+            <a:r>
+              <a:rPr lang="fr-FR" dirty="0">
+                <a:solidFill>
+                  <a:schemeClr val="accent1"/>
+                </a:solidFill>
+                <a:latin typeface="Poppins" panose="00000500000000000000" pitchFamily="2" charset="0"/>
+                <a:cs typeface="Poppins" panose="00000500000000000000" pitchFamily="2" charset="0"/>
+              </a:rPr>
+              <a:t>Conclusion</a:t>
+            </a:r>
+          </a:p>
+        </p:txBody>
+      </p:sp>
+      <p:cxnSp>
+        <p:nvCxnSpPr>
+          <p:cNvPr id="15" name="Connecteur droit 14">
+            <a:extLst>
+              <a:ext uri="{FF2B5EF4-FFF2-40B4-BE49-F238E27FC236}">
+                <a16:creationId xmlns:a16="http://schemas.microsoft.com/office/drawing/2014/main" id="{4D64F33D-263E-47ED-B233-C48F692B900B}"/>
+              </a:ext>
+            </a:extLst>
+          </p:cNvPr>
+          <p:cNvCxnSpPr>
+            <a:cxnSpLocks/>
+            <a:stCxn id="10" idx="6"/>
+            <a:endCxn id="14" idx="1"/>
+          </p:cNvCxnSpPr>
+          <p:nvPr/>
+        </p:nvCxnSpPr>
+        <p:spPr>
+          <a:xfrm>
+            <a:off x="8224390" y="278885"/>
+            <a:ext cx="408885" cy="0"/>
+          </a:xfrm>
+          <a:prstGeom prst="line">
+            <a:avLst/>
+          </a:prstGeom>
+          <a:ln w="19050">
+            <a:solidFill>
+              <a:schemeClr val="bg1"/>
+            </a:solidFill>
+          </a:ln>
+        </p:spPr>
+        <p:style>
+          <a:lnRef idx="1">
+            <a:schemeClr val="accent1"/>
+          </a:lnRef>
+          <a:fillRef idx="0">
+            <a:schemeClr val="accent1"/>
+          </a:fillRef>
+          <a:effectRef idx="0">
+            <a:schemeClr val="accent1"/>
+          </a:effectRef>
+          <a:fontRef idx="minor">
+            <a:schemeClr val="tx1"/>
+          </a:fontRef>
+        </p:style>
+      </p:cxnSp>
+      <p:sp>
+        <p:nvSpPr>
+          <p:cNvPr id="16" name="Rectangle : coins arrondis 15">
+            <a:extLst>
+              <a:ext uri="{FF2B5EF4-FFF2-40B4-BE49-F238E27FC236}">
+                <a16:creationId xmlns:a16="http://schemas.microsoft.com/office/drawing/2014/main" id="{17284F2A-380B-47C5-8E35-43E16DBB1546}"/>
+              </a:ext>
+            </a:extLst>
+          </p:cNvPr>
+          <p:cNvSpPr/>
+          <p:nvPr/>
+        </p:nvSpPr>
+        <p:spPr>
+          <a:xfrm>
+            <a:off x="1533471" y="96322"/>
+            <a:ext cx="1980000" cy="365125"/>
           </a:xfrm>
           <a:prstGeom prst="roundRect">
             <a:avLst>
@@ -5929,142 +6508,38 @@
           <a:p>
             <a:pPr algn="ctr"/>
             <a:r>
-              <a:rPr lang="fr-FR">
+              <a:rPr lang="fr-FR" sz="1600" dirty="0">
                 <a:solidFill>
                   <a:schemeClr val="bg1"/>
                 </a:solidFill>
+                <a:latin typeface="Poppins" panose="00000500000000000000" pitchFamily="2" charset="0"/>
+                <a:cs typeface="Poppins" panose="00000500000000000000" pitchFamily="2" charset="0"/>
               </a:rPr>
-              <a:t>Introduction</a:t>
+              <a:t>Démonstration</a:t>
             </a:r>
           </a:p>
         </p:txBody>
       </p:sp>
       <p:cxnSp>
         <p:nvCxnSpPr>
-          <p:cNvPr id="13" name="Connecteur droit 12">
-            <a:extLst>
-              <a:ext uri="{FF2B5EF4-FFF2-40B4-BE49-F238E27FC236}">
-                <a16:creationId xmlns:a16="http://schemas.microsoft.com/office/drawing/2014/main" id="{8B23DE0E-CF67-46B8-984A-E21B1FFEC40A}"/>
+          <p:cNvPr id="30" name="Connecteur droit 29">
+            <a:extLst>
+              <a:ext uri="{FF2B5EF4-FFF2-40B4-BE49-F238E27FC236}">
+                <a16:creationId xmlns:a16="http://schemas.microsoft.com/office/drawing/2014/main" id="{73EE2F3F-FF5E-4E0C-B59D-FF0F67A6AC02}"/>
               </a:ext>
             </a:extLst>
           </p:cNvPr>
           <p:cNvCxnSpPr>
             <a:cxnSpLocks/>
-            <a:stCxn id="12" idx="3"/>
-            <a:endCxn id="7" idx="2"/>
+            <a:stCxn id="16" idx="3"/>
+            <a:endCxn id="12" idx="1"/>
           </p:cNvCxnSpPr>
           <p:nvPr/>
         </p:nvCxnSpPr>
         <p:spPr>
           <a:xfrm>
-            <a:off x="4862571" y="277677"/>
-            <a:ext cx="332777" cy="0"/>
-          </a:xfrm>
-          <a:prstGeom prst="line">
-            <a:avLst/>
-          </a:prstGeom>
-          <a:ln w="19050">
-            <a:solidFill>
-              <a:schemeClr val="bg1"/>
-            </a:solidFill>
-          </a:ln>
-        </p:spPr>
-        <p:style>
-          <a:lnRef idx="1">
-            <a:schemeClr val="accent1"/>
-          </a:lnRef>
-          <a:fillRef idx="0">
-            <a:schemeClr val="accent1"/>
-          </a:fillRef>
-          <a:effectRef idx="0">
-            <a:schemeClr val="accent1"/>
-          </a:effectRef>
-          <a:fontRef idx="minor">
-            <a:schemeClr val="tx1"/>
-          </a:fontRef>
-        </p:style>
-      </p:cxnSp>
-      <p:sp>
-        <p:nvSpPr>
-          <p:cNvPr id="14" name="Rectangle : coins arrondis 13">
-            <a:extLst>
-              <a:ext uri="{FF2B5EF4-FFF2-40B4-BE49-F238E27FC236}">
-                <a16:creationId xmlns:a16="http://schemas.microsoft.com/office/drawing/2014/main" id="{557B6687-1FC5-4802-B1D6-3B08928350D7}"/>
-              </a:ext>
-            </a:extLst>
-          </p:cNvPr>
-          <p:cNvSpPr/>
-          <p:nvPr/>
-        </p:nvSpPr>
-        <p:spPr>
-          <a:xfrm>
-            <a:off x="7373643" y="97531"/>
-            <a:ext cx="1535837" cy="365125"/>
-          </a:xfrm>
-          <a:prstGeom prst="roundRect">
-            <a:avLst>
-              <a:gd name="adj" fmla="val 50000"/>
-            </a:avLst>
-          </a:prstGeom>
-          <a:solidFill>
-            <a:schemeClr val="bg1"/>
-          </a:solidFill>
-          <a:ln>
-            <a:noFill/>
-          </a:ln>
-        </p:spPr>
-        <p:style>
-          <a:lnRef idx="2">
-            <a:schemeClr val="accent1">
-              <a:shade val="50000"/>
-            </a:schemeClr>
-          </a:lnRef>
-          <a:fillRef idx="1">
-            <a:schemeClr val="accent1"/>
-          </a:fillRef>
-          <a:effectRef idx="0">
-            <a:schemeClr val="accent1"/>
-          </a:effectRef>
-          <a:fontRef idx="minor">
-            <a:schemeClr val="lt1"/>
-          </a:fontRef>
-        </p:style>
-        <p:txBody>
-          <a:bodyPr rtlCol="0" anchor="ctr"/>
-          <a:lstStyle/>
-          <a:p>
-            <a:pPr algn="ctr"/>
-            <a:r>
-              <a:rPr lang="fr-FR">
-                <a:solidFill>
-                  <a:schemeClr val="accent1"/>
-                </a:solidFill>
-              </a:rPr>
-              <a:t>Conclusion</a:t>
-            </a:r>
-          </a:p>
-        </p:txBody>
-      </p:sp>
-      <p:cxnSp>
-        <p:nvCxnSpPr>
-          <p:cNvPr id="15" name="Connecteur droit 14">
-            <a:extLst>
-              <a:ext uri="{FF2B5EF4-FFF2-40B4-BE49-F238E27FC236}">
-                <a16:creationId xmlns:a16="http://schemas.microsoft.com/office/drawing/2014/main" id="{4D64F33D-263E-47ED-B233-C48F692B900B}"/>
-              </a:ext>
-            </a:extLst>
-          </p:cNvPr>
-          <p:cNvCxnSpPr>
-            <a:cxnSpLocks/>
-            <a:stCxn id="10" idx="6"/>
-            <a:endCxn id="14" idx="1"/>
-          </p:cNvCxnSpPr>
-          <p:nvPr/>
-        </p:nvCxnSpPr>
-        <p:spPr>
-          <a:xfrm>
-            <a:off x="6998493" y="280094"/>
-            <a:ext cx="375150" cy="0"/>
+            <a:off x="3513471" y="278885"/>
+            <a:ext cx="408886" cy="0"/>
           </a:xfrm>
           <a:prstGeom prst="line">
             <a:avLst/>
@@ -6125,7 +6600,7 @@
           <p:cNvPr id="2" name="Titre 1">
             <a:extLst>
               <a:ext uri="{FF2B5EF4-FFF2-40B4-BE49-F238E27FC236}">
-                <a16:creationId xmlns:a16="http://schemas.microsoft.com/office/drawing/2014/main" id="{DF869EE7-C142-4987-89E5-CB0F63FF2CD0}"/>
+                <a16:creationId xmlns:a16="http://schemas.microsoft.com/office/drawing/2014/main" id="{9CB1B839-D4B0-4C35-92A4-4F66790EFC94}"/>
               </a:ext>
             </a:extLst>
           </p:cNvPr>
@@ -6134,6 +6609,36 @@
           </p:cNvSpPr>
           <p:nvPr>
             <p:ph type="title"/>
+          </p:nvPr>
+        </p:nvSpPr>
+        <p:spPr/>
+        <p:txBody>
+          <a:bodyPr>
+            <a:normAutofit/>
+          </a:bodyPr>
+          <a:lstStyle/>
+          <a:p>
+            <a:r>
+              <a:rPr lang="fr-FR" dirty="0"/>
+              <a:t>Introduction </a:t>
+            </a:r>
+          </a:p>
+        </p:txBody>
+      </p:sp>
+      <p:sp>
+        <p:nvSpPr>
+          <p:cNvPr id="4" name="Espace réservé du pied de page 3">
+            <a:extLst>
+              <a:ext uri="{FF2B5EF4-FFF2-40B4-BE49-F238E27FC236}">
+                <a16:creationId xmlns:a16="http://schemas.microsoft.com/office/drawing/2014/main" id="{CA539AFF-C216-4F49-AA33-93698282E4F9}"/>
+              </a:ext>
+            </a:extLst>
+          </p:cNvPr>
+          <p:cNvSpPr>
+            <a:spLocks noGrp="1"/>
+          </p:cNvSpPr>
+          <p:nvPr>
+            <p:ph type="ftr" sz="quarter" idx="11"/>
           </p:nvPr>
         </p:nvSpPr>
         <p:spPr/>
@@ -6142,95 +6647,8 @@
           <a:lstStyle/>
           <a:p>
             <a:r>
-              <a:rPr lang="fr-FR"/>
-              <a:t>Sommaire</a:t>
-            </a:r>
-          </a:p>
-        </p:txBody>
-      </p:sp>
-      <p:sp>
-        <p:nvSpPr>
-          <p:cNvPr id="3" name="Espace réservé du contenu 2">
-            <a:extLst>
-              <a:ext uri="{FF2B5EF4-FFF2-40B4-BE49-F238E27FC236}">
-                <a16:creationId xmlns:a16="http://schemas.microsoft.com/office/drawing/2014/main" id="{284F65AD-876C-4B39-A2AC-2474F5B68FBD}"/>
-              </a:ext>
-            </a:extLst>
-          </p:cNvPr>
-          <p:cNvSpPr>
-            <a:spLocks noGrp="1"/>
-          </p:cNvSpPr>
-          <p:nvPr>
-            <p:ph idx="1"/>
-          </p:nvPr>
-        </p:nvSpPr>
-        <p:spPr/>
-        <p:txBody>
-          <a:bodyPr/>
-          <a:lstStyle/>
-          <a:p>
-            <a:r>
-              <a:rPr lang="fr-FR"/>
-              <a:t>Introduction </a:t>
-            </a:r>
-          </a:p>
-          <a:p>
-            <a:r>
-              <a:rPr lang="fr-FR"/>
-              <a:t>Concept</a:t>
-            </a:r>
-          </a:p>
-          <a:p>
-            <a:r>
-              <a:rPr lang="fr-FR"/>
-              <a:t>Gestion de Projet </a:t>
-            </a:r>
-          </a:p>
-          <a:p>
-            <a:r>
-              <a:rPr lang="fr-FR"/>
-              <a:t>Structure du Projet </a:t>
-            </a:r>
-          </a:p>
-          <a:p>
-            <a:r>
-              <a:rPr lang="fr-FR" err="1"/>
-              <a:t>Language</a:t>
-            </a:r>
-            <a:r>
-              <a:rPr lang="fr-FR"/>
-              <a:t> de programmation </a:t>
-            </a:r>
-          </a:p>
-          <a:p>
-            <a:endParaRPr lang="fr-FR"/>
-          </a:p>
-        </p:txBody>
-      </p:sp>
-      <p:sp>
-        <p:nvSpPr>
-          <p:cNvPr id="4" name="Espace réservé du pied de page 3">
-            <a:extLst>
-              <a:ext uri="{FF2B5EF4-FFF2-40B4-BE49-F238E27FC236}">
-                <a16:creationId xmlns:a16="http://schemas.microsoft.com/office/drawing/2014/main" id="{4CFCDA8B-54EE-4C55-80EF-0DA312F66AFD}"/>
-              </a:ext>
-            </a:extLst>
-          </p:cNvPr>
-          <p:cNvSpPr>
-            <a:spLocks noGrp="1"/>
-          </p:cNvSpPr>
-          <p:nvPr>
-            <p:ph type="ftr" sz="quarter" idx="11"/>
-          </p:nvPr>
-        </p:nvSpPr>
-        <p:spPr/>
-        <p:txBody>
-          <a:bodyPr/>
-          <a:lstStyle/>
-          <a:p>
-            <a:r>
-              <a:rPr lang="fr-FR"/>
-              <a:t>Hugo Demenez &amp; Brieuc Da1ndoy &amp; Guillaume Gulli &amp; Mohamed Amine Bennouna</a:t>
+              <a:rPr lang="fr-FR" dirty="0"/>
+              <a:t>Hugo Demenez &amp; Brieuc Dandoy &amp; Guillaume Gulli &amp; Mohamed Amine Bennouna</a:t>
             </a:r>
           </a:p>
         </p:txBody>
@@ -6240,7 +6658,7 @@
           <p:cNvPr id="5" name="Espace réservé du numéro de diapositive 4">
             <a:extLst>
               <a:ext uri="{FF2B5EF4-FFF2-40B4-BE49-F238E27FC236}">
-                <a16:creationId xmlns:a16="http://schemas.microsoft.com/office/drawing/2014/main" id="{61D873D3-864F-4963-B112-8CBAAC969FBD}"/>
+                <a16:creationId xmlns:a16="http://schemas.microsoft.com/office/drawing/2014/main" id="{EBC1F3B4-7E7E-4F07-BBFB-B5004D9A6CB5}"/>
               </a:ext>
             </a:extLst>
           </p:cNvPr>
@@ -6260,14 +6678,53 @@
               <a:rPr lang="fr-FR" smtClean="0"/>
               <a:t>2</a:t>
             </a:fld>
-            <a:endParaRPr lang="fr-FR"/>
-          </a:p>
-        </p:txBody>
-      </p:sp>
+            <a:endParaRPr lang="fr-FR" dirty="0"/>
+          </a:p>
+        </p:txBody>
+      </p:sp>
+      <p:pic>
+        <p:nvPicPr>
+          <p:cNvPr id="19" name="Graphique 18">
+            <a:extLst>
+              <a:ext uri="{FF2B5EF4-FFF2-40B4-BE49-F238E27FC236}">
+                <a16:creationId xmlns:a16="http://schemas.microsoft.com/office/drawing/2014/main" id="{DF7AE595-FC89-4DFA-9F92-DA40E1B5F31D}"/>
+              </a:ext>
+            </a:extLst>
+          </p:cNvPr>
+          <p:cNvPicPr>
+            <a:picLocks noChangeAspect="1"/>
+          </p:cNvPicPr>
+          <p:nvPr/>
+        </p:nvPicPr>
+        <p:blipFill>
+          <a:blip r:embed="rId2">
+            <a:extLst>
+              <a:ext uri="{28A0092B-C50C-407E-A947-70E740481C1C}">
+                <a14:useLocalDpi xmlns:a14="http://schemas.microsoft.com/office/drawing/2010/main" val="0"/>
+              </a:ext>
+              <a:ext uri="{96DAC541-7B7A-43D3-8B79-37D633B846F1}">
+                <asvg:svgBlip xmlns:asvg="http://schemas.microsoft.com/office/drawing/2016/SVG/main" r:embed="rId3"/>
+              </a:ext>
+            </a:extLst>
+          </a:blip>
+          <a:stretch>
+            <a:fillRect/>
+          </a:stretch>
+        </p:blipFill>
+        <p:spPr>
+          <a:xfrm>
+            <a:off x="3637811" y="1855951"/>
+            <a:ext cx="4916377" cy="3966205"/>
+          </a:xfrm>
+          <a:prstGeom prst="rect">
+            <a:avLst/>
+          </a:prstGeom>
+        </p:spPr>
+      </p:pic>
     </p:spTree>
     <p:extLst>
       <p:ext uri="{BB962C8B-B14F-4D97-AF65-F5344CB8AC3E}">
-        <p14:creationId xmlns:p14="http://schemas.microsoft.com/office/powerpoint/2010/main" val="1379568114"/>
+        <p14:creationId xmlns:p14="http://schemas.microsoft.com/office/powerpoint/2010/main" val="3028807577"/>
       </p:ext>
     </p:extLst>
   </p:cSld>
@@ -6299,7 +6756,7 @@
           <p:cNvPr id="2" name="Titre 1">
             <a:extLst>
               <a:ext uri="{FF2B5EF4-FFF2-40B4-BE49-F238E27FC236}">
-                <a16:creationId xmlns:a16="http://schemas.microsoft.com/office/drawing/2014/main" id="{9CB1B839-D4B0-4C35-92A4-4F66790EFC94}"/>
+                <a16:creationId xmlns:a16="http://schemas.microsoft.com/office/drawing/2014/main" id="{DF869EE7-C142-4987-89E5-CB0F63FF2CD0}"/>
               </a:ext>
             </a:extLst>
           </p:cNvPr>
@@ -6308,36 +6765,6 @@
           </p:cNvSpPr>
           <p:nvPr>
             <p:ph type="title"/>
-          </p:nvPr>
-        </p:nvSpPr>
-        <p:spPr/>
-        <p:txBody>
-          <a:bodyPr>
-            <a:normAutofit/>
-          </a:bodyPr>
-          <a:lstStyle/>
-          <a:p>
-            <a:r>
-              <a:rPr lang="fr-FR"/>
-              <a:t>Introduction </a:t>
-            </a:r>
-          </a:p>
-        </p:txBody>
-      </p:sp>
-      <p:sp>
-        <p:nvSpPr>
-          <p:cNvPr id="3" name="Espace réservé du contenu 2">
-            <a:extLst>
-              <a:ext uri="{FF2B5EF4-FFF2-40B4-BE49-F238E27FC236}">
-                <a16:creationId xmlns:a16="http://schemas.microsoft.com/office/drawing/2014/main" id="{1924C19D-2277-4EE6-BE20-FB4D88637296}"/>
-              </a:ext>
-            </a:extLst>
-          </p:cNvPr>
-          <p:cNvSpPr>
-            <a:spLocks noGrp="1"/>
-          </p:cNvSpPr>
-          <p:nvPr>
-            <p:ph idx="1"/>
           </p:nvPr>
         </p:nvSpPr>
         <p:spPr/>
@@ -6345,7 +6772,62 @@
           <a:bodyPr/>
           <a:lstStyle/>
           <a:p>
-            <a:endParaRPr lang="fr-FR"/>
+            <a:r>
+              <a:rPr lang="fr-FR" dirty="0"/>
+              <a:t>Sommaire</a:t>
+            </a:r>
+          </a:p>
+        </p:txBody>
+      </p:sp>
+      <p:sp>
+        <p:nvSpPr>
+          <p:cNvPr id="3" name="Espace réservé du contenu 2">
+            <a:extLst>
+              <a:ext uri="{FF2B5EF4-FFF2-40B4-BE49-F238E27FC236}">
+                <a16:creationId xmlns:a16="http://schemas.microsoft.com/office/drawing/2014/main" id="{284F65AD-876C-4B39-A2AC-2474F5B68FBD}"/>
+              </a:ext>
+            </a:extLst>
+          </p:cNvPr>
+          <p:cNvSpPr>
+            <a:spLocks noGrp="1"/>
+          </p:cNvSpPr>
+          <p:nvPr>
+            <p:ph idx="1"/>
+          </p:nvPr>
+        </p:nvSpPr>
+        <p:spPr/>
+        <p:txBody>
+          <a:bodyPr anchor="ctr"/>
+          <a:lstStyle/>
+          <a:p>
+            <a:pPr marL="0" indent="0">
+              <a:buNone/>
+            </a:pPr>
+            <a:r>
+              <a:rPr lang="fr-FR" dirty="0"/>
+              <a:t>Conceptualisation</a:t>
+            </a:r>
+          </a:p>
+          <a:p>
+            <a:pPr marL="0" indent="0">
+              <a:buNone/>
+            </a:pPr>
+            <a:r>
+              <a:rPr lang="fr-FR" dirty="0"/>
+              <a:t>Gestion de Projet</a:t>
+            </a:r>
+          </a:p>
+          <a:p>
+            <a:pPr marL="0" indent="0">
+              <a:buNone/>
+            </a:pPr>
+            <a:r>
+              <a:rPr lang="fr-FR" dirty="0"/>
+              <a:t>Choix techniques</a:t>
+            </a:r>
+          </a:p>
+          <a:p>
+            <a:endParaRPr lang="fr-FR" dirty="0"/>
           </a:p>
         </p:txBody>
       </p:sp>
@@ -6354,7 +6836,7 @@
           <p:cNvPr id="4" name="Espace réservé du pied de page 3">
             <a:extLst>
               <a:ext uri="{FF2B5EF4-FFF2-40B4-BE49-F238E27FC236}">
-                <a16:creationId xmlns:a16="http://schemas.microsoft.com/office/drawing/2014/main" id="{CA539AFF-C216-4F49-AA33-93698282E4F9}"/>
+                <a16:creationId xmlns:a16="http://schemas.microsoft.com/office/drawing/2014/main" id="{4CFCDA8B-54EE-4C55-80EF-0DA312F66AFD}"/>
               </a:ext>
             </a:extLst>
           </p:cNvPr>
@@ -6371,8 +6853,8 @@
           <a:lstStyle/>
           <a:p>
             <a:r>
-              <a:rPr lang="fr-FR"/>
-              <a:t>Hugo Demenez &amp; Brieuc Da1ndoy &amp; Guillaume Gulli &amp; Mohamed Amine Bennouna</a:t>
+              <a:rPr lang="fr-FR" dirty="0"/>
+              <a:t>Hugo Demenez &amp; Brieuc Dandoy &amp; Guillaume Gulli &amp; Mohamed Amine Bennouna</a:t>
             </a:r>
           </a:p>
         </p:txBody>
@@ -6382,7 +6864,7 @@
           <p:cNvPr id="5" name="Espace réservé du numéro de diapositive 4">
             <a:extLst>
               <a:ext uri="{FF2B5EF4-FFF2-40B4-BE49-F238E27FC236}">
-                <a16:creationId xmlns:a16="http://schemas.microsoft.com/office/drawing/2014/main" id="{EBC1F3B4-7E7E-4F07-BBFB-B5004D9A6CB5}"/>
+                <a16:creationId xmlns:a16="http://schemas.microsoft.com/office/drawing/2014/main" id="{61D873D3-864F-4963-B112-8CBAAC969FBD}"/>
               </a:ext>
             </a:extLst>
           </p:cNvPr>
@@ -6402,14 +6884,14 @@
               <a:rPr lang="fr-FR" smtClean="0"/>
               <a:t>3</a:t>
             </a:fld>
-            <a:endParaRPr lang="fr-FR"/>
+            <a:endParaRPr lang="fr-FR" dirty="0"/>
           </a:p>
         </p:txBody>
       </p:sp>
     </p:spTree>
     <p:extLst>
       <p:ext uri="{BB962C8B-B14F-4D97-AF65-F5344CB8AC3E}">
-        <p14:creationId xmlns:p14="http://schemas.microsoft.com/office/powerpoint/2010/main" val="3028807577"/>
+        <p14:creationId xmlns:p14="http://schemas.microsoft.com/office/powerpoint/2010/main" val="1379568114"/>
       </p:ext>
     </p:extLst>
   </p:cSld>
@@ -6455,18 +6937,14 @@
         <p:spPr/>
         <p:txBody>
           <a:bodyPr>
-            <a:normAutofit fontScale="90000"/>
+            <a:normAutofit/>
           </a:bodyPr>
           <a:lstStyle/>
           <a:p>
             <a:r>
-              <a:rPr lang="fr-FR"/>
+              <a:rPr lang="fr-FR" dirty="0"/>
               <a:t>Concept</a:t>
             </a:r>
-            <a:br>
-              <a:rPr lang="fr-FR"/>
-            </a:br>
-            <a:endParaRPr lang="fr-FR"/>
           </a:p>
         </p:txBody>
       </p:sp>
@@ -6486,44 +6964,52 @@
             <p:ph idx="1"/>
           </p:nvPr>
         </p:nvSpPr>
-        <p:spPr/>
+        <p:spPr>
+          <a:prstGeom prst="roundRect">
+            <a:avLst/>
+          </a:prstGeom>
+          <a:noFill/>
+        </p:spPr>
         <p:txBody>
           <a:bodyPr>
-            <a:normAutofit fontScale="92500"/>
+            <a:normAutofit fontScale="77500" lnSpcReduction="20000"/>
           </a:bodyPr>
           <a:lstStyle/>
           <a:p>
             <a:r>
-              <a:rPr lang="fr-FR"/>
+              <a:rPr lang="fr-FR" dirty="0"/>
               <a:t>Interface web qui envoie automatiquement un mail avec l'emploi du temps de la semaine et les nouvelles notes.</a:t>
             </a:r>
           </a:p>
           <a:p>
-            <a:endParaRPr lang="fr-FR"/>
-          </a:p>
-          <a:p>
-            <a:r>
-              <a:rPr lang="fr-FR"/>
+            <a:endParaRPr lang="fr-FR" dirty="0"/>
+          </a:p>
+          <a:p>
+            <a:r>
+              <a:rPr lang="fr-FR" dirty="0"/>
               <a:t>Alimente la base de données avec l'identifiant, le mot de passe, l'email, le planning et les notes.</a:t>
             </a:r>
           </a:p>
           <a:p>
-            <a:endParaRPr lang="fr-FR"/>
-          </a:p>
-          <a:p>
-            <a:r>
-              <a:rPr lang="fr-FR"/>
+            <a:endParaRPr lang="fr-FR" dirty="0"/>
+          </a:p>
+          <a:p>
+            <a:r>
+              <a:rPr lang="fr-FR" dirty="0"/>
               <a:t>Checking des informations tous les jours pour voir s'il y a des changements. </a:t>
             </a:r>
           </a:p>
           <a:p>
-            <a:r>
-              <a:rPr lang="fr-FR"/>
+            <a:endParaRPr lang="fr-FR" dirty="0"/>
+          </a:p>
+          <a:p>
+            <a:r>
+              <a:rPr lang="fr-FR" dirty="0"/>
               <a:t>Créer un assistant vocal qui sera disponible sur la page web pour permettre de poser des questions concernant par exemple le nombre d'heures de cette semaine ou calculer la moyenne générale</a:t>
             </a:r>
           </a:p>
           <a:p>
-            <a:endParaRPr lang="fr-FR"/>
+            <a:endParaRPr lang="fr-FR" dirty="0"/>
           </a:p>
         </p:txBody>
       </p:sp>
@@ -6549,8 +7035,8 @@
           <a:lstStyle/>
           <a:p>
             <a:r>
-              <a:rPr lang="fr-FR"/>
-              <a:t>Hugo Demenez &amp; Brieuc Da1ndoy &amp; Guillaume Gulli &amp; Mohamed Amine Bennouna</a:t>
+              <a:rPr lang="fr-FR" dirty="0"/>
+              <a:t>Hugo Demenez &amp; Brieuc Dandoy &amp; Guillaume Gulli &amp; Mohamed Amine Bennouna</a:t>
             </a:r>
           </a:p>
         </p:txBody>
@@ -6580,7 +7066,7 @@
               <a:rPr lang="fr-FR" smtClean="0"/>
               <a:t>4</a:t>
             </a:fld>
-            <a:endParaRPr lang="fr-FR"/>
+            <a:endParaRPr lang="fr-FR" dirty="0"/>
           </a:p>
         </p:txBody>
       </p:sp>
@@ -6635,7 +7121,7 @@
           <a:bodyPr/>
           <a:lstStyle/>
           <a:p>
-            <a:endParaRPr lang="fr-FR"/>
+            <a:endParaRPr lang="fr-FR" dirty="0"/>
           </a:p>
         </p:txBody>
       </p:sp>
@@ -6663,26 +7149,26 @@
         </p:spPr>
         <p:txBody>
           <a:bodyPr>
-            <a:normAutofit/>
+            <a:normAutofit fontScale="92500" lnSpcReduction="10000"/>
           </a:bodyPr>
           <a:lstStyle/>
           <a:p>
             <a:r>
-              <a:rPr lang="en-US" sz="3200"/>
+              <a:rPr lang="en-US" sz="3200" dirty="0"/>
               <a:t>Gestion de </a:t>
             </a:r>
             <a:r>
-              <a:rPr lang="en-US" sz="3200" err="1"/>
+              <a:rPr lang="en-US" sz="3200" dirty="0" err="1"/>
               <a:t>Projet</a:t>
             </a:r>
             <a:r>
-              <a:rPr lang="en-US" sz="3200"/>
+              <a:rPr lang="en-US" sz="3200" dirty="0"/>
               <a:t> </a:t>
             </a:r>
             <a:br>
-              <a:rPr lang="en-US" sz="3200"/>
+              <a:rPr lang="en-US" sz="3200" dirty="0"/>
             </a:br>
-            <a:endParaRPr lang="fr-FR" sz="3200"/>
+            <a:endParaRPr lang="fr-FR" sz="3200" dirty="0"/>
           </a:p>
         </p:txBody>
       </p:sp>
@@ -6708,8 +7194,8 @@
           <a:lstStyle/>
           <a:p>
             <a:r>
-              <a:rPr lang="fr-FR"/>
-              <a:t>Hugo Demenez &amp; Brieuc Da1ndoy &amp; Guillaume Gulli &amp; Mohamed Amine Bennouna</a:t>
+              <a:rPr lang="fr-FR" dirty="0"/>
+              <a:t>Hugo Demenez &amp; Brieuc Dandoy &amp; Guillaume Gulli &amp; Mohamed Amine Bennouna</a:t>
             </a:r>
           </a:p>
         </p:txBody>
@@ -6743,68 +7229,6 @@
           </a:p>
         </p:txBody>
       </p:sp>
-      <p:pic>
-        <p:nvPicPr>
-          <p:cNvPr id="6" name="Espace réservé du contenu 4">
-            <a:extLst>
-              <a:ext uri="{FF2B5EF4-FFF2-40B4-BE49-F238E27FC236}">
-                <a16:creationId xmlns:a16="http://schemas.microsoft.com/office/drawing/2014/main" id="{F4703B74-42FC-464C-B96B-DD21331747BD}"/>
-              </a:ext>
-            </a:extLst>
-          </p:cNvPr>
-          <p:cNvPicPr>
-            <a:picLocks noChangeAspect="1"/>
-          </p:cNvPicPr>
-          <p:nvPr/>
-        </p:nvPicPr>
-        <p:blipFill>
-          <a:blip r:embed="rId3"/>
-          <a:stretch>
-            <a:fillRect/>
-          </a:stretch>
-        </p:blipFill>
-        <p:spPr>
-          <a:xfrm>
-            <a:off x="4731040" y="616141"/>
-            <a:ext cx="6630822" cy="5652774"/>
-          </a:xfrm>
-          <a:prstGeom prst="rect">
-            <a:avLst/>
-          </a:prstGeom>
-          <a:ln>
-            <a:gradFill flip="none" rotWithShape="1">
-              <a:gsLst>
-                <a:gs pos="86000">
-                  <a:schemeClr val="accent6">
-                    <a:lumMod val="67000"/>
-                  </a:schemeClr>
-                </a:gs>
-                <a:gs pos="20000">
-                  <a:schemeClr val="accent6">
-                    <a:lumMod val="97000"/>
-                    <a:lumOff val="3000"/>
-                  </a:schemeClr>
-                </a:gs>
-                <a:gs pos="100000">
-                  <a:schemeClr val="accent6">
-                    <a:lumMod val="60000"/>
-                    <a:lumOff val="40000"/>
-                  </a:schemeClr>
-                </a:gs>
-              </a:gsLst>
-              <a:lin ang="16200000" scaled="1"/>
-              <a:tileRect/>
-            </a:gradFill>
-          </a:ln>
-          <a:effectLst>
-            <a:innerShdw blurRad="127000">
-              <a:prstClr val="black">
-                <a:alpha val="90000"/>
-              </a:prstClr>
-            </a:innerShdw>
-          </a:effectLst>
-        </p:spPr>
-      </p:pic>
     </p:spTree>
     <p:extLst>
       <p:ext uri="{BB962C8B-B14F-4D97-AF65-F5344CB8AC3E}">
@@ -6884,7 +7308,7 @@
         </p:spPr>
         <p:txBody>
           <a:bodyPr>
-            <a:normAutofit lnSpcReduction="10000"/>
+            <a:normAutofit fontScale="85000" lnSpcReduction="10000"/>
           </a:bodyPr>
           <a:lstStyle/>
           <a:p>
@@ -6929,8 +7353,8 @@
           <a:lstStyle/>
           <a:p>
             <a:r>
-              <a:rPr lang="fr-FR"/>
-              <a:t>Hugo Demenez &amp; Brieuc Da1ndoy &amp; Guillaume Gulli &amp; Mohamed Amine Bennouna</a:t>
+              <a:rPr lang="fr-FR" dirty="0"/>
+              <a:t>Hugo Demenez &amp; Brieuc Dandoy &amp; Guillaume Gulli &amp; Mohamed Amine Bennouna</a:t>
             </a:r>
           </a:p>
         </p:txBody>
@@ -6964,192 +7388,6 @@
           </a:p>
         </p:txBody>
       </p:sp>
-      <p:pic>
-        <p:nvPicPr>
-          <p:cNvPr id="6" name="Image 5">
-            <a:extLst>
-              <a:ext uri="{FF2B5EF4-FFF2-40B4-BE49-F238E27FC236}">
-                <a16:creationId xmlns:a16="http://schemas.microsoft.com/office/drawing/2014/main" id="{0AEC5E1A-B153-4DC8-AE5B-FBD82E24284B}"/>
-              </a:ext>
-            </a:extLst>
-          </p:cNvPr>
-          <p:cNvPicPr>
-            <a:picLocks noChangeAspect="1"/>
-          </p:cNvPicPr>
-          <p:nvPr/>
-        </p:nvPicPr>
-        <p:blipFill>
-          <a:blip r:embed="rId2"/>
-          <a:stretch>
-            <a:fillRect/>
-          </a:stretch>
-        </p:blipFill>
-        <p:spPr>
-          <a:xfrm>
-            <a:off x="5400146" y="909265"/>
-            <a:ext cx="5953654" cy="3348929"/>
-          </a:xfrm>
-          <a:prstGeom prst="rect">
-            <a:avLst/>
-          </a:prstGeom>
-          <a:ln>
-            <a:gradFill flip="none" rotWithShape="1">
-              <a:gsLst>
-                <a:gs pos="86000">
-                  <a:schemeClr val="accent6">
-                    <a:lumMod val="67000"/>
-                  </a:schemeClr>
-                </a:gs>
-                <a:gs pos="20000">
-                  <a:schemeClr val="accent6">
-                    <a:lumMod val="97000"/>
-                    <a:lumOff val="3000"/>
-                  </a:schemeClr>
-                </a:gs>
-                <a:gs pos="100000">
-                  <a:schemeClr val="accent6">
-                    <a:lumMod val="60000"/>
-                    <a:lumOff val="40000"/>
-                  </a:schemeClr>
-                </a:gs>
-              </a:gsLst>
-              <a:lin ang="16200000" scaled="1"/>
-              <a:tileRect/>
-            </a:gradFill>
-          </a:ln>
-          <a:effectLst>
-            <a:innerShdw blurRad="127000">
-              <a:prstClr val="black">
-                <a:alpha val="90000"/>
-              </a:prstClr>
-            </a:innerShdw>
-          </a:effectLst>
-        </p:spPr>
-      </p:pic>
-      <p:pic>
-        <p:nvPicPr>
-          <p:cNvPr id="7" name="Image 6" descr="Une image contenant texte&#10;&#10;Description générée automatiquement">
-            <a:extLst>
-              <a:ext uri="{FF2B5EF4-FFF2-40B4-BE49-F238E27FC236}">
-                <a16:creationId xmlns:a16="http://schemas.microsoft.com/office/drawing/2014/main" id="{5F90C6F4-9791-4EC2-A862-5FE64A92AA0C}"/>
-              </a:ext>
-            </a:extLst>
-          </p:cNvPr>
-          <p:cNvPicPr>
-            <a:picLocks noChangeAspect="1"/>
-          </p:cNvPicPr>
-          <p:nvPr/>
-        </p:nvPicPr>
-        <p:blipFill>
-          <a:blip r:embed="rId3"/>
-          <a:stretch>
-            <a:fillRect/>
-          </a:stretch>
-        </p:blipFill>
-        <p:spPr>
-          <a:xfrm>
-            <a:off x="5400146" y="4444997"/>
-            <a:ext cx="2733775" cy="1537748"/>
-          </a:xfrm>
-          <a:prstGeom prst="rect">
-            <a:avLst/>
-          </a:prstGeom>
-          <a:ln>
-            <a:gradFill flip="none" rotWithShape="1">
-              <a:gsLst>
-                <a:gs pos="86000">
-                  <a:schemeClr val="accent6">
-                    <a:lumMod val="67000"/>
-                  </a:schemeClr>
-                </a:gs>
-                <a:gs pos="20000">
-                  <a:schemeClr val="accent6">
-                    <a:lumMod val="97000"/>
-                    <a:lumOff val="3000"/>
-                  </a:schemeClr>
-                </a:gs>
-                <a:gs pos="100000">
-                  <a:schemeClr val="accent6">
-                    <a:lumMod val="60000"/>
-                    <a:lumOff val="40000"/>
-                  </a:schemeClr>
-                </a:gs>
-              </a:gsLst>
-              <a:lin ang="16200000" scaled="1"/>
-              <a:tileRect/>
-            </a:gradFill>
-          </a:ln>
-          <a:effectLst>
-            <a:innerShdw blurRad="127000">
-              <a:prstClr val="black">
-                <a:alpha val="90000"/>
-              </a:prstClr>
-            </a:innerShdw>
-          </a:effectLst>
-        </p:spPr>
-      </p:pic>
-      <p:pic>
-        <p:nvPicPr>
-          <p:cNvPr id="8" name="Espace réservé du contenu 3" descr="Une image contenant texte&#10;&#10;Description générée automatiquement">
-            <a:extLst>
-              <a:ext uri="{FF2B5EF4-FFF2-40B4-BE49-F238E27FC236}">
-                <a16:creationId xmlns:a16="http://schemas.microsoft.com/office/drawing/2014/main" id="{2D6D4A3B-6F7B-442F-AD4C-4C877F45F73A}"/>
-              </a:ext>
-            </a:extLst>
-          </p:cNvPr>
-          <p:cNvPicPr>
-            <a:picLocks noChangeAspect="1"/>
-          </p:cNvPicPr>
-          <p:nvPr/>
-        </p:nvPicPr>
-        <p:blipFill>
-          <a:blip r:embed="rId4"/>
-          <a:stretch>
-            <a:fillRect/>
-          </a:stretch>
-        </p:blipFill>
-        <p:spPr>
-          <a:xfrm>
-            <a:off x="8620024" y="4444997"/>
-            <a:ext cx="2733776" cy="1537748"/>
-          </a:xfrm>
-          <a:prstGeom prst="rect">
-            <a:avLst/>
-          </a:prstGeom>
-          <a:ln>
-            <a:gradFill flip="none" rotWithShape="1">
-              <a:gsLst>
-                <a:gs pos="86000">
-                  <a:schemeClr val="accent6">
-                    <a:lumMod val="67000"/>
-                  </a:schemeClr>
-                </a:gs>
-                <a:gs pos="20000">
-                  <a:schemeClr val="accent6">
-                    <a:lumMod val="97000"/>
-                    <a:lumOff val="3000"/>
-                  </a:schemeClr>
-                </a:gs>
-                <a:gs pos="100000">
-                  <a:schemeClr val="accent6">
-                    <a:lumMod val="60000"/>
-                    <a:lumOff val="40000"/>
-                  </a:schemeClr>
-                </a:gs>
-              </a:gsLst>
-              <a:lin ang="16200000" scaled="1"/>
-              <a:tileRect/>
-            </a:gradFill>
-          </a:ln>
-          <a:effectLst>
-            <a:innerShdw blurRad="127000">
-              <a:prstClr val="black">
-                <a:alpha val="90000"/>
-              </a:prstClr>
-            </a:innerShdw>
-          </a:effectLst>
-        </p:spPr>
-      </p:pic>
     </p:spTree>
     <p:extLst>
       <p:ext uri="{BB962C8B-B14F-4D97-AF65-F5344CB8AC3E}">
@@ -7198,84 +7436,55 @@
         </p:nvSpPr>
         <p:spPr/>
         <p:txBody>
+          <a:bodyPr>
+            <a:normAutofit/>
+          </a:bodyPr>
+          <a:lstStyle/>
+          <a:p>
+            <a:r>
+              <a:rPr lang="en-US" sz="4400" dirty="0" err="1"/>
+              <a:t>Langage</a:t>
+            </a:r>
+            <a:r>
+              <a:rPr lang="en-US" sz="4400" dirty="0"/>
+              <a:t> de </a:t>
+            </a:r>
+            <a:r>
+              <a:rPr lang="fr-FR" sz="4400" dirty="0"/>
+              <a:t>programmation</a:t>
+            </a:r>
+            <a:r>
+              <a:rPr lang="en-US" sz="4400" dirty="0"/>
+              <a:t> </a:t>
+            </a:r>
+            <a:endParaRPr lang="en-US" dirty="0"/>
+          </a:p>
+        </p:txBody>
+      </p:sp>
+      <p:sp>
+        <p:nvSpPr>
+          <p:cNvPr id="4" name="Espace réservé du pied de page 3">
+            <a:extLst>
+              <a:ext uri="{FF2B5EF4-FFF2-40B4-BE49-F238E27FC236}">
+                <a16:creationId xmlns:a16="http://schemas.microsoft.com/office/drawing/2014/main" id="{5E1F077A-5777-47D3-A592-A33839B3B604}"/>
+              </a:ext>
+            </a:extLst>
+          </p:cNvPr>
+          <p:cNvSpPr>
+            <a:spLocks noGrp="1"/>
+          </p:cNvSpPr>
+          <p:nvPr>
+            <p:ph type="ftr" sz="quarter" idx="11"/>
+          </p:nvPr>
+        </p:nvSpPr>
+        <p:spPr/>
+        <p:txBody>
           <a:bodyPr/>
           <a:lstStyle/>
           <a:p>
-            <a:endParaRPr lang="en-US"/>
-          </a:p>
-        </p:txBody>
-      </p:sp>
-      <p:sp>
-        <p:nvSpPr>
-          <p:cNvPr id="3" name="Espace réservé du contenu 2">
-            <a:extLst>
-              <a:ext uri="{FF2B5EF4-FFF2-40B4-BE49-F238E27FC236}">
-                <a16:creationId xmlns:a16="http://schemas.microsoft.com/office/drawing/2014/main" id="{3BDB33B8-2D07-475C-A011-28EC58641F77}"/>
-              </a:ext>
-            </a:extLst>
-          </p:cNvPr>
-          <p:cNvSpPr>
-            <a:spLocks noGrp="1"/>
-          </p:cNvSpPr>
-          <p:nvPr>
-            <p:ph idx="1"/>
-          </p:nvPr>
-        </p:nvSpPr>
-        <p:spPr>
-          <a:xfrm>
-            <a:off x="904875" y="3429000"/>
-            <a:ext cx="4630615" cy="680183"/>
-          </a:xfrm>
-        </p:spPr>
-        <p:txBody>
-          <a:bodyPr>
-            <a:normAutofit fontScale="92500" lnSpcReduction="20000"/>
-          </a:bodyPr>
-          <a:lstStyle/>
-          <a:p>
-            <a:r>
-              <a:rPr lang="en-US" sz="2800"/>
-              <a:t>Language de </a:t>
-            </a:r>
-            <a:r>
-              <a:rPr lang="en-US" sz="2800" err="1"/>
-              <a:t>programmation</a:t>
-            </a:r>
-            <a:r>
-              <a:rPr lang="en-US" sz="2800"/>
-              <a:t> </a:t>
-            </a:r>
-            <a:br>
-              <a:rPr lang="en-US" sz="2800"/>
-            </a:br>
-            <a:endParaRPr lang="en-US"/>
-          </a:p>
-        </p:txBody>
-      </p:sp>
-      <p:sp>
-        <p:nvSpPr>
-          <p:cNvPr id="4" name="Espace réservé du pied de page 3">
-            <a:extLst>
-              <a:ext uri="{FF2B5EF4-FFF2-40B4-BE49-F238E27FC236}">
-                <a16:creationId xmlns:a16="http://schemas.microsoft.com/office/drawing/2014/main" id="{5E1F077A-5777-47D3-A592-A33839B3B604}"/>
-              </a:ext>
-            </a:extLst>
-          </p:cNvPr>
-          <p:cNvSpPr>
-            <a:spLocks noGrp="1"/>
-          </p:cNvSpPr>
-          <p:nvPr>
-            <p:ph type="ftr" sz="quarter" idx="11"/>
-          </p:nvPr>
-        </p:nvSpPr>
-        <p:spPr/>
-        <p:txBody>
-          <a:bodyPr/>
-          <a:lstStyle/>
-          <a:p>
-            <a:r>
-              <a:rPr lang="fr-FR"/>
-              <a:t>Hugo Demenez &amp; Brieuc Da1ndoy &amp; Guillaume Gulli &amp; Mohamed Amine Bennouna</a:t>
+            <a:r>
+              <a:rPr lang="fr-FR" dirty="0"/>
+              <a:t>Hugo Demenez &amp; Brieuc Dandoy &amp; Guillaume Gulli &amp; Mohamed Amine Bennouna</a:t>
             </a:r>
           </a:p>
         </p:txBody>
@@ -7305,248 +7514,152 @@
               <a:rPr lang="fr-FR" smtClean="0"/>
               <a:t>7</a:t>
             </a:fld>
-            <a:endParaRPr lang="fr-FR"/>
-          </a:p>
-        </p:txBody>
-      </p:sp>
-      <p:pic>
-        <p:nvPicPr>
-          <p:cNvPr id="6" name="Picture 4">
-            <a:extLst>
-              <a:ext uri="{FF2B5EF4-FFF2-40B4-BE49-F238E27FC236}">
-                <a16:creationId xmlns:a16="http://schemas.microsoft.com/office/drawing/2014/main" id="{68A5440A-7450-4384-BA06-4A0DD7FB9564}"/>
-              </a:ext>
-            </a:extLst>
-          </p:cNvPr>
-          <p:cNvPicPr>
-            <a:picLocks noChangeAspect="1" noChangeArrowheads="1"/>
-          </p:cNvPicPr>
-          <p:nvPr/>
-        </p:nvPicPr>
-        <p:blipFill>
-          <a:blip r:embed="rId2">
-            <a:extLst>
-              <a:ext uri="{28A0092B-C50C-407E-A947-70E740481C1C}">
-                <a14:useLocalDpi xmlns:a14="http://schemas.microsoft.com/office/drawing/2010/main" val="0"/>
-              </a:ext>
-            </a:extLst>
-          </a:blip>
-          <a:stretch>
-            <a:fillRect/>
-          </a:stretch>
-        </p:blipFill>
-        <p:spPr bwMode="auto">
-          <a:xfrm>
-            <a:off x="6056478" y="900720"/>
-            <a:ext cx="5297322" cy="2856399"/>
-          </a:xfrm>
-          <a:prstGeom prst="rect">
-            <a:avLst/>
-          </a:prstGeom>
-          <a:noFill/>
-          <a:ln>
-            <a:gradFill flip="none" rotWithShape="1">
-              <a:gsLst>
-                <a:gs pos="86000">
-                  <a:schemeClr val="accent6">
-                    <a:lumMod val="67000"/>
-                  </a:schemeClr>
-                </a:gs>
-                <a:gs pos="20000">
-                  <a:schemeClr val="accent6">
-                    <a:lumMod val="97000"/>
-                    <a:lumOff val="3000"/>
-                  </a:schemeClr>
-                </a:gs>
-                <a:gs pos="100000">
-                  <a:schemeClr val="accent6">
-                    <a:lumMod val="60000"/>
-                    <a:lumOff val="40000"/>
-                  </a:schemeClr>
-                </a:gs>
-              </a:gsLst>
-              <a:lin ang="16200000" scaled="1"/>
-              <a:tileRect/>
-            </a:gradFill>
-          </a:ln>
-          <a:effectLst>
-            <a:innerShdw blurRad="127000">
-              <a:prstClr val="black">
-                <a:alpha val="90000"/>
-              </a:prstClr>
-            </a:innerShdw>
-          </a:effectLst>
-          <a:extLst>
-            <a:ext uri="{909E8E84-426E-40DD-AFC4-6F175D3DCCD1}">
-              <a14:hiddenFill xmlns:a14="http://schemas.microsoft.com/office/drawing/2010/main">
-                <a:solidFill>
-                  <a:srgbClr val="FFFFFF"/>
-                </a:solidFill>
-              </a14:hiddenFill>
-            </a:ext>
-          </a:extLst>
-        </p:spPr>
-      </p:pic>
-      <p:pic>
-        <p:nvPicPr>
-          <p:cNvPr id="7" name="Picture 2">
-            <a:extLst>
-              <a:ext uri="{FF2B5EF4-FFF2-40B4-BE49-F238E27FC236}">
-                <a16:creationId xmlns:a16="http://schemas.microsoft.com/office/drawing/2014/main" id="{079CB277-25C4-4B07-B0EC-B81EE757EBEB}"/>
-              </a:ext>
-            </a:extLst>
-          </p:cNvPr>
-          <p:cNvPicPr>
-            <a:picLocks noChangeAspect="1" noChangeArrowheads="1"/>
-          </p:cNvPicPr>
-          <p:nvPr/>
-        </p:nvPicPr>
-        <p:blipFill>
-          <a:blip r:embed="rId3">
-            <a:extLst>
-              <a:ext uri="{28A0092B-C50C-407E-A947-70E740481C1C}">
-                <a14:useLocalDpi xmlns:a14="http://schemas.microsoft.com/office/drawing/2010/main" val="0"/>
-              </a:ext>
-            </a:extLst>
-          </a:blip>
-          <a:stretch>
-            <a:fillRect/>
-          </a:stretch>
-        </p:blipFill>
-        <p:spPr bwMode="auto">
-          <a:xfrm>
-            <a:off x="6056478" y="4068754"/>
-            <a:ext cx="2133569" cy="2133569"/>
-          </a:xfrm>
-          <a:prstGeom prst="rect">
-            <a:avLst/>
-          </a:prstGeom>
-          <a:noFill/>
-          <a:ln>
-            <a:gradFill flip="none" rotWithShape="1">
-              <a:gsLst>
-                <a:gs pos="86000">
-                  <a:schemeClr val="accent6">
-                    <a:lumMod val="67000"/>
-                  </a:schemeClr>
-                </a:gs>
-                <a:gs pos="20000">
-                  <a:schemeClr val="accent6">
-                    <a:lumMod val="97000"/>
-                    <a:lumOff val="3000"/>
-                  </a:schemeClr>
-                </a:gs>
-                <a:gs pos="100000">
-                  <a:schemeClr val="accent6">
-                    <a:lumMod val="60000"/>
-                    <a:lumOff val="40000"/>
-                  </a:schemeClr>
-                </a:gs>
-              </a:gsLst>
-              <a:lin ang="16200000" scaled="1"/>
-              <a:tileRect/>
-            </a:gradFill>
-          </a:ln>
-          <a:effectLst>
-            <a:innerShdw blurRad="127000">
-              <a:prstClr val="black">
-                <a:alpha val="90000"/>
-              </a:prstClr>
-            </a:innerShdw>
-          </a:effectLst>
-          <a:extLst>
-            <a:ext uri="{909E8E84-426E-40DD-AFC4-6F175D3DCCD1}">
-              <a14:hiddenFill xmlns:a14="http://schemas.microsoft.com/office/drawing/2010/main">
-                <a:solidFill>
-                  <a:srgbClr val="FFFFFF"/>
-                </a:solidFill>
-              </a14:hiddenFill>
-            </a:ext>
-          </a:extLst>
-        </p:spPr>
-      </p:pic>
-      <p:pic>
-        <p:nvPicPr>
-          <p:cNvPr id="8" name="Picture 6" descr="Un Logo en CSS3 sans images - Les Carnets de Byfeel">
-            <a:extLst>
-              <a:ext uri="{FF2B5EF4-FFF2-40B4-BE49-F238E27FC236}">
-                <a16:creationId xmlns:a16="http://schemas.microsoft.com/office/drawing/2014/main" id="{CE09DEF6-E164-4C32-BC27-08575302601E}"/>
-              </a:ext>
-            </a:extLst>
-          </p:cNvPr>
-          <p:cNvPicPr>
-            <a:picLocks noChangeAspect="1" noChangeArrowheads="1"/>
-          </p:cNvPicPr>
-          <p:nvPr/>
-        </p:nvPicPr>
-        <p:blipFill>
-          <a:blip r:embed="rId4">
-            <a:extLst>
-              <a:ext uri="{28A0092B-C50C-407E-A947-70E740481C1C}">
-                <a14:useLocalDpi xmlns:a14="http://schemas.microsoft.com/office/drawing/2010/main" val="0"/>
-              </a:ext>
-            </a:extLst>
-          </a:blip>
-          <a:stretch>
-            <a:fillRect/>
-          </a:stretch>
-        </p:blipFill>
-        <p:spPr bwMode="auto">
-          <a:xfrm>
-            <a:off x="8866005" y="4068754"/>
-            <a:ext cx="2487795" cy="1613945"/>
-          </a:xfrm>
-          <a:prstGeom prst="rect">
-            <a:avLst/>
-          </a:prstGeom>
-          <a:noFill/>
-          <a:ln>
-            <a:gradFill flip="none" rotWithShape="1">
-              <a:gsLst>
-                <a:gs pos="86000">
-                  <a:schemeClr val="accent6">
-                    <a:lumMod val="67000"/>
-                  </a:schemeClr>
-                </a:gs>
-                <a:gs pos="20000">
-                  <a:schemeClr val="accent6">
-                    <a:lumMod val="97000"/>
-                    <a:lumOff val="3000"/>
-                  </a:schemeClr>
-                </a:gs>
-                <a:gs pos="100000">
-                  <a:schemeClr val="accent6">
-                    <a:lumMod val="60000"/>
-                    <a:lumOff val="40000"/>
-                  </a:schemeClr>
-                </a:gs>
-              </a:gsLst>
-              <a:lin ang="16200000" scaled="1"/>
-              <a:tileRect/>
-            </a:gradFill>
-          </a:ln>
-          <a:effectLst>
-            <a:innerShdw blurRad="127000">
-              <a:prstClr val="black">
-                <a:alpha val="90000"/>
-              </a:prstClr>
-            </a:innerShdw>
-          </a:effectLst>
-          <a:extLst>
-            <a:ext uri="{909E8E84-426E-40DD-AFC4-6F175D3DCCD1}">
-              <a14:hiddenFill xmlns:a14="http://schemas.microsoft.com/office/drawing/2010/main">
-                <a:solidFill>
-                  <a:srgbClr val="FFFFFF"/>
-                </a:solidFill>
-              </a14:hiddenFill>
-            </a:ext>
-          </a:extLst>
-        </p:spPr>
-      </p:pic>
+            <a:endParaRPr lang="fr-FR" dirty="0"/>
+          </a:p>
+        </p:txBody>
+      </p:sp>
     </p:spTree>
     <p:extLst>
       <p:ext uri="{BB962C8B-B14F-4D97-AF65-F5344CB8AC3E}">
         <p14:creationId xmlns:p14="http://schemas.microsoft.com/office/powerpoint/2010/main" val="3233985870"/>
+      </p:ext>
+    </p:extLst>
+  </p:cSld>
+  <p:clrMapOvr>
+    <a:masterClrMapping/>
+  </p:clrMapOvr>
+</p:sld>
+</file>
+
+<file path=ppt/slides/slide8.xml><?xml version="1.0" encoding="utf-8"?>
+<p:sld xmlns:a="http://schemas.openxmlformats.org/drawingml/2006/main" xmlns:r="http://schemas.openxmlformats.org/officeDocument/2006/relationships" xmlns:p="http://schemas.openxmlformats.org/presentationml/2006/main">
+  <p:cSld>
+    <p:spTree>
+      <p:nvGrpSpPr>
+        <p:cNvPr id="1" name=""/>
+        <p:cNvGrpSpPr/>
+        <p:nvPr/>
+      </p:nvGrpSpPr>
+      <p:grpSpPr>
+        <a:xfrm>
+          <a:off x="0" y="0"/>
+          <a:ext cx="0" cy="0"/>
+          <a:chOff x="0" y="0"/>
+          <a:chExt cx="0" cy="0"/>
+        </a:xfrm>
+      </p:grpSpPr>
+      <p:sp>
+        <p:nvSpPr>
+          <p:cNvPr id="2" name="Titre 1">
+            <a:extLst>
+              <a:ext uri="{FF2B5EF4-FFF2-40B4-BE49-F238E27FC236}">
+                <a16:creationId xmlns:a16="http://schemas.microsoft.com/office/drawing/2014/main" id="{B51F548F-7855-4875-826E-85DC94FF3E92}"/>
+              </a:ext>
+            </a:extLst>
+          </p:cNvPr>
+          <p:cNvSpPr>
+            <a:spLocks noGrp="1"/>
+          </p:cNvSpPr>
+          <p:nvPr>
+            <p:ph type="title"/>
+          </p:nvPr>
+        </p:nvSpPr>
+        <p:spPr/>
+        <p:txBody>
+          <a:bodyPr/>
+          <a:lstStyle/>
+          <a:p>
+            <a:endParaRPr lang="fr-FR"/>
+          </a:p>
+        </p:txBody>
+      </p:sp>
+      <p:sp>
+        <p:nvSpPr>
+          <p:cNvPr id="3" name="Espace réservé du contenu 2">
+            <a:extLst>
+              <a:ext uri="{FF2B5EF4-FFF2-40B4-BE49-F238E27FC236}">
+                <a16:creationId xmlns:a16="http://schemas.microsoft.com/office/drawing/2014/main" id="{E2EF304E-5B10-4B30-B4F6-19EAC613DA3B}"/>
+              </a:ext>
+            </a:extLst>
+          </p:cNvPr>
+          <p:cNvSpPr>
+            <a:spLocks noGrp="1"/>
+          </p:cNvSpPr>
+          <p:nvPr>
+            <p:ph idx="1"/>
+          </p:nvPr>
+        </p:nvSpPr>
+        <p:spPr/>
+        <p:txBody>
+          <a:bodyPr/>
+          <a:lstStyle/>
+          <a:p>
+            <a:endParaRPr lang="fr-FR"/>
+          </a:p>
+        </p:txBody>
+      </p:sp>
+      <p:sp>
+        <p:nvSpPr>
+          <p:cNvPr id="4" name="Espace réservé du pied de page 3">
+            <a:extLst>
+              <a:ext uri="{FF2B5EF4-FFF2-40B4-BE49-F238E27FC236}">
+                <a16:creationId xmlns:a16="http://schemas.microsoft.com/office/drawing/2014/main" id="{13FF897C-53AF-490D-AF22-1FB40B5C3E90}"/>
+              </a:ext>
+            </a:extLst>
+          </p:cNvPr>
+          <p:cNvSpPr>
+            <a:spLocks noGrp="1"/>
+          </p:cNvSpPr>
+          <p:nvPr>
+            <p:ph type="ftr" sz="quarter" idx="11"/>
+          </p:nvPr>
+        </p:nvSpPr>
+        <p:spPr/>
+        <p:txBody>
+          <a:bodyPr/>
+          <a:lstStyle/>
+          <a:p>
+            <a:r>
+              <a:rPr lang="fr-FR"/>
+              <a:t>Hugo Demenez &amp; Brieuc Dandoy &amp; Guillaume Gulli &amp; Mohamed Amine Bennouna</a:t>
+            </a:r>
+            <a:endParaRPr lang="fr-FR" dirty="0"/>
+          </a:p>
+        </p:txBody>
+      </p:sp>
+      <p:sp>
+        <p:nvSpPr>
+          <p:cNvPr id="5" name="Espace réservé du numéro de diapositive 4">
+            <a:extLst>
+              <a:ext uri="{FF2B5EF4-FFF2-40B4-BE49-F238E27FC236}">
+                <a16:creationId xmlns:a16="http://schemas.microsoft.com/office/drawing/2014/main" id="{4E19424B-E506-4A54-91FE-E02357D125BD}"/>
+              </a:ext>
+            </a:extLst>
+          </p:cNvPr>
+          <p:cNvSpPr>
+            <a:spLocks noGrp="1"/>
+          </p:cNvSpPr>
+          <p:nvPr>
+            <p:ph type="sldNum" sz="quarter" idx="12"/>
+          </p:nvPr>
+        </p:nvSpPr>
+        <p:spPr/>
+        <p:txBody>
+          <a:bodyPr/>
+          <a:lstStyle/>
+          <a:p>
+            <a:fld id="{4663F8E7-E950-430D-880A-090F6311A6B2}" type="slidenum">
+              <a:rPr lang="fr-FR" smtClean="0"/>
+              <a:t>8</a:t>
+            </a:fld>
+            <a:endParaRPr lang="fr-FR" dirty="0"/>
+          </a:p>
+        </p:txBody>
+      </p:sp>
+    </p:spTree>
+    <p:extLst>
+      <p:ext uri="{BB962C8B-B14F-4D97-AF65-F5344CB8AC3E}">
+        <p14:creationId xmlns:p14="http://schemas.microsoft.com/office/powerpoint/2010/main" val="1987757250"/>
       </p:ext>
     </p:extLst>
   </p:cSld>

--- a/presentation/Présentation1.pptx
+++ b/presentation/Présentation1.pptx
@@ -2076,7 +2076,7 @@
             </a:lvl1pPr>
           </a:lstStyle>
           <a:p>
-            <a:endParaRPr lang="fr-FR" dirty="0"/>
+            <a:endParaRPr lang="fr-FR"/>
           </a:p>
         </p:txBody>
       </p:sp>
@@ -2117,7 +2117,7 @@
               <a:rPr lang="fr-FR" smtClean="0"/>
               <a:t>25/06/2021</a:t>
             </a:fld>
-            <a:endParaRPr lang="fr-FR" dirty="0"/>
+            <a:endParaRPr lang="fr-FR"/>
           </a:p>
         </p:txBody>
       </p:sp>
@@ -2154,7 +2154,7 @@
             </a:lvl1pPr>
           </a:lstStyle>
           <a:p>
-            <a:endParaRPr lang="fr-FR" dirty="0"/>
+            <a:endParaRPr lang="fr-FR"/>
           </a:p>
         </p:txBody>
       </p:sp>
@@ -2193,9 +2193,9 @@
           <a:p>
             <a:fld id="{9B515104-7BE3-409A-8852-4F84AC1629A6}" type="slidenum">
               <a:rPr lang="fr-FR" smtClean="0"/>
-              <a:t>‹N°›</a:t>
+              <a:t>‹#›</a:t>
             </a:fld>
-            <a:endParaRPr lang="fr-FR" dirty="0"/>
+            <a:endParaRPr lang="fr-FR"/>
           </a:p>
         </p:txBody>
       </p:sp>
@@ -2259,7 +2259,7 @@
             </a:lvl1pPr>
           </a:lstStyle>
           <a:p>
-            <a:endParaRPr lang="fr-FR" dirty="0"/>
+            <a:endParaRPr lang="fr-FR"/>
           </a:p>
         </p:txBody>
       </p:sp>
@@ -2294,7 +2294,7 @@
               <a:rPr lang="fr-FR" smtClean="0"/>
               <a:t>25/06/2021</a:t>
             </a:fld>
-            <a:endParaRPr lang="fr-FR" dirty="0"/>
+            <a:endParaRPr lang="fr-FR"/>
           </a:p>
         </p:txBody>
       </p:sp>
@@ -2327,7 +2327,7 @@
           <a:bodyPr vert="horz" lIns="91440" tIns="45720" rIns="91440" bIns="45720" rtlCol="0" anchor="ctr"/>
           <a:lstStyle/>
           <a:p>
-            <a:endParaRPr lang="fr-FR" dirty="0"/>
+            <a:endParaRPr lang="fr-FR"/>
           </a:p>
         </p:txBody>
       </p:sp>
@@ -2417,7 +2417,7 @@
             </a:lvl1pPr>
           </a:lstStyle>
           <a:p>
-            <a:endParaRPr lang="fr-FR" dirty="0"/>
+            <a:endParaRPr lang="fr-FR"/>
           </a:p>
         </p:txBody>
       </p:sp>
@@ -2450,9 +2450,9 @@
           <a:p>
             <a:fld id="{629199E9-ECEC-4B25-AB7C-EC3678CC99B6}" type="slidenum">
               <a:rPr lang="fr-FR" smtClean="0"/>
-              <a:t>‹N°›</a:t>
+              <a:t>‹#›</a:t>
             </a:fld>
-            <a:endParaRPr lang="fr-FR" dirty="0"/>
+            <a:endParaRPr lang="fr-FR"/>
           </a:p>
         </p:txBody>
       </p:sp>
@@ -2790,9 +2790,9 @@
           <a:p>
             <a:fld id="{4663F8E7-E950-430D-880A-090F6311A6B2}" type="slidenum">
               <a:rPr lang="fr-FR" smtClean="0"/>
-              <a:t>‹N°›</a:t>
+              <a:t>‹#›</a:t>
             </a:fld>
-            <a:endParaRPr lang="fr-FR" dirty="0"/>
+            <a:endParaRPr lang="fr-FR"/>
           </a:p>
         </p:txBody>
       </p:sp>
@@ -2836,7 +2836,7 @@
           </a:lstStyle>
           <a:p>
             <a:r>
-              <a:rPr lang="fr-FR" dirty="0"/>
+              <a:rPr lang="fr-FR"/>
               <a:t>Hugo Demenez &amp; Brieuc Dandoy &amp; Guillaume Gulli &amp; Mohamed Amine Bennouna</a:t>
             </a:r>
           </a:p>
@@ -2980,9 +2980,9 @@
           <a:p>
             <a:fld id="{4663F8E7-E950-430D-880A-090F6311A6B2}" type="slidenum">
               <a:rPr lang="fr-FR" smtClean="0"/>
-              <a:t>‹N°›</a:t>
+              <a:t>‹#›</a:t>
             </a:fld>
-            <a:endParaRPr lang="fr-FR" dirty="0"/>
+            <a:endParaRPr lang="fr-FR"/>
           </a:p>
         </p:txBody>
       </p:sp>
@@ -3026,7 +3026,7 @@
           </a:lstStyle>
           <a:p>
             <a:r>
-              <a:rPr lang="fr-FR" dirty="0"/>
+              <a:rPr lang="fr-FR"/>
               <a:t>Hugo Demenez &amp; Brieuc Dandoy &amp; Guillaume Gulli &amp; Mohamed Amine Bennouna</a:t>
             </a:r>
           </a:p>
@@ -3180,9 +3180,9 @@
           <a:p>
             <a:fld id="{4663F8E7-E950-430D-880A-090F6311A6B2}" type="slidenum">
               <a:rPr lang="fr-FR" smtClean="0"/>
-              <a:t>‹N°›</a:t>
+              <a:t>‹#›</a:t>
             </a:fld>
-            <a:endParaRPr lang="fr-FR" dirty="0"/>
+            <a:endParaRPr lang="fr-FR"/>
           </a:p>
         </p:txBody>
       </p:sp>
@@ -3226,7 +3226,7 @@
           </a:lstStyle>
           <a:p>
             <a:r>
-              <a:rPr lang="fr-FR" dirty="0"/>
+              <a:rPr lang="fr-FR"/>
               <a:t>Hugo Demenez &amp; Brieuc Dandoy &amp; Guillaume Gulli &amp; Mohamed Amine Bennouna</a:t>
             </a:r>
           </a:p>
@@ -3374,7 +3374,7 @@
           <a:lstStyle/>
           <a:p>
             <a:r>
-              <a:rPr lang="fr-FR" dirty="0"/>
+              <a:rPr lang="fr-FR"/>
               <a:t>Hugo Demenez &amp; Brieuc Dandoy &amp; Guillaume Gulli &amp; Mohamed Amine Bennouna</a:t>
             </a:r>
           </a:p>
@@ -3403,9 +3403,9 @@
           <a:p>
             <a:fld id="{4663F8E7-E950-430D-880A-090F6311A6B2}" type="slidenum">
               <a:rPr lang="fr-FR" smtClean="0"/>
-              <a:t>‹N°›</a:t>
+              <a:t>‹#›</a:t>
             </a:fld>
-            <a:endParaRPr lang="fr-FR" dirty="0"/>
+            <a:endParaRPr lang="fr-FR"/>
           </a:p>
         </p:txBody>
       </p:sp>
@@ -3624,9 +3624,9 @@
           <a:p>
             <a:fld id="{4663F8E7-E950-430D-880A-090F6311A6B2}" type="slidenum">
               <a:rPr lang="fr-FR" smtClean="0"/>
-              <a:t>‹N°›</a:t>
+              <a:t>‹#›</a:t>
             </a:fld>
-            <a:endParaRPr lang="fr-FR" dirty="0"/>
+            <a:endParaRPr lang="fr-FR"/>
           </a:p>
         </p:txBody>
       </p:sp>
@@ -3670,7 +3670,7 @@
           </a:lstStyle>
           <a:p>
             <a:r>
-              <a:rPr lang="fr-FR" dirty="0"/>
+              <a:rPr lang="fr-FR"/>
               <a:t>Hugo Demenez &amp; Brieuc Dandoy &amp; Guillaume Gulli &amp; Mohamed Amine Bennouna</a:t>
             </a:r>
           </a:p>
@@ -3881,9 +3881,9 @@
           <a:p>
             <a:fld id="{4663F8E7-E950-430D-880A-090F6311A6B2}" type="slidenum">
               <a:rPr lang="fr-FR" smtClean="0"/>
-              <a:t>‹N°›</a:t>
+              <a:t>‹#›</a:t>
             </a:fld>
-            <a:endParaRPr lang="fr-FR" dirty="0"/>
+            <a:endParaRPr lang="fr-FR"/>
           </a:p>
         </p:txBody>
       </p:sp>
@@ -3927,7 +3927,7 @@
           </a:lstStyle>
           <a:p>
             <a:r>
-              <a:rPr lang="fr-FR" dirty="0"/>
+              <a:rPr lang="fr-FR"/>
               <a:t>Hugo Demenez &amp; Brieuc Dandoy &amp; Guillaume Gulli &amp; Mohamed Amine Bennouna</a:t>
             </a:r>
           </a:p>
@@ -4285,9 +4285,9 @@
           <a:p>
             <a:fld id="{4663F8E7-E950-430D-880A-090F6311A6B2}" type="slidenum">
               <a:rPr lang="fr-FR" smtClean="0"/>
-              <a:t>‹N°›</a:t>
+              <a:t>‹#›</a:t>
             </a:fld>
-            <a:endParaRPr lang="fr-FR" dirty="0"/>
+            <a:endParaRPr lang="fr-FR"/>
           </a:p>
         </p:txBody>
       </p:sp>
@@ -4331,7 +4331,7 @@
           </a:lstStyle>
           <a:p>
             <a:r>
-              <a:rPr lang="fr-FR" dirty="0"/>
+              <a:rPr lang="fr-FR"/>
               <a:t>Hugo Demenez &amp; Brieuc Dandoy &amp; Guillaume Gulli &amp; Mohamed Amine Bennouna</a:t>
             </a:r>
           </a:p>
@@ -4418,9 +4418,9 @@
           <a:p>
             <a:fld id="{4663F8E7-E950-430D-880A-090F6311A6B2}" type="slidenum">
               <a:rPr lang="fr-FR" smtClean="0"/>
-              <a:t>‹N°›</a:t>
+              <a:t>‹#›</a:t>
             </a:fld>
-            <a:endParaRPr lang="fr-FR" dirty="0"/>
+            <a:endParaRPr lang="fr-FR"/>
           </a:p>
         </p:txBody>
       </p:sp>
@@ -4464,7 +4464,7 @@
           </a:lstStyle>
           <a:p>
             <a:r>
-              <a:rPr lang="fr-FR" dirty="0"/>
+              <a:rPr lang="fr-FR"/>
               <a:t>Hugo Demenez &amp; Brieuc Dandoy &amp; Guillaume Gulli &amp; Mohamed Amine Bennouna</a:t>
             </a:r>
           </a:p>
@@ -4523,9 +4523,9 @@
           <a:p>
             <a:fld id="{4663F8E7-E950-430D-880A-090F6311A6B2}" type="slidenum">
               <a:rPr lang="fr-FR" smtClean="0"/>
-              <a:t>‹N°›</a:t>
+              <a:t>‹#›</a:t>
             </a:fld>
-            <a:endParaRPr lang="fr-FR" dirty="0"/>
+            <a:endParaRPr lang="fr-FR"/>
           </a:p>
         </p:txBody>
       </p:sp>
@@ -4569,7 +4569,7 @@
           </a:lstStyle>
           <a:p>
             <a:r>
-              <a:rPr lang="fr-FR" dirty="0"/>
+              <a:rPr lang="fr-FR"/>
               <a:t>Hugo Demenez &amp; Brieuc Dandoy &amp; Guillaume Gulli &amp; Mohamed Amine Bennouna</a:t>
             </a:r>
           </a:p>
@@ -4826,9 +4826,9 @@
           <a:p>
             <a:fld id="{4663F8E7-E950-430D-880A-090F6311A6B2}" type="slidenum">
               <a:rPr lang="fr-FR" smtClean="0"/>
-              <a:t>‹N°›</a:t>
+              <a:t>‹#›</a:t>
             </a:fld>
-            <a:endParaRPr lang="fr-FR" dirty="0"/>
+            <a:endParaRPr lang="fr-FR"/>
           </a:p>
         </p:txBody>
       </p:sp>
@@ -4872,7 +4872,7 @@
           </a:lstStyle>
           <a:p>
             <a:r>
-              <a:rPr lang="fr-FR" dirty="0"/>
+              <a:rPr lang="fr-FR"/>
               <a:t>Hugo Demenez &amp; Brieuc Dandoy &amp; Guillaume Gulli &amp; Mohamed Amine Bennouna</a:t>
             </a:r>
           </a:p>
@@ -5008,7 +5008,7 @@
             </a:lvl9pPr>
           </a:lstStyle>
           <a:p>
-            <a:endParaRPr lang="fr-FR" dirty="0"/>
+            <a:endParaRPr lang="fr-FR"/>
           </a:p>
         </p:txBody>
       </p:sp>
@@ -5106,9 +5106,9 @@
           <a:p>
             <a:fld id="{4663F8E7-E950-430D-880A-090F6311A6B2}" type="slidenum">
               <a:rPr lang="fr-FR" smtClean="0"/>
-              <a:t>‹N°›</a:t>
+              <a:t>‹#›</a:t>
             </a:fld>
-            <a:endParaRPr lang="fr-FR" dirty="0"/>
+            <a:endParaRPr lang="fr-FR"/>
           </a:p>
         </p:txBody>
       </p:sp>
@@ -5152,7 +5152,7 @@
           </a:lstStyle>
           <a:p>
             <a:r>
-              <a:rPr lang="fr-FR" dirty="0"/>
+              <a:rPr lang="fr-FR"/>
               <a:t>Hugo Demenez &amp; Brieuc Dandoy &amp; Guillaume Gulli &amp; Mohamed Amine Bennouna</a:t>
             </a:r>
           </a:p>
@@ -5403,7 +5403,7 @@
           </a:lstStyle>
           <a:p>
             <a:r>
-              <a:rPr lang="fr-FR" dirty="0"/>
+              <a:rPr lang="fr-FR"/>
               <a:t>Hugo Demenez &amp; Brieuc Dandoy &amp; Guillaume Gulli &amp; Mohamed Amine Bennouna</a:t>
             </a:r>
           </a:p>
@@ -5449,9 +5449,9 @@
             <a:fld id="{4663F8E7-E950-430D-880A-090F6311A6B2}" type="slidenum">
               <a:rPr lang="fr-FR" smtClean="0"/>
               <a:pPr/>
-              <a:t>‹N°›</a:t>
+              <a:t>‹#›</a:t>
             </a:fld>
-            <a:endParaRPr lang="fr-FR" dirty="0"/>
+            <a:endParaRPr lang="fr-FR"/>
           </a:p>
         </p:txBody>
       </p:sp>
@@ -5542,7 +5542,7 @@
           <a:lstStyle/>
           <a:p>
             <a:pPr algn="ctr"/>
-            <a:endParaRPr lang="fr-FR" dirty="0"/>
+            <a:endParaRPr lang="fr-FR"/>
           </a:p>
         </p:txBody>
       </p:sp>
@@ -5898,15 +5898,15 @@
           <a:p>
             <a:pPr algn="ctr"/>
             <a:r>
-              <a:rPr lang="fr-FR" sz="8000" dirty="0"/>
+              <a:rPr lang="fr-FR" sz="8000"/>
               <a:t>ISEN</a:t>
             </a:r>
             <a:r>
-              <a:rPr lang="fr-FR" sz="3600" dirty="0"/>
+              <a:rPr lang="fr-FR" sz="3600"/>
               <a:t> </a:t>
             </a:r>
             <a:r>
-              <a:rPr lang="fr-FR" sz="8000" dirty="0"/>
+              <a:rPr lang="fr-FR" sz="8000"/>
               <a:t>INFO</a:t>
             </a:r>
           </a:p>
@@ -5934,7 +5934,7 @@
           <a:lstStyle/>
           <a:p>
             <a:r>
-              <a:rPr lang="fr-FR" dirty="0"/>
+              <a:rPr lang="fr-FR"/>
               <a:t>Hugo Demenez &amp; Brieuc Dandoy &amp; Guillaume Gulli &amp; Mohamed Amine Bennouna</a:t>
             </a:r>
           </a:p>
@@ -5965,7 +5965,7 @@
               <a:rPr lang="fr-FR" smtClean="0"/>
               <a:t>1</a:t>
             </a:fld>
-            <a:endParaRPr lang="fr-FR" dirty="0"/>
+            <a:endParaRPr lang="fr-FR"/>
           </a:p>
         </p:txBody>
       </p:sp>
@@ -6018,7 +6018,7 @@
           <a:p>
             <a:pPr algn="ctr"/>
             <a:r>
-              <a:rPr lang="fr-FR" dirty="0">
+              <a:rPr lang="fr-FR">
                 <a:solidFill>
                   <a:schemeClr val="accent1"/>
                 </a:solidFill>
@@ -6079,7 +6079,7 @@
           <a:p>
             <a:pPr algn="ctr"/>
             <a:r>
-              <a:rPr lang="fr-FR" dirty="0">
+              <a:rPr lang="fr-FR">
                 <a:solidFill>
                   <a:schemeClr val="accent1"/>
                 </a:solidFill>
@@ -6184,7 +6184,7 @@
           <a:p>
             <a:pPr algn="ctr"/>
             <a:r>
-              <a:rPr lang="fr-FR" dirty="0">
+              <a:rPr lang="fr-FR">
                 <a:solidFill>
                   <a:schemeClr val="accent1"/>
                 </a:solidFill>
@@ -6292,7 +6292,7 @@
           <a:p>
             <a:pPr algn="ctr"/>
             <a:r>
-              <a:rPr lang="fr-FR" sz="1600" dirty="0">
+              <a:rPr lang="fr-FR" sz="1600">
                 <a:solidFill>
                   <a:schemeClr val="accent1"/>
                 </a:solidFill>
@@ -6400,7 +6400,7 @@
           <a:p>
             <a:pPr algn="ctr"/>
             <a:r>
-              <a:rPr lang="fr-FR" dirty="0">
+              <a:rPr lang="fr-FR">
                 <a:solidFill>
                   <a:schemeClr val="accent1"/>
                 </a:solidFill>
@@ -6508,7 +6508,7 @@
           <a:p>
             <a:pPr algn="ctr"/>
             <a:r>
-              <a:rPr lang="fr-FR" sz="1600" dirty="0">
+              <a:rPr lang="fr-FR" sz="1600">
                 <a:solidFill>
                   <a:schemeClr val="bg1"/>
                 </a:solidFill>
@@ -6619,7 +6619,7 @@
           <a:lstStyle/>
           <a:p>
             <a:r>
-              <a:rPr lang="fr-FR" dirty="0"/>
+              <a:rPr lang="fr-FR"/>
               <a:t>Introduction </a:t>
             </a:r>
           </a:p>
@@ -6647,7 +6647,7 @@
           <a:lstStyle/>
           <a:p>
             <a:r>
-              <a:rPr lang="fr-FR" dirty="0"/>
+              <a:rPr lang="fr-FR"/>
               <a:t>Hugo Demenez &amp; Brieuc Dandoy &amp; Guillaume Gulli &amp; Mohamed Amine Bennouna</a:t>
             </a:r>
           </a:p>
@@ -6678,7 +6678,7 @@
               <a:rPr lang="fr-FR" smtClean="0"/>
               <a:t>2</a:t>
             </a:fld>
-            <a:endParaRPr lang="fr-FR" dirty="0"/>
+            <a:endParaRPr lang="fr-FR"/>
           </a:p>
         </p:txBody>
       </p:sp>
@@ -6773,7 +6773,7 @@
           <a:lstStyle/>
           <a:p>
             <a:r>
-              <a:rPr lang="fr-FR" dirty="0"/>
+              <a:rPr lang="fr-FR"/>
               <a:t>Sommaire</a:t>
             </a:r>
           </a:p>
@@ -6804,7 +6804,7 @@
               <a:buNone/>
             </a:pPr>
             <a:r>
-              <a:rPr lang="fr-FR" dirty="0"/>
+              <a:rPr lang="fr-FR"/>
               <a:t>Conceptualisation</a:t>
             </a:r>
           </a:p>
@@ -6813,7 +6813,7 @@
               <a:buNone/>
             </a:pPr>
             <a:r>
-              <a:rPr lang="fr-FR" dirty="0"/>
+              <a:rPr lang="fr-FR"/>
               <a:t>Gestion de Projet</a:t>
             </a:r>
           </a:p>
@@ -6822,12 +6822,12 @@
               <a:buNone/>
             </a:pPr>
             <a:r>
-              <a:rPr lang="fr-FR" dirty="0"/>
+              <a:rPr lang="fr-FR"/>
               <a:t>Choix techniques</a:t>
             </a:r>
           </a:p>
           <a:p>
-            <a:endParaRPr lang="fr-FR" dirty="0"/>
+            <a:endParaRPr lang="fr-FR"/>
           </a:p>
         </p:txBody>
       </p:sp>
@@ -6853,7 +6853,7 @@
           <a:lstStyle/>
           <a:p>
             <a:r>
-              <a:rPr lang="fr-FR" dirty="0"/>
+              <a:rPr lang="fr-FR"/>
               <a:t>Hugo Demenez &amp; Brieuc Dandoy &amp; Guillaume Gulli &amp; Mohamed Amine Bennouna</a:t>
             </a:r>
           </a:p>
@@ -6884,7 +6884,7 @@
               <a:rPr lang="fr-FR" smtClean="0"/>
               <a:t>3</a:t>
             </a:fld>
-            <a:endParaRPr lang="fr-FR" dirty="0"/>
+            <a:endParaRPr lang="fr-FR"/>
           </a:p>
         </p:txBody>
       </p:sp>
@@ -6942,7 +6942,7 @@
           <a:lstStyle/>
           <a:p>
             <a:r>
-              <a:rPr lang="fr-FR" dirty="0"/>
+              <a:rPr lang="fr-FR"/>
               <a:t>Concept</a:t>
             </a:r>
           </a:p>
@@ -6977,39 +6977,39 @@
           <a:lstStyle/>
           <a:p>
             <a:r>
-              <a:rPr lang="fr-FR" dirty="0"/>
+              <a:rPr lang="fr-FR"/>
               <a:t>Interface web qui envoie automatiquement un mail avec l'emploi du temps de la semaine et les nouvelles notes.</a:t>
             </a:r>
           </a:p>
           <a:p>
-            <a:endParaRPr lang="fr-FR" dirty="0"/>
-          </a:p>
-          <a:p>
-            <a:r>
-              <a:rPr lang="fr-FR" dirty="0"/>
+            <a:endParaRPr lang="fr-FR"/>
+          </a:p>
+          <a:p>
+            <a:r>
+              <a:rPr lang="fr-FR"/>
               <a:t>Alimente la base de données avec l'identifiant, le mot de passe, l'email, le planning et les notes.</a:t>
             </a:r>
           </a:p>
           <a:p>
-            <a:endParaRPr lang="fr-FR" dirty="0"/>
-          </a:p>
-          <a:p>
-            <a:r>
-              <a:rPr lang="fr-FR" dirty="0"/>
+            <a:endParaRPr lang="fr-FR"/>
+          </a:p>
+          <a:p>
+            <a:r>
+              <a:rPr lang="fr-FR"/>
               <a:t>Checking des informations tous les jours pour voir s'il y a des changements. </a:t>
             </a:r>
           </a:p>
           <a:p>
-            <a:endParaRPr lang="fr-FR" dirty="0"/>
-          </a:p>
-          <a:p>
-            <a:r>
-              <a:rPr lang="fr-FR" dirty="0"/>
+            <a:endParaRPr lang="fr-FR"/>
+          </a:p>
+          <a:p>
+            <a:r>
+              <a:rPr lang="fr-FR"/>
               <a:t>Créer un assistant vocal qui sera disponible sur la page web pour permettre de poser des questions concernant par exemple le nombre d'heures de cette semaine ou calculer la moyenne générale</a:t>
             </a:r>
           </a:p>
           <a:p>
-            <a:endParaRPr lang="fr-FR" dirty="0"/>
+            <a:endParaRPr lang="fr-FR"/>
           </a:p>
         </p:txBody>
       </p:sp>
@@ -7035,7 +7035,7 @@
           <a:lstStyle/>
           <a:p>
             <a:r>
-              <a:rPr lang="fr-FR" dirty="0"/>
+              <a:rPr lang="fr-FR"/>
               <a:t>Hugo Demenez &amp; Brieuc Dandoy &amp; Guillaume Gulli &amp; Mohamed Amine Bennouna</a:t>
             </a:r>
           </a:p>
@@ -7066,7 +7066,7 @@
               <a:rPr lang="fr-FR" smtClean="0"/>
               <a:t>4</a:t>
             </a:fld>
-            <a:endParaRPr lang="fr-FR" dirty="0"/>
+            <a:endParaRPr lang="fr-FR"/>
           </a:p>
         </p:txBody>
       </p:sp>
@@ -7121,7 +7121,7 @@
           <a:bodyPr/>
           <a:lstStyle/>
           <a:p>
-            <a:endParaRPr lang="fr-FR" dirty="0"/>
+            <a:endParaRPr lang="fr-FR"/>
           </a:p>
         </p:txBody>
       </p:sp>
@@ -7154,21 +7154,21 @@
           <a:lstStyle/>
           <a:p>
             <a:r>
-              <a:rPr lang="en-US" sz="3200" dirty="0"/>
+              <a:rPr lang="en-US" sz="3200"/>
               <a:t>Gestion de </a:t>
             </a:r>
             <a:r>
-              <a:rPr lang="en-US" sz="3200" dirty="0" err="1"/>
+              <a:rPr lang="en-US" sz="3200" err="1"/>
               <a:t>Projet</a:t>
             </a:r>
             <a:r>
-              <a:rPr lang="en-US" sz="3200" dirty="0"/>
+              <a:rPr lang="en-US" sz="3200"/>
               <a:t> </a:t>
             </a:r>
             <a:br>
-              <a:rPr lang="en-US" sz="3200" dirty="0"/>
+              <a:rPr lang="en-US" sz="3200"/>
             </a:br>
-            <a:endParaRPr lang="fr-FR" sz="3200" dirty="0"/>
+            <a:endParaRPr lang="fr-FR" sz="3200"/>
           </a:p>
         </p:txBody>
       </p:sp>
@@ -7194,7 +7194,7 @@
           <a:lstStyle/>
           <a:p>
             <a:r>
-              <a:rPr lang="fr-FR" dirty="0"/>
+              <a:rPr lang="fr-FR"/>
               <a:t>Hugo Demenez &amp; Brieuc Dandoy &amp; Guillaume Gulli &amp; Mohamed Amine Bennouna</a:t>
             </a:r>
           </a:p>
@@ -7353,7 +7353,7 @@
           <a:lstStyle/>
           <a:p>
             <a:r>
-              <a:rPr lang="fr-FR" dirty="0"/>
+              <a:rPr lang="fr-FR"/>
               <a:t>Hugo Demenez &amp; Brieuc Dandoy &amp; Guillaume Gulli &amp; Mohamed Amine Bennouna</a:t>
             </a:r>
           </a:p>
@@ -7442,22 +7442,22 @@
           <a:lstStyle/>
           <a:p>
             <a:r>
-              <a:rPr lang="en-US" sz="4400" dirty="0" err="1"/>
+              <a:rPr lang="en-US" sz="4400" err="1"/>
               <a:t>Langage</a:t>
             </a:r>
             <a:r>
-              <a:rPr lang="en-US" sz="4400" dirty="0"/>
+              <a:rPr lang="en-US" sz="4400"/>
               <a:t> de </a:t>
             </a:r>
             <a:r>
-              <a:rPr lang="fr-FR" sz="4400" dirty="0"/>
+              <a:rPr lang="fr-FR" sz="4400"/>
               <a:t>programmation</a:t>
             </a:r>
             <a:r>
-              <a:rPr lang="en-US" sz="4400" dirty="0"/>
+              <a:rPr lang="en-US" sz="4400"/>
               <a:t> </a:t>
             </a:r>
-            <a:endParaRPr lang="en-US" dirty="0"/>
+            <a:endParaRPr lang="en-US"/>
           </a:p>
         </p:txBody>
       </p:sp>
@@ -7483,7 +7483,7 @@
           <a:lstStyle/>
           <a:p>
             <a:r>
-              <a:rPr lang="fr-FR" dirty="0"/>
+              <a:rPr lang="fr-FR"/>
               <a:t>Hugo Demenez &amp; Brieuc Dandoy &amp; Guillaume Gulli &amp; Mohamed Amine Bennouna</a:t>
             </a:r>
           </a:p>
@@ -7514,7 +7514,7 @@
               <a:rPr lang="fr-FR" smtClean="0"/>
               <a:t>7</a:t>
             </a:fld>
-            <a:endParaRPr lang="fr-FR" dirty="0"/>
+            <a:endParaRPr lang="fr-FR"/>
           </a:p>
         </p:txBody>
       </p:sp>
@@ -7623,7 +7623,6 @@
               <a:rPr lang="fr-FR"/>
               <a:t>Hugo Demenez &amp; Brieuc Dandoy &amp; Guillaume Gulli &amp; Mohamed Amine Bennouna</a:t>
             </a:r>
-            <a:endParaRPr lang="fr-FR" dirty="0"/>
           </a:p>
         </p:txBody>
       </p:sp>
@@ -7652,7 +7651,7 @@
               <a:rPr lang="fr-FR" smtClean="0"/>
               <a:t>8</a:t>
             </a:fld>
-            <a:endParaRPr lang="fr-FR" dirty="0"/>
+            <a:endParaRPr lang="fr-FR"/>
           </a:p>
         </p:txBody>
       </p:sp>

--- a/presentation/Présentation1.pptx
+++ b/presentation/Présentation1.pptx
@@ -178,7 +178,7 @@
 <p1510:revInfo xmlns:a="http://schemas.openxmlformats.org/drawingml/2006/main" xmlns:r="http://schemas.openxmlformats.org/officeDocument/2006/relationships" xmlns:p1510="http://schemas.microsoft.com/office/powerpoint/2015/10/main">
   <p1510:revLst>
     <p1510:client id="{4DDE2BE1-E4D3-45A2-8470-D548FC3381C6}" v="100" dt="2021-06-25T09:32:32.802"/>
-    <p1510:client id="{DB6A8ECF-B9FA-4FA8-839B-D9B55B3C70EB}" v="332" dt="2021-06-25T13:06:06.819"/>
+    <p1510:client id="{DB6A8ECF-B9FA-4FA8-839B-D9B55B3C70EB}" v="793" dt="2021-06-25T13:37:12.532"/>
   </p1510:revLst>
 </p1510:revInfo>
 </file>
@@ -188,7 +188,7 @@
   <pc:docChgLst>
     <pc:chgData name="Hugo DEMENEZ" userId="167f3b24-aa49-4d1b-b001-4f9180dfa13d" providerId="ADAL" clId="{DB6A8ECF-B9FA-4FA8-839B-D9B55B3C70EB}"/>
     <pc:docChg chg="undo custSel addSld delSld modSld sldOrd modMainMaster addSection modSection">
-      <pc:chgData name="Hugo DEMENEZ" userId="167f3b24-aa49-4d1b-b001-4f9180dfa13d" providerId="ADAL" clId="{DB6A8ECF-B9FA-4FA8-839B-D9B55B3C70EB}" dt="2021-06-25T13:06:06.819" v="814" actId="207"/>
+      <pc:chgData name="Hugo DEMENEZ" userId="167f3b24-aa49-4d1b-b001-4f9180dfa13d" providerId="ADAL" clId="{DB6A8ECF-B9FA-4FA8-839B-D9B55B3C70EB}" dt="2021-06-25T13:37:12.532" v="1280" actId="1076"/>
       <pc:docMkLst>
         <pc:docMk/>
       </pc:docMkLst>
@@ -302,13 +302,13 @@
         </pc:picChg>
       </pc:sldChg>
       <pc:sldChg chg="addSp delSp modSp new mod">
-        <pc:chgData name="Hugo DEMENEZ" userId="167f3b24-aa49-4d1b-b001-4f9180dfa13d" providerId="ADAL" clId="{DB6A8ECF-B9FA-4FA8-839B-D9B55B3C70EB}" dt="2021-06-25T12:57:57.041" v="762" actId="20577"/>
+        <pc:chgData name="Hugo DEMENEZ" userId="167f3b24-aa49-4d1b-b001-4f9180dfa13d" providerId="ADAL" clId="{DB6A8ECF-B9FA-4FA8-839B-D9B55B3C70EB}" dt="2021-06-25T13:37:12.532" v="1280" actId="1076"/>
         <pc:sldMkLst>
           <pc:docMk/>
           <pc:sldMk cId="1841864826" sldId="259"/>
         </pc:sldMkLst>
         <pc:spChg chg="mod">
-          <ac:chgData name="Hugo DEMENEZ" userId="167f3b24-aa49-4d1b-b001-4f9180dfa13d" providerId="ADAL" clId="{DB6A8ECF-B9FA-4FA8-839B-D9B55B3C70EB}" dt="2021-06-25T12:35:42.550" v="522" actId="1076"/>
+          <ac:chgData name="Hugo DEMENEZ" userId="167f3b24-aa49-4d1b-b001-4f9180dfa13d" providerId="ADAL" clId="{DB6A8ECF-B9FA-4FA8-839B-D9B55B3C70EB}" dt="2021-06-25T13:35:51.405" v="1266" actId="1076"/>
           <ac:spMkLst>
             <pc:docMk/>
             <pc:sldMk cId="1841864826" sldId="259"/>
@@ -340,7 +340,7 @@
           </ac:spMkLst>
         </pc:spChg>
         <pc:spChg chg="mod topLvl">
-          <ac:chgData name="Hugo DEMENEZ" userId="167f3b24-aa49-4d1b-b001-4f9180dfa13d" providerId="ADAL" clId="{DB6A8ECF-B9FA-4FA8-839B-D9B55B3C70EB}" dt="2021-06-25T12:47:02.693" v="690" actId="1076"/>
+          <ac:chgData name="Hugo DEMENEZ" userId="167f3b24-aa49-4d1b-b001-4f9180dfa13d" providerId="ADAL" clId="{DB6A8ECF-B9FA-4FA8-839B-D9B55B3C70EB}" dt="2021-06-25T13:33:11.452" v="1250" actId="164"/>
           <ac:spMkLst>
             <pc:docMk/>
             <pc:sldMk cId="1841864826" sldId="259"/>
@@ -348,7 +348,7 @@
           </ac:spMkLst>
         </pc:spChg>
         <pc:spChg chg="mod topLvl">
-          <ac:chgData name="Hugo DEMENEZ" userId="167f3b24-aa49-4d1b-b001-4f9180dfa13d" providerId="ADAL" clId="{DB6A8ECF-B9FA-4FA8-839B-D9B55B3C70EB}" dt="2021-06-25T12:47:02.693" v="690" actId="1076"/>
+          <ac:chgData name="Hugo DEMENEZ" userId="167f3b24-aa49-4d1b-b001-4f9180dfa13d" providerId="ADAL" clId="{DB6A8ECF-B9FA-4FA8-839B-D9B55B3C70EB}" dt="2021-06-25T13:33:11.452" v="1250" actId="164"/>
           <ac:spMkLst>
             <pc:docMk/>
             <pc:sldMk cId="1841864826" sldId="259"/>
@@ -364,7 +364,7 @@
           </ac:spMkLst>
         </pc:spChg>
         <pc:spChg chg="mod topLvl">
-          <ac:chgData name="Hugo DEMENEZ" userId="167f3b24-aa49-4d1b-b001-4f9180dfa13d" providerId="ADAL" clId="{DB6A8ECF-B9FA-4FA8-839B-D9B55B3C70EB}" dt="2021-06-25T12:47:02.693" v="690" actId="1076"/>
+          <ac:chgData name="Hugo DEMENEZ" userId="167f3b24-aa49-4d1b-b001-4f9180dfa13d" providerId="ADAL" clId="{DB6A8ECF-B9FA-4FA8-839B-D9B55B3C70EB}" dt="2021-06-25T13:33:11.452" v="1250" actId="164"/>
           <ac:spMkLst>
             <pc:docMk/>
             <pc:sldMk cId="1841864826" sldId="259"/>
@@ -380,7 +380,7 @@
           </ac:spMkLst>
         </pc:spChg>
         <pc:spChg chg="mod topLvl">
-          <ac:chgData name="Hugo DEMENEZ" userId="167f3b24-aa49-4d1b-b001-4f9180dfa13d" providerId="ADAL" clId="{DB6A8ECF-B9FA-4FA8-839B-D9B55B3C70EB}" dt="2021-06-25T12:47:23.766" v="695" actId="207"/>
+          <ac:chgData name="Hugo DEMENEZ" userId="167f3b24-aa49-4d1b-b001-4f9180dfa13d" providerId="ADAL" clId="{DB6A8ECF-B9FA-4FA8-839B-D9B55B3C70EB}" dt="2021-06-25T13:33:11.452" v="1250" actId="164"/>
           <ac:spMkLst>
             <pc:docMk/>
             <pc:sldMk cId="1841864826" sldId="259"/>
@@ -388,7 +388,7 @@
           </ac:spMkLst>
         </pc:spChg>
         <pc:spChg chg="add mod topLvl">
-          <ac:chgData name="Hugo DEMENEZ" userId="167f3b24-aa49-4d1b-b001-4f9180dfa13d" providerId="ADAL" clId="{DB6A8ECF-B9FA-4FA8-839B-D9B55B3C70EB}" dt="2021-06-25T12:47:02.693" v="690" actId="1076"/>
+          <ac:chgData name="Hugo DEMENEZ" userId="167f3b24-aa49-4d1b-b001-4f9180dfa13d" providerId="ADAL" clId="{DB6A8ECF-B9FA-4FA8-839B-D9B55B3C70EB}" dt="2021-06-25T13:33:11.452" v="1250" actId="164"/>
           <ac:spMkLst>
             <pc:docMk/>
             <pc:sldMk cId="1841864826" sldId="259"/>
@@ -396,7 +396,7 @@
           </ac:spMkLst>
         </pc:spChg>
         <pc:spChg chg="add mod">
-          <ac:chgData name="Hugo DEMENEZ" userId="167f3b24-aa49-4d1b-b001-4f9180dfa13d" providerId="ADAL" clId="{DB6A8ECF-B9FA-4FA8-839B-D9B55B3C70EB}" dt="2021-06-25T12:47:02.693" v="690" actId="1076"/>
+          <ac:chgData name="Hugo DEMENEZ" userId="167f3b24-aa49-4d1b-b001-4f9180dfa13d" providerId="ADAL" clId="{DB6A8ECF-B9FA-4FA8-839B-D9B55B3C70EB}" dt="2021-06-25T13:33:11.452" v="1250" actId="164"/>
           <ac:spMkLst>
             <pc:docMk/>
             <pc:sldMk cId="1841864826" sldId="259"/>
@@ -411,6 +411,14 @@
             <ac:spMk id="19" creationId="{B6FAD356-836F-43F7-BD03-51DC87C2A94F}"/>
           </ac:spMkLst>
         </pc:spChg>
+        <pc:grpChg chg="add mod">
+          <ac:chgData name="Hugo DEMENEZ" userId="167f3b24-aa49-4d1b-b001-4f9180dfa13d" providerId="ADAL" clId="{DB6A8ECF-B9FA-4FA8-839B-D9B55B3C70EB}" dt="2021-06-25T13:33:11.452" v="1250" actId="164"/>
+          <ac:grpSpMkLst>
+            <pc:docMk/>
+            <pc:sldMk cId="1841864826" sldId="259"/>
+            <ac:grpSpMk id="3" creationId="{170C41DE-68B7-4710-AD6A-552E6D8A7DB5}"/>
+          </ac:grpSpMkLst>
+        </pc:grpChg>
         <pc:grpChg chg="add del mod">
           <ac:chgData name="Hugo DEMENEZ" userId="167f3b24-aa49-4d1b-b001-4f9180dfa13d" providerId="ADAL" clId="{DB6A8ECF-B9FA-4FA8-839B-D9B55B3C70EB}" dt="2021-06-25T12:44:36.551" v="674" actId="165"/>
           <ac:grpSpMkLst>
@@ -451,6 +459,30 @@
             <ac:graphicFrameMk id="9" creationId="{93F28242-C62B-4431-9E90-20B553372F00}"/>
           </ac:graphicFrameMkLst>
         </pc:graphicFrameChg>
+        <pc:picChg chg="add del mod">
+          <ac:chgData name="Hugo DEMENEZ" userId="167f3b24-aa49-4d1b-b001-4f9180dfa13d" providerId="ADAL" clId="{DB6A8ECF-B9FA-4FA8-839B-D9B55B3C70EB}" dt="2021-06-25T13:37:02.725" v="1276" actId="478"/>
+          <ac:picMkLst>
+            <pc:docMk/>
+            <pc:sldMk cId="1841864826" sldId="259"/>
+            <ac:picMk id="17" creationId="{46885D7A-D279-40A5-B940-27EC1F75EE52}"/>
+          </ac:picMkLst>
+        </pc:picChg>
+        <pc:picChg chg="add del mod">
+          <ac:chgData name="Hugo DEMENEZ" userId="167f3b24-aa49-4d1b-b001-4f9180dfa13d" providerId="ADAL" clId="{DB6A8ECF-B9FA-4FA8-839B-D9B55B3C70EB}" dt="2021-06-25T13:36:47.732" v="1273"/>
+          <ac:picMkLst>
+            <pc:docMk/>
+            <pc:sldMk cId="1841864826" sldId="259"/>
+            <ac:picMk id="19" creationId="{4283D4A5-5CAA-42D4-81ED-51440A7278D5}"/>
+          </ac:picMkLst>
+        </pc:picChg>
+        <pc:picChg chg="add mod">
+          <ac:chgData name="Hugo DEMENEZ" userId="167f3b24-aa49-4d1b-b001-4f9180dfa13d" providerId="ADAL" clId="{DB6A8ECF-B9FA-4FA8-839B-D9B55B3C70EB}" dt="2021-06-25T13:37:12.532" v="1280" actId="1076"/>
+          <ac:picMkLst>
+            <pc:docMk/>
+            <pc:sldMk cId="1841864826" sldId="259"/>
+            <ac:picMk id="21" creationId="{474A7A2D-1272-4A6B-8687-E8E8248507F6}"/>
+          </ac:picMkLst>
+        </pc:picChg>
         <pc:cxnChg chg="add del mod">
           <ac:chgData name="Hugo DEMENEZ" userId="167f3b24-aa49-4d1b-b001-4f9180dfa13d" providerId="ADAL" clId="{DB6A8ECF-B9FA-4FA8-839B-D9B55B3C70EB}" dt="2021-06-23T11:36:48.915" v="71" actId="11529"/>
           <ac:cxnSpMkLst>
@@ -460,7 +492,7 @@
           </ac:cxnSpMkLst>
         </pc:cxnChg>
         <pc:cxnChg chg="mod topLvl">
-          <ac:chgData name="Hugo DEMENEZ" userId="167f3b24-aa49-4d1b-b001-4f9180dfa13d" providerId="ADAL" clId="{DB6A8ECF-B9FA-4FA8-839B-D9B55B3C70EB}" dt="2021-06-25T12:47:02.693" v="690" actId="1076"/>
+          <ac:chgData name="Hugo DEMENEZ" userId="167f3b24-aa49-4d1b-b001-4f9180dfa13d" providerId="ADAL" clId="{DB6A8ECF-B9FA-4FA8-839B-D9B55B3C70EB}" dt="2021-06-25T13:33:11.452" v="1250" actId="164"/>
           <ac:cxnSpMkLst>
             <pc:docMk/>
             <pc:sldMk cId="1841864826" sldId="259"/>
@@ -476,7 +508,7 @@
           </ac:cxnSpMkLst>
         </pc:cxnChg>
         <pc:cxnChg chg="mod topLvl">
-          <ac:chgData name="Hugo DEMENEZ" userId="167f3b24-aa49-4d1b-b001-4f9180dfa13d" providerId="ADAL" clId="{DB6A8ECF-B9FA-4FA8-839B-D9B55B3C70EB}" dt="2021-06-25T12:47:02.693" v="690" actId="1076"/>
+          <ac:chgData name="Hugo DEMENEZ" userId="167f3b24-aa49-4d1b-b001-4f9180dfa13d" providerId="ADAL" clId="{DB6A8ECF-B9FA-4FA8-839B-D9B55B3C70EB}" dt="2021-06-25T13:33:11.452" v="1250" actId="164"/>
           <ac:cxnSpMkLst>
             <pc:docMk/>
             <pc:sldMk cId="1841864826" sldId="259"/>
@@ -492,7 +524,7 @@
           </ac:cxnSpMkLst>
         </pc:cxnChg>
         <pc:cxnChg chg="mod topLvl">
-          <ac:chgData name="Hugo DEMENEZ" userId="167f3b24-aa49-4d1b-b001-4f9180dfa13d" providerId="ADAL" clId="{DB6A8ECF-B9FA-4FA8-839B-D9B55B3C70EB}" dt="2021-06-25T12:47:02.693" v="690" actId="1076"/>
+          <ac:chgData name="Hugo DEMENEZ" userId="167f3b24-aa49-4d1b-b001-4f9180dfa13d" providerId="ADAL" clId="{DB6A8ECF-B9FA-4FA8-839B-D9B55B3C70EB}" dt="2021-06-25T13:33:11.452" v="1250" actId="164"/>
           <ac:cxnSpMkLst>
             <pc:docMk/>
             <pc:sldMk cId="1841864826" sldId="259"/>
@@ -500,7 +532,7 @@
           </ac:cxnSpMkLst>
         </pc:cxnChg>
         <pc:cxnChg chg="add mod topLvl">
-          <ac:chgData name="Hugo DEMENEZ" userId="167f3b24-aa49-4d1b-b001-4f9180dfa13d" providerId="ADAL" clId="{DB6A8ECF-B9FA-4FA8-839B-D9B55B3C70EB}" dt="2021-06-25T12:47:02.693" v="690" actId="1076"/>
+          <ac:chgData name="Hugo DEMENEZ" userId="167f3b24-aa49-4d1b-b001-4f9180dfa13d" providerId="ADAL" clId="{DB6A8ECF-B9FA-4FA8-839B-D9B55B3C70EB}" dt="2021-06-25T13:33:11.452" v="1250" actId="164"/>
           <ac:cxnSpMkLst>
             <pc:docMk/>
             <pc:sldMk cId="1841864826" sldId="259"/>
@@ -516,7 +548,7 @@
           </ac:cxnSpMkLst>
         </pc:cxnChg>
         <pc:cxnChg chg="add mod">
-          <ac:chgData name="Hugo DEMENEZ" userId="167f3b24-aa49-4d1b-b001-4f9180dfa13d" providerId="ADAL" clId="{DB6A8ECF-B9FA-4FA8-839B-D9B55B3C70EB}" dt="2021-06-25T12:47:15.651" v="693" actId="14100"/>
+          <ac:chgData name="Hugo DEMENEZ" userId="167f3b24-aa49-4d1b-b001-4f9180dfa13d" providerId="ADAL" clId="{DB6A8ECF-B9FA-4FA8-839B-D9B55B3C70EB}" dt="2021-06-25T13:34:57.706" v="1261" actId="692"/>
           <ac:cxnSpMkLst>
             <pc:docMk/>
             <pc:sldMk cId="1841864826" sldId="259"/>
@@ -525,13 +557,13 @@
         </pc:cxnChg>
       </pc:sldChg>
       <pc:sldChg chg="addSp delSp modSp new mod ord">
-        <pc:chgData name="Hugo DEMENEZ" userId="167f3b24-aa49-4d1b-b001-4f9180dfa13d" providerId="ADAL" clId="{DB6A8ECF-B9FA-4FA8-839B-D9B55B3C70EB}" dt="2021-06-25T12:57:58.994" v="763" actId="20577"/>
+        <pc:chgData name="Hugo DEMENEZ" userId="167f3b24-aa49-4d1b-b001-4f9180dfa13d" providerId="ADAL" clId="{DB6A8ECF-B9FA-4FA8-839B-D9B55B3C70EB}" dt="2021-06-25T13:35:06.747" v="1262" actId="692"/>
         <pc:sldMkLst>
           <pc:docMk/>
           <pc:sldMk cId="1379568114" sldId="260"/>
         </pc:sldMkLst>
         <pc:spChg chg="mod">
-          <ac:chgData name="Hugo DEMENEZ" userId="167f3b24-aa49-4d1b-b001-4f9180dfa13d" providerId="ADAL" clId="{DB6A8ECF-B9FA-4FA8-839B-D9B55B3C70EB}" dt="2021-06-25T12:52:14.835" v="738" actId="242"/>
+          <ac:chgData name="Hugo DEMENEZ" userId="167f3b24-aa49-4d1b-b001-4f9180dfa13d" providerId="ADAL" clId="{DB6A8ECF-B9FA-4FA8-839B-D9B55B3C70EB}" dt="2021-06-25T13:30:50.594" v="1243" actId="20577"/>
           <ac:spMkLst>
             <pc:docMk/>
             <pc:sldMk cId="1379568114" sldId="260"/>
@@ -546,6 +578,14 @@
             <ac:spMk id="4" creationId="{4CFCDA8B-54EE-4C55-80EF-0DA312F66AFD}"/>
           </ac:spMkLst>
         </pc:spChg>
+        <pc:spChg chg="mod">
+          <ac:chgData name="Hugo DEMENEZ" userId="167f3b24-aa49-4d1b-b001-4f9180dfa13d" providerId="ADAL" clId="{DB6A8ECF-B9FA-4FA8-839B-D9B55B3C70EB}" dt="2021-06-25T13:34:08.805" v="1256"/>
+          <ac:spMkLst>
+            <pc:docMk/>
+            <pc:sldMk cId="1379568114" sldId="260"/>
+            <ac:spMk id="7" creationId="{31487C3C-0FDF-47CD-A292-9CEB2789FE03}"/>
+          </ac:spMkLst>
+        </pc:spChg>
         <pc:spChg chg="add del">
           <ac:chgData name="Hugo DEMENEZ" userId="167f3b24-aa49-4d1b-b001-4f9180dfa13d" providerId="ADAL" clId="{DB6A8ECF-B9FA-4FA8-839B-D9B55B3C70EB}" dt="2021-06-25T12:40:19.522" v="576" actId="22"/>
           <ac:spMkLst>
@@ -562,6 +602,14 @@
             <ac:spMk id="7" creationId="{DE6C3F61-BA04-45F6-9AAC-546C605E1A98}"/>
           </ac:spMkLst>
         </pc:spChg>
+        <pc:spChg chg="mod">
+          <ac:chgData name="Hugo DEMENEZ" userId="167f3b24-aa49-4d1b-b001-4f9180dfa13d" providerId="ADAL" clId="{DB6A8ECF-B9FA-4FA8-839B-D9B55B3C70EB}" dt="2021-06-25T13:34:08.805" v="1256"/>
+          <ac:spMkLst>
+            <pc:docMk/>
+            <pc:sldMk cId="1379568114" sldId="260"/>
+            <ac:spMk id="8" creationId="{366C6AED-7D21-497A-AB37-80F9A872D3CA}"/>
+          </ac:spMkLst>
+        </pc:spChg>
         <pc:spChg chg="del mod topLvl">
           <ac:chgData name="Hugo DEMENEZ" userId="167f3b24-aa49-4d1b-b001-4f9180dfa13d" providerId="ADAL" clId="{DB6A8ECF-B9FA-4FA8-839B-D9B55B3C70EB}" dt="2021-06-24T11:52:52.778" v="493" actId="478"/>
           <ac:spMkLst>
@@ -578,6 +626,14 @@
             <ac:spMk id="9" creationId="{4259C38A-A147-4CAF-B5B6-0291607A656D}"/>
           </ac:spMkLst>
         </pc:spChg>
+        <pc:spChg chg="mod">
+          <ac:chgData name="Hugo DEMENEZ" userId="167f3b24-aa49-4d1b-b001-4f9180dfa13d" providerId="ADAL" clId="{DB6A8ECF-B9FA-4FA8-839B-D9B55B3C70EB}" dt="2021-06-25T13:34:08.805" v="1256"/>
+          <ac:spMkLst>
+            <pc:docMk/>
+            <pc:sldMk cId="1379568114" sldId="260"/>
+            <ac:spMk id="10" creationId="{13BF2DDA-F3EA-4A3B-869E-60D1FCE1B02E}"/>
+          </ac:spMkLst>
+        </pc:spChg>
         <pc:spChg chg="del mod topLvl">
           <ac:chgData name="Hugo DEMENEZ" userId="167f3b24-aa49-4d1b-b001-4f9180dfa13d" providerId="ADAL" clId="{DB6A8ECF-B9FA-4FA8-839B-D9B55B3C70EB}" dt="2021-06-24T11:52:50.665" v="490" actId="478"/>
           <ac:spMkLst>
@@ -610,6 +666,22 @@
             <ac:spMk id="12" creationId="{EEF85495-05FF-44D8-B9BE-3EF2870CF58D}"/>
           </ac:spMkLst>
         </pc:spChg>
+        <pc:spChg chg="mod">
+          <ac:chgData name="Hugo DEMENEZ" userId="167f3b24-aa49-4d1b-b001-4f9180dfa13d" providerId="ADAL" clId="{DB6A8ECF-B9FA-4FA8-839B-D9B55B3C70EB}" dt="2021-06-25T13:34:08.805" v="1256"/>
+          <ac:spMkLst>
+            <pc:docMk/>
+            <pc:sldMk cId="1379568114" sldId="260"/>
+            <ac:spMk id="12" creationId="{FFC260EF-82DF-4216-99FD-8B15CE7A2FDB}"/>
+          </ac:spMkLst>
+        </pc:spChg>
+        <pc:spChg chg="mod">
+          <ac:chgData name="Hugo DEMENEZ" userId="167f3b24-aa49-4d1b-b001-4f9180dfa13d" providerId="ADAL" clId="{DB6A8ECF-B9FA-4FA8-839B-D9B55B3C70EB}" dt="2021-06-25T13:34:08.805" v="1256"/>
+          <ac:spMkLst>
+            <pc:docMk/>
+            <pc:sldMk cId="1379568114" sldId="260"/>
+            <ac:spMk id="14" creationId="{737089EC-7998-4C48-8B98-25E5D2674BDC}"/>
+          </ac:spMkLst>
+        </pc:spChg>
         <pc:spChg chg="del mod">
           <ac:chgData name="Hugo DEMENEZ" userId="167f3b24-aa49-4d1b-b001-4f9180dfa13d" providerId="ADAL" clId="{DB6A8ECF-B9FA-4FA8-839B-D9B55B3C70EB}" dt="2021-06-25T12:47:41.726" v="697" actId="478"/>
           <ac:spMkLst>
@@ -627,6 +699,14 @@
           </ac:spMkLst>
         </pc:spChg>
         <pc:spChg chg="mod">
+          <ac:chgData name="Hugo DEMENEZ" userId="167f3b24-aa49-4d1b-b001-4f9180dfa13d" providerId="ADAL" clId="{DB6A8ECF-B9FA-4FA8-839B-D9B55B3C70EB}" dt="2021-06-25T13:34:08.805" v="1256"/>
+          <ac:spMkLst>
+            <pc:docMk/>
+            <pc:sldMk cId="1379568114" sldId="260"/>
+            <ac:spMk id="16" creationId="{15C46193-A6CF-4EA8-BE31-1C0EC0BBAAA5}"/>
+          </ac:spMkLst>
+        </pc:spChg>
+        <pc:spChg chg="mod">
           <ac:chgData name="Hugo DEMENEZ" userId="167f3b24-aa49-4d1b-b001-4f9180dfa13d" providerId="ADAL" clId="{DB6A8ECF-B9FA-4FA8-839B-D9B55B3C70EB}" dt="2021-06-25T12:40:24.312" v="577"/>
           <ac:spMkLst>
             <pc:docMk/>
@@ -634,6 +714,14 @@
             <ac:spMk id="16" creationId="{433B56BB-E095-4B51-AC3C-AC5A1F181A10}"/>
           </ac:spMkLst>
         </pc:spChg>
+        <pc:grpChg chg="add mod">
+          <ac:chgData name="Hugo DEMENEZ" userId="167f3b24-aa49-4d1b-b001-4f9180dfa13d" providerId="ADAL" clId="{DB6A8ECF-B9FA-4FA8-839B-D9B55B3C70EB}" dt="2021-06-25T13:34:08.805" v="1256"/>
+          <ac:grpSpMkLst>
+            <pc:docMk/>
+            <pc:sldMk cId="1379568114" sldId="260"/>
+            <ac:grpSpMk id="6" creationId="{805BD0C6-09BE-47C2-8289-05F362AA1682}"/>
+          </ac:grpSpMkLst>
+        </pc:grpChg>
         <pc:grpChg chg="add del mod">
           <ac:chgData name="Hugo DEMENEZ" userId="167f3b24-aa49-4d1b-b001-4f9180dfa13d" providerId="ADAL" clId="{DB6A8ECF-B9FA-4FA8-839B-D9B55B3C70EB}" dt="2021-06-24T11:50:15.277" v="463" actId="165"/>
           <ac:grpSpMkLst>
@@ -650,6 +738,14 @@
             <ac:grpSpMk id="8" creationId="{F5DF44CF-37AB-4881-A2AD-4D1EFA3B5439}"/>
           </ac:grpSpMkLst>
         </pc:grpChg>
+        <pc:cxnChg chg="mod">
+          <ac:chgData name="Hugo DEMENEZ" userId="167f3b24-aa49-4d1b-b001-4f9180dfa13d" providerId="ADAL" clId="{DB6A8ECF-B9FA-4FA8-839B-D9B55B3C70EB}" dt="2021-06-25T13:34:08.805" v="1256"/>
+          <ac:cxnSpMkLst>
+            <pc:docMk/>
+            <pc:sldMk cId="1379568114" sldId="260"/>
+            <ac:cxnSpMk id="9" creationId="{22810D03-0695-475B-A6C4-E69D10A7C565}"/>
+          </ac:cxnSpMkLst>
+        </pc:cxnChg>
         <pc:cxnChg chg="del mod topLvl">
           <ac:chgData name="Hugo DEMENEZ" userId="167f3b24-aa49-4d1b-b001-4f9180dfa13d" providerId="ADAL" clId="{DB6A8ECF-B9FA-4FA8-839B-D9B55B3C70EB}" dt="2021-06-24T11:52:53.361" v="494" actId="478"/>
           <ac:cxnSpMkLst>
@@ -675,6 +771,14 @@
           </ac:cxnSpMkLst>
         </pc:cxnChg>
         <pc:cxnChg chg="mod">
+          <ac:chgData name="Hugo DEMENEZ" userId="167f3b24-aa49-4d1b-b001-4f9180dfa13d" providerId="ADAL" clId="{DB6A8ECF-B9FA-4FA8-839B-D9B55B3C70EB}" dt="2021-06-25T13:34:08.805" v="1256"/>
+          <ac:cxnSpMkLst>
+            <pc:docMk/>
+            <pc:sldMk cId="1379568114" sldId="260"/>
+            <ac:cxnSpMk id="11" creationId="{EC5410C8-E4A0-478F-8E52-83266E9BE54D}"/>
+          </ac:cxnSpMkLst>
+        </pc:cxnChg>
+        <pc:cxnChg chg="mod">
           <ac:chgData name="Hugo DEMENEZ" userId="167f3b24-aa49-4d1b-b001-4f9180dfa13d" providerId="ADAL" clId="{DB6A8ECF-B9FA-4FA8-839B-D9B55B3C70EB}" dt="2021-06-25T12:47:42.488" v="698" actId="478"/>
           <ac:cxnSpMkLst>
             <pc:docMk/>
@@ -690,6 +794,22 @@
             <ac:cxnSpMk id="13" creationId="{180994A6-5187-485A-8C12-20ED3D8AC640}"/>
           </ac:cxnSpMkLst>
         </pc:cxnChg>
+        <pc:cxnChg chg="mod">
+          <ac:chgData name="Hugo DEMENEZ" userId="167f3b24-aa49-4d1b-b001-4f9180dfa13d" providerId="ADAL" clId="{DB6A8ECF-B9FA-4FA8-839B-D9B55B3C70EB}" dt="2021-06-25T13:35:06.747" v="1262" actId="692"/>
+          <ac:cxnSpMkLst>
+            <pc:docMk/>
+            <pc:sldMk cId="1379568114" sldId="260"/>
+            <ac:cxnSpMk id="13" creationId="{7239DA9D-BCEA-43A5-A2A6-AAEC7A6A18CB}"/>
+          </ac:cxnSpMkLst>
+        </pc:cxnChg>
+        <pc:cxnChg chg="mod">
+          <ac:chgData name="Hugo DEMENEZ" userId="167f3b24-aa49-4d1b-b001-4f9180dfa13d" providerId="ADAL" clId="{DB6A8ECF-B9FA-4FA8-839B-D9B55B3C70EB}" dt="2021-06-25T13:34:08.805" v="1256"/>
+          <ac:cxnSpMkLst>
+            <pc:docMk/>
+            <pc:sldMk cId="1379568114" sldId="260"/>
+            <ac:cxnSpMk id="15" creationId="{476D2768-863D-44CB-BC8F-FDDF99D0FBAE}"/>
+          </ac:cxnSpMkLst>
+        </pc:cxnChg>
         <pc:cxnChg chg="add del mod">
           <ac:chgData name="Hugo DEMENEZ" userId="167f3b24-aa49-4d1b-b001-4f9180dfa13d" providerId="ADAL" clId="{DB6A8ECF-B9FA-4FA8-839B-D9B55B3C70EB}" dt="2021-06-24T11:52:51.529" v="491" actId="478"/>
           <ac:cxnSpMkLst>
@@ -707,6 +827,14 @@
           </ac:cxnSpMkLst>
         </pc:cxnChg>
         <pc:cxnChg chg="mod">
+          <ac:chgData name="Hugo DEMENEZ" userId="167f3b24-aa49-4d1b-b001-4f9180dfa13d" providerId="ADAL" clId="{DB6A8ECF-B9FA-4FA8-839B-D9B55B3C70EB}" dt="2021-06-25T13:34:08.805" v="1256"/>
+          <ac:cxnSpMkLst>
+            <pc:docMk/>
+            <pc:sldMk cId="1379568114" sldId="260"/>
+            <ac:cxnSpMk id="17" creationId="{2590C297-7E61-4420-86FE-A445F678D968}"/>
+          </ac:cxnSpMkLst>
+        </pc:cxnChg>
+        <pc:cxnChg chg="mod">
           <ac:chgData name="Hugo DEMENEZ" userId="167f3b24-aa49-4d1b-b001-4f9180dfa13d" providerId="ADAL" clId="{DB6A8ECF-B9FA-4FA8-839B-D9B55B3C70EB}" dt="2021-06-25T12:47:42.488" v="698" actId="478"/>
           <ac:cxnSpMkLst>
             <pc:docMk/>
@@ -716,7 +844,7 @@
         </pc:cxnChg>
       </pc:sldChg>
       <pc:sldChg chg="addSp delSp modSp new mod ord">
-        <pc:chgData name="Hugo DEMENEZ" userId="167f3b24-aa49-4d1b-b001-4f9180dfa13d" providerId="ADAL" clId="{DB6A8ECF-B9FA-4FA8-839B-D9B55B3C70EB}" dt="2021-06-25T13:01:54.445" v="787" actId="1076"/>
+        <pc:chgData name="Hugo DEMENEZ" userId="167f3b24-aa49-4d1b-b001-4f9180dfa13d" providerId="ADAL" clId="{DB6A8ECF-B9FA-4FA8-839B-D9B55B3C70EB}" dt="2021-06-25T13:33:31.258" v="1255" actId="207"/>
         <pc:sldMkLst>
           <pc:docMk/>
           <pc:sldMk cId="3028807577" sldId="261"/>
@@ -753,12 +881,28 @@
             <ac:spMk id="8" creationId="{F55C4A51-7C99-4942-806A-B58EC468C40D}"/>
           </ac:spMkLst>
         </pc:spChg>
+        <pc:spChg chg="mod">
+          <ac:chgData name="Hugo DEMENEZ" userId="167f3b24-aa49-4d1b-b001-4f9180dfa13d" providerId="ADAL" clId="{DB6A8ECF-B9FA-4FA8-839B-D9B55B3C70EB}" dt="2021-06-25T13:33:14.007" v="1251"/>
+          <ac:spMkLst>
+            <pc:docMk/>
+            <pc:sldMk cId="3028807577" sldId="261"/>
+            <ac:spMk id="9" creationId="{BCD56CE1-6304-4B88-AE27-9CB45D186550}"/>
+          </ac:spMkLst>
+        </pc:spChg>
         <pc:spChg chg="del mod topLvl">
           <ac:chgData name="Hugo DEMENEZ" userId="167f3b24-aa49-4d1b-b001-4f9180dfa13d" providerId="ADAL" clId="{DB6A8ECF-B9FA-4FA8-839B-D9B55B3C70EB}" dt="2021-06-24T11:53:26.181" v="500" actId="478"/>
           <ac:spMkLst>
             <pc:docMk/>
             <pc:sldMk cId="3028807577" sldId="261"/>
             <ac:spMk id="10" creationId="{60E9FD1A-5754-4EB3-998D-0BBFA640E033}"/>
+          </ac:spMkLst>
+        </pc:spChg>
+        <pc:spChg chg="mod">
+          <ac:chgData name="Hugo DEMENEZ" userId="167f3b24-aa49-4d1b-b001-4f9180dfa13d" providerId="ADAL" clId="{DB6A8ECF-B9FA-4FA8-839B-D9B55B3C70EB}" dt="2021-06-25T13:33:14.007" v="1251"/>
+          <ac:spMkLst>
+            <pc:docMk/>
+            <pc:sldMk cId="3028807577" sldId="261"/>
+            <ac:spMk id="10" creationId="{7D1F2FCA-B7B3-469A-9960-36402AD32E15}"/>
           </ac:spMkLst>
         </pc:spChg>
         <pc:spChg chg="add del mod">
@@ -767,6 +911,14 @@
             <pc:docMk/>
             <pc:sldMk cId="3028807577" sldId="261"/>
             <ac:spMk id="11" creationId="{256A31CB-6C0A-47B9-AC20-E8AE0C7157A8}"/>
+          </ac:spMkLst>
+        </pc:spChg>
+        <pc:spChg chg="mod">
+          <ac:chgData name="Hugo DEMENEZ" userId="167f3b24-aa49-4d1b-b001-4f9180dfa13d" providerId="ADAL" clId="{DB6A8ECF-B9FA-4FA8-839B-D9B55B3C70EB}" dt="2021-06-25T13:33:14.007" v="1251"/>
+          <ac:spMkLst>
+            <pc:docMk/>
+            <pc:sldMk cId="3028807577" sldId="261"/>
+            <ac:spMk id="12" creationId="{0149EEAC-70B2-4001-8FEF-4571DDF2773F}"/>
           </ac:spMkLst>
         </pc:spChg>
         <pc:spChg chg="del mod topLvl">
@@ -785,6 +937,30 @@
             <ac:spMk id="14" creationId="{0CB24658-3D00-4542-8777-F43C38C9BEF6}"/>
           </ac:spMkLst>
         </pc:spChg>
+        <pc:spChg chg="mod">
+          <ac:chgData name="Hugo DEMENEZ" userId="167f3b24-aa49-4d1b-b001-4f9180dfa13d" providerId="ADAL" clId="{DB6A8ECF-B9FA-4FA8-839B-D9B55B3C70EB}" dt="2021-06-25T13:33:31.258" v="1255" actId="207"/>
+          <ac:spMkLst>
+            <pc:docMk/>
+            <pc:sldMk cId="3028807577" sldId="261"/>
+            <ac:spMk id="14" creationId="{2EC69272-36AB-43F6-9D7F-12F0E4C06071}"/>
+          </ac:spMkLst>
+        </pc:spChg>
+        <pc:spChg chg="mod">
+          <ac:chgData name="Hugo DEMENEZ" userId="167f3b24-aa49-4d1b-b001-4f9180dfa13d" providerId="ADAL" clId="{DB6A8ECF-B9FA-4FA8-839B-D9B55B3C70EB}" dt="2021-06-25T13:33:14.007" v="1251"/>
+          <ac:spMkLst>
+            <pc:docMk/>
+            <pc:sldMk cId="3028807577" sldId="261"/>
+            <ac:spMk id="16" creationId="{62F99C8C-48DE-4208-A449-2C7FA26B9838}"/>
+          </ac:spMkLst>
+        </pc:spChg>
+        <pc:spChg chg="mod">
+          <ac:chgData name="Hugo DEMENEZ" userId="167f3b24-aa49-4d1b-b001-4f9180dfa13d" providerId="ADAL" clId="{DB6A8ECF-B9FA-4FA8-839B-D9B55B3C70EB}" dt="2021-06-25T13:33:24.587" v="1253" actId="207"/>
+          <ac:spMkLst>
+            <pc:docMk/>
+            <pc:sldMk cId="3028807577" sldId="261"/>
+            <ac:spMk id="18" creationId="{3524957E-127D-4C27-8810-6FF9AC9911DA}"/>
+          </ac:spMkLst>
+        </pc:spChg>
         <pc:grpChg chg="add del mod">
           <ac:chgData name="Hugo DEMENEZ" userId="167f3b24-aa49-4d1b-b001-4f9180dfa13d" providerId="ADAL" clId="{DB6A8ECF-B9FA-4FA8-839B-D9B55B3C70EB}" dt="2021-06-24T11:50:02.334" v="459" actId="165"/>
           <ac:grpSpMkLst>
@@ -793,6 +969,22 @@
             <ac:grpSpMk id="6" creationId="{3EA7828C-BA3C-43D7-BFAC-E7DDC13FB366}"/>
           </ac:grpSpMkLst>
         </pc:grpChg>
+        <pc:grpChg chg="add mod">
+          <ac:chgData name="Hugo DEMENEZ" userId="167f3b24-aa49-4d1b-b001-4f9180dfa13d" providerId="ADAL" clId="{DB6A8ECF-B9FA-4FA8-839B-D9B55B3C70EB}" dt="2021-06-25T13:33:14.007" v="1251"/>
+          <ac:grpSpMkLst>
+            <pc:docMk/>
+            <pc:sldMk cId="3028807577" sldId="261"/>
+            <ac:grpSpMk id="8" creationId="{BB35FBCF-D7D0-4B1F-B64C-4FF8FA243FEB}"/>
+          </ac:grpSpMkLst>
+        </pc:grpChg>
+        <pc:picChg chg="add mod">
+          <ac:chgData name="Hugo DEMENEZ" userId="167f3b24-aa49-4d1b-b001-4f9180dfa13d" providerId="ADAL" clId="{DB6A8ECF-B9FA-4FA8-839B-D9B55B3C70EB}" dt="2021-06-25T13:21:26.261" v="821" actId="1076"/>
+          <ac:picMkLst>
+            <pc:docMk/>
+            <pc:sldMk cId="3028807577" sldId="261"/>
+            <ac:picMk id="6" creationId="{6CFF8CC7-30FE-42FC-8E8A-872CD5327C92}"/>
+          </ac:picMkLst>
+        </pc:picChg>
         <pc:picChg chg="add del mod">
           <ac:chgData name="Hugo DEMENEZ" userId="167f3b24-aa49-4d1b-b001-4f9180dfa13d" providerId="ADAL" clId="{DB6A8ECF-B9FA-4FA8-839B-D9B55B3C70EB}" dt="2021-06-25T12:55:26.732" v="746" actId="478"/>
           <ac:picMkLst>
@@ -833,8 +1025,8 @@
             <ac:picMk id="17" creationId="{F3539919-1224-455B-832E-31E5F5C65A9F}"/>
           </ac:picMkLst>
         </pc:picChg>
-        <pc:picChg chg="add mod">
-          <ac:chgData name="Hugo DEMENEZ" userId="167f3b24-aa49-4d1b-b001-4f9180dfa13d" providerId="ADAL" clId="{DB6A8ECF-B9FA-4FA8-839B-D9B55B3C70EB}" dt="2021-06-25T13:01:54.445" v="787" actId="1076"/>
+        <pc:picChg chg="add del mod">
+          <ac:chgData name="Hugo DEMENEZ" userId="167f3b24-aa49-4d1b-b001-4f9180dfa13d" providerId="ADAL" clId="{DB6A8ECF-B9FA-4FA8-839B-D9B55B3C70EB}" dt="2021-06-25T13:21:13.990" v="817" actId="478"/>
           <ac:picMkLst>
             <pc:docMk/>
             <pc:sldMk cId="3028807577" sldId="261"/>
@@ -849,6 +1041,14 @@
             <ac:cxnSpMk id="9" creationId="{EDE8A7D0-5B0C-433A-9083-6BFF30C8F364}"/>
           </ac:cxnSpMkLst>
         </pc:cxnChg>
+        <pc:cxnChg chg="mod">
+          <ac:chgData name="Hugo DEMENEZ" userId="167f3b24-aa49-4d1b-b001-4f9180dfa13d" providerId="ADAL" clId="{DB6A8ECF-B9FA-4FA8-839B-D9B55B3C70EB}" dt="2021-06-25T13:33:14.007" v="1251"/>
+          <ac:cxnSpMkLst>
+            <pc:docMk/>
+            <pc:sldMk cId="3028807577" sldId="261"/>
+            <ac:cxnSpMk id="11" creationId="{1FE46A46-7692-44AA-83E9-3E1AFC19798C}"/>
+          </ac:cxnSpMkLst>
+        </pc:cxnChg>
         <pc:cxnChg chg="del mod topLvl">
           <ac:chgData name="Hugo DEMENEZ" userId="167f3b24-aa49-4d1b-b001-4f9180dfa13d" providerId="ADAL" clId="{DB6A8ECF-B9FA-4FA8-839B-D9B55B3C70EB}" dt="2021-06-24T11:53:27.029" v="501" actId="478"/>
           <ac:cxnSpMkLst>
@@ -865,12 +1065,36 @@
             <ac:cxnSpMk id="13" creationId="{B86386A3-CFA6-409D-9964-EFA226ABB990}"/>
           </ac:cxnSpMkLst>
         </pc:cxnChg>
+        <pc:cxnChg chg="mod">
+          <ac:chgData name="Hugo DEMENEZ" userId="167f3b24-aa49-4d1b-b001-4f9180dfa13d" providerId="ADAL" clId="{DB6A8ECF-B9FA-4FA8-839B-D9B55B3C70EB}" dt="2021-06-25T13:33:14.007" v="1251"/>
+          <ac:cxnSpMkLst>
+            <pc:docMk/>
+            <pc:sldMk cId="3028807577" sldId="261"/>
+            <ac:cxnSpMk id="13" creationId="{DE3C2A22-89BE-4602-A6E5-A26A8A69672B}"/>
+          </ac:cxnSpMkLst>
+        </pc:cxnChg>
         <pc:cxnChg chg="add del mod">
           <ac:chgData name="Hugo DEMENEZ" userId="167f3b24-aa49-4d1b-b001-4f9180dfa13d" providerId="ADAL" clId="{DB6A8ECF-B9FA-4FA8-839B-D9B55B3C70EB}" dt="2021-06-24T11:49:56.165" v="457" actId="478"/>
           <ac:cxnSpMkLst>
             <pc:docMk/>
             <pc:sldMk cId="3028807577" sldId="261"/>
             <ac:cxnSpMk id="15" creationId="{4ED3E7DA-80A0-4F5E-B96E-BD0C4FFEBA27}"/>
+          </ac:cxnSpMkLst>
+        </pc:cxnChg>
+        <pc:cxnChg chg="mod">
+          <ac:chgData name="Hugo DEMENEZ" userId="167f3b24-aa49-4d1b-b001-4f9180dfa13d" providerId="ADAL" clId="{DB6A8ECF-B9FA-4FA8-839B-D9B55B3C70EB}" dt="2021-06-25T13:33:14.007" v="1251"/>
+          <ac:cxnSpMkLst>
+            <pc:docMk/>
+            <pc:sldMk cId="3028807577" sldId="261"/>
+            <ac:cxnSpMk id="15" creationId="{B1E8D387-3819-4C6A-A7E3-4EB09B37F77D}"/>
+          </ac:cxnSpMkLst>
+        </pc:cxnChg>
+        <pc:cxnChg chg="mod">
+          <ac:chgData name="Hugo DEMENEZ" userId="167f3b24-aa49-4d1b-b001-4f9180dfa13d" providerId="ADAL" clId="{DB6A8ECF-B9FA-4FA8-839B-D9B55B3C70EB}" dt="2021-06-25T13:33:14.007" v="1251"/>
+          <ac:cxnSpMkLst>
+            <pc:docMk/>
+            <pc:sldMk cId="3028807577" sldId="261"/>
+            <ac:cxnSpMk id="17" creationId="{13C6F740-5F71-438A-B9ED-BF767E4B81C4}"/>
           </ac:cxnSpMkLst>
         </pc:cxnChg>
         <pc:cxnChg chg="add del mod">
@@ -879,6 +1103,14 @@
             <pc:docMk/>
             <pc:sldMk cId="3028807577" sldId="261"/>
             <ac:cxnSpMk id="18" creationId="{C5F51573-6518-4C19-AB82-1A95E6C0A4A4}"/>
+          </ac:cxnSpMkLst>
+        </pc:cxnChg>
+        <pc:cxnChg chg="mod">
+          <ac:chgData name="Hugo DEMENEZ" userId="167f3b24-aa49-4d1b-b001-4f9180dfa13d" providerId="ADAL" clId="{DB6A8ECF-B9FA-4FA8-839B-D9B55B3C70EB}" dt="2021-06-25T13:33:14.007" v="1251"/>
+          <ac:cxnSpMkLst>
+            <pc:docMk/>
+            <pc:sldMk cId="3028807577" sldId="261"/>
+            <ac:cxnSpMk id="20" creationId="{F95FA982-BC02-43B9-8E26-824462895B11}"/>
           </ac:cxnSpMkLst>
         </pc:cxnChg>
       </pc:sldChg>
@@ -1018,11 +1250,19 @@
         </pc:cxnChg>
       </pc:sldChg>
       <pc:sldChg chg="addSp delSp modSp new mod ord">
-        <pc:chgData name="Hugo DEMENEZ" userId="167f3b24-aa49-4d1b-b001-4f9180dfa13d" providerId="ADAL" clId="{DB6A8ECF-B9FA-4FA8-839B-D9B55B3C70EB}" dt="2021-06-25T12:58:02.961" v="765" actId="20577"/>
+        <pc:chgData name="Hugo DEMENEZ" userId="167f3b24-aa49-4d1b-b001-4f9180dfa13d" providerId="ADAL" clId="{DB6A8ECF-B9FA-4FA8-839B-D9B55B3C70EB}" dt="2021-06-25T13:22:36.606" v="919" actId="790"/>
         <pc:sldMkLst>
           <pc:docMk/>
           <pc:sldMk cId="2307786320" sldId="263"/>
         </pc:sldMkLst>
+        <pc:spChg chg="mod">
+          <ac:chgData name="Hugo DEMENEZ" userId="167f3b24-aa49-4d1b-b001-4f9180dfa13d" providerId="ADAL" clId="{DB6A8ECF-B9FA-4FA8-839B-D9B55B3C70EB}" dt="2021-06-25T13:22:36.606" v="919" actId="790"/>
+          <ac:spMkLst>
+            <pc:docMk/>
+            <pc:sldMk cId="2307786320" sldId="263"/>
+            <ac:spMk id="3" creationId="{8033DF95-F0CA-46D5-8B13-0D32246C4985}"/>
+          </ac:spMkLst>
+        </pc:spChg>
         <pc:spChg chg="mod">
           <ac:chgData name="Hugo DEMENEZ" userId="167f3b24-aa49-4d1b-b001-4f9180dfa13d" providerId="ADAL" clId="{DB6A8ECF-B9FA-4FA8-839B-D9B55B3C70EB}" dt="2021-06-25T12:58:02.961" v="765" actId="20577"/>
           <ac:spMkLst>
@@ -2193,7 +2433,7 @@
           <a:p>
             <a:fld id="{9B515104-7BE3-409A-8852-4F84AC1629A6}" type="slidenum">
               <a:rPr lang="fr-FR" smtClean="0"/>
-              <a:t>‹#›</a:t>
+              <a:t>‹N°›</a:t>
             </a:fld>
             <a:endParaRPr lang="fr-FR"/>
           </a:p>
@@ -2450,7 +2690,7 @@
           <a:p>
             <a:fld id="{629199E9-ECEC-4B25-AB7C-EC3678CC99B6}" type="slidenum">
               <a:rPr lang="fr-FR" smtClean="0"/>
-              <a:t>‹#›</a:t>
+              <a:t>‹N°›</a:t>
             </a:fld>
             <a:endParaRPr lang="fr-FR"/>
           </a:p>
@@ -2603,7 +2843,7 @@
           <a:bodyPr/>
           <a:lstStyle/>
           <a:p>
-            <a:endParaRPr lang="fr-FR"/>
+            <a:endParaRPr lang="fr-FR" dirty="0"/>
           </a:p>
         </p:txBody>
       </p:sp>
@@ -2626,7 +2866,7 @@
               <a:rPr lang="fr-FR" smtClean="0"/>
               <a:t>5</a:t>
             </a:fld>
-            <a:endParaRPr lang="fr-FR"/>
+            <a:endParaRPr lang="fr-FR" dirty="0"/>
           </a:p>
         </p:txBody>
       </p:sp>
@@ -2790,7 +3030,7 @@
           <a:p>
             <a:fld id="{4663F8E7-E950-430D-880A-090F6311A6B2}" type="slidenum">
               <a:rPr lang="fr-FR" smtClean="0"/>
-              <a:t>‹#›</a:t>
+              <a:t>‹N°›</a:t>
             </a:fld>
             <a:endParaRPr lang="fr-FR"/>
           </a:p>
@@ -2836,7 +3076,7 @@
           </a:lstStyle>
           <a:p>
             <a:r>
-              <a:rPr lang="fr-FR"/>
+              <a:rPr lang="fr-FR" dirty="0"/>
               <a:t>Hugo Demenez &amp; Brieuc Dandoy &amp; Guillaume Gulli &amp; Mohamed Amine Bennouna</a:t>
             </a:r>
           </a:p>
@@ -2980,7 +3220,7 @@
           <a:p>
             <a:fld id="{4663F8E7-E950-430D-880A-090F6311A6B2}" type="slidenum">
               <a:rPr lang="fr-FR" smtClean="0"/>
-              <a:t>‹#›</a:t>
+              <a:t>‹N°›</a:t>
             </a:fld>
             <a:endParaRPr lang="fr-FR"/>
           </a:p>
@@ -3026,7 +3266,7 @@
           </a:lstStyle>
           <a:p>
             <a:r>
-              <a:rPr lang="fr-FR"/>
+              <a:rPr lang="fr-FR" dirty="0"/>
               <a:t>Hugo Demenez &amp; Brieuc Dandoy &amp; Guillaume Gulli &amp; Mohamed Amine Bennouna</a:t>
             </a:r>
           </a:p>
@@ -3180,7 +3420,7 @@
           <a:p>
             <a:fld id="{4663F8E7-E950-430D-880A-090F6311A6B2}" type="slidenum">
               <a:rPr lang="fr-FR" smtClean="0"/>
-              <a:t>‹#›</a:t>
+              <a:t>‹N°›</a:t>
             </a:fld>
             <a:endParaRPr lang="fr-FR"/>
           </a:p>
@@ -3226,7 +3466,7 @@
           </a:lstStyle>
           <a:p>
             <a:r>
-              <a:rPr lang="fr-FR"/>
+              <a:rPr lang="fr-FR" dirty="0"/>
               <a:t>Hugo Demenez &amp; Brieuc Dandoy &amp; Guillaume Gulli &amp; Mohamed Amine Bennouna</a:t>
             </a:r>
           </a:p>
@@ -3374,7 +3614,7 @@
           <a:lstStyle/>
           <a:p>
             <a:r>
-              <a:rPr lang="fr-FR"/>
+              <a:rPr lang="fr-FR" dirty="0"/>
               <a:t>Hugo Demenez &amp; Brieuc Dandoy &amp; Guillaume Gulli &amp; Mohamed Amine Bennouna</a:t>
             </a:r>
           </a:p>
@@ -3403,7 +3643,7 @@
           <a:p>
             <a:fld id="{4663F8E7-E950-430D-880A-090F6311A6B2}" type="slidenum">
               <a:rPr lang="fr-FR" smtClean="0"/>
-              <a:t>‹#›</a:t>
+              <a:t>‹N°›</a:t>
             </a:fld>
             <a:endParaRPr lang="fr-FR"/>
           </a:p>
@@ -3624,7 +3864,7 @@
           <a:p>
             <a:fld id="{4663F8E7-E950-430D-880A-090F6311A6B2}" type="slidenum">
               <a:rPr lang="fr-FR" smtClean="0"/>
-              <a:t>‹#›</a:t>
+              <a:t>‹N°›</a:t>
             </a:fld>
             <a:endParaRPr lang="fr-FR"/>
           </a:p>
@@ -3670,7 +3910,7 @@
           </a:lstStyle>
           <a:p>
             <a:r>
-              <a:rPr lang="fr-FR"/>
+              <a:rPr lang="fr-FR" dirty="0"/>
               <a:t>Hugo Demenez &amp; Brieuc Dandoy &amp; Guillaume Gulli &amp; Mohamed Amine Bennouna</a:t>
             </a:r>
           </a:p>
@@ -3881,7 +4121,7 @@
           <a:p>
             <a:fld id="{4663F8E7-E950-430D-880A-090F6311A6B2}" type="slidenum">
               <a:rPr lang="fr-FR" smtClean="0"/>
-              <a:t>‹#›</a:t>
+              <a:t>‹N°›</a:t>
             </a:fld>
             <a:endParaRPr lang="fr-FR"/>
           </a:p>
@@ -3927,7 +4167,7 @@
           </a:lstStyle>
           <a:p>
             <a:r>
-              <a:rPr lang="fr-FR"/>
+              <a:rPr lang="fr-FR" dirty="0"/>
               <a:t>Hugo Demenez &amp; Brieuc Dandoy &amp; Guillaume Gulli &amp; Mohamed Amine Bennouna</a:t>
             </a:r>
           </a:p>
@@ -4285,7 +4525,7 @@
           <a:p>
             <a:fld id="{4663F8E7-E950-430D-880A-090F6311A6B2}" type="slidenum">
               <a:rPr lang="fr-FR" smtClean="0"/>
-              <a:t>‹#›</a:t>
+              <a:t>‹N°›</a:t>
             </a:fld>
             <a:endParaRPr lang="fr-FR"/>
           </a:p>
@@ -4331,7 +4571,7 @@
           </a:lstStyle>
           <a:p>
             <a:r>
-              <a:rPr lang="fr-FR"/>
+              <a:rPr lang="fr-FR" dirty="0"/>
               <a:t>Hugo Demenez &amp; Brieuc Dandoy &amp; Guillaume Gulli &amp; Mohamed Amine Bennouna</a:t>
             </a:r>
           </a:p>
@@ -4418,7 +4658,7 @@
           <a:p>
             <a:fld id="{4663F8E7-E950-430D-880A-090F6311A6B2}" type="slidenum">
               <a:rPr lang="fr-FR" smtClean="0"/>
-              <a:t>‹#›</a:t>
+              <a:t>‹N°›</a:t>
             </a:fld>
             <a:endParaRPr lang="fr-FR"/>
           </a:p>
@@ -4464,7 +4704,7 @@
           </a:lstStyle>
           <a:p>
             <a:r>
-              <a:rPr lang="fr-FR"/>
+              <a:rPr lang="fr-FR" dirty="0"/>
               <a:t>Hugo Demenez &amp; Brieuc Dandoy &amp; Guillaume Gulli &amp; Mohamed Amine Bennouna</a:t>
             </a:r>
           </a:p>
@@ -4523,7 +4763,7 @@
           <a:p>
             <a:fld id="{4663F8E7-E950-430D-880A-090F6311A6B2}" type="slidenum">
               <a:rPr lang="fr-FR" smtClean="0"/>
-              <a:t>‹#›</a:t>
+              <a:t>‹N°›</a:t>
             </a:fld>
             <a:endParaRPr lang="fr-FR"/>
           </a:p>
@@ -4569,7 +4809,7 @@
           </a:lstStyle>
           <a:p>
             <a:r>
-              <a:rPr lang="fr-FR"/>
+              <a:rPr lang="fr-FR" dirty="0"/>
               <a:t>Hugo Demenez &amp; Brieuc Dandoy &amp; Guillaume Gulli &amp; Mohamed Amine Bennouna</a:t>
             </a:r>
           </a:p>
@@ -4826,7 +5066,7 @@
           <a:p>
             <a:fld id="{4663F8E7-E950-430D-880A-090F6311A6B2}" type="slidenum">
               <a:rPr lang="fr-FR" smtClean="0"/>
-              <a:t>‹#›</a:t>
+              <a:t>‹N°›</a:t>
             </a:fld>
             <a:endParaRPr lang="fr-FR"/>
           </a:p>
@@ -4872,7 +5112,7 @@
           </a:lstStyle>
           <a:p>
             <a:r>
-              <a:rPr lang="fr-FR"/>
+              <a:rPr lang="fr-FR" dirty="0"/>
               <a:t>Hugo Demenez &amp; Brieuc Dandoy &amp; Guillaume Gulli &amp; Mohamed Amine Bennouna</a:t>
             </a:r>
           </a:p>
@@ -5106,7 +5346,7 @@
           <a:p>
             <a:fld id="{4663F8E7-E950-430D-880A-090F6311A6B2}" type="slidenum">
               <a:rPr lang="fr-FR" smtClean="0"/>
-              <a:t>‹#›</a:t>
+              <a:t>‹N°›</a:t>
             </a:fld>
             <a:endParaRPr lang="fr-FR"/>
           </a:p>
@@ -5152,7 +5392,7 @@
           </a:lstStyle>
           <a:p>
             <a:r>
-              <a:rPr lang="fr-FR"/>
+              <a:rPr lang="fr-FR" dirty="0"/>
               <a:t>Hugo Demenez &amp; Brieuc Dandoy &amp; Guillaume Gulli &amp; Mohamed Amine Bennouna</a:t>
             </a:r>
           </a:p>
@@ -5403,7 +5643,7 @@
           </a:lstStyle>
           <a:p>
             <a:r>
-              <a:rPr lang="fr-FR"/>
+              <a:rPr lang="fr-FR" dirty="0"/>
               <a:t>Hugo Demenez &amp; Brieuc Dandoy &amp; Guillaume Gulli &amp; Mohamed Amine Bennouna</a:t>
             </a:r>
           </a:p>
@@ -5449,7 +5689,7 @@
             <a:fld id="{4663F8E7-E950-430D-880A-090F6311A6B2}" type="slidenum">
               <a:rPr lang="fr-FR" smtClean="0"/>
               <a:pPr/>
-              <a:t>‹#›</a:t>
+              <a:t>‹N°›</a:t>
             </a:fld>
             <a:endParaRPr lang="fr-FR"/>
           </a:p>
@@ -5886,7 +6126,7 @@
         </p:nvSpPr>
         <p:spPr>
           <a:xfrm>
-            <a:off x="860228" y="2878198"/>
+            <a:off x="838199" y="3915722"/>
             <a:ext cx="10515600" cy="1101603"/>
           </a:xfrm>
         </p:spPr>
@@ -5898,15 +6138,15 @@
           <a:p>
             <a:pPr algn="ctr"/>
             <a:r>
-              <a:rPr lang="fr-FR" sz="8000"/>
+              <a:rPr lang="fr-FR" sz="8000" dirty="0"/>
               <a:t>ISEN</a:t>
             </a:r>
             <a:r>
-              <a:rPr lang="fr-FR" sz="3600"/>
+              <a:rPr lang="fr-FR" sz="3600" dirty="0"/>
               <a:t> </a:t>
             </a:r>
             <a:r>
-              <a:rPr lang="fr-FR" sz="8000"/>
+              <a:rPr lang="fr-FR" sz="8000" dirty="0"/>
               <a:t>INFO</a:t>
             </a:r>
           </a:p>
@@ -5934,7 +6174,7 @@
           <a:lstStyle/>
           <a:p>
             <a:r>
-              <a:rPr lang="fr-FR"/>
+              <a:rPr lang="fr-FR" dirty="0"/>
               <a:t>Hugo Demenez &amp; Brieuc Dandoy &amp; Guillaume Gulli &amp; Mohamed Amine Bennouna</a:t>
             </a:r>
           </a:p>
@@ -5969,602 +6209,663 @@
           </a:p>
         </p:txBody>
       </p:sp>
-      <p:sp>
-        <p:nvSpPr>
-          <p:cNvPr id="7" name="Ellipse 6">
+      <p:grpSp>
+        <p:nvGrpSpPr>
+          <p:cNvPr id="3" name="Groupe 2">
             <a:extLst>
               <a:ext uri="{FF2B5EF4-FFF2-40B4-BE49-F238E27FC236}">
-                <a16:creationId xmlns:a16="http://schemas.microsoft.com/office/drawing/2014/main" id="{31474F0A-D5C1-4449-909B-EF178AB14D89}"/>
+                <a16:creationId xmlns:a16="http://schemas.microsoft.com/office/drawing/2014/main" id="{170C41DE-68B7-4710-AD6A-552E6D8A7DB5}"/>
               </a:ext>
             </a:extLst>
           </p:cNvPr>
-          <p:cNvSpPr/>
+          <p:cNvGrpSpPr/>
           <p:nvPr/>
-        </p:nvSpPr>
-        <p:spPr>
+        </p:nvGrpSpPr>
+        <p:grpSpPr>
           <a:xfrm>
-            <a:off x="6311243" y="96322"/>
-            <a:ext cx="365125" cy="365125"/>
+            <a:off x="1533471" y="96322"/>
+            <a:ext cx="9079804" cy="365125"/>
+            <a:chOff x="1533471" y="96322"/>
+            <a:chExt cx="9079804" cy="365125"/>
           </a:xfrm>
-          <a:prstGeom prst="ellipse">
-            <a:avLst/>
-          </a:prstGeom>
-          <a:solidFill>
-            <a:schemeClr val="bg1"/>
-          </a:solidFill>
-          <a:ln>
-            <a:noFill/>
-          </a:ln>
-        </p:spPr>
-        <p:style>
-          <a:lnRef idx="2">
-            <a:schemeClr val="accent1">
-              <a:shade val="50000"/>
-            </a:schemeClr>
-          </a:lnRef>
-          <a:fillRef idx="1">
-            <a:schemeClr val="accent1"/>
-          </a:fillRef>
-          <a:effectRef idx="0">
-            <a:schemeClr val="accent1"/>
-          </a:effectRef>
-          <a:fontRef idx="minor">
-            <a:schemeClr val="lt1"/>
-          </a:fontRef>
-        </p:style>
-        <p:txBody>
-          <a:bodyPr rtlCol="0" anchor="ctr"/>
-          <a:lstStyle/>
-          <a:p>
-            <a:pPr algn="ctr"/>
-            <a:r>
-              <a:rPr lang="fr-FR">
-                <a:solidFill>
-                  <a:schemeClr val="accent1"/>
-                </a:solidFill>
-                <a:latin typeface="Poppins" panose="00000500000000000000" pitchFamily="2" charset="0"/>
-                <a:cs typeface="Poppins" panose="00000500000000000000" pitchFamily="2" charset="0"/>
-              </a:rPr>
-              <a:t>1</a:t>
-            </a:r>
-          </a:p>
-        </p:txBody>
-      </p:sp>
-      <p:sp>
-        <p:nvSpPr>
-          <p:cNvPr id="8" name="Ellipse 7">
+        </p:grpSpPr>
+        <p:sp>
+          <p:nvSpPr>
+            <p:cNvPr id="7" name="Ellipse 6">
+              <a:extLst>
+                <a:ext uri="{FF2B5EF4-FFF2-40B4-BE49-F238E27FC236}">
+                  <a16:creationId xmlns:a16="http://schemas.microsoft.com/office/drawing/2014/main" id="{31474F0A-D5C1-4449-909B-EF178AB14D89}"/>
+                </a:ext>
+              </a:extLst>
+            </p:cNvPr>
+            <p:cNvSpPr/>
+            <p:nvPr/>
+          </p:nvSpPr>
+          <p:spPr>
+            <a:xfrm>
+              <a:off x="6311243" y="96322"/>
+              <a:ext cx="365125" cy="365125"/>
+            </a:xfrm>
+            <a:prstGeom prst="ellipse">
+              <a:avLst/>
+            </a:prstGeom>
+            <a:solidFill>
+              <a:schemeClr val="bg1"/>
+            </a:solidFill>
+            <a:ln>
+              <a:noFill/>
+            </a:ln>
+          </p:spPr>
+          <p:style>
+            <a:lnRef idx="2">
+              <a:schemeClr val="accent1">
+                <a:shade val="50000"/>
+              </a:schemeClr>
+            </a:lnRef>
+            <a:fillRef idx="1">
+              <a:schemeClr val="accent1"/>
+            </a:fillRef>
+            <a:effectRef idx="0">
+              <a:schemeClr val="accent1"/>
+            </a:effectRef>
+            <a:fontRef idx="minor">
+              <a:schemeClr val="lt1"/>
+            </a:fontRef>
+          </p:style>
+          <p:txBody>
+            <a:bodyPr rtlCol="0" anchor="ctr"/>
+            <a:lstStyle/>
+            <a:p>
+              <a:pPr algn="ctr"/>
+              <a:r>
+                <a:rPr lang="fr-FR" dirty="0">
+                  <a:solidFill>
+                    <a:srgbClr val="007274"/>
+                  </a:solidFill>
+                  <a:latin typeface="Poppins" panose="00000500000000000000" pitchFamily="2" charset="0"/>
+                  <a:cs typeface="Poppins" panose="00000500000000000000" pitchFamily="2" charset="0"/>
+                </a:rPr>
+                <a:t>1</a:t>
+              </a:r>
+            </a:p>
+          </p:txBody>
+        </p:sp>
+        <p:sp>
+          <p:nvSpPr>
+            <p:cNvPr id="8" name="Ellipse 7">
+              <a:extLst>
+                <a:ext uri="{FF2B5EF4-FFF2-40B4-BE49-F238E27FC236}">
+                  <a16:creationId xmlns:a16="http://schemas.microsoft.com/office/drawing/2014/main" id="{8F9D2609-4F44-40CD-840E-AF7C7DE63365}"/>
+                </a:ext>
+              </a:extLst>
+            </p:cNvPr>
+            <p:cNvSpPr/>
+            <p:nvPr/>
+          </p:nvSpPr>
+          <p:spPr>
+            <a:xfrm>
+              <a:off x="7085254" y="96322"/>
+              <a:ext cx="365125" cy="365125"/>
+            </a:xfrm>
+            <a:prstGeom prst="ellipse">
+              <a:avLst/>
+            </a:prstGeom>
+            <a:solidFill>
+              <a:schemeClr val="bg1"/>
+            </a:solidFill>
+            <a:ln>
+              <a:noFill/>
+            </a:ln>
+          </p:spPr>
+          <p:style>
+            <a:lnRef idx="2">
+              <a:schemeClr val="accent1">
+                <a:shade val="50000"/>
+              </a:schemeClr>
+            </a:lnRef>
+            <a:fillRef idx="1">
+              <a:schemeClr val="accent1"/>
+            </a:fillRef>
+            <a:effectRef idx="0">
+              <a:schemeClr val="accent1"/>
+            </a:effectRef>
+            <a:fontRef idx="minor">
+              <a:schemeClr val="lt1"/>
+            </a:fontRef>
+          </p:style>
+          <p:txBody>
+            <a:bodyPr rtlCol="0" anchor="ctr"/>
+            <a:lstStyle/>
+            <a:p>
+              <a:pPr algn="ctr"/>
+              <a:r>
+                <a:rPr lang="fr-FR" dirty="0">
+                  <a:solidFill>
+                    <a:srgbClr val="007274"/>
+                  </a:solidFill>
+                  <a:latin typeface="Poppins" panose="00000500000000000000" pitchFamily="2" charset="0"/>
+                  <a:cs typeface="Poppins" panose="00000500000000000000" pitchFamily="2" charset="0"/>
+                </a:rPr>
+                <a:t>2</a:t>
+              </a:r>
+            </a:p>
+          </p:txBody>
+        </p:sp>
+        <p:cxnSp>
+          <p:nvCxnSpPr>
+            <p:cNvPr id="9" name="Connecteur droit 8">
+              <a:extLst>
+                <a:ext uri="{FF2B5EF4-FFF2-40B4-BE49-F238E27FC236}">
+                  <a16:creationId xmlns:a16="http://schemas.microsoft.com/office/drawing/2014/main" id="{76A3BD9F-DD98-4A90-B522-3958FBC6815E}"/>
+                </a:ext>
+              </a:extLst>
+            </p:cNvPr>
+            <p:cNvCxnSpPr>
+              <a:stCxn id="7" idx="6"/>
+              <a:endCxn id="8" idx="2"/>
+            </p:cNvCxnSpPr>
+            <p:nvPr/>
+          </p:nvCxnSpPr>
+          <p:spPr>
+            <a:xfrm>
+              <a:off x="6676368" y="278885"/>
+              <a:ext cx="408886" cy="0"/>
+            </a:xfrm>
+            <a:prstGeom prst="line">
+              <a:avLst/>
+            </a:prstGeom>
+            <a:ln w="19050">
+              <a:solidFill>
+                <a:schemeClr val="bg1"/>
+              </a:solidFill>
+            </a:ln>
+          </p:spPr>
+          <p:style>
+            <a:lnRef idx="1">
+              <a:schemeClr val="accent1"/>
+            </a:lnRef>
+            <a:fillRef idx="0">
+              <a:schemeClr val="accent1"/>
+            </a:fillRef>
+            <a:effectRef idx="0">
+              <a:schemeClr val="accent1"/>
+            </a:effectRef>
+            <a:fontRef idx="minor">
+              <a:schemeClr val="tx1"/>
+            </a:fontRef>
+          </p:style>
+        </p:cxnSp>
+        <p:sp>
+          <p:nvSpPr>
+            <p:cNvPr id="10" name="Ellipse 9">
+              <a:extLst>
+                <a:ext uri="{FF2B5EF4-FFF2-40B4-BE49-F238E27FC236}">
+                  <a16:creationId xmlns:a16="http://schemas.microsoft.com/office/drawing/2014/main" id="{4B7B093F-A708-48CF-8F07-DCEBE618AEE9}"/>
+                </a:ext>
+              </a:extLst>
+            </p:cNvPr>
+            <p:cNvSpPr/>
+            <p:nvPr/>
+          </p:nvSpPr>
+          <p:spPr>
+            <a:xfrm>
+              <a:off x="7859265" y="96322"/>
+              <a:ext cx="365125" cy="365125"/>
+            </a:xfrm>
+            <a:prstGeom prst="ellipse">
+              <a:avLst/>
+            </a:prstGeom>
+            <a:solidFill>
+              <a:schemeClr val="bg1"/>
+            </a:solidFill>
+            <a:ln>
+              <a:noFill/>
+            </a:ln>
+          </p:spPr>
+          <p:style>
+            <a:lnRef idx="2">
+              <a:schemeClr val="accent1">
+                <a:shade val="50000"/>
+              </a:schemeClr>
+            </a:lnRef>
+            <a:fillRef idx="1">
+              <a:schemeClr val="accent1"/>
+            </a:fillRef>
+            <a:effectRef idx="0">
+              <a:schemeClr val="accent1"/>
+            </a:effectRef>
+            <a:fontRef idx="minor">
+              <a:schemeClr val="lt1"/>
+            </a:fontRef>
+          </p:style>
+          <p:txBody>
+            <a:bodyPr rtlCol="0" anchor="ctr"/>
+            <a:lstStyle/>
+            <a:p>
+              <a:pPr algn="ctr"/>
+              <a:r>
+                <a:rPr lang="fr-FR">
+                  <a:solidFill>
+                    <a:srgbClr val="007274"/>
+                  </a:solidFill>
+                  <a:latin typeface="Poppins" panose="00000500000000000000" pitchFamily="2" charset="0"/>
+                  <a:cs typeface="Poppins" panose="00000500000000000000" pitchFamily="2" charset="0"/>
+                </a:rPr>
+                <a:t>3</a:t>
+              </a:r>
+            </a:p>
+          </p:txBody>
+        </p:sp>
+        <p:cxnSp>
+          <p:nvCxnSpPr>
+            <p:cNvPr id="11" name="Connecteur droit 10">
+              <a:extLst>
+                <a:ext uri="{FF2B5EF4-FFF2-40B4-BE49-F238E27FC236}">
+                  <a16:creationId xmlns:a16="http://schemas.microsoft.com/office/drawing/2014/main" id="{D88F86FD-FE1A-4829-B341-607BA3E5ED5E}"/>
+                </a:ext>
+              </a:extLst>
+            </p:cNvPr>
+            <p:cNvCxnSpPr>
+              <a:cxnSpLocks/>
+              <a:stCxn id="8" idx="6"/>
+              <a:endCxn id="10" idx="2"/>
+            </p:cNvCxnSpPr>
+            <p:nvPr/>
+          </p:nvCxnSpPr>
+          <p:spPr>
+            <a:xfrm>
+              <a:off x="7450379" y="278885"/>
+              <a:ext cx="408886" cy="0"/>
+            </a:xfrm>
+            <a:prstGeom prst="line">
+              <a:avLst/>
+            </a:prstGeom>
+            <a:ln w="19050">
+              <a:solidFill>
+                <a:schemeClr val="bg1"/>
+              </a:solidFill>
+            </a:ln>
+          </p:spPr>
+          <p:style>
+            <a:lnRef idx="1">
+              <a:schemeClr val="accent1"/>
+            </a:lnRef>
+            <a:fillRef idx="0">
+              <a:schemeClr val="accent1"/>
+            </a:fillRef>
+            <a:effectRef idx="0">
+              <a:schemeClr val="accent1"/>
+            </a:effectRef>
+            <a:fontRef idx="minor">
+              <a:schemeClr val="tx1"/>
+            </a:fontRef>
+          </p:style>
+        </p:cxnSp>
+        <p:sp>
+          <p:nvSpPr>
+            <p:cNvPr id="12" name="Rectangle : coins arrondis 11">
+              <a:extLst>
+                <a:ext uri="{FF2B5EF4-FFF2-40B4-BE49-F238E27FC236}">
+                  <a16:creationId xmlns:a16="http://schemas.microsoft.com/office/drawing/2014/main" id="{E4BB1FD7-D8F1-4ACA-B1F7-28A4318C4416}"/>
+                </a:ext>
+              </a:extLst>
+            </p:cNvPr>
+            <p:cNvSpPr/>
+            <p:nvPr/>
+          </p:nvSpPr>
+          <p:spPr>
+            <a:xfrm>
+              <a:off x="3922357" y="96322"/>
+              <a:ext cx="1980000" cy="365125"/>
+            </a:xfrm>
+            <a:prstGeom prst="roundRect">
+              <a:avLst>
+                <a:gd name="adj" fmla="val 50000"/>
+              </a:avLst>
+            </a:prstGeom>
+            <a:solidFill>
+              <a:schemeClr val="bg1"/>
+            </a:solidFill>
+            <a:ln>
+              <a:noFill/>
+            </a:ln>
+          </p:spPr>
+          <p:style>
+            <a:lnRef idx="2">
+              <a:schemeClr val="accent1">
+                <a:shade val="50000"/>
+              </a:schemeClr>
+            </a:lnRef>
+            <a:fillRef idx="1">
+              <a:schemeClr val="accent1"/>
+            </a:fillRef>
+            <a:effectRef idx="0">
+              <a:schemeClr val="accent1"/>
+            </a:effectRef>
+            <a:fontRef idx="minor">
+              <a:schemeClr val="lt1"/>
+            </a:fontRef>
+          </p:style>
+          <p:txBody>
+            <a:bodyPr rtlCol="0" anchor="ctr"/>
+            <a:lstStyle/>
+            <a:p>
+              <a:pPr algn="ctr"/>
+              <a:r>
+                <a:rPr lang="fr-FR" sz="1600" dirty="0">
+                  <a:solidFill>
+                    <a:srgbClr val="007274"/>
+                  </a:solidFill>
+                  <a:latin typeface="Poppins" panose="00000500000000000000" pitchFamily="2" charset="0"/>
+                  <a:cs typeface="Poppins" panose="00000500000000000000" pitchFamily="2" charset="0"/>
+                </a:rPr>
+                <a:t>Introduction</a:t>
+              </a:r>
+            </a:p>
+          </p:txBody>
+        </p:sp>
+        <p:cxnSp>
+          <p:nvCxnSpPr>
+            <p:cNvPr id="13" name="Connecteur droit 12">
+              <a:extLst>
+                <a:ext uri="{FF2B5EF4-FFF2-40B4-BE49-F238E27FC236}">
+                  <a16:creationId xmlns:a16="http://schemas.microsoft.com/office/drawing/2014/main" id="{8B23DE0E-CF67-46B8-984A-E21B1FFEC40A}"/>
+                </a:ext>
+              </a:extLst>
+            </p:cNvPr>
+            <p:cNvCxnSpPr>
+              <a:cxnSpLocks/>
+              <a:stCxn id="12" idx="3"/>
+              <a:endCxn id="7" idx="2"/>
+            </p:cNvCxnSpPr>
+            <p:nvPr/>
+          </p:nvCxnSpPr>
+          <p:spPr>
+            <a:xfrm>
+              <a:off x="5902357" y="278885"/>
+              <a:ext cx="408886" cy="0"/>
+            </a:xfrm>
+            <a:prstGeom prst="line">
+              <a:avLst/>
+            </a:prstGeom>
+            <a:ln w="19050">
+              <a:solidFill>
+                <a:schemeClr val="bg1"/>
+              </a:solidFill>
+            </a:ln>
+          </p:spPr>
+          <p:style>
+            <a:lnRef idx="1">
+              <a:schemeClr val="accent1"/>
+            </a:lnRef>
+            <a:fillRef idx="0">
+              <a:schemeClr val="accent1"/>
+            </a:fillRef>
+            <a:effectRef idx="0">
+              <a:schemeClr val="accent1"/>
+            </a:effectRef>
+            <a:fontRef idx="minor">
+              <a:schemeClr val="tx1"/>
+            </a:fontRef>
+          </p:style>
+        </p:cxnSp>
+        <p:sp>
+          <p:nvSpPr>
+            <p:cNvPr id="14" name="Rectangle : coins arrondis 13">
+              <a:extLst>
+                <a:ext uri="{FF2B5EF4-FFF2-40B4-BE49-F238E27FC236}">
+                  <a16:creationId xmlns:a16="http://schemas.microsoft.com/office/drawing/2014/main" id="{557B6687-1FC5-4802-B1D6-3B08928350D7}"/>
+                </a:ext>
+              </a:extLst>
+            </p:cNvPr>
+            <p:cNvSpPr/>
+            <p:nvPr/>
+          </p:nvSpPr>
+          <p:spPr>
+            <a:xfrm>
+              <a:off x="8633275" y="96322"/>
+              <a:ext cx="1980000" cy="365125"/>
+            </a:xfrm>
+            <a:prstGeom prst="roundRect">
+              <a:avLst>
+                <a:gd name="adj" fmla="val 50000"/>
+              </a:avLst>
+            </a:prstGeom>
+            <a:solidFill>
+              <a:schemeClr val="bg1"/>
+            </a:solidFill>
+            <a:ln>
+              <a:noFill/>
+            </a:ln>
+          </p:spPr>
+          <p:style>
+            <a:lnRef idx="2">
+              <a:schemeClr val="accent1">
+                <a:shade val="50000"/>
+              </a:schemeClr>
+            </a:lnRef>
+            <a:fillRef idx="1">
+              <a:schemeClr val="accent1"/>
+            </a:fillRef>
+            <a:effectRef idx="0">
+              <a:schemeClr val="accent1"/>
+            </a:effectRef>
+            <a:fontRef idx="minor">
+              <a:schemeClr val="lt1"/>
+            </a:fontRef>
+          </p:style>
+          <p:txBody>
+            <a:bodyPr rtlCol="0" anchor="ctr"/>
+            <a:lstStyle/>
+            <a:p>
+              <a:pPr algn="ctr"/>
+              <a:r>
+                <a:rPr lang="fr-FR" dirty="0">
+                  <a:solidFill>
+                    <a:srgbClr val="007274"/>
+                  </a:solidFill>
+                  <a:latin typeface="Poppins" panose="00000500000000000000" pitchFamily="2" charset="0"/>
+                  <a:cs typeface="Poppins" panose="00000500000000000000" pitchFamily="2" charset="0"/>
+                </a:rPr>
+                <a:t>Conclusion</a:t>
+              </a:r>
+            </a:p>
+          </p:txBody>
+        </p:sp>
+        <p:cxnSp>
+          <p:nvCxnSpPr>
+            <p:cNvPr id="15" name="Connecteur droit 14">
+              <a:extLst>
+                <a:ext uri="{FF2B5EF4-FFF2-40B4-BE49-F238E27FC236}">
+                  <a16:creationId xmlns:a16="http://schemas.microsoft.com/office/drawing/2014/main" id="{4D64F33D-263E-47ED-B233-C48F692B900B}"/>
+                </a:ext>
+              </a:extLst>
+            </p:cNvPr>
+            <p:cNvCxnSpPr>
+              <a:cxnSpLocks/>
+              <a:stCxn id="10" idx="6"/>
+              <a:endCxn id="14" idx="1"/>
+            </p:cNvCxnSpPr>
+            <p:nvPr/>
+          </p:nvCxnSpPr>
+          <p:spPr>
+            <a:xfrm>
+              <a:off x="8224390" y="278885"/>
+              <a:ext cx="408885" cy="0"/>
+            </a:xfrm>
+            <a:prstGeom prst="line">
+              <a:avLst/>
+            </a:prstGeom>
+            <a:ln w="19050">
+              <a:solidFill>
+                <a:schemeClr val="bg1"/>
+              </a:solidFill>
+            </a:ln>
+          </p:spPr>
+          <p:style>
+            <a:lnRef idx="1">
+              <a:schemeClr val="accent1"/>
+            </a:lnRef>
+            <a:fillRef idx="0">
+              <a:schemeClr val="accent1"/>
+            </a:fillRef>
+            <a:effectRef idx="0">
+              <a:schemeClr val="accent1"/>
+            </a:effectRef>
+            <a:fontRef idx="minor">
+              <a:schemeClr val="tx1"/>
+            </a:fontRef>
+          </p:style>
+        </p:cxnSp>
+        <p:sp>
+          <p:nvSpPr>
+            <p:cNvPr id="16" name="Rectangle : coins arrondis 15">
+              <a:extLst>
+                <a:ext uri="{FF2B5EF4-FFF2-40B4-BE49-F238E27FC236}">
+                  <a16:creationId xmlns:a16="http://schemas.microsoft.com/office/drawing/2014/main" id="{17284F2A-380B-47C5-8E35-43E16DBB1546}"/>
+                </a:ext>
+              </a:extLst>
+            </p:cNvPr>
+            <p:cNvSpPr/>
+            <p:nvPr/>
+          </p:nvSpPr>
+          <p:spPr>
+            <a:xfrm>
+              <a:off x="1533471" y="96322"/>
+              <a:ext cx="1980000" cy="365125"/>
+            </a:xfrm>
+            <a:prstGeom prst="roundRect">
+              <a:avLst>
+                <a:gd name="adj" fmla="val 50000"/>
+              </a:avLst>
+            </a:prstGeom>
+            <a:solidFill>
+              <a:srgbClr val="007274"/>
+            </a:solidFill>
+            <a:ln>
+              <a:noFill/>
+            </a:ln>
+          </p:spPr>
+          <p:style>
+            <a:lnRef idx="2">
+              <a:schemeClr val="accent1">
+                <a:shade val="50000"/>
+              </a:schemeClr>
+            </a:lnRef>
+            <a:fillRef idx="1">
+              <a:schemeClr val="accent1"/>
+            </a:fillRef>
+            <a:effectRef idx="0">
+              <a:schemeClr val="accent1"/>
+            </a:effectRef>
+            <a:fontRef idx="minor">
+              <a:schemeClr val="lt1"/>
+            </a:fontRef>
+          </p:style>
+          <p:txBody>
+            <a:bodyPr rtlCol="0" anchor="ctr"/>
+            <a:lstStyle/>
+            <a:p>
+              <a:pPr algn="ctr"/>
+              <a:r>
+                <a:rPr lang="fr-FR" sz="1600" dirty="0">
+                  <a:solidFill>
+                    <a:schemeClr val="bg1"/>
+                  </a:solidFill>
+                  <a:latin typeface="Poppins" panose="00000500000000000000" pitchFamily="2" charset="0"/>
+                  <a:cs typeface="Poppins" panose="00000500000000000000" pitchFamily="2" charset="0"/>
+                </a:rPr>
+                <a:t>Démonstration</a:t>
+              </a:r>
+            </a:p>
+          </p:txBody>
+        </p:sp>
+        <p:cxnSp>
+          <p:nvCxnSpPr>
+            <p:cNvPr id="30" name="Connecteur droit 29">
+              <a:extLst>
+                <a:ext uri="{FF2B5EF4-FFF2-40B4-BE49-F238E27FC236}">
+                  <a16:creationId xmlns:a16="http://schemas.microsoft.com/office/drawing/2014/main" id="{73EE2F3F-FF5E-4E0C-B59D-FF0F67A6AC02}"/>
+                </a:ext>
+              </a:extLst>
+            </p:cNvPr>
+            <p:cNvCxnSpPr>
+              <a:cxnSpLocks/>
+              <a:stCxn id="16" idx="3"/>
+              <a:endCxn id="12" idx="1"/>
+            </p:cNvCxnSpPr>
+            <p:nvPr/>
+          </p:nvCxnSpPr>
+          <p:spPr>
+            <a:xfrm>
+              <a:off x="3513471" y="278885"/>
+              <a:ext cx="408886" cy="0"/>
+            </a:xfrm>
+            <a:prstGeom prst="line">
+              <a:avLst/>
+            </a:prstGeom>
+            <a:ln w="19050">
+              <a:solidFill>
+                <a:srgbClr val="007274"/>
+              </a:solidFill>
+              <a:tailEnd type="stealth"/>
+            </a:ln>
+          </p:spPr>
+          <p:style>
+            <a:lnRef idx="1">
+              <a:schemeClr val="accent1"/>
+            </a:lnRef>
+            <a:fillRef idx="0">
+              <a:schemeClr val="accent1"/>
+            </a:fillRef>
+            <a:effectRef idx="0">
+              <a:schemeClr val="accent1"/>
+            </a:effectRef>
+            <a:fontRef idx="minor">
+              <a:schemeClr val="tx1"/>
+            </a:fontRef>
+          </p:style>
+        </p:cxnSp>
+      </p:grpSp>
+      <p:pic>
+        <p:nvPicPr>
+          <p:cNvPr id="21" name="Graphique 20">
             <a:extLst>
               <a:ext uri="{FF2B5EF4-FFF2-40B4-BE49-F238E27FC236}">
-                <a16:creationId xmlns:a16="http://schemas.microsoft.com/office/drawing/2014/main" id="{8F9D2609-4F44-40CD-840E-AF7C7DE63365}"/>
+                <a16:creationId xmlns:a16="http://schemas.microsoft.com/office/drawing/2014/main" id="{474A7A2D-1272-4A6B-8687-E8E8248507F6}"/>
               </a:ext>
             </a:extLst>
           </p:cNvPr>
-          <p:cNvSpPr/>
+          <p:cNvPicPr>
+            <a:picLocks noChangeAspect="1"/>
+          </p:cNvPicPr>
           <p:nvPr/>
-        </p:nvSpPr>
+        </p:nvPicPr>
+        <p:blipFill>
+          <a:blip r:embed="rId2">
+            <a:extLst>
+              <a:ext uri="{28A0092B-C50C-407E-A947-70E740481C1C}">
+                <a14:useLocalDpi xmlns:a14="http://schemas.microsoft.com/office/drawing/2010/main" val="0"/>
+              </a:ext>
+              <a:ext uri="{96DAC541-7B7A-43D3-8B79-37D633B846F1}">
+                <asvg:svgBlip xmlns:asvg="http://schemas.microsoft.com/office/drawing/2016/SVG/main" r:embed="rId3"/>
+              </a:ext>
+            </a:extLst>
+          </a:blip>
+          <a:stretch>
+            <a:fillRect/>
+          </a:stretch>
+        </p:blipFill>
         <p:spPr>
           <a:xfrm>
-            <a:off x="7085254" y="96322"/>
-            <a:ext cx="365125" cy="365125"/>
+            <a:off x="4624398" y="1858476"/>
+            <a:ext cx="2964803" cy="2284108"/>
           </a:xfrm>
-          <a:prstGeom prst="ellipse">
+          <a:prstGeom prst="rect">
             <a:avLst/>
           </a:prstGeom>
-          <a:solidFill>
-            <a:schemeClr val="bg1"/>
-          </a:solidFill>
-          <a:ln>
-            <a:noFill/>
-          </a:ln>
         </p:spPr>
-        <p:style>
-          <a:lnRef idx="2">
-            <a:schemeClr val="accent1">
-              <a:shade val="50000"/>
-            </a:schemeClr>
-          </a:lnRef>
-          <a:fillRef idx="1">
-            <a:schemeClr val="accent1"/>
-          </a:fillRef>
-          <a:effectRef idx="0">
-            <a:schemeClr val="accent1"/>
-          </a:effectRef>
-          <a:fontRef idx="minor">
-            <a:schemeClr val="lt1"/>
-          </a:fontRef>
-        </p:style>
-        <p:txBody>
-          <a:bodyPr rtlCol="0" anchor="ctr"/>
-          <a:lstStyle/>
-          <a:p>
-            <a:pPr algn="ctr"/>
-            <a:r>
-              <a:rPr lang="fr-FR">
-                <a:solidFill>
-                  <a:schemeClr val="accent1"/>
-                </a:solidFill>
-                <a:latin typeface="Poppins" panose="00000500000000000000" pitchFamily="2" charset="0"/>
-                <a:cs typeface="Poppins" panose="00000500000000000000" pitchFamily="2" charset="0"/>
-              </a:rPr>
-              <a:t>2</a:t>
-            </a:r>
-          </a:p>
-        </p:txBody>
-      </p:sp>
-      <p:cxnSp>
-        <p:nvCxnSpPr>
-          <p:cNvPr id="9" name="Connecteur droit 8">
-            <a:extLst>
-              <a:ext uri="{FF2B5EF4-FFF2-40B4-BE49-F238E27FC236}">
-                <a16:creationId xmlns:a16="http://schemas.microsoft.com/office/drawing/2014/main" id="{76A3BD9F-DD98-4A90-B522-3958FBC6815E}"/>
-              </a:ext>
-            </a:extLst>
-          </p:cNvPr>
-          <p:cNvCxnSpPr>
-            <a:stCxn id="7" idx="6"/>
-            <a:endCxn id="8" idx="2"/>
-          </p:cNvCxnSpPr>
-          <p:nvPr/>
-        </p:nvCxnSpPr>
-        <p:spPr>
-          <a:xfrm>
-            <a:off x="6676368" y="278885"/>
-            <a:ext cx="408886" cy="0"/>
-          </a:xfrm>
-          <a:prstGeom prst="line">
-            <a:avLst/>
-          </a:prstGeom>
-          <a:ln w="19050">
-            <a:solidFill>
-              <a:schemeClr val="bg1"/>
-            </a:solidFill>
-          </a:ln>
-        </p:spPr>
-        <p:style>
-          <a:lnRef idx="1">
-            <a:schemeClr val="accent1"/>
-          </a:lnRef>
-          <a:fillRef idx="0">
-            <a:schemeClr val="accent1"/>
-          </a:fillRef>
-          <a:effectRef idx="0">
-            <a:schemeClr val="accent1"/>
-          </a:effectRef>
-          <a:fontRef idx="minor">
-            <a:schemeClr val="tx1"/>
-          </a:fontRef>
-        </p:style>
-      </p:cxnSp>
-      <p:sp>
-        <p:nvSpPr>
-          <p:cNvPr id="10" name="Ellipse 9">
-            <a:extLst>
-              <a:ext uri="{FF2B5EF4-FFF2-40B4-BE49-F238E27FC236}">
-                <a16:creationId xmlns:a16="http://schemas.microsoft.com/office/drawing/2014/main" id="{4B7B093F-A708-48CF-8F07-DCEBE618AEE9}"/>
-              </a:ext>
-            </a:extLst>
-          </p:cNvPr>
-          <p:cNvSpPr/>
-          <p:nvPr/>
-        </p:nvSpPr>
-        <p:spPr>
-          <a:xfrm>
-            <a:off x="7859265" y="96322"/>
-            <a:ext cx="365125" cy="365125"/>
-          </a:xfrm>
-          <a:prstGeom prst="ellipse">
-            <a:avLst/>
-          </a:prstGeom>
-          <a:solidFill>
-            <a:schemeClr val="bg1"/>
-          </a:solidFill>
-          <a:ln>
-            <a:noFill/>
-          </a:ln>
-        </p:spPr>
-        <p:style>
-          <a:lnRef idx="2">
-            <a:schemeClr val="accent1">
-              <a:shade val="50000"/>
-            </a:schemeClr>
-          </a:lnRef>
-          <a:fillRef idx="1">
-            <a:schemeClr val="accent1"/>
-          </a:fillRef>
-          <a:effectRef idx="0">
-            <a:schemeClr val="accent1"/>
-          </a:effectRef>
-          <a:fontRef idx="minor">
-            <a:schemeClr val="lt1"/>
-          </a:fontRef>
-        </p:style>
-        <p:txBody>
-          <a:bodyPr rtlCol="0" anchor="ctr"/>
-          <a:lstStyle/>
-          <a:p>
-            <a:pPr algn="ctr"/>
-            <a:r>
-              <a:rPr lang="fr-FR">
-                <a:solidFill>
-                  <a:schemeClr val="accent1"/>
-                </a:solidFill>
-                <a:latin typeface="Poppins" panose="00000500000000000000" pitchFamily="2" charset="0"/>
-                <a:cs typeface="Poppins" panose="00000500000000000000" pitchFamily="2" charset="0"/>
-              </a:rPr>
-              <a:t>3</a:t>
-            </a:r>
-          </a:p>
-        </p:txBody>
-      </p:sp>
-      <p:cxnSp>
-        <p:nvCxnSpPr>
-          <p:cNvPr id="11" name="Connecteur droit 10">
-            <a:extLst>
-              <a:ext uri="{FF2B5EF4-FFF2-40B4-BE49-F238E27FC236}">
-                <a16:creationId xmlns:a16="http://schemas.microsoft.com/office/drawing/2014/main" id="{D88F86FD-FE1A-4829-B341-607BA3E5ED5E}"/>
-              </a:ext>
-            </a:extLst>
-          </p:cNvPr>
-          <p:cNvCxnSpPr>
-            <a:cxnSpLocks/>
-            <a:stCxn id="8" idx="6"/>
-            <a:endCxn id="10" idx="2"/>
-          </p:cNvCxnSpPr>
-          <p:nvPr/>
-        </p:nvCxnSpPr>
-        <p:spPr>
-          <a:xfrm>
-            <a:off x="7450379" y="278885"/>
-            <a:ext cx="408886" cy="0"/>
-          </a:xfrm>
-          <a:prstGeom prst="line">
-            <a:avLst/>
-          </a:prstGeom>
-          <a:ln w="19050">
-            <a:solidFill>
-              <a:schemeClr val="bg1"/>
-            </a:solidFill>
-          </a:ln>
-        </p:spPr>
-        <p:style>
-          <a:lnRef idx="1">
-            <a:schemeClr val="accent1"/>
-          </a:lnRef>
-          <a:fillRef idx="0">
-            <a:schemeClr val="accent1"/>
-          </a:fillRef>
-          <a:effectRef idx="0">
-            <a:schemeClr val="accent1"/>
-          </a:effectRef>
-          <a:fontRef idx="minor">
-            <a:schemeClr val="tx1"/>
-          </a:fontRef>
-        </p:style>
-      </p:cxnSp>
-      <p:sp>
-        <p:nvSpPr>
-          <p:cNvPr id="12" name="Rectangle : coins arrondis 11">
-            <a:extLst>
-              <a:ext uri="{FF2B5EF4-FFF2-40B4-BE49-F238E27FC236}">
-                <a16:creationId xmlns:a16="http://schemas.microsoft.com/office/drawing/2014/main" id="{E4BB1FD7-D8F1-4ACA-B1F7-28A4318C4416}"/>
-              </a:ext>
-            </a:extLst>
-          </p:cNvPr>
-          <p:cNvSpPr/>
-          <p:nvPr/>
-        </p:nvSpPr>
-        <p:spPr>
-          <a:xfrm>
-            <a:off x="3922357" y="96322"/>
-            <a:ext cx="1980000" cy="365125"/>
-          </a:xfrm>
-          <a:prstGeom prst="roundRect">
-            <a:avLst>
-              <a:gd name="adj" fmla="val 50000"/>
-            </a:avLst>
-          </a:prstGeom>
-          <a:solidFill>
-            <a:schemeClr val="bg1"/>
-          </a:solidFill>
-          <a:ln>
-            <a:noFill/>
-          </a:ln>
-        </p:spPr>
-        <p:style>
-          <a:lnRef idx="2">
-            <a:schemeClr val="accent1">
-              <a:shade val="50000"/>
-            </a:schemeClr>
-          </a:lnRef>
-          <a:fillRef idx="1">
-            <a:schemeClr val="accent1"/>
-          </a:fillRef>
-          <a:effectRef idx="0">
-            <a:schemeClr val="accent1"/>
-          </a:effectRef>
-          <a:fontRef idx="minor">
-            <a:schemeClr val="lt1"/>
-          </a:fontRef>
-        </p:style>
-        <p:txBody>
-          <a:bodyPr rtlCol="0" anchor="ctr"/>
-          <a:lstStyle/>
-          <a:p>
-            <a:pPr algn="ctr"/>
-            <a:r>
-              <a:rPr lang="fr-FR" sz="1600">
-                <a:solidFill>
-                  <a:schemeClr val="accent1"/>
-                </a:solidFill>
-                <a:latin typeface="Poppins" panose="00000500000000000000" pitchFamily="2" charset="0"/>
-                <a:cs typeface="Poppins" panose="00000500000000000000" pitchFamily="2" charset="0"/>
-              </a:rPr>
-              <a:t>Introduction</a:t>
-            </a:r>
-          </a:p>
-        </p:txBody>
-      </p:sp>
-      <p:cxnSp>
-        <p:nvCxnSpPr>
-          <p:cNvPr id="13" name="Connecteur droit 12">
-            <a:extLst>
-              <a:ext uri="{FF2B5EF4-FFF2-40B4-BE49-F238E27FC236}">
-                <a16:creationId xmlns:a16="http://schemas.microsoft.com/office/drawing/2014/main" id="{8B23DE0E-CF67-46B8-984A-E21B1FFEC40A}"/>
-              </a:ext>
-            </a:extLst>
-          </p:cNvPr>
-          <p:cNvCxnSpPr>
-            <a:cxnSpLocks/>
-            <a:stCxn id="12" idx="3"/>
-            <a:endCxn id="7" idx="2"/>
-          </p:cNvCxnSpPr>
-          <p:nvPr/>
-        </p:nvCxnSpPr>
-        <p:spPr>
-          <a:xfrm>
-            <a:off x="5902357" y="278885"/>
-            <a:ext cx="408886" cy="0"/>
-          </a:xfrm>
-          <a:prstGeom prst="line">
-            <a:avLst/>
-          </a:prstGeom>
-          <a:ln w="19050">
-            <a:solidFill>
-              <a:schemeClr val="bg1"/>
-            </a:solidFill>
-          </a:ln>
-        </p:spPr>
-        <p:style>
-          <a:lnRef idx="1">
-            <a:schemeClr val="accent1"/>
-          </a:lnRef>
-          <a:fillRef idx="0">
-            <a:schemeClr val="accent1"/>
-          </a:fillRef>
-          <a:effectRef idx="0">
-            <a:schemeClr val="accent1"/>
-          </a:effectRef>
-          <a:fontRef idx="minor">
-            <a:schemeClr val="tx1"/>
-          </a:fontRef>
-        </p:style>
-      </p:cxnSp>
-      <p:sp>
-        <p:nvSpPr>
-          <p:cNvPr id="14" name="Rectangle : coins arrondis 13">
-            <a:extLst>
-              <a:ext uri="{FF2B5EF4-FFF2-40B4-BE49-F238E27FC236}">
-                <a16:creationId xmlns:a16="http://schemas.microsoft.com/office/drawing/2014/main" id="{557B6687-1FC5-4802-B1D6-3B08928350D7}"/>
-              </a:ext>
-            </a:extLst>
-          </p:cNvPr>
-          <p:cNvSpPr/>
-          <p:nvPr/>
-        </p:nvSpPr>
-        <p:spPr>
-          <a:xfrm>
-            <a:off x="8633275" y="96322"/>
-            <a:ext cx="1980000" cy="365125"/>
-          </a:xfrm>
-          <a:prstGeom prst="roundRect">
-            <a:avLst>
-              <a:gd name="adj" fmla="val 50000"/>
-            </a:avLst>
-          </a:prstGeom>
-          <a:solidFill>
-            <a:schemeClr val="bg1"/>
-          </a:solidFill>
-          <a:ln>
-            <a:noFill/>
-          </a:ln>
-        </p:spPr>
-        <p:style>
-          <a:lnRef idx="2">
-            <a:schemeClr val="accent1">
-              <a:shade val="50000"/>
-            </a:schemeClr>
-          </a:lnRef>
-          <a:fillRef idx="1">
-            <a:schemeClr val="accent1"/>
-          </a:fillRef>
-          <a:effectRef idx="0">
-            <a:schemeClr val="accent1"/>
-          </a:effectRef>
-          <a:fontRef idx="minor">
-            <a:schemeClr val="lt1"/>
-          </a:fontRef>
-        </p:style>
-        <p:txBody>
-          <a:bodyPr rtlCol="0" anchor="ctr"/>
-          <a:lstStyle/>
-          <a:p>
-            <a:pPr algn="ctr"/>
-            <a:r>
-              <a:rPr lang="fr-FR">
-                <a:solidFill>
-                  <a:schemeClr val="accent1"/>
-                </a:solidFill>
-                <a:latin typeface="Poppins" panose="00000500000000000000" pitchFamily="2" charset="0"/>
-                <a:cs typeface="Poppins" panose="00000500000000000000" pitchFamily="2" charset="0"/>
-              </a:rPr>
-              <a:t>Conclusion</a:t>
-            </a:r>
-          </a:p>
-        </p:txBody>
-      </p:sp>
-      <p:cxnSp>
-        <p:nvCxnSpPr>
-          <p:cNvPr id="15" name="Connecteur droit 14">
-            <a:extLst>
-              <a:ext uri="{FF2B5EF4-FFF2-40B4-BE49-F238E27FC236}">
-                <a16:creationId xmlns:a16="http://schemas.microsoft.com/office/drawing/2014/main" id="{4D64F33D-263E-47ED-B233-C48F692B900B}"/>
-              </a:ext>
-            </a:extLst>
-          </p:cNvPr>
-          <p:cNvCxnSpPr>
-            <a:cxnSpLocks/>
-            <a:stCxn id="10" idx="6"/>
-            <a:endCxn id="14" idx="1"/>
-          </p:cNvCxnSpPr>
-          <p:nvPr/>
-        </p:nvCxnSpPr>
-        <p:spPr>
-          <a:xfrm>
-            <a:off x="8224390" y="278885"/>
-            <a:ext cx="408885" cy="0"/>
-          </a:xfrm>
-          <a:prstGeom prst="line">
-            <a:avLst/>
-          </a:prstGeom>
-          <a:ln w="19050">
-            <a:solidFill>
-              <a:schemeClr val="bg1"/>
-            </a:solidFill>
-          </a:ln>
-        </p:spPr>
-        <p:style>
-          <a:lnRef idx="1">
-            <a:schemeClr val="accent1"/>
-          </a:lnRef>
-          <a:fillRef idx="0">
-            <a:schemeClr val="accent1"/>
-          </a:fillRef>
-          <a:effectRef idx="0">
-            <a:schemeClr val="accent1"/>
-          </a:effectRef>
-          <a:fontRef idx="minor">
-            <a:schemeClr val="tx1"/>
-          </a:fontRef>
-        </p:style>
-      </p:cxnSp>
-      <p:sp>
-        <p:nvSpPr>
-          <p:cNvPr id="16" name="Rectangle : coins arrondis 15">
-            <a:extLst>
-              <a:ext uri="{FF2B5EF4-FFF2-40B4-BE49-F238E27FC236}">
-                <a16:creationId xmlns:a16="http://schemas.microsoft.com/office/drawing/2014/main" id="{17284F2A-380B-47C5-8E35-43E16DBB1546}"/>
-              </a:ext>
-            </a:extLst>
-          </p:cNvPr>
-          <p:cNvSpPr/>
-          <p:nvPr/>
-        </p:nvSpPr>
-        <p:spPr>
-          <a:xfrm>
-            <a:off x="1533471" y="96322"/>
-            <a:ext cx="1980000" cy="365125"/>
-          </a:xfrm>
-          <a:prstGeom prst="roundRect">
-            <a:avLst>
-              <a:gd name="adj" fmla="val 50000"/>
-            </a:avLst>
-          </a:prstGeom>
-          <a:solidFill>
-            <a:schemeClr val="accent1"/>
-          </a:solidFill>
-          <a:ln>
-            <a:noFill/>
-          </a:ln>
-        </p:spPr>
-        <p:style>
-          <a:lnRef idx="2">
-            <a:schemeClr val="accent1">
-              <a:shade val="50000"/>
-            </a:schemeClr>
-          </a:lnRef>
-          <a:fillRef idx="1">
-            <a:schemeClr val="accent1"/>
-          </a:fillRef>
-          <a:effectRef idx="0">
-            <a:schemeClr val="accent1"/>
-          </a:effectRef>
-          <a:fontRef idx="minor">
-            <a:schemeClr val="lt1"/>
-          </a:fontRef>
-        </p:style>
-        <p:txBody>
-          <a:bodyPr rtlCol="0" anchor="ctr"/>
-          <a:lstStyle/>
-          <a:p>
-            <a:pPr algn="ctr"/>
-            <a:r>
-              <a:rPr lang="fr-FR" sz="1600">
-                <a:solidFill>
-                  <a:schemeClr val="bg1"/>
-                </a:solidFill>
-                <a:latin typeface="Poppins" panose="00000500000000000000" pitchFamily="2" charset="0"/>
-                <a:cs typeface="Poppins" panose="00000500000000000000" pitchFamily="2" charset="0"/>
-              </a:rPr>
-              <a:t>Démonstration</a:t>
-            </a:r>
-          </a:p>
-        </p:txBody>
-      </p:sp>
-      <p:cxnSp>
-        <p:nvCxnSpPr>
-          <p:cNvPr id="30" name="Connecteur droit 29">
-            <a:extLst>
-              <a:ext uri="{FF2B5EF4-FFF2-40B4-BE49-F238E27FC236}">
-                <a16:creationId xmlns:a16="http://schemas.microsoft.com/office/drawing/2014/main" id="{73EE2F3F-FF5E-4E0C-B59D-FF0F67A6AC02}"/>
-              </a:ext>
-            </a:extLst>
-          </p:cNvPr>
-          <p:cNvCxnSpPr>
-            <a:cxnSpLocks/>
-            <a:stCxn id="16" idx="3"/>
-            <a:endCxn id="12" idx="1"/>
-          </p:cNvCxnSpPr>
-          <p:nvPr/>
-        </p:nvCxnSpPr>
-        <p:spPr>
-          <a:xfrm>
-            <a:off x="3513471" y="278885"/>
-            <a:ext cx="408886" cy="0"/>
-          </a:xfrm>
-          <a:prstGeom prst="line">
-            <a:avLst/>
-          </a:prstGeom>
-          <a:ln w="19050">
-            <a:solidFill>
-              <a:schemeClr val="bg1"/>
-            </a:solidFill>
-          </a:ln>
-        </p:spPr>
-        <p:style>
-          <a:lnRef idx="1">
-            <a:schemeClr val="accent1"/>
-          </a:lnRef>
-          <a:fillRef idx="0">
-            <a:schemeClr val="accent1"/>
-          </a:fillRef>
-          <a:effectRef idx="0">
-            <a:schemeClr val="accent1"/>
-          </a:effectRef>
-          <a:fontRef idx="minor">
-            <a:schemeClr val="tx1"/>
-          </a:fontRef>
-        </p:style>
-      </p:cxnSp>
+      </p:pic>
     </p:spTree>
     <p:extLst>
       <p:ext uri="{BB962C8B-B14F-4D97-AF65-F5344CB8AC3E}">
@@ -6647,7 +6948,7 @@
           <a:lstStyle/>
           <a:p>
             <a:r>
-              <a:rPr lang="fr-FR"/>
+              <a:rPr lang="fr-FR" dirty="0"/>
               <a:t>Hugo Demenez &amp; Brieuc Dandoy &amp; Guillaume Gulli &amp; Mohamed Amine Bennouna</a:t>
             </a:r>
           </a:p>
@@ -6684,10 +6985,10 @@
       </p:sp>
       <p:pic>
         <p:nvPicPr>
-          <p:cNvPr id="19" name="Graphique 18">
+          <p:cNvPr id="6" name="Graphique 5">
             <a:extLst>
               <a:ext uri="{FF2B5EF4-FFF2-40B4-BE49-F238E27FC236}">
-                <a16:creationId xmlns:a16="http://schemas.microsoft.com/office/drawing/2014/main" id="{DF7AE595-FC89-4DFA-9F92-DA40E1B5F31D}"/>
+                <a16:creationId xmlns:a16="http://schemas.microsoft.com/office/drawing/2014/main" id="{6CFF8CC7-30FE-42FC-8E8A-872CD5327C92}"/>
               </a:ext>
             </a:extLst>
           </p:cNvPr>
@@ -6713,14 +7014,631 @@
         </p:blipFill>
         <p:spPr>
           <a:xfrm>
-            <a:off x="3637811" y="1855951"/>
-            <a:ext cx="4916377" cy="3966205"/>
+            <a:off x="3288069" y="1690688"/>
+            <a:ext cx="5615862" cy="4530502"/>
           </a:xfrm>
           <a:prstGeom prst="rect">
             <a:avLst/>
           </a:prstGeom>
         </p:spPr>
       </p:pic>
+      <p:grpSp>
+        <p:nvGrpSpPr>
+          <p:cNvPr id="8" name="Groupe 7">
+            <a:extLst>
+              <a:ext uri="{FF2B5EF4-FFF2-40B4-BE49-F238E27FC236}">
+                <a16:creationId xmlns:a16="http://schemas.microsoft.com/office/drawing/2014/main" id="{BB35FBCF-D7D0-4B1F-B64C-4FF8FA243FEB}"/>
+              </a:ext>
+            </a:extLst>
+          </p:cNvPr>
+          <p:cNvGrpSpPr/>
+          <p:nvPr/>
+        </p:nvGrpSpPr>
+        <p:grpSpPr>
+          <a:xfrm>
+            <a:off x="1533471" y="96322"/>
+            <a:ext cx="9079804" cy="365125"/>
+            <a:chOff x="1533471" y="96322"/>
+            <a:chExt cx="9079804" cy="365125"/>
+          </a:xfrm>
+        </p:grpSpPr>
+        <p:sp>
+          <p:nvSpPr>
+            <p:cNvPr id="9" name="Ellipse 8">
+              <a:extLst>
+                <a:ext uri="{FF2B5EF4-FFF2-40B4-BE49-F238E27FC236}">
+                  <a16:creationId xmlns:a16="http://schemas.microsoft.com/office/drawing/2014/main" id="{BCD56CE1-6304-4B88-AE27-9CB45D186550}"/>
+                </a:ext>
+              </a:extLst>
+            </p:cNvPr>
+            <p:cNvSpPr/>
+            <p:nvPr/>
+          </p:nvSpPr>
+          <p:spPr>
+            <a:xfrm>
+              <a:off x="6311243" y="96322"/>
+              <a:ext cx="365125" cy="365125"/>
+            </a:xfrm>
+            <a:prstGeom prst="ellipse">
+              <a:avLst/>
+            </a:prstGeom>
+            <a:solidFill>
+              <a:schemeClr val="bg1"/>
+            </a:solidFill>
+            <a:ln>
+              <a:noFill/>
+            </a:ln>
+          </p:spPr>
+          <p:style>
+            <a:lnRef idx="2">
+              <a:schemeClr val="accent1">
+                <a:shade val="50000"/>
+              </a:schemeClr>
+            </a:lnRef>
+            <a:fillRef idx="1">
+              <a:schemeClr val="accent1"/>
+            </a:fillRef>
+            <a:effectRef idx="0">
+              <a:schemeClr val="accent1"/>
+            </a:effectRef>
+            <a:fontRef idx="minor">
+              <a:schemeClr val="lt1"/>
+            </a:fontRef>
+          </p:style>
+          <p:txBody>
+            <a:bodyPr rtlCol="0" anchor="ctr"/>
+            <a:lstStyle/>
+            <a:p>
+              <a:pPr algn="ctr"/>
+              <a:r>
+                <a:rPr lang="fr-FR" dirty="0">
+                  <a:solidFill>
+                    <a:srgbClr val="007274"/>
+                  </a:solidFill>
+                  <a:latin typeface="Poppins" panose="00000500000000000000" pitchFamily="2" charset="0"/>
+                  <a:cs typeface="Poppins" panose="00000500000000000000" pitchFamily="2" charset="0"/>
+                </a:rPr>
+                <a:t>1</a:t>
+              </a:r>
+            </a:p>
+          </p:txBody>
+        </p:sp>
+        <p:sp>
+          <p:nvSpPr>
+            <p:cNvPr id="10" name="Ellipse 9">
+              <a:extLst>
+                <a:ext uri="{FF2B5EF4-FFF2-40B4-BE49-F238E27FC236}">
+                  <a16:creationId xmlns:a16="http://schemas.microsoft.com/office/drawing/2014/main" id="{7D1F2FCA-B7B3-469A-9960-36402AD32E15}"/>
+                </a:ext>
+              </a:extLst>
+            </p:cNvPr>
+            <p:cNvSpPr/>
+            <p:nvPr/>
+          </p:nvSpPr>
+          <p:spPr>
+            <a:xfrm>
+              <a:off x="7085254" y="96322"/>
+              <a:ext cx="365125" cy="365125"/>
+            </a:xfrm>
+            <a:prstGeom prst="ellipse">
+              <a:avLst/>
+            </a:prstGeom>
+            <a:solidFill>
+              <a:schemeClr val="bg1"/>
+            </a:solidFill>
+            <a:ln>
+              <a:noFill/>
+            </a:ln>
+          </p:spPr>
+          <p:style>
+            <a:lnRef idx="2">
+              <a:schemeClr val="accent1">
+                <a:shade val="50000"/>
+              </a:schemeClr>
+            </a:lnRef>
+            <a:fillRef idx="1">
+              <a:schemeClr val="accent1"/>
+            </a:fillRef>
+            <a:effectRef idx="0">
+              <a:schemeClr val="accent1"/>
+            </a:effectRef>
+            <a:fontRef idx="minor">
+              <a:schemeClr val="lt1"/>
+            </a:fontRef>
+          </p:style>
+          <p:txBody>
+            <a:bodyPr rtlCol="0" anchor="ctr"/>
+            <a:lstStyle/>
+            <a:p>
+              <a:pPr algn="ctr"/>
+              <a:r>
+                <a:rPr lang="fr-FR" dirty="0">
+                  <a:solidFill>
+                    <a:srgbClr val="007274"/>
+                  </a:solidFill>
+                  <a:latin typeface="Poppins" panose="00000500000000000000" pitchFamily="2" charset="0"/>
+                  <a:cs typeface="Poppins" panose="00000500000000000000" pitchFamily="2" charset="0"/>
+                </a:rPr>
+                <a:t>2</a:t>
+              </a:r>
+            </a:p>
+          </p:txBody>
+        </p:sp>
+        <p:cxnSp>
+          <p:nvCxnSpPr>
+            <p:cNvPr id="11" name="Connecteur droit 10">
+              <a:extLst>
+                <a:ext uri="{FF2B5EF4-FFF2-40B4-BE49-F238E27FC236}">
+                  <a16:creationId xmlns:a16="http://schemas.microsoft.com/office/drawing/2014/main" id="{1FE46A46-7692-44AA-83E9-3E1AFC19798C}"/>
+                </a:ext>
+              </a:extLst>
+            </p:cNvPr>
+            <p:cNvCxnSpPr>
+              <a:stCxn id="9" idx="6"/>
+              <a:endCxn id="10" idx="2"/>
+            </p:cNvCxnSpPr>
+            <p:nvPr/>
+          </p:nvCxnSpPr>
+          <p:spPr>
+            <a:xfrm>
+              <a:off x="6676368" y="278885"/>
+              <a:ext cx="408886" cy="0"/>
+            </a:xfrm>
+            <a:prstGeom prst="line">
+              <a:avLst/>
+            </a:prstGeom>
+            <a:ln w="19050">
+              <a:solidFill>
+                <a:schemeClr val="bg1"/>
+              </a:solidFill>
+            </a:ln>
+          </p:spPr>
+          <p:style>
+            <a:lnRef idx="1">
+              <a:schemeClr val="accent1"/>
+            </a:lnRef>
+            <a:fillRef idx="0">
+              <a:schemeClr val="accent1"/>
+            </a:fillRef>
+            <a:effectRef idx="0">
+              <a:schemeClr val="accent1"/>
+            </a:effectRef>
+            <a:fontRef idx="minor">
+              <a:schemeClr val="tx1"/>
+            </a:fontRef>
+          </p:style>
+        </p:cxnSp>
+        <p:sp>
+          <p:nvSpPr>
+            <p:cNvPr id="12" name="Ellipse 11">
+              <a:extLst>
+                <a:ext uri="{FF2B5EF4-FFF2-40B4-BE49-F238E27FC236}">
+                  <a16:creationId xmlns:a16="http://schemas.microsoft.com/office/drawing/2014/main" id="{0149EEAC-70B2-4001-8FEF-4571DDF2773F}"/>
+                </a:ext>
+              </a:extLst>
+            </p:cNvPr>
+            <p:cNvSpPr/>
+            <p:nvPr/>
+          </p:nvSpPr>
+          <p:spPr>
+            <a:xfrm>
+              <a:off x="7859265" y="96322"/>
+              <a:ext cx="365125" cy="365125"/>
+            </a:xfrm>
+            <a:prstGeom prst="ellipse">
+              <a:avLst/>
+            </a:prstGeom>
+            <a:solidFill>
+              <a:schemeClr val="bg1"/>
+            </a:solidFill>
+            <a:ln>
+              <a:noFill/>
+            </a:ln>
+          </p:spPr>
+          <p:style>
+            <a:lnRef idx="2">
+              <a:schemeClr val="accent1">
+                <a:shade val="50000"/>
+              </a:schemeClr>
+            </a:lnRef>
+            <a:fillRef idx="1">
+              <a:schemeClr val="accent1"/>
+            </a:fillRef>
+            <a:effectRef idx="0">
+              <a:schemeClr val="accent1"/>
+            </a:effectRef>
+            <a:fontRef idx="minor">
+              <a:schemeClr val="lt1"/>
+            </a:fontRef>
+          </p:style>
+          <p:txBody>
+            <a:bodyPr rtlCol="0" anchor="ctr"/>
+            <a:lstStyle/>
+            <a:p>
+              <a:pPr algn="ctr"/>
+              <a:r>
+                <a:rPr lang="fr-FR">
+                  <a:solidFill>
+                    <a:srgbClr val="007274"/>
+                  </a:solidFill>
+                  <a:latin typeface="Poppins" panose="00000500000000000000" pitchFamily="2" charset="0"/>
+                  <a:cs typeface="Poppins" panose="00000500000000000000" pitchFamily="2" charset="0"/>
+                </a:rPr>
+                <a:t>3</a:t>
+              </a:r>
+            </a:p>
+          </p:txBody>
+        </p:sp>
+        <p:cxnSp>
+          <p:nvCxnSpPr>
+            <p:cNvPr id="13" name="Connecteur droit 12">
+              <a:extLst>
+                <a:ext uri="{FF2B5EF4-FFF2-40B4-BE49-F238E27FC236}">
+                  <a16:creationId xmlns:a16="http://schemas.microsoft.com/office/drawing/2014/main" id="{DE3C2A22-89BE-4602-A6E5-A26A8A69672B}"/>
+                </a:ext>
+              </a:extLst>
+            </p:cNvPr>
+            <p:cNvCxnSpPr>
+              <a:cxnSpLocks/>
+              <a:stCxn id="10" idx="6"/>
+              <a:endCxn id="12" idx="2"/>
+            </p:cNvCxnSpPr>
+            <p:nvPr/>
+          </p:nvCxnSpPr>
+          <p:spPr>
+            <a:xfrm>
+              <a:off x="7450379" y="278885"/>
+              <a:ext cx="408886" cy="0"/>
+            </a:xfrm>
+            <a:prstGeom prst="line">
+              <a:avLst/>
+            </a:prstGeom>
+            <a:ln w="19050">
+              <a:solidFill>
+                <a:schemeClr val="bg1"/>
+              </a:solidFill>
+            </a:ln>
+          </p:spPr>
+          <p:style>
+            <a:lnRef idx="1">
+              <a:schemeClr val="accent1"/>
+            </a:lnRef>
+            <a:fillRef idx="0">
+              <a:schemeClr val="accent1"/>
+            </a:fillRef>
+            <a:effectRef idx="0">
+              <a:schemeClr val="accent1"/>
+            </a:effectRef>
+            <a:fontRef idx="minor">
+              <a:schemeClr val="tx1"/>
+            </a:fontRef>
+          </p:style>
+        </p:cxnSp>
+        <p:sp>
+          <p:nvSpPr>
+            <p:cNvPr id="14" name="Rectangle : coins arrondis 13">
+              <a:extLst>
+                <a:ext uri="{FF2B5EF4-FFF2-40B4-BE49-F238E27FC236}">
+                  <a16:creationId xmlns:a16="http://schemas.microsoft.com/office/drawing/2014/main" id="{2EC69272-36AB-43F6-9D7F-12F0E4C06071}"/>
+                </a:ext>
+              </a:extLst>
+            </p:cNvPr>
+            <p:cNvSpPr/>
+            <p:nvPr/>
+          </p:nvSpPr>
+          <p:spPr>
+            <a:xfrm>
+              <a:off x="3922357" y="96322"/>
+              <a:ext cx="1980000" cy="365125"/>
+            </a:xfrm>
+            <a:prstGeom prst="roundRect">
+              <a:avLst>
+                <a:gd name="adj" fmla="val 50000"/>
+              </a:avLst>
+            </a:prstGeom>
+            <a:solidFill>
+              <a:srgbClr val="007274"/>
+            </a:solidFill>
+            <a:ln>
+              <a:noFill/>
+            </a:ln>
+          </p:spPr>
+          <p:style>
+            <a:lnRef idx="2">
+              <a:schemeClr val="accent1">
+                <a:shade val="50000"/>
+              </a:schemeClr>
+            </a:lnRef>
+            <a:fillRef idx="1">
+              <a:schemeClr val="accent1"/>
+            </a:fillRef>
+            <a:effectRef idx="0">
+              <a:schemeClr val="accent1"/>
+            </a:effectRef>
+            <a:fontRef idx="minor">
+              <a:schemeClr val="lt1"/>
+            </a:fontRef>
+          </p:style>
+          <p:txBody>
+            <a:bodyPr rtlCol="0" anchor="ctr"/>
+            <a:lstStyle/>
+            <a:p>
+              <a:pPr algn="ctr"/>
+              <a:r>
+                <a:rPr lang="fr-FR" sz="1600" dirty="0">
+                  <a:solidFill>
+                    <a:schemeClr val="bg1"/>
+                  </a:solidFill>
+                  <a:latin typeface="Poppins" panose="00000500000000000000" pitchFamily="2" charset="0"/>
+                  <a:cs typeface="Poppins" panose="00000500000000000000" pitchFamily="2" charset="0"/>
+                </a:rPr>
+                <a:t>Introduction</a:t>
+              </a:r>
+            </a:p>
+          </p:txBody>
+        </p:sp>
+        <p:cxnSp>
+          <p:nvCxnSpPr>
+            <p:cNvPr id="15" name="Connecteur droit 14">
+              <a:extLst>
+                <a:ext uri="{FF2B5EF4-FFF2-40B4-BE49-F238E27FC236}">
+                  <a16:creationId xmlns:a16="http://schemas.microsoft.com/office/drawing/2014/main" id="{B1E8D387-3819-4C6A-A7E3-4EB09B37F77D}"/>
+                </a:ext>
+              </a:extLst>
+            </p:cNvPr>
+            <p:cNvCxnSpPr>
+              <a:cxnSpLocks/>
+              <a:stCxn id="14" idx="3"/>
+              <a:endCxn id="9" idx="2"/>
+            </p:cNvCxnSpPr>
+            <p:nvPr/>
+          </p:nvCxnSpPr>
+          <p:spPr>
+            <a:xfrm>
+              <a:off x="5902357" y="278885"/>
+              <a:ext cx="408886" cy="0"/>
+            </a:xfrm>
+            <a:prstGeom prst="line">
+              <a:avLst/>
+            </a:prstGeom>
+            <a:ln w="19050">
+              <a:solidFill>
+                <a:schemeClr val="bg1"/>
+              </a:solidFill>
+            </a:ln>
+          </p:spPr>
+          <p:style>
+            <a:lnRef idx="1">
+              <a:schemeClr val="accent1"/>
+            </a:lnRef>
+            <a:fillRef idx="0">
+              <a:schemeClr val="accent1"/>
+            </a:fillRef>
+            <a:effectRef idx="0">
+              <a:schemeClr val="accent1"/>
+            </a:effectRef>
+            <a:fontRef idx="minor">
+              <a:schemeClr val="tx1"/>
+            </a:fontRef>
+          </p:style>
+        </p:cxnSp>
+        <p:sp>
+          <p:nvSpPr>
+            <p:cNvPr id="16" name="Rectangle : coins arrondis 15">
+              <a:extLst>
+                <a:ext uri="{FF2B5EF4-FFF2-40B4-BE49-F238E27FC236}">
+                  <a16:creationId xmlns:a16="http://schemas.microsoft.com/office/drawing/2014/main" id="{62F99C8C-48DE-4208-A449-2C7FA26B9838}"/>
+                </a:ext>
+              </a:extLst>
+            </p:cNvPr>
+            <p:cNvSpPr/>
+            <p:nvPr/>
+          </p:nvSpPr>
+          <p:spPr>
+            <a:xfrm>
+              <a:off x="8633275" y="96322"/>
+              <a:ext cx="1980000" cy="365125"/>
+            </a:xfrm>
+            <a:prstGeom prst="roundRect">
+              <a:avLst>
+                <a:gd name="adj" fmla="val 50000"/>
+              </a:avLst>
+            </a:prstGeom>
+            <a:solidFill>
+              <a:schemeClr val="bg1"/>
+            </a:solidFill>
+            <a:ln>
+              <a:noFill/>
+            </a:ln>
+          </p:spPr>
+          <p:style>
+            <a:lnRef idx="2">
+              <a:schemeClr val="accent1">
+                <a:shade val="50000"/>
+              </a:schemeClr>
+            </a:lnRef>
+            <a:fillRef idx="1">
+              <a:schemeClr val="accent1"/>
+            </a:fillRef>
+            <a:effectRef idx="0">
+              <a:schemeClr val="accent1"/>
+            </a:effectRef>
+            <a:fontRef idx="minor">
+              <a:schemeClr val="lt1"/>
+            </a:fontRef>
+          </p:style>
+          <p:txBody>
+            <a:bodyPr rtlCol="0" anchor="ctr"/>
+            <a:lstStyle/>
+            <a:p>
+              <a:pPr algn="ctr"/>
+              <a:r>
+                <a:rPr lang="fr-FR" dirty="0">
+                  <a:solidFill>
+                    <a:srgbClr val="007274"/>
+                  </a:solidFill>
+                  <a:latin typeface="Poppins" panose="00000500000000000000" pitchFamily="2" charset="0"/>
+                  <a:cs typeface="Poppins" panose="00000500000000000000" pitchFamily="2" charset="0"/>
+                </a:rPr>
+                <a:t>Conclusion</a:t>
+              </a:r>
+            </a:p>
+          </p:txBody>
+        </p:sp>
+        <p:cxnSp>
+          <p:nvCxnSpPr>
+            <p:cNvPr id="17" name="Connecteur droit 16">
+              <a:extLst>
+                <a:ext uri="{FF2B5EF4-FFF2-40B4-BE49-F238E27FC236}">
+                  <a16:creationId xmlns:a16="http://schemas.microsoft.com/office/drawing/2014/main" id="{13C6F740-5F71-438A-B9ED-BF767E4B81C4}"/>
+                </a:ext>
+              </a:extLst>
+            </p:cNvPr>
+            <p:cNvCxnSpPr>
+              <a:cxnSpLocks/>
+              <a:stCxn id="12" idx="6"/>
+              <a:endCxn id="16" idx="1"/>
+            </p:cNvCxnSpPr>
+            <p:nvPr/>
+          </p:nvCxnSpPr>
+          <p:spPr>
+            <a:xfrm>
+              <a:off x="8224390" y="278885"/>
+              <a:ext cx="408885" cy="0"/>
+            </a:xfrm>
+            <a:prstGeom prst="line">
+              <a:avLst/>
+            </a:prstGeom>
+            <a:ln w="19050">
+              <a:solidFill>
+                <a:schemeClr val="bg1"/>
+              </a:solidFill>
+            </a:ln>
+          </p:spPr>
+          <p:style>
+            <a:lnRef idx="1">
+              <a:schemeClr val="accent1"/>
+            </a:lnRef>
+            <a:fillRef idx="0">
+              <a:schemeClr val="accent1"/>
+            </a:fillRef>
+            <a:effectRef idx="0">
+              <a:schemeClr val="accent1"/>
+            </a:effectRef>
+            <a:fontRef idx="minor">
+              <a:schemeClr val="tx1"/>
+            </a:fontRef>
+          </p:style>
+        </p:cxnSp>
+        <p:sp>
+          <p:nvSpPr>
+            <p:cNvPr id="18" name="Rectangle : coins arrondis 17">
+              <a:extLst>
+                <a:ext uri="{FF2B5EF4-FFF2-40B4-BE49-F238E27FC236}">
+                  <a16:creationId xmlns:a16="http://schemas.microsoft.com/office/drawing/2014/main" id="{3524957E-127D-4C27-8810-6FF9AC9911DA}"/>
+                </a:ext>
+              </a:extLst>
+            </p:cNvPr>
+            <p:cNvSpPr/>
+            <p:nvPr/>
+          </p:nvSpPr>
+          <p:spPr>
+            <a:xfrm>
+              <a:off x="1533471" y="96322"/>
+              <a:ext cx="1980000" cy="365125"/>
+            </a:xfrm>
+            <a:prstGeom prst="roundRect">
+              <a:avLst>
+                <a:gd name="adj" fmla="val 50000"/>
+              </a:avLst>
+            </a:prstGeom>
+            <a:solidFill>
+              <a:schemeClr val="bg1"/>
+            </a:solidFill>
+            <a:ln>
+              <a:noFill/>
+            </a:ln>
+          </p:spPr>
+          <p:style>
+            <a:lnRef idx="2">
+              <a:schemeClr val="accent1">
+                <a:shade val="50000"/>
+              </a:schemeClr>
+            </a:lnRef>
+            <a:fillRef idx="1">
+              <a:schemeClr val="accent1"/>
+            </a:fillRef>
+            <a:effectRef idx="0">
+              <a:schemeClr val="accent1"/>
+            </a:effectRef>
+            <a:fontRef idx="minor">
+              <a:schemeClr val="lt1"/>
+            </a:fontRef>
+          </p:style>
+          <p:txBody>
+            <a:bodyPr rtlCol="0" anchor="ctr"/>
+            <a:lstStyle/>
+            <a:p>
+              <a:pPr algn="ctr"/>
+              <a:r>
+                <a:rPr lang="fr-FR" sz="1600" dirty="0">
+                  <a:solidFill>
+                    <a:srgbClr val="007274"/>
+                  </a:solidFill>
+                  <a:latin typeface="Poppins" panose="00000500000000000000" pitchFamily="2" charset="0"/>
+                  <a:cs typeface="Poppins" panose="00000500000000000000" pitchFamily="2" charset="0"/>
+                </a:rPr>
+                <a:t>Démonstration</a:t>
+              </a:r>
+            </a:p>
+          </p:txBody>
+        </p:sp>
+        <p:cxnSp>
+          <p:nvCxnSpPr>
+            <p:cNvPr id="20" name="Connecteur droit 19">
+              <a:extLst>
+                <a:ext uri="{FF2B5EF4-FFF2-40B4-BE49-F238E27FC236}">
+                  <a16:creationId xmlns:a16="http://schemas.microsoft.com/office/drawing/2014/main" id="{F95FA982-BC02-43B9-8E26-824462895B11}"/>
+                </a:ext>
+              </a:extLst>
+            </p:cNvPr>
+            <p:cNvCxnSpPr>
+              <a:cxnSpLocks/>
+              <a:stCxn id="18" idx="3"/>
+              <a:endCxn id="14" idx="1"/>
+            </p:cNvCxnSpPr>
+            <p:nvPr/>
+          </p:nvCxnSpPr>
+          <p:spPr>
+            <a:xfrm>
+              <a:off x="3513471" y="278885"/>
+              <a:ext cx="408886" cy="0"/>
+            </a:xfrm>
+            <a:prstGeom prst="line">
+              <a:avLst/>
+            </a:prstGeom>
+            <a:ln w="19050">
+              <a:solidFill>
+                <a:schemeClr val="bg1"/>
+              </a:solidFill>
+            </a:ln>
+          </p:spPr>
+          <p:style>
+            <a:lnRef idx="1">
+              <a:schemeClr val="accent1"/>
+            </a:lnRef>
+            <a:fillRef idx="0">
+              <a:schemeClr val="accent1"/>
+            </a:fillRef>
+            <a:effectRef idx="0">
+              <a:schemeClr val="accent1"/>
+            </a:effectRef>
+            <a:fontRef idx="minor">
+              <a:schemeClr val="tx1"/>
+            </a:fontRef>
+          </p:style>
+        </p:cxnSp>
+      </p:grpSp>
     </p:spTree>
     <p:extLst>
       <p:ext uri="{BB962C8B-B14F-4D97-AF65-F5344CB8AC3E}">
@@ -6797,37 +7715,149 @@
         </p:nvSpPr>
         <p:spPr/>
         <p:txBody>
-          <a:bodyPr anchor="ctr"/>
+          <a:bodyPr anchor="ctr">
+            <a:normAutofit fontScale="85000" lnSpcReduction="20000"/>
+          </a:bodyPr>
           <a:lstStyle/>
           <a:p>
-            <a:pPr marL="0" indent="0">
-              <a:buNone/>
+            <a:pPr marL="514350" indent="-514350">
+              <a:buFont typeface="+mj-lt"/>
+              <a:buAutoNum type="arabicParenR"/>
             </a:pPr>
             <a:r>
-              <a:rPr lang="fr-FR"/>
-              <a:t>Conceptualisation</a:t>
-            </a:r>
-          </a:p>
-          <a:p>
-            <a:pPr marL="0" indent="0">
-              <a:buNone/>
+              <a:rPr lang="fr-FR" dirty="0"/>
+              <a:t>Gestion de Projet</a:t>
+            </a:r>
+          </a:p>
+          <a:p>
+            <a:pPr marL="971550" lvl="1" indent="-514350">
+              <a:buFont typeface="+mj-lt"/>
+              <a:buAutoNum type="alphaLcPeriod"/>
             </a:pPr>
             <a:r>
-              <a:rPr lang="fr-FR"/>
-              <a:t>Gestion de Projet</a:t>
-            </a:r>
-          </a:p>
-          <a:p>
-            <a:pPr marL="0" indent="0">
-              <a:buNone/>
+              <a:rPr lang="fr-FR" dirty="0"/>
+              <a:t>Outils mis en place</a:t>
+            </a:r>
+          </a:p>
+          <a:p>
+            <a:pPr marL="971550" lvl="1" indent="-514350">
+              <a:buFont typeface="+mj-lt"/>
+              <a:buAutoNum type="alphaLcPeriod"/>
             </a:pPr>
             <a:r>
-              <a:rPr lang="fr-FR"/>
+              <a:rPr lang="fr-FR" dirty="0"/>
+              <a:t>Méthodes utilisées</a:t>
+            </a:r>
+          </a:p>
+          <a:p>
+            <a:pPr marL="971550" lvl="1" indent="-514350">
+              <a:buFont typeface="+mj-lt"/>
+              <a:buAutoNum type="alphaLcPeriod"/>
+            </a:pPr>
+            <a:r>
+              <a:rPr lang="fr-FR" dirty="0"/>
+              <a:t>Organisation</a:t>
+            </a:r>
+          </a:p>
+          <a:p>
+            <a:pPr marL="971550" lvl="1" indent="-514350">
+              <a:buFont typeface="+mj-lt"/>
+              <a:buAutoNum type="alphaLcPeriod"/>
+            </a:pPr>
+            <a:r>
+              <a:rPr lang="fr-FR" dirty="0"/>
+              <a:t>Tests</a:t>
+            </a:r>
+          </a:p>
+          <a:p>
+            <a:pPr marL="514350" indent="-514350">
+              <a:buFont typeface="+mj-lt"/>
+              <a:buAutoNum type="arabicParenR"/>
+            </a:pPr>
+            <a:r>
+              <a:rPr lang="fr-FR" dirty="0"/>
               <a:t>Choix techniques</a:t>
             </a:r>
           </a:p>
           <a:p>
-            <a:endParaRPr lang="fr-FR"/>
+            <a:pPr marL="971550" lvl="1" indent="-514350">
+              <a:buFont typeface="+mj-lt"/>
+              <a:buAutoNum type="alphaLcPeriod"/>
+            </a:pPr>
+            <a:r>
+              <a:rPr lang="fr-FR" dirty="0"/>
+              <a:t>Structuration de la donnée</a:t>
+            </a:r>
+          </a:p>
+          <a:p>
+            <a:pPr marL="971550" lvl="1" indent="-514350">
+              <a:buFont typeface="+mj-lt"/>
+              <a:buAutoNum type="alphaLcPeriod"/>
+            </a:pPr>
+            <a:r>
+              <a:rPr lang="fr-FR" dirty="0"/>
+              <a:t>Architecture logicielle</a:t>
+            </a:r>
+          </a:p>
+          <a:p>
+            <a:pPr marL="971550" lvl="1" indent="-514350">
+              <a:buFont typeface="+mj-lt"/>
+              <a:buAutoNum type="alphaLcPeriod"/>
+            </a:pPr>
+            <a:r>
+              <a:rPr lang="fr-FR" dirty="0"/>
+              <a:t>Langages de programmation</a:t>
+            </a:r>
+          </a:p>
+          <a:p>
+            <a:pPr marL="971550" lvl="1" indent="-514350">
+              <a:buFont typeface="+mj-lt"/>
+              <a:buAutoNum type="alphaLcPeriod"/>
+            </a:pPr>
+            <a:r>
+              <a:rPr lang="fr-FR" dirty="0"/>
+              <a:t>Systèmes d’exploitation</a:t>
+            </a:r>
+          </a:p>
+          <a:p>
+            <a:pPr marL="514350" indent="-514350">
+              <a:buFont typeface="+mj-lt"/>
+              <a:buAutoNum type="arabicParenR"/>
+            </a:pPr>
+            <a:r>
+              <a:rPr lang="fr-FR" dirty="0"/>
+              <a:t>Résultat obtenu</a:t>
+            </a:r>
+          </a:p>
+          <a:p>
+            <a:pPr marL="971550" lvl="1" indent="-514350">
+              <a:buFont typeface="+mj-lt"/>
+              <a:buAutoNum type="alphaLcPeriod"/>
+            </a:pPr>
+            <a:r>
+              <a:rPr lang="fr-FR" dirty="0"/>
+              <a:t>Difficultés rencontrés</a:t>
+            </a:r>
+          </a:p>
+          <a:p>
+            <a:pPr marL="971550" lvl="1" indent="-514350">
+              <a:buFont typeface="+mj-lt"/>
+              <a:buAutoNum type="alphaLcPeriod"/>
+            </a:pPr>
+            <a:r>
+              <a:rPr lang="fr-FR" dirty="0"/>
+              <a:t>Utilisabilité de la solution</a:t>
+            </a:r>
+          </a:p>
+          <a:p>
+            <a:pPr marL="971550" lvl="1" indent="-514350">
+              <a:buFont typeface="+mj-lt"/>
+              <a:buAutoNum type="alphaLcPeriod"/>
+            </a:pPr>
+            <a:r>
+              <a:rPr lang="fr-FR" dirty="0"/>
+              <a:t>Valeur ajoutée</a:t>
+            </a:r>
           </a:p>
         </p:txBody>
       </p:sp>
@@ -6853,7 +7883,7 @@
           <a:lstStyle/>
           <a:p>
             <a:r>
-              <a:rPr lang="fr-FR"/>
+              <a:rPr lang="fr-FR" dirty="0"/>
               <a:t>Hugo Demenez &amp; Brieuc Dandoy &amp; Guillaume Gulli &amp; Mohamed Amine Bennouna</a:t>
             </a:r>
           </a:p>
@@ -6884,10 +7914,628 @@
               <a:rPr lang="fr-FR" smtClean="0"/>
               <a:t>3</a:t>
             </a:fld>
-            <a:endParaRPr lang="fr-FR"/>
+            <a:endParaRPr lang="fr-FR" dirty="0"/>
           </a:p>
         </p:txBody>
       </p:sp>
+      <p:grpSp>
+        <p:nvGrpSpPr>
+          <p:cNvPr id="6" name="Groupe 5">
+            <a:extLst>
+              <a:ext uri="{FF2B5EF4-FFF2-40B4-BE49-F238E27FC236}">
+                <a16:creationId xmlns:a16="http://schemas.microsoft.com/office/drawing/2014/main" id="{805BD0C6-09BE-47C2-8289-05F362AA1682}"/>
+              </a:ext>
+            </a:extLst>
+          </p:cNvPr>
+          <p:cNvGrpSpPr/>
+          <p:nvPr/>
+        </p:nvGrpSpPr>
+        <p:grpSpPr>
+          <a:xfrm>
+            <a:off x="1533471" y="96322"/>
+            <a:ext cx="9079804" cy="365125"/>
+            <a:chOff x="1533471" y="96322"/>
+            <a:chExt cx="9079804" cy="365125"/>
+          </a:xfrm>
+        </p:grpSpPr>
+        <p:sp>
+          <p:nvSpPr>
+            <p:cNvPr id="7" name="Ellipse 6">
+              <a:extLst>
+                <a:ext uri="{FF2B5EF4-FFF2-40B4-BE49-F238E27FC236}">
+                  <a16:creationId xmlns:a16="http://schemas.microsoft.com/office/drawing/2014/main" id="{31487C3C-0FDF-47CD-A292-9CEB2789FE03}"/>
+                </a:ext>
+              </a:extLst>
+            </p:cNvPr>
+            <p:cNvSpPr/>
+            <p:nvPr/>
+          </p:nvSpPr>
+          <p:spPr>
+            <a:xfrm>
+              <a:off x="6311243" y="96322"/>
+              <a:ext cx="365125" cy="365125"/>
+            </a:xfrm>
+            <a:prstGeom prst="ellipse">
+              <a:avLst/>
+            </a:prstGeom>
+            <a:solidFill>
+              <a:schemeClr val="bg1"/>
+            </a:solidFill>
+            <a:ln>
+              <a:noFill/>
+            </a:ln>
+          </p:spPr>
+          <p:style>
+            <a:lnRef idx="2">
+              <a:schemeClr val="accent1">
+                <a:shade val="50000"/>
+              </a:schemeClr>
+            </a:lnRef>
+            <a:fillRef idx="1">
+              <a:schemeClr val="accent1"/>
+            </a:fillRef>
+            <a:effectRef idx="0">
+              <a:schemeClr val="accent1"/>
+            </a:effectRef>
+            <a:fontRef idx="minor">
+              <a:schemeClr val="lt1"/>
+            </a:fontRef>
+          </p:style>
+          <p:txBody>
+            <a:bodyPr rtlCol="0" anchor="ctr"/>
+            <a:lstStyle/>
+            <a:p>
+              <a:pPr algn="ctr"/>
+              <a:r>
+                <a:rPr lang="fr-FR" dirty="0">
+                  <a:solidFill>
+                    <a:srgbClr val="007274"/>
+                  </a:solidFill>
+                  <a:latin typeface="Poppins" panose="00000500000000000000" pitchFamily="2" charset="0"/>
+                  <a:cs typeface="Poppins" panose="00000500000000000000" pitchFamily="2" charset="0"/>
+                </a:rPr>
+                <a:t>1</a:t>
+              </a:r>
+            </a:p>
+          </p:txBody>
+        </p:sp>
+        <p:sp>
+          <p:nvSpPr>
+            <p:cNvPr id="8" name="Ellipse 7">
+              <a:extLst>
+                <a:ext uri="{FF2B5EF4-FFF2-40B4-BE49-F238E27FC236}">
+                  <a16:creationId xmlns:a16="http://schemas.microsoft.com/office/drawing/2014/main" id="{366C6AED-7D21-497A-AB37-80F9A872D3CA}"/>
+                </a:ext>
+              </a:extLst>
+            </p:cNvPr>
+            <p:cNvSpPr/>
+            <p:nvPr/>
+          </p:nvSpPr>
+          <p:spPr>
+            <a:xfrm>
+              <a:off x="7085254" y="96322"/>
+              <a:ext cx="365125" cy="365125"/>
+            </a:xfrm>
+            <a:prstGeom prst="ellipse">
+              <a:avLst/>
+            </a:prstGeom>
+            <a:solidFill>
+              <a:schemeClr val="bg1"/>
+            </a:solidFill>
+            <a:ln>
+              <a:noFill/>
+            </a:ln>
+          </p:spPr>
+          <p:style>
+            <a:lnRef idx="2">
+              <a:schemeClr val="accent1">
+                <a:shade val="50000"/>
+              </a:schemeClr>
+            </a:lnRef>
+            <a:fillRef idx="1">
+              <a:schemeClr val="accent1"/>
+            </a:fillRef>
+            <a:effectRef idx="0">
+              <a:schemeClr val="accent1"/>
+            </a:effectRef>
+            <a:fontRef idx="minor">
+              <a:schemeClr val="lt1"/>
+            </a:fontRef>
+          </p:style>
+          <p:txBody>
+            <a:bodyPr rtlCol="0" anchor="ctr"/>
+            <a:lstStyle/>
+            <a:p>
+              <a:pPr algn="ctr"/>
+              <a:r>
+                <a:rPr lang="fr-FR" dirty="0">
+                  <a:solidFill>
+                    <a:srgbClr val="007274"/>
+                  </a:solidFill>
+                  <a:latin typeface="Poppins" panose="00000500000000000000" pitchFamily="2" charset="0"/>
+                  <a:cs typeface="Poppins" panose="00000500000000000000" pitchFamily="2" charset="0"/>
+                </a:rPr>
+                <a:t>2</a:t>
+              </a:r>
+            </a:p>
+          </p:txBody>
+        </p:sp>
+        <p:cxnSp>
+          <p:nvCxnSpPr>
+            <p:cNvPr id="9" name="Connecteur droit 8">
+              <a:extLst>
+                <a:ext uri="{FF2B5EF4-FFF2-40B4-BE49-F238E27FC236}">
+                  <a16:creationId xmlns:a16="http://schemas.microsoft.com/office/drawing/2014/main" id="{22810D03-0695-475B-A6C4-E69D10A7C565}"/>
+                </a:ext>
+              </a:extLst>
+            </p:cNvPr>
+            <p:cNvCxnSpPr>
+              <a:stCxn id="7" idx="6"/>
+              <a:endCxn id="8" idx="2"/>
+            </p:cNvCxnSpPr>
+            <p:nvPr/>
+          </p:nvCxnSpPr>
+          <p:spPr>
+            <a:xfrm>
+              <a:off x="6676368" y="278885"/>
+              <a:ext cx="408886" cy="0"/>
+            </a:xfrm>
+            <a:prstGeom prst="line">
+              <a:avLst/>
+            </a:prstGeom>
+            <a:ln w="19050">
+              <a:solidFill>
+                <a:schemeClr val="bg1"/>
+              </a:solidFill>
+            </a:ln>
+          </p:spPr>
+          <p:style>
+            <a:lnRef idx="1">
+              <a:schemeClr val="accent1"/>
+            </a:lnRef>
+            <a:fillRef idx="0">
+              <a:schemeClr val="accent1"/>
+            </a:fillRef>
+            <a:effectRef idx="0">
+              <a:schemeClr val="accent1"/>
+            </a:effectRef>
+            <a:fontRef idx="minor">
+              <a:schemeClr val="tx1"/>
+            </a:fontRef>
+          </p:style>
+        </p:cxnSp>
+        <p:sp>
+          <p:nvSpPr>
+            <p:cNvPr id="10" name="Ellipse 9">
+              <a:extLst>
+                <a:ext uri="{FF2B5EF4-FFF2-40B4-BE49-F238E27FC236}">
+                  <a16:creationId xmlns:a16="http://schemas.microsoft.com/office/drawing/2014/main" id="{13BF2DDA-F3EA-4A3B-869E-60D1FCE1B02E}"/>
+                </a:ext>
+              </a:extLst>
+            </p:cNvPr>
+            <p:cNvSpPr/>
+            <p:nvPr/>
+          </p:nvSpPr>
+          <p:spPr>
+            <a:xfrm>
+              <a:off x="7859265" y="96322"/>
+              <a:ext cx="365125" cy="365125"/>
+            </a:xfrm>
+            <a:prstGeom prst="ellipse">
+              <a:avLst/>
+            </a:prstGeom>
+            <a:solidFill>
+              <a:schemeClr val="bg1"/>
+            </a:solidFill>
+            <a:ln>
+              <a:noFill/>
+            </a:ln>
+          </p:spPr>
+          <p:style>
+            <a:lnRef idx="2">
+              <a:schemeClr val="accent1">
+                <a:shade val="50000"/>
+              </a:schemeClr>
+            </a:lnRef>
+            <a:fillRef idx="1">
+              <a:schemeClr val="accent1"/>
+            </a:fillRef>
+            <a:effectRef idx="0">
+              <a:schemeClr val="accent1"/>
+            </a:effectRef>
+            <a:fontRef idx="minor">
+              <a:schemeClr val="lt1"/>
+            </a:fontRef>
+          </p:style>
+          <p:txBody>
+            <a:bodyPr rtlCol="0" anchor="ctr"/>
+            <a:lstStyle/>
+            <a:p>
+              <a:pPr algn="ctr"/>
+              <a:r>
+                <a:rPr lang="fr-FR">
+                  <a:solidFill>
+                    <a:srgbClr val="007274"/>
+                  </a:solidFill>
+                  <a:latin typeface="Poppins" panose="00000500000000000000" pitchFamily="2" charset="0"/>
+                  <a:cs typeface="Poppins" panose="00000500000000000000" pitchFamily="2" charset="0"/>
+                </a:rPr>
+                <a:t>3</a:t>
+              </a:r>
+            </a:p>
+          </p:txBody>
+        </p:sp>
+        <p:cxnSp>
+          <p:nvCxnSpPr>
+            <p:cNvPr id="11" name="Connecteur droit 10">
+              <a:extLst>
+                <a:ext uri="{FF2B5EF4-FFF2-40B4-BE49-F238E27FC236}">
+                  <a16:creationId xmlns:a16="http://schemas.microsoft.com/office/drawing/2014/main" id="{EC5410C8-E4A0-478F-8E52-83266E9BE54D}"/>
+                </a:ext>
+              </a:extLst>
+            </p:cNvPr>
+            <p:cNvCxnSpPr>
+              <a:cxnSpLocks/>
+              <a:stCxn id="8" idx="6"/>
+              <a:endCxn id="10" idx="2"/>
+            </p:cNvCxnSpPr>
+            <p:nvPr/>
+          </p:nvCxnSpPr>
+          <p:spPr>
+            <a:xfrm>
+              <a:off x="7450379" y="278885"/>
+              <a:ext cx="408886" cy="0"/>
+            </a:xfrm>
+            <a:prstGeom prst="line">
+              <a:avLst/>
+            </a:prstGeom>
+            <a:ln w="19050">
+              <a:solidFill>
+                <a:schemeClr val="bg1"/>
+              </a:solidFill>
+            </a:ln>
+          </p:spPr>
+          <p:style>
+            <a:lnRef idx="1">
+              <a:schemeClr val="accent1"/>
+            </a:lnRef>
+            <a:fillRef idx="0">
+              <a:schemeClr val="accent1"/>
+            </a:fillRef>
+            <a:effectRef idx="0">
+              <a:schemeClr val="accent1"/>
+            </a:effectRef>
+            <a:fontRef idx="minor">
+              <a:schemeClr val="tx1"/>
+            </a:fontRef>
+          </p:style>
+        </p:cxnSp>
+        <p:sp>
+          <p:nvSpPr>
+            <p:cNvPr id="12" name="Rectangle : coins arrondis 11">
+              <a:extLst>
+                <a:ext uri="{FF2B5EF4-FFF2-40B4-BE49-F238E27FC236}">
+                  <a16:creationId xmlns:a16="http://schemas.microsoft.com/office/drawing/2014/main" id="{FFC260EF-82DF-4216-99FD-8B15CE7A2FDB}"/>
+                </a:ext>
+              </a:extLst>
+            </p:cNvPr>
+            <p:cNvSpPr/>
+            <p:nvPr/>
+          </p:nvSpPr>
+          <p:spPr>
+            <a:xfrm>
+              <a:off x="3922357" y="96322"/>
+              <a:ext cx="1980000" cy="365125"/>
+            </a:xfrm>
+            <a:prstGeom prst="roundRect">
+              <a:avLst>
+                <a:gd name="adj" fmla="val 50000"/>
+              </a:avLst>
+            </a:prstGeom>
+            <a:solidFill>
+              <a:srgbClr val="007274"/>
+            </a:solidFill>
+            <a:ln>
+              <a:noFill/>
+            </a:ln>
+          </p:spPr>
+          <p:style>
+            <a:lnRef idx="2">
+              <a:schemeClr val="accent1">
+                <a:shade val="50000"/>
+              </a:schemeClr>
+            </a:lnRef>
+            <a:fillRef idx="1">
+              <a:schemeClr val="accent1"/>
+            </a:fillRef>
+            <a:effectRef idx="0">
+              <a:schemeClr val="accent1"/>
+            </a:effectRef>
+            <a:fontRef idx="minor">
+              <a:schemeClr val="lt1"/>
+            </a:fontRef>
+          </p:style>
+          <p:txBody>
+            <a:bodyPr rtlCol="0" anchor="ctr"/>
+            <a:lstStyle/>
+            <a:p>
+              <a:pPr algn="ctr"/>
+              <a:r>
+                <a:rPr lang="fr-FR" sz="1600" dirty="0">
+                  <a:solidFill>
+                    <a:schemeClr val="bg1"/>
+                  </a:solidFill>
+                  <a:latin typeface="Poppins" panose="00000500000000000000" pitchFamily="2" charset="0"/>
+                  <a:cs typeface="Poppins" panose="00000500000000000000" pitchFamily="2" charset="0"/>
+                </a:rPr>
+                <a:t>Introduction</a:t>
+              </a:r>
+            </a:p>
+          </p:txBody>
+        </p:sp>
+        <p:cxnSp>
+          <p:nvCxnSpPr>
+            <p:cNvPr id="13" name="Connecteur droit 12">
+              <a:extLst>
+                <a:ext uri="{FF2B5EF4-FFF2-40B4-BE49-F238E27FC236}">
+                  <a16:creationId xmlns:a16="http://schemas.microsoft.com/office/drawing/2014/main" id="{7239DA9D-BCEA-43A5-A2A6-AAEC7A6A18CB}"/>
+                </a:ext>
+              </a:extLst>
+            </p:cNvPr>
+            <p:cNvCxnSpPr>
+              <a:cxnSpLocks/>
+              <a:stCxn id="12" idx="3"/>
+              <a:endCxn id="7" idx="2"/>
+            </p:cNvCxnSpPr>
+            <p:nvPr/>
+          </p:nvCxnSpPr>
+          <p:spPr>
+            <a:xfrm>
+              <a:off x="5902357" y="278885"/>
+              <a:ext cx="408886" cy="0"/>
+            </a:xfrm>
+            <a:prstGeom prst="line">
+              <a:avLst/>
+            </a:prstGeom>
+            <a:ln w="19050">
+              <a:solidFill>
+                <a:srgbClr val="007274"/>
+              </a:solidFill>
+              <a:tailEnd type="stealth"/>
+            </a:ln>
+          </p:spPr>
+          <p:style>
+            <a:lnRef idx="1">
+              <a:schemeClr val="accent1"/>
+            </a:lnRef>
+            <a:fillRef idx="0">
+              <a:schemeClr val="accent1"/>
+            </a:fillRef>
+            <a:effectRef idx="0">
+              <a:schemeClr val="accent1"/>
+            </a:effectRef>
+            <a:fontRef idx="minor">
+              <a:schemeClr val="tx1"/>
+            </a:fontRef>
+          </p:style>
+        </p:cxnSp>
+        <p:sp>
+          <p:nvSpPr>
+            <p:cNvPr id="14" name="Rectangle : coins arrondis 13">
+              <a:extLst>
+                <a:ext uri="{FF2B5EF4-FFF2-40B4-BE49-F238E27FC236}">
+                  <a16:creationId xmlns:a16="http://schemas.microsoft.com/office/drawing/2014/main" id="{737089EC-7998-4C48-8B98-25E5D2674BDC}"/>
+                </a:ext>
+              </a:extLst>
+            </p:cNvPr>
+            <p:cNvSpPr/>
+            <p:nvPr/>
+          </p:nvSpPr>
+          <p:spPr>
+            <a:xfrm>
+              <a:off x="8633275" y="96322"/>
+              <a:ext cx="1980000" cy="365125"/>
+            </a:xfrm>
+            <a:prstGeom prst="roundRect">
+              <a:avLst>
+                <a:gd name="adj" fmla="val 50000"/>
+              </a:avLst>
+            </a:prstGeom>
+            <a:solidFill>
+              <a:schemeClr val="bg1"/>
+            </a:solidFill>
+            <a:ln>
+              <a:noFill/>
+            </a:ln>
+          </p:spPr>
+          <p:style>
+            <a:lnRef idx="2">
+              <a:schemeClr val="accent1">
+                <a:shade val="50000"/>
+              </a:schemeClr>
+            </a:lnRef>
+            <a:fillRef idx="1">
+              <a:schemeClr val="accent1"/>
+            </a:fillRef>
+            <a:effectRef idx="0">
+              <a:schemeClr val="accent1"/>
+            </a:effectRef>
+            <a:fontRef idx="minor">
+              <a:schemeClr val="lt1"/>
+            </a:fontRef>
+          </p:style>
+          <p:txBody>
+            <a:bodyPr rtlCol="0" anchor="ctr"/>
+            <a:lstStyle/>
+            <a:p>
+              <a:pPr algn="ctr"/>
+              <a:r>
+                <a:rPr lang="fr-FR" dirty="0">
+                  <a:solidFill>
+                    <a:srgbClr val="007274"/>
+                  </a:solidFill>
+                  <a:latin typeface="Poppins" panose="00000500000000000000" pitchFamily="2" charset="0"/>
+                  <a:cs typeface="Poppins" panose="00000500000000000000" pitchFamily="2" charset="0"/>
+                </a:rPr>
+                <a:t>Conclusion</a:t>
+              </a:r>
+            </a:p>
+          </p:txBody>
+        </p:sp>
+        <p:cxnSp>
+          <p:nvCxnSpPr>
+            <p:cNvPr id="15" name="Connecteur droit 14">
+              <a:extLst>
+                <a:ext uri="{FF2B5EF4-FFF2-40B4-BE49-F238E27FC236}">
+                  <a16:creationId xmlns:a16="http://schemas.microsoft.com/office/drawing/2014/main" id="{476D2768-863D-44CB-BC8F-FDDF99D0FBAE}"/>
+                </a:ext>
+              </a:extLst>
+            </p:cNvPr>
+            <p:cNvCxnSpPr>
+              <a:cxnSpLocks/>
+              <a:stCxn id="10" idx="6"/>
+              <a:endCxn id="14" idx="1"/>
+            </p:cNvCxnSpPr>
+            <p:nvPr/>
+          </p:nvCxnSpPr>
+          <p:spPr>
+            <a:xfrm>
+              <a:off x="8224390" y="278885"/>
+              <a:ext cx="408885" cy="0"/>
+            </a:xfrm>
+            <a:prstGeom prst="line">
+              <a:avLst/>
+            </a:prstGeom>
+            <a:ln w="19050">
+              <a:solidFill>
+                <a:schemeClr val="bg1"/>
+              </a:solidFill>
+            </a:ln>
+          </p:spPr>
+          <p:style>
+            <a:lnRef idx="1">
+              <a:schemeClr val="accent1"/>
+            </a:lnRef>
+            <a:fillRef idx="0">
+              <a:schemeClr val="accent1"/>
+            </a:fillRef>
+            <a:effectRef idx="0">
+              <a:schemeClr val="accent1"/>
+            </a:effectRef>
+            <a:fontRef idx="minor">
+              <a:schemeClr val="tx1"/>
+            </a:fontRef>
+          </p:style>
+        </p:cxnSp>
+        <p:sp>
+          <p:nvSpPr>
+            <p:cNvPr id="16" name="Rectangle : coins arrondis 15">
+              <a:extLst>
+                <a:ext uri="{FF2B5EF4-FFF2-40B4-BE49-F238E27FC236}">
+                  <a16:creationId xmlns:a16="http://schemas.microsoft.com/office/drawing/2014/main" id="{15C46193-A6CF-4EA8-BE31-1C0EC0BBAAA5}"/>
+                </a:ext>
+              </a:extLst>
+            </p:cNvPr>
+            <p:cNvSpPr/>
+            <p:nvPr/>
+          </p:nvSpPr>
+          <p:spPr>
+            <a:xfrm>
+              <a:off x="1533471" y="96322"/>
+              <a:ext cx="1980000" cy="365125"/>
+            </a:xfrm>
+            <a:prstGeom prst="roundRect">
+              <a:avLst>
+                <a:gd name="adj" fmla="val 50000"/>
+              </a:avLst>
+            </a:prstGeom>
+            <a:solidFill>
+              <a:schemeClr val="bg1"/>
+            </a:solidFill>
+            <a:ln>
+              <a:noFill/>
+            </a:ln>
+          </p:spPr>
+          <p:style>
+            <a:lnRef idx="2">
+              <a:schemeClr val="accent1">
+                <a:shade val="50000"/>
+              </a:schemeClr>
+            </a:lnRef>
+            <a:fillRef idx="1">
+              <a:schemeClr val="accent1"/>
+            </a:fillRef>
+            <a:effectRef idx="0">
+              <a:schemeClr val="accent1"/>
+            </a:effectRef>
+            <a:fontRef idx="minor">
+              <a:schemeClr val="lt1"/>
+            </a:fontRef>
+          </p:style>
+          <p:txBody>
+            <a:bodyPr rtlCol="0" anchor="ctr"/>
+            <a:lstStyle/>
+            <a:p>
+              <a:pPr algn="ctr"/>
+              <a:r>
+                <a:rPr lang="fr-FR" sz="1600" dirty="0">
+                  <a:solidFill>
+                    <a:srgbClr val="007274"/>
+                  </a:solidFill>
+                  <a:latin typeface="Poppins" panose="00000500000000000000" pitchFamily="2" charset="0"/>
+                  <a:cs typeface="Poppins" panose="00000500000000000000" pitchFamily="2" charset="0"/>
+                </a:rPr>
+                <a:t>Démonstration</a:t>
+              </a:r>
+            </a:p>
+          </p:txBody>
+        </p:sp>
+        <p:cxnSp>
+          <p:nvCxnSpPr>
+            <p:cNvPr id="17" name="Connecteur droit 16">
+              <a:extLst>
+                <a:ext uri="{FF2B5EF4-FFF2-40B4-BE49-F238E27FC236}">
+                  <a16:creationId xmlns:a16="http://schemas.microsoft.com/office/drawing/2014/main" id="{2590C297-7E61-4420-86FE-A445F678D968}"/>
+                </a:ext>
+              </a:extLst>
+            </p:cNvPr>
+            <p:cNvCxnSpPr>
+              <a:cxnSpLocks/>
+              <a:stCxn id="16" idx="3"/>
+              <a:endCxn id="12" idx="1"/>
+            </p:cNvCxnSpPr>
+            <p:nvPr/>
+          </p:nvCxnSpPr>
+          <p:spPr>
+            <a:xfrm>
+              <a:off x="3513471" y="278885"/>
+              <a:ext cx="408886" cy="0"/>
+            </a:xfrm>
+            <a:prstGeom prst="line">
+              <a:avLst/>
+            </a:prstGeom>
+            <a:ln w="19050">
+              <a:solidFill>
+                <a:schemeClr val="bg1"/>
+              </a:solidFill>
+            </a:ln>
+          </p:spPr>
+          <p:style>
+            <a:lnRef idx="1">
+              <a:schemeClr val="accent1"/>
+            </a:lnRef>
+            <a:fillRef idx="0">
+              <a:schemeClr val="accent1"/>
+            </a:fillRef>
+            <a:effectRef idx="0">
+              <a:schemeClr val="accent1"/>
+            </a:effectRef>
+            <a:fontRef idx="minor">
+              <a:schemeClr val="tx1"/>
+            </a:fontRef>
+          </p:style>
+        </p:cxnSp>
+      </p:grpSp>
     </p:spTree>
     <p:extLst>
       <p:ext uri="{BB962C8B-B14F-4D97-AF65-F5344CB8AC3E}">
@@ -6942,7 +8590,7 @@
           <a:lstStyle/>
           <a:p>
             <a:r>
-              <a:rPr lang="fr-FR"/>
+              <a:rPr lang="fr-FR" dirty="0"/>
               <a:t>Concept</a:t>
             </a:r>
           </a:p>
@@ -6977,39 +8625,39 @@
           <a:lstStyle/>
           <a:p>
             <a:r>
-              <a:rPr lang="fr-FR"/>
+              <a:rPr lang="fr-FR" dirty="0"/>
               <a:t>Interface web qui envoie automatiquement un mail avec l'emploi du temps de la semaine et les nouvelles notes.</a:t>
             </a:r>
           </a:p>
           <a:p>
-            <a:endParaRPr lang="fr-FR"/>
-          </a:p>
-          <a:p>
-            <a:r>
-              <a:rPr lang="fr-FR"/>
+            <a:endParaRPr lang="fr-FR" dirty="0"/>
+          </a:p>
+          <a:p>
+            <a:r>
+              <a:rPr lang="fr-FR" dirty="0"/>
               <a:t>Alimente la base de données avec l'identifiant, le mot de passe, l'email, le planning et les notes.</a:t>
             </a:r>
           </a:p>
           <a:p>
-            <a:endParaRPr lang="fr-FR"/>
-          </a:p>
-          <a:p>
-            <a:r>
-              <a:rPr lang="fr-FR"/>
+            <a:endParaRPr lang="fr-FR" dirty="0"/>
+          </a:p>
+          <a:p>
+            <a:r>
+              <a:rPr lang="fr-FR" dirty="0"/>
               <a:t>Checking des informations tous les jours pour voir s'il y a des changements. </a:t>
             </a:r>
           </a:p>
           <a:p>
-            <a:endParaRPr lang="fr-FR"/>
-          </a:p>
-          <a:p>
-            <a:r>
-              <a:rPr lang="fr-FR"/>
+            <a:endParaRPr lang="fr-FR" dirty="0"/>
+          </a:p>
+          <a:p>
+            <a:r>
+              <a:rPr lang="fr-FR" dirty="0"/>
               <a:t>Créer un assistant vocal qui sera disponible sur la page web pour permettre de poser des questions concernant par exemple le nombre d'heures de cette semaine ou calculer la moyenne générale</a:t>
             </a:r>
           </a:p>
           <a:p>
-            <a:endParaRPr lang="fr-FR"/>
+            <a:endParaRPr lang="fr-FR" dirty="0"/>
           </a:p>
         </p:txBody>
       </p:sp>
@@ -7035,7 +8683,7 @@
           <a:lstStyle/>
           <a:p>
             <a:r>
-              <a:rPr lang="fr-FR"/>
+              <a:rPr lang="fr-FR" dirty="0"/>
               <a:t>Hugo Demenez &amp; Brieuc Dandoy &amp; Guillaume Gulli &amp; Mohamed Amine Bennouna</a:t>
             </a:r>
           </a:p>
@@ -7066,7 +8714,7 @@
               <a:rPr lang="fr-FR" smtClean="0"/>
               <a:t>4</a:t>
             </a:fld>
-            <a:endParaRPr lang="fr-FR"/>
+            <a:endParaRPr lang="fr-FR" dirty="0"/>
           </a:p>
         </p:txBody>
       </p:sp>
@@ -7121,7 +8769,7 @@
           <a:bodyPr/>
           <a:lstStyle/>
           <a:p>
-            <a:endParaRPr lang="fr-FR"/>
+            <a:endParaRPr lang="fr-FR" dirty="0"/>
           </a:p>
         </p:txBody>
       </p:sp>
@@ -7154,21 +8802,21 @@
           <a:lstStyle/>
           <a:p>
             <a:r>
-              <a:rPr lang="en-US" sz="3200"/>
+              <a:rPr lang="en-US" sz="3200" dirty="0"/>
               <a:t>Gestion de </a:t>
             </a:r>
             <a:r>
-              <a:rPr lang="en-US" sz="3200" err="1"/>
+              <a:rPr lang="fr-FR" sz="3200" dirty="0"/>
               <a:t>Projet</a:t>
             </a:r>
             <a:r>
-              <a:rPr lang="en-US" sz="3200"/>
+              <a:rPr lang="en-US" sz="3200" dirty="0"/>
               <a:t> </a:t>
             </a:r>
             <a:br>
-              <a:rPr lang="en-US" sz="3200"/>
+              <a:rPr lang="en-US" sz="3200" dirty="0"/>
             </a:br>
-            <a:endParaRPr lang="fr-FR" sz="3200"/>
+            <a:endParaRPr lang="fr-FR" sz="3200" dirty="0"/>
           </a:p>
         </p:txBody>
       </p:sp>
@@ -7194,7 +8842,7 @@
           <a:lstStyle/>
           <a:p>
             <a:r>
-              <a:rPr lang="fr-FR"/>
+              <a:rPr lang="fr-FR" dirty="0"/>
               <a:t>Hugo Demenez &amp; Brieuc Dandoy &amp; Guillaume Gulli &amp; Mohamed Amine Bennouna</a:t>
             </a:r>
           </a:p>
@@ -7225,7 +8873,7 @@
               <a:rPr lang="fr-FR" smtClean="0"/>
               <a:t>5</a:t>
             </a:fld>
-            <a:endParaRPr lang="fr-FR"/>
+            <a:endParaRPr lang="fr-FR" dirty="0"/>
           </a:p>
         </p:txBody>
       </p:sp>
@@ -7280,7 +8928,7 @@
           <a:bodyPr/>
           <a:lstStyle/>
           <a:p>
-            <a:endParaRPr lang="en-US"/>
+            <a:endParaRPr lang="en-US" dirty="0"/>
           </a:p>
         </p:txBody>
       </p:sp>
@@ -7313,21 +8961,21 @@
           <a:lstStyle/>
           <a:p>
             <a:r>
-              <a:rPr lang="en-US" sz="2800"/>
+              <a:rPr lang="en-US" sz="2800" dirty="0"/>
               <a:t>Structure du </a:t>
             </a:r>
             <a:r>
-              <a:rPr lang="en-US" sz="2800" err="1"/>
+              <a:rPr lang="en-US" sz="2800" dirty="0" err="1"/>
               <a:t>Projet</a:t>
             </a:r>
             <a:r>
-              <a:rPr lang="en-US" sz="2800"/>
+              <a:rPr lang="en-US" sz="2800" dirty="0"/>
               <a:t> </a:t>
             </a:r>
             <a:br>
-              <a:rPr lang="en-US" sz="2800"/>
+              <a:rPr lang="en-US" sz="2800" dirty="0"/>
             </a:br>
-            <a:endParaRPr lang="en-US"/>
+            <a:endParaRPr lang="en-US" dirty="0"/>
           </a:p>
         </p:txBody>
       </p:sp>
@@ -7353,7 +9001,7 @@
           <a:lstStyle/>
           <a:p>
             <a:r>
-              <a:rPr lang="fr-FR"/>
+              <a:rPr lang="fr-FR" dirty="0"/>
               <a:t>Hugo Demenez &amp; Brieuc Dandoy &amp; Guillaume Gulli &amp; Mohamed Amine Bennouna</a:t>
             </a:r>
           </a:p>
@@ -7483,7 +9131,7 @@
           <a:lstStyle/>
           <a:p>
             <a:r>
-              <a:rPr lang="fr-FR"/>
+              <a:rPr lang="fr-FR" dirty="0"/>
               <a:t>Hugo Demenez &amp; Brieuc Dandoy &amp; Guillaume Gulli &amp; Mohamed Amine Bennouna</a:t>
             </a:r>
           </a:p>
@@ -7620,7 +9268,7 @@
           <a:lstStyle/>
           <a:p>
             <a:r>
-              <a:rPr lang="fr-FR"/>
+              <a:rPr lang="fr-FR" dirty="0"/>
               <a:t>Hugo Demenez &amp; Brieuc Dandoy &amp; Guillaume Gulli &amp; Mohamed Amine Bennouna</a:t>
             </a:r>
           </a:p>
